--- a/resources/MTH107-Rcheatsheet.pptx
+++ b/resources/MTH107-Rcheatsheet.pptx
@@ -1492,7 +1492,7 @@
           </a:ln>
           <a:extLst>
             <a:ext uri="{C572A759-6A51-4108-AA02-DFA0A04FC94B}">
-              <ma14:wrappingTextBoxFlag xmlns="" xmlns:ma14="http://schemas.microsoft.com/office/mac/drawingml/2011/main" val="1"/>
+              <ma14:wrappingTextBoxFlag xmlns:ma14="http://schemas.microsoft.com/office/mac/drawingml/2011/main" xmlns="" val="1"/>
             </a:ext>
           </a:extLst>
         </p:spPr>
@@ -1535,7 +1535,7 @@
           </a:ln>
           <a:extLst>
             <a:ext uri="{C572A759-6A51-4108-AA02-DFA0A04FC94B}">
-              <ma14:wrappingTextBoxFlag xmlns="" xmlns:ma14="http://schemas.microsoft.com/office/mac/drawingml/2011/main" val="1"/>
+              <ma14:wrappingTextBoxFlag xmlns:ma14="http://schemas.microsoft.com/office/mac/drawingml/2011/main" xmlns="" val="1"/>
             </a:ext>
           </a:extLst>
         </p:spPr>
@@ -2035,250 +2035,6 @@
           </a:p>
         </p:txBody>
       </p:sp>
-      <p:sp>
-        <p:nvSpPr>
-          <p:cNvPr id="299" name="Shape 34"/>
-          <p:cNvSpPr/>
-          <p:nvPr/>
-        </p:nvSpPr>
-        <p:spPr>
-          <a:xfrm>
-            <a:off x="-2007464" y="-289042"/>
-            <a:ext cx="1791680" cy="258219"/>
-          </a:xfrm>
-          <a:prstGeom prst="roundRect">
-            <a:avLst>
-              <a:gd name="adj" fmla="val 1194"/>
-            </a:avLst>
-          </a:prstGeom>
-          <a:solidFill>
-            <a:srgbClr val="A6AAA9">
-              <a:alpha val="20000"/>
-            </a:srgbClr>
-          </a:solidFill>
-          <a:ln w="12700">
-            <a:miter lim="400000"/>
-          </a:ln>
-        </p:spPr>
-        <p:txBody>
-          <a:bodyPr lIns="0" tIns="0" rIns="0" bIns="0" anchor="ctr"/>
-          <a:lstStyle/>
-          <a:p>
-            <a:pPr lvl="0" algn="l">
-              <a:defRPr sz="1000">
-                <a:latin typeface="Menlo"/>
-                <a:ea typeface="Menlo"/>
-                <a:cs typeface="Menlo"/>
-                <a:sym typeface="Menlo"/>
-              </a:defRPr>
-            </a:pPr>
-            <a:endParaRPr sz="548"/>
-          </a:p>
-        </p:txBody>
-      </p:sp>
-      <p:sp>
-        <p:nvSpPr>
-          <p:cNvPr id="300" name="Shape 35"/>
-          <p:cNvSpPr/>
-          <p:nvPr/>
-        </p:nvSpPr>
-        <p:spPr>
-          <a:xfrm>
-            <a:off x="-1975686" y="-228213"/>
-            <a:ext cx="1729070" cy="91115"/>
-          </a:xfrm>
-          <a:prstGeom prst="rect">
-            <a:avLst/>
-          </a:prstGeom>
-          <a:ln w="12700">
-            <a:miter lim="400000"/>
-          </a:ln>
-          <a:extLst>
-            <a:ext uri="{C572A759-6A51-4108-AA02-DFA0A04FC94B}">
-              <ma14:wrappingTextBoxFlag xmlns="" xmlns:ma14="http://schemas.microsoft.com/office/mac/drawingml/2011/main" val="1"/>
-            </a:ext>
-          </a:extLst>
-        </p:spPr>
-        <p:txBody>
-          <a:bodyPr lIns="0" tIns="0" rIns="0" bIns="0">
-            <a:spAutoFit/>
-          </a:bodyPr>
-          <a:lstStyle/>
-          <a:p>
-            <a:pPr algn="l">
-              <a:lnSpc>
-                <a:spcPct val="90000"/>
-              </a:lnSpc>
-              <a:spcBef>
-                <a:spcPts val="165"/>
-              </a:spcBef>
-              <a:buSzPct val="100000"/>
-              <a:defRPr sz="1800"/>
-            </a:pPr>
-            <a:endParaRPr sz="658" dirty="0">
-              <a:latin typeface="Source Sans Pro Light"/>
-              <a:ea typeface="Source Sans Pro Light"/>
-              <a:cs typeface="Source Sans Pro Light"/>
-              <a:sym typeface="Source Sans Pro Light"/>
-            </a:endParaRPr>
-          </a:p>
-        </p:txBody>
-      </p:sp>
-      <p:sp>
-        <p:nvSpPr>
-          <p:cNvPr id="301" name="Shape 38"/>
-          <p:cNvSpPr/>
-          <p:nvPr/>
-        </p:nvSpPr>
-        <p:spPr>
-          <a:xfrm>
-            <a:off x="-2007464" y="-443377"/>
-            <a:ext cx="1788934" cy="175600"/>
-          </a:xfrm>
-          <a:prstGeom prst="roundRect">
-            <a:avLst>
-              <a:gd name="adj" fmla="val 20098"/>
-            </a:avLst>
-          </a:prstGeom>
-          <a:solidFill>
-            <a:srgbClr val="A6AAA9"/>
-          </a:solidFill>
-          <a:ln w="12700">
-            <a:miter lim="400000"/>
-          </a:ln>
-          <a:extLst>
-            <a:ext uri="{C572A759-6A51-4108-AA02-DFA0A04FC94B}">
-              <ma14:wrappingTextBoxFlag xmlns="" xmlns:ma14="http://schemas.microsoft.com/office/mac/drawingml/2011/main" val="1"/>
-            </a:ext>
-          </a:extLst>
-        </p:spPr>
-        <p:txBody>
-          <a:bodyPr lIns="0" tIns="0" rIns="0" bIns="0" anchor="ctr"/>
-          <a:lstStyle/>
-          <a:p>
-            <a:pPr lvl="1" indent="0">
-              <a:defRPr sz="1800"/>
-            </a:pPr>
-            <a:r>
-              <a:rPr lang="en-US" sz="1096" b="1" dirty="0">
-                <a:solidFill>
-                  <a:schemeClr val="tx1"/>
-                </a:solidFill>
-                <a:latin typeface="Source Sans Pro"/>
-                <a:ea typeface="Source Sans Pro"/>
-                <a:cs typeface="Source Sans Pro"/>
-                <a:sym typeface="Source Sans Pro"/>
-              </a:rPr>
-              <a:t>Loading </a:t>
-            </a:r>
-            <a:r>
-              <a:rPr lang="en-US" sz="1096" b="1" dirty="0" err="1">
-                <a:solidFill>
-                  <a:schemeClr val="tx1"/>
-                </a:solidFill>
-                <a:latin typeface="Source Sans Pro"/>
-                <a:ea typeface="Source Sans Pro"/>
-                <a:cs typeface="Source Sans Pro"/>
-                <a:sym typeface="Source Sans Pro"/>
-              </a:rPr>
-              <a:t>NCStats</a:t>
-            </a:r>
-            <a:endParaRPr sz="1096" b="1" dirty="0">
-              <a:solidFill>
-                <a:schemeClr val="tx1"/>
-              </a:solidFill>
-              <a:latin typeface="Source Sans Pro"/>
-              <a:ea typeface="Source Sans Pro"/>
-              <a:cs typeface="Source Sans Pro"/>
-              <a:sym typeface="Source Sans Pro"/>
-            </a:endParaRPr>
-          </a:p>
-        </p:txBody>
-      </p:sp>
-      <p:sp>
-        <p:nvSpPr>
-          <p:cNvPr id="2" name="Rectangle 1"/>
-          <p:cNvSpPr/>
-          <p:nvPr/>
-        </p:nvSpPr>
-        <p:spPr>
-          <a:xfrm>
-            <a:off x="-1975686" y="-235422"/>
-            <a:ext cx="1729070" cy="161650"/>
-          </a:xfrm>
-          <a:prstGeom prst="rect">
-            <a:avLst/>
-          </a:prstGeom>
-          <a:solidFill>
-            <a:schemeClr val="bg1"/>
-          </a:solidFill>
-          <a:ln w="12700" cap="flat">
-            <a:noFill/>
-            <a:miter lim="400000"/>
-          </a:ln>
-          <a:effectLst>
-            <a:outerShdw blurRad="38100" dist="25400" dir="5400000" rotWithShape="0">
-              <a:srgbClr val="000000">
-                <a:alpha val="50000"/>
-              </a:srgbClr>
-            </a:outerShdw>
-          </a:effectLst>
-        </p:spPr>
-        <p:style>
-          <a:lnRef idx="0">
-            <a:scrgbClr r="0" g="0" b="0"/>
-          </a:lnRef>
-          <a:fillRef idx="0">
-            <a:scrgbClr r="0" g="0" b="0"/>
-          </a:fillRef>
-          <a:effectRef idx="0">
-            <a:scrgbClr r="0" g="0" b="0"/>
-          </a:effectRef>
-          <a:fontRef idx="none"/>
-        </p:style>
-        <p:txBody>
-          <a:bodyPr rot="0" spcFirstLastPara="1" vertOverflow="overflow" horzOverflow="overflow" vert="horz" wrap="square" lIns="29910" tIns="29910" rIns="29910" bIns="29910" numCol="1" spcCol="38100" rtlCol="0" anchor="ctr">
-            <a:spAutoFit/>
-          </a:bodyPr>
-          <a:lstStyle/>
-          <a:p>
-            <a:pPr algn="l" defTabSz="320174" rtl="0" latinLnBrk="1" hangingPunct="0"/>
-            <a:r>
-              <a:rPr lang="en-US" sz="658" dirty="0">
-                <a:solidFill>
-                  <a:srgbClr val="FF0000"/>
-                </a:solidFill>
-                <a:latin typeface="Source Sans Pro Semibold"/>
-              </a:rPr>
-              <a:t>library(</a:t>
-            </a:r>
-            <a:r>
-              <a:rPr lang="en-US" sz="658" dirty="0" err="1">
-                <a:solidFill>
-                  <a:srgbClr val="FF0000"/>
-                </a:solidFill>
-                <a:latin typeface="Source Sans Pro Semibold"/>
-              </a:rPr>
-              <a:t>NCStats</a:t>
-            </a:r>
-            <a:r>
-              <a:rPr lang="en-US" sz="658" dirty="0">
-                <a:solidFill>
-                  <a:srgbClr val="FF0000"/>
-                </a:solidFill>
-                <a:latin typeface="Source Sans Pro Semibold"/>
-              </a:rPr>
-              <a:t>)</a:t>
-            </a:r>
-            <a:endParaRPr lang="en-US" sz="658" dirty="0">
-              <a:solidFill>
-                <a:srgbClr val="FF0000"/>
-              </a:solidFill>
-              <a:latin typeface="Source Sans Pro Semibold"/>
-            </a:endParaRPr>
-          </a:p>
-        </p:txBody>
-      </p:sp>
       <p:grpSp>
         <p:nvGrpSpPr>
           <p:cNvPr id="24" name="Group 23"/>
@@ -2310,9 +2066,9 @@
               </a:avLst>
             </a:prstGeom>
             <a:solidFill>
-              <a:srgbClr val="A6AAA9">
-                <a:alpha val="20000"/>
-              </a:srgbClr>
+              <a:schemeClr val="bg1">
+                <a:lumMod val="95000"/>
+              </a:schemeClr>
             </a:solidFill>
             <a:ln w="12700">
               <a:miter lim="400000"/>
@@ -2340,7 +2096,25 @@
                   <a:cs typeface="Source Sans Pro Light"/>
                   <a:sym typeface="Source Sans Pro Light"/>
                 </a:rPr>
-                <a:t>Start  script and save it in the same folder that contains the CSV file.</a:t>
+                <a:t>Start </a:t>
+              </a:r>
+              <a:r>
+                <a:rPr lang="en-US" sz="900" dirty="0" smtClean="0">
+                  <a:latin typeface="Source Sans Pro Light"/>
+                  <a:ea typeface="Source Sans Pro Light"/>
+                  <a:cs typeface="Source Sans Pro Light"/>
+                  <a:sym typeface="Source Sans Pro Light"/>
+                </a:rPr>
+                <a:t>script </a:t>
+              </a:r>
+              <a:r>
+                <a:rPr lang="en-US" sz="900" dirty="0" smtClean="0">
+                  <a:latin typeface="Source Sans Pro Light"/>
+                  <a:ea typeface="Source Sans Pro Light"/>
+                  <a:cs typeface="Source Sans Pro Light"/>
+                  <a:sym typeface="Source Sans Pro Light"/>
+                </a:rPr>
+                <a:t>and save it in the same folder that contains the CSV file.</a:t>
               </a:r>
             </a:p>
             <a:p>
@@ -2593,7 +2367,7 @@
             </a:ln>
             <a:extLst>
               <a:ext uri="{C572A759-6A51-4108-AA02-DFA0A04FC94B}">
-                <ma14:wrappingTextBoxFlag xmlns="" xmlns:ma14="http://schemas.microsoft.com/office/mac/drawingml/2011/main" val="1"/>
+                <ma14:wrappingTextBoxFlag xmlns:ma14="http://schemas.microsoft.com/office/mac/drawingml/2011/main" xmlns="" val="1"/>
               </a:ext>
             </a:extLst>
           </p:spPr>
@@ -2702,14 +2476,6 @@
                 </a:rPr>
                 <a:t> &lt;- read.csv(“filename.csv”)</a:t>
               </a:r>
-              <a:endParaRPr lang="en-US" sz="800" dirty="0">
-                <a:solidFill>
-                  <a:srgbClr val="FF0000"/>
-                </a:solidFill>
-                <a:latin typeface="Source Sans Pro Semibold"/>
-                <a:ea typeface="Microsoft Yi Baiti" panose="03000500000000000000" pitchFamily="66" charset="0"/>
-                <a:cs typeface="Cordia New" panose="020B0304020202020204" pitchFamily="34" charset="-34"/>
-              </a:endParaRPr>
             </a:p>
           </p:txBody>
         </p:sp>
@@ -2801,13 +2567,6 @@
                 </a:rPr>
                 <a:t>)</a:t>
               </a:r>
-              <a:endParaRPr lang="en-US" sz="800" dirty="0">
-                <a:solidFill>
-                  <a:srgbClr val="FF0000"/>
-                </a:solidFill>
-                <a:latin typeface="Source Sans Pro Semibold"/>
-                <a:ea typeface="Microsoft Yi Baiti" panose="03000500000000000000" pitchFamily="66" charset="0"/>
-              </a:endParaRPr>
             </a:p>
           </p:txBody>
         </p:sp>
@@ -2829,9 +2588,9 @@
             </a:avLst>
           </a:prstGeom>
           <a:solidFill>
-            <a:srgbClr val="A6AAA9">
-              <a:alpha val="20000"/>
-            </a:srgbClr>
+            <a:schemeClr val="bg1">
+              <a:lumMod val="95000"/>
+            </a:schemeClr>
           </a:solidFill>
           <a:ln w="12700">
             <a:miter lim="400000"/>
@@ -3228,10 +2987,10 @@
                 <a:ea typeface="Microsoft Yi Baiti" panose="03000500000000000000" pitchFamily="66" charset="0"/>
                 <a:cs typeface="Arabic Typesetting" panose="03020402040406030203" pitchFamily="66" charset="-78"/>
               </a:rPr>
-              <a:t> &lt;=v </a:t>
-            </a:r>
-            <a:r>
-              <a:rPr lang="en-US" sz="800" dirty="0" err="1" smtClean="0">
+              <a:t> </a:t>
+            </a:r>
+            <a:r>
+              <a:rPr lang="en-US" sz="800" dirty="0" smtClean="0">
                 <a:solidFill>
                   <a:srgbClr val="FF0000"/>
                 </a:solidFill>
@@ -3239,7 +2998,7 @@
                 <a:ea typeface="Microsoft Yi Baiti" panose="03000500000000000000" pitchFamily="66" charset="0"/>
                 <a:cs typeface="Arabic Typesetting" panose="03020402040406030203" pitchFamily="66" charset="-78"/>
               </a:rPr>
-              <a:t>alue</a:t>
+              <a:t>&lt;= value</a:t>
             </a:r>
             <a:r>
               <a:rPr lang="en-US" sz="800" dirty="0">
@@ -3250,40 +3009,7 @@
                 <a:ea typeface="Microsoft Yi Baiti" panose="03000500000000000000" pitchFamily="66" charset="0"/>
                 <a:cs typeface="Arabic Typesetting" panose="03020402040406030203" pitchFamily="66" charset="-78"/>
               </a:rPr>
-              <a:t>	# </a:t>
-            </a:r>
-            <a:r>
-              <a:rPr lang="en-US" sz="800" dirty="0">
-                <a:solidFill>
-                  <a:srgbClr val="FF0000"/>
-                </a:solidFill>
-                <a:latin typeface="Source Sans Pro Light"/>
-                <a:ea typeface="Microsoft Yi Baiti" panose="03000500000000000000" pitchFamily="66" charset="0"/>
-                <a:cs typeface="Arabic Typesetting" panose="03020402040406030203" pitchFamily="66" charset="-78"/>
-              </a:rPr>
-              <a:t>less </a:t>
-            </a:r>
-            <a:r>
-              <a:rPr lang="en-US" sz="800" dirty="0">
-                <a:solidFill>
-                  <a:srgbClr val="FF0000"/>
-                </a:solidFill>
-                <a:latin typeface="Source Sans Pro Light"/>
-                <a:ea typeface="Microsoft Yi Baiti" panose="03000500000000000000" pitchFamily="66" charset="0"/>
-                <a:cs typeface="Arabic Typesetting" panose="03020402040406030203" pitchFamily="66" charset="-78"/>
-              </a:rPr>
-              <a:t>than or </a:t>
-            </a:r>
-            <a:r>
-              <a:rPr lang="en-US" sz="800" dirty="0">
-                <a:solidFill>
-                  <a:srgbClr val="FF0000"/>
-                </a:solidFill>
-                <a:latin typeface="Source Sans Pro Light"/>
-                <a:ea typeface="Microsoft Yi Baiti" panose="03000500000000000000" pitchFamily="66" charset="0"/>
-                <a:cs typeface="Arabic Typesetting" panose="03020402040406030203" pitchFamily="66" charset="-78"/>
-              </a:rPr>
-              <a:t>equal</a:t>
+              <a:t>	# less than or equal</a:t>
             </a:r>
           </a:p>
           <a:p>
@@ -3441,18 +3167,7 @@
                 <a:ea typeface="Microsoft Yi Baiti" panose="03000500000000000000" pitchFamily="66" charset="0"/>
                 <a:cs typeface="Arabic Typesetting" panose="03020402040406030203" pitchFamily="66" charset="-78"/>
               </a:rPr>
-              <a:t>	</a:t>
-            </a:r>
-            <a:r>
-              <a:rPr lang="en-US" sz="800" dirty="0">
-                <a:solidFill>
-                  <a:srgbClr val="FF0000"/>
-                </a:solidFill>
-                <a:latin typeface="Source Sans Pro Light"/>
-                <a:ea typeface="Microsoft Yi Baiti" panose="03000500000000000000" pitchFamily="66" charset="0"/>
-                <a:cs typeface="Arabic Typesetting" panose="03020402040406030203" pitchFamily="66" charset="-78"/>
-              </a:rPr>
-              <a:t># either condition met</a:t>
+              <a:t>	# either condition met</a:t>
             </a:r>
           </a:p>
           <a:p>
@@ -3509,27 +3224,8 @@
                 <a:ea typeface="Microsoft Yi Baiti" panose="03000500000000000000" pitchFamily="66" charset="0"/>
                 <a:cs typeface="Arabic Typesetting" panose="03020402040406030203" pitchFamily="66" charset="-78"/>
               </a:rPr>
-              <a:t>	</a:t>
-            </a:r>
-            <a:r>
-              <a:rPr lang="en-US" sz="800" dirty="0">
-                <a:solidFill>
-                  <a:srgbClr val="FF0000"/>
-                </a:solidFill>
-                <a:latin typeface="Source Sans Pro Light"/>
-                <a:ea typeface="Microsoft Yi Baiti" panose="03000500000000000000" pitchFamily="66" charset="0"/>
-                <a:cs typeface="Arabic Typesetting" panose="03020402040406030203" pitchFamily="66" charset="-78"/>
-              </a:rPr>
-              <a:t># both conditions met</a:t>
-            </a:r>
-            <a:endParaRPr lang="en-US" sz="800" dirty="0">
-              <a:solidFill>
-                <a:srgbClr val="FF0000"/>
-              </a:solidFill>
-              <a:latin typeface="Source Sans Pro Light"/>
-              <a:ea typeface="Microsoft Yi Baiti" panose="03000500000000000000" pitchFamily="66" charset="0"/>
-              <a:cs typeface="Arabic Typesetting" panose="03020402040406030203" pitchFamily="66" charset="-78"/>
-            </a:endParaRPr>
+              <a:t>	# both conditions met</a:t>
+            </a:r>
           </a:p>
           <a:p>
             <a:pPr lvl="0" algn="l">
@@ -3664,7 +3360,7 @@
           </a:ln>
           <a:extLst>
             <a:ext uri="{C572A759-6A51-4108-AA02-DFA0A04FC94B}">
-              <ma14:wrappingTextBoxFlag xmlns="" xmlns:ma14="http://schemas.microsoft.com/office/mac/drawingml/2011/main" val="1"/>
+              <ma14:wrappingTextBoxFlag xmlns:ma14="http://schemas.microsoft.com/office/mac/drawingml/2011/main" xmlns="" val="1"/>
             </a:ext>
           </a:extLst>
         </p:spPr>
@@ -3811,13 +3507,6 @@
               </a:rPr>
               <a:t>)</a:t>
             </a:r>
-            <a:endParaRPr lang="en-US" sz="800" dirty="0">
-              <a:solidFill>
-                <a:srgbClr val="FF0000"/>
-              </a:solidFill>
-              <a:latin typeface="Source Sans Pro Semibold"/>
-              <a:ea typeface="Microsoft Yi Baiti" panose="03000500000000000000" pitchFamily="66" charset="0"/>
-            </a:endParaRPr>
           </a:p>
         </p:txBody>
       </p:sp>
@@ -3909,13 +3598,6 @@
               </a:rPr>
               <a:t>,]</a:t>
             </a:r>
-            <a:endParaRPr lang="en-US" sz="800" dirty="0">
-              <a:solidFill>
-                <a:srgbClr val="FF0000"/>
-              </a:solidFill>
-              <a:latin typeface="Source Sans Pro Semibold"/>
-              <a:ea typeface="Microsoft Yi Baiti" panose="03000500000000000000" pitchFamily="66" charset="0"/>
-            </a:endParaRPr>
           </a:p>
         </p:txBody>
       </p:sp>
@@ -4007,13 +3689,6 @@
               </a:rPr>
               <a:t>,]</a:t>
             </a:r>
-            <a:endParaRPr lang="en-US" sz="800" dirty="0">
-              <a:solidFill>
-                <a:srgbClr val="FF0000"/>
-              </a:solidFill>
-              <a:latin typeface="Source Sans Pro Semibold"/>
-              <a:ea typeface="Microsoft Yi Baiti" panose="03000500000000000000" pitchFamily="66" charset="0"/>
-            </a:endParaRPr>
           </a:p>
         </p:txBody>
       </p:sp>
@@ -4030,6 +3705,11 @@
             <a:chOff x="2291210" y="4190751"/>
             <a:chExt cx="2152399" cy="2204183"/>
           </a:xfrm>
+          <a:solidFill>
+            <a:schemeClr val="bg1">
+              <a:lumMod val="95000"/>
+            </a:schemeClr>
+          </a:solidFill>
         </p:grpSpPr>
         <p:sp>
           <p:nvSpPr>
@@ -4047,11 +3727,7 @@
                 <a:gd name="adj" fmla="val 1194"/>
               </a:avLst>
             </a:prstGeom>
-            <a:solidFill>
-              <a:srgbClr val="A6AAA9">
-                <a:alpha val="20000"/>
-              </a:srgbClr>
-            </a:solidFill>
+            <a:grpFill/>
             <a:ln w="12700">
               <a:miter lim="400000"/>
             </a:ln>
@@ -4220,12 +3896,6 @@
                 </a:rPr>
                 <a:t> variables.</a:t>
               </a:r>
-              <a:endParaRPr lang="en-US" sz="800" dirty="0">
-                <a:latin typeface="Source Sans Pro Light"/>
-                <a:ea typeface="Source Sans Pro Light"/>
-                <a:cs typeface="Source Sans Pro Light"/>
-                <a:sym typeface="Source Sans Pro Light"/>
-              </a:endParaRPr>
             </a:p>
           </p:txBody>
         </p:sp>
@@ -4246,14 +3916,16 @@
               </a:avLst>
             </a:prstGeom>
             <a:solidFill>
-              <a:srgbClr val="A6AAA9"/>
+              <a:schemeClr val="bg1">
+                <a:lumMod val="65000"/>
+              </a:schemeClr>
             </a:solidFill>
             <a:ln w="12700">
               <a:miter lim="400000"/>
             </a:ln>
             <a:extLst>
               <a:ext uri="{C572A759-6A51-4108-AA02-DFA0A04FC94B}">
-                <ma14:wrappingTextBoxFlag xmlns="" xmlns:ma14="http://schemas.microsoft.com/office/mac/drawingml/2011/main" val="1"/>
+                <ma14:wrappingTextBoxFlag xmlns:ma14="http://schemas.microsoft.com/office/mac/drawingml/2011/main" xmlns="" val="1"/>
               </a:ext>
             </a:extLst>
           </p:spPr>
@@ -4448,6 +4120,42 @@
                   </a:solidFill>
                   <a:latin typeface="Source Sans Pro Semibold"/>
                 </a:rPr>
+                <a:t>      </a:t>
+              </a:r>
+              <a:r>
+                <a:rPr lang="en-US" sz="800" dirty="0" err="1" smtClean="0">
+                  <a:solidFill>
+                    <a:srgbClr val="FF0000"/>
+                  </a:solidFill>
+                  <a:latin typeface="Source Sans Pro Semibold"/>
+                </a:rPr>
+                <a:t>ylab</a:t>
+              </a:r>
+              <a:r>
+                <a:rPr lang="en-US" sz="800" dirty="0" smtClean="0">
+                  <a:solidFill>
+                    <a:srgbClr val="FF0000"/>
+                  </a:solidFill>
+                  <a:latin typeface="Source Sans Pro Semibold"/>
+                </a:rPr>
+                <a:t>=“</a:t>
+              </a:r>
+              <a:r>
+                <a:rPr lang="en-US" sz="800" dirty="0" err="1" smtClean="0">
+                  <a:solidFill>
+                    <a:srgbClr val="FF0000"/>
+                  </a:solidFill>
+                  <a:latin typeface="Source Sans Pro Semibold"/>
+                </a:rPr>
+                <a:t>yvar</a:t>
+              </a:r>
+              <a:r>
+                <a:rPr lang="en-US" sz="800" dirty="0" smtClean="0">
+                  <a:solidFill>
+                    <a:srgbClr val="FF0000"/>
+                  </a:solidFill>
+                  <a:latin typeface="Source Sans Pro Semibold"/>
+                </a:rPr>
                 <a:t> </a:t>
               </a:r>
               <a:r>
@@ -4457,7 +4165,16 @@
                   </a:solidFill>
                   <a:latin typeface="Source Sans Pro Semibold"/>
                 </a:rPr>
-                <a:t>     </a:t>
+                <a:t>label</a:t>
+              </a:r>
+              <a:r>
+                <a:rPr lang="en-US" sz="800" dirty="0" smtClean="0">
+                  <a:solidFill>
+                    <a:srgbClr val="FF0000"/>
+                  </a:solidFill>
+                  <a:latin typeface="Source Sans Pro Semibold"/>
+                </a:rPr>
+                <a:t>”,</a:t>
               </a:r>
               <a:r>
                 <a:rPr lang="en-US" sz="800" dirty="0" err="1" smtClean="0">
@@ -4466,7 +4183,7 @@
                   </a:solidFill>
                   <a:latin typeface="Source Sans Pro Semibold"/>
                 </a:rPr>
-                <a:t>xyab</a:t>
+                <a:t>xlab</a:t>
               </a:r>
               <a:r>
                 <a:rPr lang="en-US" sz="800" dirty="0" smtClean="0">
@@ -4484,7 +4201,7 @@
                   </a:solidFill>
                   <a:latin typeface="Source Sans Pro Semibold"/>
                 </a:rPr>
-                <a:t>yvar</a:t>
+                <a:t>xvar</a:t>
               </a:r>
               <a:r>
                 <a:rPr lang="en-US" sz="800" dirty="0" smtClean="0">
@@ -4502,68 +4219,8 @@
                   </a:solidFill>
                   <a:latin typeface="Source Sans Pro Semibold"/>
                 </a:rPr>
-                <a:t>label</a:t>
-              </a:r>
-              <a:r>
-                <a:rPr lang="en-US" sz="800" dirty="0" smtClean="0">
-                  <a:solidFill>
-                    <a:srgbClr val="FF0000"/>
-                  </a:solidFill>
-                  <a:latin typeface="Source Sans Pro Semibold"/>
-                </a:rPr>
-                <a:t>”,</a:t>
-              </a:r>
-              <a:r>
-                <a:rPr lang="en-US" sz="800" dirty="0" err="1" smtClean="0">
-                  <a:solidFill>
-                    <a:srgbClr val="FF0000"/>
-                  </a:solidFill>
-                  <a:latin typeface="Source Sans Pro Semibold"/>
-                </a:rPr>
-                <a:t>xlab</a:t>
-              </a:r>
-              <a:r>
-                <a:rPr lang="en-US" sz="800" dirty="0" smtClean="0">
-                  <a:solidFill>
-                    <a:srgbClr val="FF0000"/>
-                  </a:solidFill>
-                  <a:latin typeface="Source Sans Pro Semibold"/>
-                </a:rPr>
-                <a:t>=“</a:t>
-              </a:r>
-              <a:r>
-                <a:rPr lang="en-US" sz="800" dirty="0" err="1" smtClean="0">
-                  <a:solidFill>
-                    <a:srgbClr val="FF0000"/>
-                  </a:solidFill>
-                  <a:latin typeface="Source Sans Pro Semibold"/>
-                </a:rPr>
-                <a:t>xvar</a:t>
-              </a:r>
-              <a:r>
-                <a:rPr lang="en-US" sz="800" dirty="0" smtClean="0">
-                  <a:solidFill>
-                    <a:srgbClr val="FF0000"/>
-                  </a:solidFill>
-                  <a:latin typeface="Source Sans Pro Semibold"/>
-                </a:rPr>
-                <a:t> </a:t>
-              </a:r>
-              <a:r>
-                <a:rPr lang="en-US" sz="800" dirty="0">
-                  <a:solidFill>
-                    <a:srgbClr val="FF0000"/>
-                  </a:solidFill>
-                  <a:latin typeface="Source Sans Pro Semibold"/>
-                </a:rPr>
                 <a:t>label”)</a:t>
               </a:r>
-              <a:endParaRPr lang="en-US" sz="800" dirty="0">
-                <a:solidFill>
-                  <a:srgbClr val="FF0000"/>
-                </a:solidFill>
-                <a:latin typeface="Source Sans Pro Semibold"/>
-              </a:endParaRPr>
             </a:p>
           </p:txBody>
         </p:sp>
@@ -4783,9 +4440,9 @@
             </a:avLst>
           </a:prstGeom>
           <a:solidFill>
-            <a:srgbClr val="A6AAA9">
-              <a:alpha val="20000"/>
-            </a:srgbClr>
+            <a:schemeClr val="bg1">
+              <a:lumMod val="95000"/>
+            </a:schemeClr>
           </a:solidFill>
           <a:ln w="12700">
             <a:miter lim="400000"/>
@@ -4871,7 +4528,19 @@
               <a:rPr lang="en-US" sz="800" dirty="0">
                 <a:latin typeface="Source Sans Pro Light"/>
               </a:rPr>
-              <a:t> is the population </a:t>
+              <a:t> </a:t>
+            </a:r>
+            <a:r>
+              <a:rPr lang="en-US" sz="800" dirty="0" smtClean="0">
+                <a:latin typeface="Source Sans Pro Light"/>
+              </a:rPr>
+              <a:t>is </a:t>
+            </a:r>
+            <a:r>
+              <a:rPr lang="en-US" sz="800" dirty="0">
+                <a:latin typeface="Source Sans Pro Light"/>
+              </a:rPr>
+              <a:t>population </a:t>
             </a:r>
             <a:r>
               <a:rPr lang="en-US" sz="800" dirty="0" smtClean="0">
@@ -4919,10 +4588,16 @@
               <a:t> </a:t>
             </a:r>
             <a:r>
-              <a:rPr lang="en-US" sz="800" dirty="0">
-                <a:latin typeface="Source Sans Pro Light"/>
-              </a:rPr>
-              <a:t>is the standard deviation </a:t>
+              <a:rPr lang="en-US" sz="800" dirty="0" smtClean="0">
+                <a:latin typeface="Source Sans Pro Light"/>
+              </a:rPr>
+              <a:t>is </a:t>
+            </a:r>
+            <a:r>
+              <a:rPr lang="en-US" sz="800" dirty="0">
+                <a:latin typeface="Source Sans Pro Light"/>
+              </a:rPr>
+              <a:t>standard deviation </a:t>
             </a:r>
             <a:r>
               <a:rPr lang="en-US" sz="800" dirty="0" smtClean="0">
@@ -4943,11 +4618,14 @@
               <a:t>) or </a:t>
             </a:r>
             <a:r>
-              <a:rPr lang="en-US" sz="800" dirty="0">
-                <a:latin typeface="Source Sans Pro Light"/>
-              </a:rPr>
-              <a:t>error</a:t>
-            </a:r>
+              <a:rPr lang="en-US" sz="800" dirty="0" smtClean="0">
+                <a:latin typeface="Source Sans Pro Light"/>
+              </a:rPr>
+              <a:t>error (SE)</a:t>
+            </a:r>
+            <a:endParaRPr lang="en-US" sz="800" dirty="0">
+              <a:latin typeface="Source Sans Pro Light"/>
+            </a:endParaRPr>
           </a:p>
           <a:p>
             <a:pPr marL="62643" indent="-60903" algn="l">
@@ -5063,12 +4741,6 @@
               </a:rPr>
               <a:t>=sample size):</a:t>
             </a:r>
-            <a:endParaRPr lang="en-US" sz="800" dirty="0">
-              <a:latin typeface="Source Sans Pro Light"/>
-              <a:ea typeface="Source Sans Pro Light"/>
-              <a:cs typeface="Source Sans Pro Light"/>
-              <a:sym typeface="Source Sans Pro Light"/>
-            </a:endParaRPr>
           </a:p>
         </p:txBody>
       </p:sp>
@@ -5096,7 +4768,7 @@
           </a:ln>
           <a:extLst>
             <a:ext uri="{C572A759-6A51-4108-AA02-DFA0A04FC94B}">
-              <ma14:wrappingTextBoxFlag xmlns="" xmlns:ma14="http://schemas.microsoft.com/office/mac/drawingml/2011/main" val="1"/>
+              <ma14:wrappingTextBoxFlag xmlns:ma14="http://schemas.microsoft.com/office/mac/drawingml/2011/main" xmlns="" val="1"/>
             </a:ext>
           </a:extLst>
         </p:spPr>
@@ -5299,12 +4971,6 @@
               </a:rPr>
               <a:t>=“q”)</a:t>
             </a:r>
-            <a:endParaRPr lang="en-US" sz="800" dirty="0">
-              <a:solidFill>
-                <a:srgbClr val="FF0000"/>
-              </a:solidFill>
-              <a:latin typeface="Source Sans Pro Semibold"/>
-            </a:endParaRPr>
           </a:p>
         </p:txBody>
       </p:sp>
@@ -5428,12 +5094,6 @@
               </a:rPr>
               <a:t>)</a:t>
             </a:r>
-            <a:endParaRPr lang="en-US" sz="800" dirty="0">
-              <a:solidFill>
-                <a:srgbClr val="FF0000"/>
-              </a:solidFill>
-              <a:latin typeface="Source Sans Pro Semibold"/>
-            </a:endParaRPr>
           </a:p>
         </p:txBody>
       </p:sp>
@@ -5504,9 +5164,9 @@
               </a:avLst>
             </a:prstGeom>
             <a:solidFill>
-              <a:srgbClr val="A6AAA9">
-                <a:alpha val="20000"/>
-              </a:srgbClr>
+              <a:schemeClr val="bg1">
+                <a:lumMod val="95000"/>
+              </a:schemeClr>
             </a:solidFill>
             <a:ln w="12700">
               <a:miter lim="400000"/>
@@ -5742,12 +5402,6 @@
                 </a:rPr>
                 <a:t> variable.</a:t>
               </a:r>
-              <a:endParaRPr lang="en-US" sz="800" dirty="0">
-                <a:latin typeface="Source Sans Pro Light"/>
-                <a:ea typeface="Source Sans Pro Light"/>
-                <a:cs typeface="Source Sans Pro Light"/>
-                <a:sym typeface="Source Sans Pro Light"/>
-              </a:endParaRPr>
             </a:p>
           </p:txBody>
         </p:sp>
@@ -5775,7 +5429,7 @@
             </a:ln>
             <a:extLst>
               <a:ext uri="{C572A759-6A51-4108-AA02-DFA0A04FC94B}">
-                <ma14:wrappingTextBoxFlag xmlns="" xmlns:ma14="http://schemas.microsoft.com/office/mac/drawingml/2011/main" val="1"/>
+                <ma14:wrappingTextBoxFlag xmlns:ma14="http://schemas.microsoft.com/office/mac/drawingml/2011/main" xmlns="" val="1"/>
               </a:ext>
             </a:extLst>
           </p:spPr>
@@ -5987,12 +5641,6 @@
                 </a:rPr>
                 <a:t>label”)</a:t>
               </a:r>
-              <a:endParaRPr lang="en-US" sz="800" dirty="0">
-                <a:solidFill>
-                  <a:srgbClr val="FF0000"/>
-                </a:solidFill>
-                <a:latin typeface="Source Sans Pro Semibold"/>
-              </a:endParaRPr>
             </a:p>
           </p:txBody>
         </p:sp>
@@ -6186,7 +5834,25 @@
                   </a:solidFill>
                   <a:latin typeface="Source Sans Pro Semibold"/>
                 </a:rPr>
-                <a:t>	</a:t>
+                <a:t>	     </a:t>
+              </a:r>
+              <a:r>
+                <a:rPr lang="en-US" sz="800" dirty="0" smtClean="0">
+                  <a:solidFill>
+                    <a:srgbClr val="FF0000"/>
+                  </a:solidFill>
+                  <a:latin typeface="Source Sans Pro Semibold"/>
+                </a:rPr>
+                <a:t>     </a:t>
+              </a:r>
+              <a:r>
+                <a:rPr lang="en-US" sz="800" dirty="0" err="1">
+                  <a:solidFill>
+                    <a:srgbClr val="FF0000"/>
+                  </a:solidFill>
+                  <a:latin typeface="Source Sans Pro Semibold"/>
+                </a:rPr>
+                <a:t>ylab</a:t>
               </a:r>
               <a:r>
                 <a:rPr lang="en-US" sz="800" dirty="0">
@@ -6195,41 +5861,8 @@
                   </a:solidFill>
                   <a:latin typeface="Source Sans Pro Semibold"/>
                 </a:rPr>
-                <a:t>     </a:t>
-              </a:r>
-              <a:r>
-                <a:rPr lang="en-US" sz="800" dirty="0" smtClean="0">
-                  <a:solidFill>
-                    <a:srgbClr val="FF0000"/>
-                  </a:solidFill>
-                  <a:latin typeface="Source Sans Pro Semibold"/>
-                </a:rPr>
-                <a:t>     </a:t>
-              </a:r>
-              <a:r>
-                <a:rPr lang="en-US" sz="800" dirty="0" err="1">
-                  <a:solidFill>
-                    <a:srgbClr val="FF0000"/>
-                  </a:solidFill>
-                  <a:latin typeface="Source Sans Pro Semibold"/>
-                </a:rPr>
-                <a:t>ylab</a:t>
-              </a:r>
-              <a:r>
-                <a:rPr lang="en-US" sz="800" dirty="0">
-                  <a:solidFill>
-                    <a:srgbClr val="FF0000"/>
-                  </a:solidFill>
-                  <a:latin typeface="Source Sans Pro Semibold"/>
-                </a:rPr>
                 <a:t>=“Frequency”)</a:t>
               </a:r>
-              <a:endParaRPr lang="en-US" sz="800" dirty="0">
-                <a:solidFill>
-                  <a:srgbClr val="FF0000"/>
-                </a:solidFill>
-                <a:latin typeface="Source Sans Pro Semibold"/>
-              </a:endParaRPr>
             </a:p>
           </p:txBody>
         </p:sp>
@@ -6410,12 +6043,6 @@
                 </a:rPr>
                 <a:t>label”)</a:t>
               </a:r>
-              <a:endParaRPr lang="en-US" sz="800" dirty="0">
-                <a:solidFill>
-                  <a:srgbClr val="FF0000"/>
-                </a:solidFill>
-                <a:latin typeface="Source Sans Pro Semibold"/>
-              </a:endParaRPr>
             </a:p>
           </p:txBody>
         </p:sp>
@@ -6437,9 +6064,9 @@
             </a:avLst>
           </a:prstGeom>
           <a:solidFill>
-            <a:srgbClr val="A6AAA9">
-              <a:alpha val="20000"/>
-            </a:srgbClr>
+            <a:schemeClr val="bg1">
+              <a:lumMod val="95000"/>
+            </a:schemeClr>
           </a:solidFill>
           <a:ln w="12700">
             <a:miter lim="400000"/>
@@ -6717,12 +6344,6 @@
               </a:rPr>
               <a:t>.</a:t>
             </a:r>
-            <a:endParaRPr lang="en-US" sz="800" dirty="0">
-              <a:latin typeface="Source Sans Pro Light"/>
-              <a:ea typeface="Source Sans Pro Light"/>
-              <a:cs typeface="Source Sans Pro Light"/>
-              <a:sym typeface="Source Sans Pro Light"/>
-            </a:endParaRPr>
           </a:p>
         </p:txBody>
       </p:sp>
@@ -6750,7 +6371,7 @@
           </a:ln>
           <a:extLst>
             <a:ext uri="{C572A759-6A51-4108-AA02-DFA0A04FC94B}">
-              <ma14:wrappingTextBoxFlag xmlns="" xmlns:ma14="http://schemas.microsoft.com/office/mac/drawingml/2011/main" val="1"/>
+              <ma14:wrappingTextBoxFlag xmlns:ma14="http://schemas.microsoft.com/office/mac/drawingml/2011/main" xmlns="" val="1"/>
             </a:ext>
           </a:extLst>
         </p:spPr>
@@ -6896,12 +6517,6 @@
               </a:rPr>
               <a:t>) )</a:t>
             </a:r>
-            <a:endParaRPr lang="en-US" sz="800" dirty="0">
-              <a:solidFill>
-                <a:srgbClr val="FF0000"/>
-              </a:solidFill>
-              <a:latin typeface="Source Sans Pro Semibold"/>
-            </a:endParaRPr>
           </a:p>
         </p:txBody>
       </p:sp>
@@ -6989,12 +6604,6 @@
               </a:rPr>
               <a:t>)</a:t>
             </a:r>
-            <a:endParaRPr lang="en-US" sz="800" dirty="0">
-              <a:solidFill>
-                <a:srgbClr val="FF0000"/>
-              </a:solidFill>
-              <a:latin typeface="Source Sans Pro Semibold"/>
-            </a:endParaRPr>
           </a:p>
         </p:txBody>
       </p:sp>
@@ -7163,12 +6772,6 @@
               </a:rPr>
               <a:t>label”)</a:t>
             </a:r>
-            <a:endParaRPr lang="en-US" sz="800" dirty="0">
-              <a:solidFill>
-                <a:srgbClr val="FF0000"/>
-              </a:solidFill>
-              <a:latin typeface="Source Sans Pro Semibold"/>
-            </a:endParaRPr>
           </a:p>
         </p:txBody>
       </p:sp>
@@ -7221,7 +6824,7 @@
           <a:p>
             <a:pPr algn="l" defTabSz="320174" rtl="0" latinLnBrk="1" hangingPunct="0"/>
             <a:r>
-              <a:rPr lang="en-US" sz="800" dirty="0">
+              <a:rPr lang="en-US" sz="800" dirty="0" smtClean="0">
                 <a:solidFill>
                   <a:srgbClr val="FF0000"/>
                 </a:solidFill>
@@ -7230,7 +6833,7 @@
               <a:t>predict(</a:t>
             </a:r>
             <a:r>
-              <a:rPr lang="en-US" sz="800" dirty="0" err="1">
+              <a:rPr lang="en-US" sz="800" dirty="0" err="1" smtClean="0">
                 <a:solidFill>
                   <a:srgbClr val="FF0000"/>
                 </a:solidFill>
@@ -7239,7 +6842,7 @@
               <a:t>bfl,data.frame</a:t>
             </a:r>
             <a:r>
-              <a:rPr lang="en-US" sz="800" dirty="0">
+              <a:rPr lang="en-US" sz="800" dirty="0" smtClean="0">
                 <a:solidFill>
                   <a:srgbClr val="FF0000"/>
                 </a:solidFill>
@@ -7248,7 +6851,7 @@
               <a:t>(</a:t>
             </a:r>
             <a:r>
-              <a:rPr lang="en-US" sz="800" dirty="0" err="1">
+              <a:rPr lang="en-US" sz="800" dirty="0" err="1" smtClean="0">
                 <a:solidFill>
                   <a:srgbClr val="FF0000"/>
                 </a:solidFill>
@@ -7257,7 +6860,7 @@
               <a:t>expvar</a:t>
             </a:r>
             <a:r>
-              <a:rPr lang="en-US" sz="800" dirty="0">
+              <a:rPr lang="en-US" sz="800" dirty="0" smtClean="0">
                 <a:solidFill>
                   <a:srgbClr val="FF0000"/>
                 </a:solidFill>
@@ -7266,7 +6869,7 @@
               <a:t>=</a:t>
             </a:r>
             <a:r>
-              <a:rPr lang="en-US" sz="800" dirty="0" err="1">
+              <a:rPr lang="en-US" sz="800" dirty="0" err="1" smtClean="0">
                 <a:solidFill>
                   <a:srgbClr val="FF0000"/>
                 </a:solidFill>
@@ -7275,13 +6878,13 @@
               <a:t>expval</a:t>
             </a:r>
             <a:r>
-              <a:rPr lang="en-US" sz="800" dirty="0">
-                <a:solidFill>
-                  <a:srgbClr val="FF0000"/>
-                </a:solidFill>
-                <a:latin typeface="Source Sans Pro Semibold"/>
-              </a:rPr>
-              <a:t>)</a:t>
+              <a:rPr lang="en-US" sz="800" dirty="0" smtClean="0">
+                <a:solidFill>
+                  <a:srgbClr val="FF0000"/>
+                </a:solidFill>
+                <a:latin typeface="Source Sans Pro Semibold"/>
+              </a:rPr>
+              <a:t>))</a:t>
             </a:r>
             <a:endParaRPr lang="en-US" sz="800" dirty="0">
               <a:solidFill>
@@ -7309,9 +6912,9 @@
             </a:avLst>
           </a:prstGeom>
           <a:solidFill>
-            <a:srgbClr val="A6AAA9">
-              <a:alpha val="20000"/>
-            </a:srgbClr>
+            <a:schemeClr val="bg1">
+              <a:lumMod val="95000"/>
+            </a:schemeClr>
           </a:solidFill>
           <a:ln w="12700">
             <a:miter lim="400000"/>
@@ -7571,19 +7174,25 @@
               <a:rPr lang="en-US" sz="800" dirty="0">
                 <a:latin typeface="Source Sans Pro Light"/>
               </a:rPr>
-              <a:t>is the population </a:t>
+              <a:t>is the </a:t>
+            </a:r>
+            <a:r>
+              <a:rPr lang="en-US" sz="800" dirty="0" err="1" smtClean="0">
+                <a:latin typeface="Source Sans Pro Light"/>
+              </a:rPr>
+              <a:t>popn</a:t>
             </a:r>
             <a:r>
               <a:rPr lang="en-US" sz="800" dirty="0" smtClean="0">
                 <a:latin typeface="Source Sans Pro Light"/>
               </a:rPr>
-              <a:t>stand</a:t>
-            </a:r>
-            <a:r>
-              <a:rPr lang="en-US" sz="800" dirty="0">
-                <a:latin typeface="Source Sans Pro Light"/>
-              </a:rPr>
-              <a:t> deviation (</a:t>
+              <a:t>. standard </a:t>
+            </a:r>
+            <a:r>
+              <a:rPr lang="en-US" sz="800" dirty="0">
+                <a:latin typeface="Source Sans Pro Light"/>
+              </a:rPr>
+              <a:t>deviation (</a:t>
             </a:r>
             <a:r>
               <a:rPr lang="en-US" sz="800" dirty="0">
@@ -7807,7 +7416,7 @@
           </a:ln>
           <a:extLst>
             <a:ext uri="{C572A759-6A51-4108-AA02-DFA0A04FC94B}">
-              <ma14:wrappingTextBoxFlag xmlns="" xmlns:ma14="http://schemas.microsoft.com/office/mac/drawingml/2011/main" val="1"/>
+              <ma14:wrappingTextBoxFlag xmlns:ma14="http://schemas.microsoft.com/office/mac/drawingml/2011/main" xmlns="" val="1"/>
             </a:ext>
           </a:extLst>
         </p:spPr>
@@ -8363,9 +7972,9 @@
             </a:avLst>
           </a:prstGeom>
           <a:solidFill>
-            <a:srgbClr val="A6AAA9">
-              <a:alpha val="20000"/>
-            </a:srgbClr>
+            <a:schemeClr val="bg1">
+              <a:lumMod val="95000"/>
+            </a:schemeClr>
           </a:solidFill>
           <a:ln w="12700">
             <a:miter lim="400000"/>
@@ -8535,7 +8144,13 @@
               <a:rPr lang="en-US" sz="800" dirty="0">
                 <a:latin typeface="Source Sans Pro Light"/>
               </a:rPr>
-              <a:t>Chi-square from </a:t>
+              <a:t>Chi-square </a:t>
+            </a:r>
+            <a:r>
+              <a:rPr lang="en-US" sz="800" dirty="0" smtClean="0">
+                <a:latin typeface="Source Sans Pro Light"/>
+              </a:rPr>
+              <a:t>for </a:t>
             </a:r>
             <a:r>
               <a:rPr lang="en-US" sz="800" dirty="0">
@@ -8605,9 +8220,6 @@
               </a:rPr>
               <a:t>).</a:t>
             </a:r>
-            <a:endParaRPr lang="en-US" sz="800" dirty="0">
-              <a:latin typeface="Source Sans Pro Light"/>
-            </a:endParaRPr>
           </a:p>
         </p:txBody>
       </p:sp>
@@ -8635,7 +8247,7 @@
           </a:ln>
           <a:extLst>
             <a:ext uri="{C572A759-6A51-4108-AA02-DFA0A04FC94B}">
-              <ma14:wrappingTextBoxFlag xmlns="" xmlns:ma14="http://schemas.microsoft.com/office/mac/drawingml/2011/main" val="1"/>
+              <ma14:wrappingTextBoxFlag xmlns:ma14="http://schemas.microsoft.com/office/mac/drawingml/2011/main" xmlns="" val="1"/>
             </a:ext>
           </a:extLst>
         </p:spPr>
@@ -9156,7 +8768,7 @@
           </a:ln>
           <a:extLst>
             <a:ext uri="{C572A759-6A51-4108-AA02-DFA0A04FC94B}">
-              <ma14:wrappingTextBoxFlag xmlns="" xmlns:ma14="http://schemas.microsoft.com/office/mac/drawingml/2011/main" val="1"/>
+              <ma14:wrappingTextBoxFlag xmlns:ma14="http://schemas.microsoft.com/office/mac/drawingml/2011/main" xmlns="" val="1"/>
             </a:ext>
           </a:extLst>
         </p:spPr>
@@ -9222,7 +8834,7 @@
           </a:ln>
           <a:extLst>
             <a:ext uri="{C572A759-6A51-4108-AA02-DFA0A04FC94B}">
-              <ma14:wrappingTextBoxFlag xmlns="" xmlns:ma14="http://schemas.microsoft.com/office/mac/drawingml/2011/main" val="1"/>
+              <ma14:wrappingTextBoxFlag xmlns:ma14="http://schemas.microsoft.com/office/mac/drawingml/2011/main" xmlns="" val="1"/>
             </a:ext>
           </a:extLst>
         </p:spPr>
@@ -9288,7 +8900,7 @@
           </a:ln>
           <a:extLst>
             <a:ext uri="{C572A759-6A51-4108-AA02-DFA0A04FC94B}">
-              <ma14:wrappingTextBoxFlag xmlns="" xmlns:ma14="http://schemas.microsoft.com/office/mac/drawingml/2011/main" val="1"/>
+              <ma14:wrappingTextBoxFlag xmlns:ma14="http://schemas.microsoft.com/office/mac/drawingml/2011/main" xmlns="" val="1"/>
             </a:ext>
           </a:extLst>
         </p:spPr>
@@ -9335,7 +8947,7 @@
         </p:nvSpPr>
         <p:spPr>
           <a:xfrm>
-            <a:off x="43926" y="517245"/>
+            <a:off x="43926" y="528675"/>
             <a:ext cx="2148840" cy="1537596"/>
           </a:xfrm>
           <a:prstGeom prst="roundRect">
@@ -9344,9 +8956,9 @@
             </a:avLst>
           </a:prstGeom>
           <a:solidFill>
-            <a:srgbClr val="A6AAA9">
-              <a:alpha val="20000"/>
-            </a:srgbClr>
+            <a:schemeClr val="bg1">
+              <a:lumMod val="95000"/>
+            </a:schemeClr>
           </a:solidFill>
           <a:ln w="12700">
             <a:miter lim="400000"/>
@@ -9552,12 +9164,6 @@
               </a:rPr>
               <a:t>Right-click on “data” link and save to your local directory/folder.</a:t>
             </a:r>
-            <a:endParaRPr lang="en-US" sz="800" dirty="0">
-              <a:latin typeface="Source Sans Pro Light"/>
-              <a:ea typeface="Source Sans Pro Light"/>
-              <a:cs typeface="Source Sans Pro Light"/>
-              <a:sym typeface="Source Sans Pro Light"/>
-            </a:endParaRPr>
           </a:p>
         </p:txBody>
       </p:sp>
@@ -9585,7 +9191,7 @@
           </a:ln>
           <a:extLst>
             <a:ext uri="{C572A759-6A51-4108-AA02-DFA0A04FC94B}">
-              <ma14:wrappingTextBoxFlag xmlns="" xmlns:ma14="http://schemas.microsoft.com/office/mac/drawingml/2011/main" val="1"/>
+              <ma14:wrappingTextBoxFlag xmlns:ma14="http://schemas.microsoft.com/office/mac/drawingml/2011/main" xmlns="" val="1"/>
             </a:ext>
           </a:extLst>
         </p:spPr>
@@ -9651,7 +9257,7 @@
           </a:ln>
           <a:extLst>
             <a:ext uri="{C572A759-6A51-4108-AA02-DFA0A04FC94B}">
-              <ma14:wrappingTextBoxFlag xmlns="" xmlns:ma14="http://schemas.microsoft.com/office/mac/drawingml/2011/main" val="1"/>
+              <ma14:wrappingTextBoxFlag xmlns:ma14="http://schemas.microsoft.com/office/mac/drawingml/2011/main" xmlns="" val="1"/>
             </a:ext>
           </a:extLst>
         </p:spPr>
@@ -9800,14 +9406,6 @@
               </a:rPr>
               <a:t>by Derek H. Ogle, revised Oct-16</a:t>
             </a:r>
-            <a:endParaRPr lang="en-US" sz="600" b="1" dirty="0">
-              <a:solidFill>
-                <a:schemeClr val="bg1">
-                  <a:lumMod val="75000"/>
-                </a:schemeClr>
-              </a:solidFill>
-              <a:latin typeface="Source Sans Pro Light"/>
-            </a:endParaRPr>
           </a:p>
         </p:txBody>
       </p:sp>

--- a/resources/MTH107-Rcheatsheet.pptx
+++ b/resources/MTH107-Rcheatsheet.pptx
@@ -5,10 +5,11 @@
     <p:sldMasterId id="2147483648" r:id="rId1"/>
   </p:sldMasterIdLst>
   <p:notesMasterIdLst>
-    <p:notesMasterId r:id="rId3"/>
+    <p:notesMasterId r:id="rId4"/>
   </p:notesMasterIdLst>
   <p:sldIdLst>
     <p:sldId id="256" r:id="rId2"/>
+    <p:sldId id="257" r:id="rId3"/>
   </p:sldIdLst>
   <p:sldSz cx="9144000" cy="6858000" type="letter"/>
   <p:notesSz cx="7023100" cy="9309100"/>
@@ -1492,7 +1493,7 @@
           </a:ln>
           <a:extLst>
             <a:ext uri="{C572A759-6A51-4108-AA02-DFA0A04FC94B}">
-              <ma14:wrappingTextBoxFlag xmlns:ma14="http://schemas.microsoft.com/office/mac/drawingml/2011/main" xmlns="" val="1"/>
+              <ma14:wrappingTextBoxFlag xmlns="" xmlns:ma14="http://schemas.microsoft.com/office/mac/drawingml/2011/main" val="1"/>
             </a:ext>
           </a:extLst>
         </p:spPr>
@@ -1535,7 +1536,7 @@
           </a:ln>
           <a:extLst>
             <a:ext uri="{C572A759-6A51-4108-AA02-DFA0A04FC94B}">
-              <ma14:wrappingTextBoxFlag xmlns:ma14="http://schemas.microsoft.com/office/mac/drawingml/2011/main" xmlns="" val="1"/>
+              <ma14:wrappingTextBoxFlag xmlns="" xmlns:ma14="http://schemas.microsoft.com/office/mac/drawingml/2011/main" val="1"/>
             </a:ext>
           </a:extLst>
         </p:spPr>
@@ -2043,10 +2044,10 @@
         </p:nvGrpSpPr>
         <p:grpSpPr>
           <a:xfrm>
-            <a:off x="40161" y="2096589"/>
-            <a:ext cx="2159304" cy="1716122"/>
+            <a:off x="40161" y="2096590"/>
+            <a:ext cx="2159304" cy="1543928"/>
             <a:chOff x="40161" y="2028221"/>
-            <a:chExt cx="2159304" cy="1716122"/>
+            <a:chExt cx="2159304" cy="1630064"/>
           </a:xfrm>
         </p:grpSpPr>
         <p:sp>
@@ -2058,7 +2059,7 @@
           <p:spPr>
             <a:xfrm>
               <a:off x="50625" y="2172275"/>
-              <a:ext cx="2148840" cy="1572068"/>
+              <a:ext cx="2148840" cy="1486010"/>
             </a:xfrm>
             <a:prstGeom prst="roundRect">
               <a:avLst>
@@ -2090,31 +2091,13 @@
                 <a:defRPr sz="1800"/>
               </a:pPr>
               <a:r>
-                <a:rPr lang="en-US" sz="900" dirty="0" smtClean="0">
+                <a:rPr lang="en-US" sz="800" dirty="0" smtClean="0">
                   <a:latin typeface="Source Sans Pro Light"/>
                   <a:ea typeface="Source Sans Pro Light"/>
                   <a:cs typeface="Source Sans Pro Light"/>
                   <a:sym typeface="Source Sans Pro Light"/>
                 </a:rPr>
-                <a:t>Start </a:t>
-              </a:r>
-              <a:r>
-                <a:rPr lang="en-US" sz="900" dirty="0" smtClean="0">
-                  <a:latin typeface="Source Sans Pro Light"/>
-                  <a:ea typeface="Source Sans Pro Light"/>
-                  <a:cs typeface="Source Sans Pro Light"/>
-                  <a:sym typeface="Source Sans Pro Light"/>
-                </a:rPr>
-                <a:t>script </a:t>
-              </a:r>
-              <a:r>
-                <a:rPr lang="en-US" sz="900" dirty="0" smtClean="0">
-                  <a:latin typeface="Source Sans Pro Light"/>
-                  <a:ea typeface="Source Sans Pro Light"/>
-                  <a:cs typeface="Source Sans Pro Light"/>
-                  <a:sym typeface="Source Sans Pro Light"/>
-                </a:rPr>
-                <a:t>and save it in the same folder that contains the CSV file.</a:t>
+                <a:t>Start script and save it in the same folder that contains the CSV file.</a:t>
               </a:r>
             </a:p>
             <a:p>
@@ -2130,31 +2113,13 @@
                 <a:defRPr sz="1800"/>
               </a:pPr>
               <a:r>
-                <a:rPr lang="en-US" sz="900" dirty="0" smtClean="0">
+                <a:rPr lang="en-US" sz="800" dirty="0" smtClean="0">
                   <a:latin typeface="Source Sans Pro Light"/>
                   <a:ea typeface="Source Sans Pro Light"/>
                   <a:cs typeface="Source Sans Pro Light"/>
                   <a:sym typeface="Source Sans Pro Light"/>
                 </a:rPr>
-                <a:t>Select Session, Set Working Direct-</a:t>
-              </a:r>
-              <a:r>
-                <a:rPr lang="en-US" sz="900" dirty="0" err="1" smtClean="0">
-                  <a:latin typeface="Source Sans Pro Light"/>
-                  <a:ea typeface="Source Sans Pro Light"/>
-                  <a:cs typeface="Source Sans Pro Light"/>
-                  <a:sym typeface="Source Sans Pro Light"/>
-                </a:rPr>
-                <a:t>ory</a:t>
-              </a:r>
-              <a:r>
-                <a:rPr lang="en-US" sz="900" dirty="0" smtClean="0">
-                  <a:latin typeface="Source Sans Pro Light"/>
-                  <a:ea typeface="Source Sans Pro Light"/>
-                  <a:cs typeface="Source Sans Pro Light"/>
-                  <a:sym typeface="Source Sans Pro Light"/>
-                </a:rPr>
-                <a:t>, To Source File Location menus.</a:t>
+                <a:t>Select Session, Set Working Directory, To Source File Location menus.</a:t>
               </a:r>
             </a:p>
             <a:p>
@@ -2170,7 +2135,7 @@
                 <a:defRPr sz="1800"/>
               </a:pPr>
               <a:r>
-                <a:rPr lang="en-US" sz="900" dirty="0" smtClean="0">
+                <a:rPr lang="en-US" sz="800" dirty="0" smtClean="0">
                   <a:latin typeface="Source Sans Pro Light"/>
                   <a:ea typeface="Source Sans Pro Light"/>
                   <a:cs typeface="Source Sans Pro Light"/>
@@ -2179,7 +2144,7 @@
                 <a:t>Copy resulting </a:t>
               </a:r>
               <a:r>
-                <a:rPr lang="en-US" sz="900" dirty="0" err="1" smtClean="0">
+                <a:rPr lang="en-US" sz="800" dirty="0" err="1" smtClean="0">
                   <a:solidFill>
                     <a:srgbClr val="FF0000"/>
                   </a:solidFill>
@@ -2191,7 +2156,7 @@
                 <a:t>setwd</a:t>
               </a:r>
               <a:r>
-                <a:rPr lang="en-US" sz="900" dirty="0" smtClean="0">
+                <a:rPr lang="en-US" sz="800" dirty="0" smtClean="0">
                   <a:solidFill>
                     <a:srgbClr val="FF0000"/>
                   </a:solidFill>
@@ -2203,7 +2168,7 @@
                 <a:t>() </a:t>
               </a:r>
               <a:r>
-                <a:rPr lang="en-US" sz="900" dirty="0" smtClean="0">
+                <a:rPr lang="en-US" sz="800" dirty="0" smtClean="0">
                   <a:latin typeface="Source Sans Pro Light"/>
                   <a:ea typeface="Source Sans Pro Light"/>
                   <a:cs typeface="Source Sans Pro Light"/>
@@ -2225,7 +2190,7 @@
                 <a:defRPr sz="1800"/>
               </a:pPr>
               <a:r>
-                <a:rPr lang="en-US" sz="900" dirty="0" smtClean="0">
+                <a:rPr lang="en-US" sz="800" dirty="0" smtClean="0">
                   <a:latin typeface="Source Sans Pro Light"/>
                   <a:ea typeface="Source Sans Pro Light"/>
                   <a:cs typeface="Source Sans Pro Light"/>
@@ -2234,7 +2199,7 @@
                 <a:t>Use </a:t>
               </a:r>
               <a:r>
-                <a:rPr lang="en-US" sz="900" dirty="0" smtClean="0">
+                <a:rPr lang="en-US" sz="800" dirty="0" smtClean="0">
                   <a:solidFill>
                     <a:srgbClr val="FF0000"/>
                   </a:solidFill>
@@ -2246,7 +2211,7 @@
                 <a:t>read.csv()</a:t>
               </a:r>
               <a:r>
-                <a:rPr lang="en-US" sz="900" dirty="0" smtClean="0">
+                <a:rPr lang="en-US" sz="800" dirty="0" smtClean="0">
                   <a:latin typeface="Source Sans Pro Light"/>
                   <a:ea typeface="Source Sans Pro Light"/>
                   <a:cs typeface="Source Sans Pro Light"/>
@@ -2255,7 +2220,7 @@
                 <a:t> to load data into </a:t>
               </a:r>
               <a:r>
-                <a:rPr lang="en-US" sz="900" dirty="0" err="1" smtClean="0">
+                <a:rPr lang="en-US" sz="800" dirty="0" err="1" smtClean="0">
                   <a:solidFill>
                     <a:srgbClr val="FF0000"/>
                   </a:solidFill>
@@ -2267,7 +2232,7 @@
                 <a:t>dfobj</a:t>
               </a:r>
               <a:r>
-                <a:rPr lang="en-US" sz="900" dirty="0" smtClean="0">
+                <a:rPr lang="en-US" sz="800" dirty="0" smtClean="0">
                   <a:latin typeface="Source Sans Pro Light"/>
                   <a:ea typeface="Source Sans Pro Light"/>
                   <a:cs typeface="Source Sans Pro Light"/>
@@ -2287,7 +2252,7 @@
                 <a:buSzPct val="100000"/>
                 <a:defRPr sz="1800"/>
               </a:pPr>
-              <a:endParaRPr lang="en-US" sz="1600" dirty="0" smtClean="0">
+              <a:endParaRPr lang="en-US" sz="1400" dirty="0" smtClean="0">
                 <a:latin typeface="Source Sans Pro Light"/>
                 <a:ea typeface="Source Sans Pro Light"/>
                 <a:cs typeface="Source Sans Pro Light"/>
@@ -2308,7 +2273,7 @@
                 <a:defRPr sz="1800"/>
               </a:pPr>
               <a:r>
-                <a:rPr lang="en-US" sz="900" dirty="0" smtClean="0">
+                <a:rPr lang="en-US" sz="800" dirty="0" smtClean="0">
                   <a:latin typeface="Source Sans Pro Light"/>
                   <a:ea typeface="Source Sans Pro Light"/>
                   <a:cs typeface="Source Sans Pro Light"/>
@@ -2317,7 +2282,7 @@
                 <a:t>Observe structure of </a:t>
               </a:r>
               <a:r>
-                <a:rPr lang="en-US" sz="900" dirty="0" err="1" smtClean="0">
+                <a:rPr lang="en-US" sz="800" dirty="0" err="1" smtClean="0">
                   <a:latin typeface="Source Sans Pro Light"/>
                   <a:ea typeface="Source Sans Pro Light"/>
                   <a:cs typeface="Source Sans Pro Light"/>
@@ -2326,7 +2291,7 @@
                 <a:t>data.frame</a:t>
               </a:r>
               <a:r>
-                <a:rPr lang="en-US" sz="900" dirty="0" smtClean="0">
+                <a:rPr lang="en-US" sz="800" dirty="0" smtClean="0">
                   <a:latin typeface="Source Sans Pro Light"/>
                   <a:ea typeface="Source Sans Pro Light"/>
                   <a:cs typeface="Source Sans Pro Light"/>
@@ -2334,7 +2299,7 @@
                 </a:rPr>
                 <a:t>.</a:t>
               </a:r>
-              <a:endParaRPr lang="en-US" sz="900" dirty="0">
+              <a:endParaRPr lang="en-US" sz="800" dirty="0">
                 <a:latin typeface="Source Sans Pro Light"/>
                 <a:ea typeface="Source Sans Pro Light"/>
                 <a:cs typeface="Source Sans Pro Light"/>
@@ -2367,7 +2332,7 @@
             </a:ln>
             <a:extLst>
               <a:ext uri="{C572A759-6A51-4108-AA02-DFA0A04FC94B}">
-                <ma14:wrappingTextBoxFlag xmlns:ma14="http://schemas.microsoft.com/office/mac/drawingml/2011/main" xmlns="" val="1"/>
+                <ma14:wrappingTextBoxFlag xmlns="" xmlns:ma14="http://schemas.microsoft.com/office/mac/drawingml/2011/main" val="1"/>
               </a:ext>
             </a:extLst>
           </p:spPr>
@@ -2414,7 +2379,7 @@
           </p:nvSpPr>
           <p:spPr>
             <a:xfrm>
-              <a:off x="85881" y="3126276"/>
+              <a:off x="85881" y="3066154"/>
               <a:ext cx="2057400" cy="178510"/>
             </a:xfrm>
             <a:prstGeom prst="rect">
@@ -2487,7 +2452,7 @@
           </p:nvSpPr>
           <p:spPr>
             <a:xfrm>
-              <a:off x="85881" y="3512572"/>
+              <a:off x="85881" y="3441053"/>
               <a:ext cx="2057400" cy="178510"/>
             </a:xfrm>
             <a:prstGeom prst="rect">
@@ -2580,7 +2545,7 @@
         <p:spPr>
           <a:xfrm>
             <a:off x="2267028" y="528323"/>
-            <a:ext cx="2148840" cy="2804541"/>
+            <a:ext cx="2148840" cy="2921995"/>
           </a:xfrm>
           <a:prstGeom prst="roundRect">
             <a:avLst>
@@ -2709,8 +2674,44 @@
               <a:rPr lang="en-US" sz="800" dirty="0">
                 <a:latin typeface="Source Sans Pro Light"/>
               </a:rPr>
-              <a:t> may be as follows:</a:t>
-            </a:r>
+              <a:t> may be as </a:t>
+            </a:r>
+            <a:r>
+              <a:rPr lang="en-US" sz="800" dirty="0" smtClean="0">
+                <a:latin typeface="Source Sans Pro Light"/>
+              </a:rPr>
+              <a:t>follows (</a:t>
+            </a:r>
+            <a:r>
+              <a:rPr lang="en-US" sz="800" i="1" dirty="0" smtClean="0">
+                <a:latin typeface="Source Sans Pro Light"/>
+              </a:rPr>
+              <a:t>if </a:t>
+            </a:r>
+            <a:r>
+              <a:rPr lang="en-US" sz="800" dirty="0" smtClean="0">
+                <a:solidFill>
+                  <a:srgbClr val="FF0000"/>
+                </a:solidFill>
+                <a:latin typeface="Source Sans Pro Light"/>
+              </a:rPr>
+              <a:t>value</a:t>
+            </a:r>
+            <a:r>
+              <a:rPr lang="en-US" sz="800" i="1" dirty="0" smtClean="0">
+                <a:latin typeface="Source Sans Pro Light"/>
+              </a:rPr>
+              <a:t> is text then it must be in quotes</a:t>
+            </a:r>
+            <a:r>
+              <a:rPr lang="en-US" sz="800" dirty="0" smtClean="0">
+                <a:latin typeface="Source Sans Pro Light"/>
+              </a:rPr>
+              <a:t>):</a:t>
+            </a:r>
+            <a:endParaRPr lang="en-US" sz="800" dirty="0">
+              <a:latin typeface="Source Sans Pro Light"/>
+            </a:endParaRPr>
           </a:p>
           <a:p>
             <a:pPr lvl="0" algn="l">
@@ -2987,18 +2988,7 @@
                 <a:ea typeface="Microsoft Yi Baiti" panose="03000500000000000000" pitchFamily="66" charset="0"/>
                 <a:cs typeface="Arabic Typesetting" panose="03020402040406030203" pitchFamily="66" charset="-78"/>
               </a:rPr>
-              <a:t> </a:t>
-            </a:r>
-            <a:r>
-              <a:rPr lang="en-US" sz="800" dirty="0" smtClean="0">
-                <a:solidFill>
-                  <a:srgbClr val="FF0000"/>
-                </a:solidFill>
-                <a:latin typeface="Source Sans Pro Light"/>
-                <a:ea typeface="Microsoft Yi Baiti" panose="03000500000000000000" pitchFamily="66" charset="0"/>
-                <a:cs typeface="Arabic Typesetting" panose="03020402040406030203" pitchFamily="66" charset="-78"/>
-              </a:rPr>
-              <a:t>&lt;= value</a:t>
+              <a:t> &lt;= value</a:t>
             </a:r>
             <a:r>
               <a:rPr lang="en-US" sz="800" dirty="0">
@@ -3360,7 +3350,7 @@
           </a:ln>
           <a:extLst>
             <a:ext uri="{C572A759-6A51-4108-AA02-DFA0A04FC94B}">
-              <ma14:wrappingTextBoxFlag xmlns:ma14="http://schemas.microsoft.com/office/mac/drawingml/2011/main" xmlns="" val="1"/>
+              <ma14:wrappingTextBoxFlag xmlns="" xmlns:ma14="http://schemas.microsoft.com/office/mac/drawingml/2011/main" val="1"/>
             </a:ext>
           </a:extLst>
         </p:spPr>
@@ -3518,7 +3508,7 @@
         </p:nvSpPr>
         <p:spPr>
           <a:xfrm>
-            <a:off x="2312748" y="2713725"/>
+            <a:off x="2312748" y="2850570"/>
             <a:ext cx="2057400" cy="178510"/>
           </a:xfrm>
           <a:prstGeom prst="rect">
@@ -3609,7 +3599,7 @@
         </p:nvSpPr>
         <p:spPr>
           <a:xfrm>
-            <a:off x="2312748" y="3073733"/>
+            <a:off x="2312748" y="3210578"/>
             <a:ext cx="2057400" cy="178510"/>
           </a:xfrm>
           <a:prstGeom prst="rect">
@@ -3925,7 +3915,7 @@
             </a:ln>
             <a:extLst>
               <a:ext uri="{C572A759-6A51-4108-AA02-DFA0A04FC94B}">
-                <ma14:wrappingTextBoxFlag xmlns:ma14="http://schemas.microsoft.com/office/mac/drawingml/2011/main" xmlns="" val="1"/>
+                <ma14:wrappingTextBoxFlag xmlns="" xmlns:ma14="http://schemas.microsoft.com/office/mac/drawingml/2011/main" val="1"/>
               </a:ext>
             </a:extLst>
           </p:spPr>
@@ -4273,13 +4263,22 @@
             <a:p>
               <a:pPr algn="l" defTabSz="320174" rtl="0" latinLnBrk="1" hangingPunct="0"/>
               <a:r>
+                <a:rPr lang="en-US" sz="800" dirty="0" smtClean="0">
+                  <a:solidFill>
+                    <a:srgbClr val="FF0000"/>
+                  </a:solidFill>
+                  <a:latin typeface="Source Sans Pro Semibold"/>
+                </a:rPr>
+                <a:t>( freq2 </a:t>
+              </a:r>
+              <a:r>
                 <a:rPr lang="en-US" sz="800" dirty="0">
                   <a:solidFill>
                     <a:srgbClr val="FF0000"/>
                   </a:solidFill>
                   <a:latin typeface="Source Sans Pro Semibold"/>
                 </a:rPr>
-                <a:t>freq2 &lt;- </a:t>
+                <a:t>&lt;- </a:t>
               </a:r>
               <a:r>
                 <a:rPr lang="en-US" sz="800" dirty="0" err="1">
@@ -4336,7 +4335,7 @@
                   </a:solidFill>
                   <a:latin typeface="Source Sans Pro Semibold"/>
                 </a:rPr>
-                <a:t>                        data=</a:t>
+                <a:t>                          data=</a:t>
               </a:r>
               <a:r>
                 <a:rPr lang="en-US" sz="800" dirty="0" err="1" smtClean="0">
@@ -4348,14 +4347,20 @@
                 <a:t>dfobj</a:t>
               </a:r>
               <a:r>
-                <a:rPr lang="en-US" sz="800" dirty="0">
+                <a:rPr lang="en-US" sz="800" dirty="0" smtClean="0">
                   <a:solidFill>
                     <a:srgbClr val="FF0000"/>
                   </a:solidFill>
                   <a:latin typeface="Source Sans Pro Semibold"/>
                 </a:rPr>
-                <a:t>)</a:t>
+                <a:t>) )</a:t>
               </a:r>
+              <a:endParaRPr lang="en-US" sz="800" dirty="0">
+                <a:solidFill>
+                  <a:srgbClr val="FF0000"/>
+                </a:solidFill>
+                <a:latin typeface="Source Sans Pro Semibold"/>
+              </a:endParaRPr>
             </a:p>
             <a:p>
               <a:pPr algn="l" defTabSz="320174" rtl="0" latinLnBrk="1" hangingPunct="0"/>
@@ -4615,13 +4620,7 @@
               <a:rPr lang="en-US" sz="800" dirty="0" smtClean="0">
                 <a:latin typeface="Source Sans Pro Light"/>
               </a:rPr>
-              <a:t>) or </a:t>
-            </a:r>
-            <a:r>
-              <a:rPr lang="en-US" sz="800" dirty="0" smtClean="0">
-                <a:latin typeface="Source Sans Pro Light"/>
-              </a:rPr>
-              <a:t>error (SE)</a:t>
+              <a:t>) or error (SE)</a:t>
             </a:r>
             <a:endParaRPr lang="en-US" sz="800" dirty="0">
               <a:latin typeface="Source Sans Pro Light"/>
@@ -4768,7 +4767,7 @@
           </a:ln>
           <a:extLst>
             <a:ext uri="{C572A759-6A51-4108-AA02-DFA0A04FC94B}">
-              <ma14:wrappingTextBoxFlag xmlns:ma14="http://schemas.microsoft.com/office/mac/drawingml/2011/main" xmlns="" val="1"/>
+              <ma14:wrappingTextBoxFlag xmlns="" xmlns:ma14="http://schemas.microsoft.com/office/mac/drawingml/2011/main" val="1"/>
             </a:ext>
           </a:extLst>
         </p:spPr>
@@ -5429,7 +5428,7 @@
             </a:ln>
             <a:extLst>
               <a:ext uri="{C572A759-6A51-4108-AA02-DFA0A04FC94B}">
-                <ma14:wrappingTextBoxFlag xmlns:ma14="http://schemas.microsoft.com/office/mac/drawingml/2011/main" xmlns="" val="1"/>
+                <ma14:wrappingTextBoxFlag xmlns="" xmlns:ma14="http://schemas.microsoft.com/office/mac/drawingml/2011/main" val="1"/>
               </a:ext>
             </a:extLst>
           </p:spPr>
@@ -5693,13 +5692,22 @@
             <a:p>
               <a:pPr algn="l" defTabSz="320174" rtl="0" latinLnBrk="1" hangingPunct="0"/>
               <a:r>
+                <a:rPr lang="en-US" sz="800" dirty="0" smtClean="0">
+                  <a:solidFill>
+                    <a:srgbClr val="FF0000"/>
+                  </a:solidFill>
+                  <a:latin typeface="Source Sans Pro Semibold"/>
+                </a:rPr>
+                <a:t>( freq1 </a:t>
+              </a:r>
+              <a:r>
                 <a:rPr lang="en-US" sz="800" dirty="0">
                   <a:solidFill>
                     <a:srgbClr val="FF0000"/>
                   </a:solidFill>
                   <a:latin typeface="Source Sans Pro Semibold"/>
                 </a:rPr>
-                <a:t>freq1 &lt;- </a:t>
+                <a:t>&lt;- </a:t>
               </a:r>
               <a:r>
                 <a:rPr lang="en-US" sz="800" dirty="0" err="1">
@@ -5747,19 +5755,25 @@
                 <a:t>dfobj</a:t>
               </a:r>
               <a:r>
-                <a:rPr lang="en-US" sz="800" dirty="0">
+                <a:rPr lang="en-US" sz="800" dirty="0" smtClean="0">
                   <a:solidFill>
                     <a:srgbClr val="FF0000"/>
                   </a:solidFill>
                   <a:latin typeface="Source Sans Pro Semibold"/>
                 </a:rPr>
-                <a:t>)</a:t>
+                <a:t>) )</a:t>
               </a:r>
+              <a:endParaRPr lang="en-US" sz="800" dirty="0">
+                <a:solidFill>
+                  <a:srgbClr val="FF0000"/>
+                </a:solidFill>
+                <a:latin typeface="Source Sans Pro Semibold"/>
+              </a:endParaRPr>
             </a:p>
             <a:p>
               <a:pPr algn="l" defTabSz="320174" rtl="0" latinLnBrk="1" hangingPunct="0"/>
               <a:r>
-                <a:rPr lang="en-US" sz="800" dirty="0" err="1">
+                <a:rPr lang="en-US" sz="800" dirty="0" err="1" smtClean="0">
                   <a:solidFill>
                     <a:srgbClr val="FF0000"/>
                   </a:solidFill>
@@ -5768,14 +5782,20 @@
                 <a:t>percTable</a:t>
               </a:r>
               <a:r>
-                <a:rPr lang="en-US" sz="800" dirty="0">
+                <a:rPr lang="en-US" sz="800" dirty="0" smtClean="0">
                   <a:solidFill>
                     <a:srgbClr val="FF0000"/>
                   </a:solidFill>
                   <a:latin typeface="Source Sans Pro Semibold"/>
                 </a:rPr>
-                <a:t>(freq1)</a:t>
+                <a:t>(freq1,digits=1)</a:t>
               </a:r>
+              <a:endParaRPr lang="en-US" sz="800" dirty="0">
+                <a:solidFill>
+                  <a:srgbClr val="FF0000"/>
+                </a:solidFill>
+                <a:latin typeface="Source Sans Pro Semibold"/>
+              </a:endParaRPr>
             </a:p>
             <a:p>
               <a:pPr algn="l" defTabSz="320174" rtl="0" latinLnBrk="1" hangingPunct="0"/>
@@ -6371,7 +6391,7 @@
           </a:ln>
           <a:extLst>
             <a:ext uri="{C572A759-6A51-4108-AA02-DFA0A04FC94B}">
-              <ma14:wrappingTextBoxFlag xmlns:ma14="http://schemas.microsoft.com/office/mac/drawingml/2011/main" xmlns="" val="1"/>
+              <ma14:wrappingTextBoxFlag xmlns="" xmlns:ma14="http://schemas.microsoft.com/office/mac/drawingml/2011/main" val="1"/>
             </a:ext>
           </a:extLst>
         </p:spPr>
@@ -7416,7 +7436,7 @@
           </a:ln>
           <a:extLst>
             <a:ext uri="{C572A759-6A51-4108-AA02-DFA0A04FC94B}">
-              <ma14:wrappingTextBoxFlag xmlns:ma14="http://schemas.microsoft.com/office/mac/drawingml/2011/main" xmlns="" val="1"/>
+              <ma14:wrappingTextBoxFlag xmlns="" xmlns:ma14="http://schemas.microsoft.com/office/mac/drawingml/2011/main" val="1"/>
             </a:ext>
           </a:extLst>
         </p:spPr>
@@ -8247,7 +8267,7 @@
           </a:ln>
           <a:extLst>
             <a:ext uri="{C572A759-6A51-4108-AA02-DFA0A04FC94B}">
-              <ma14:wrappingTextBoxFlag xmlns:ma14="http://schemas.microsoft.com/office/mac/drawingml/2011/main" xmlns="" val="1"/>
+              <ma14:wrappingTextBoxFlag xmlns="" xmlns:ma14="http://schemas.microsoft.com/office/mac/drawingml/2011/main" val="1"/>
             </a:ext>
           </a:extLst>
         </p:spPr>
@@ -8768,7 +8788,7 @@
           </a:ln>
           <a:extLst>
             <a:ext uri="{C572A759-6A51-4108-AA02-DFA0A04FC94B}">
-              <ma14:wrappingTextBoxFlag xmlns:ma14="http://schemas.microsoft.com/office/mac/drawingml/2011/main" xmlns="" val="1"/>
+              <ma14:wrappingTextBoxFlag xmlns="" xmlns:ma14="http://schemas.microsoft.com/office/mac/drawingml/2011/main" val="1"/>
             </a:ext>
           </a:extLst>
         </p:spPr>
@@ -8834,7 +8854,7 @@
           </a:ln>
           <a:extLst>
             <a:ext uri="{C572A759-6A51-4108-AA02-DFA0A04FC94B}">
-              <ma14:wrappingTextBoxFlag xmlns:ma14="http://schemas.microsoft.com/office/mac/drawingml/2011/main" xmlns="" val="1"/>
+              <ma14:wrappingTextBoxFlag xmlns="" xmlns:ma14="http://schemas.microsoft.com/office/mac/drawingml/2011/main" val="1"/>
             </a:ext>
           </a:extLst>
         </p:spPr>
@@ -8900,7 +8920,7 @@
           </a:ln>
           <a:extLst>
             <a:ext uri="{C572A759-6A51-4108-AA02-DFA0A04FC94B}">
-              <ma14:wrappingTextBoxFlag xmlns:ma14="http://schemas.microsoft.com/office/mac/drawingml/2011/main" xmlns="" val="1"/>
+              <ma14:wrappingTextBoxFlag xmlns="" xmlns:ma14="http://schemas.microsoft.com/office/mac/drawingml/2011/main" val="1"/>
             </a:ext>
           </a:extLst>
         </p:spPr>
@@ -9191,7 +9211,7 @@
           </a:ln>
           <a:extLst>
             <a:ext uri="{C572A759-6A51-4108-AA02-DFA0A04FC94B}">
-              <ma14:wrappingTextBoxFlag xmlns:ma14="http://schemas.microsoft.com/office/mac/drawingml/2011/main" xmlns="" val="1"/>
+              <ma14:wrappingTextBoxFlag xmlns="" xmlns:ma14="http://schemas.microsoft.com/office/mac/drawingml/2011/main" val="1"/>
             </a:ext>
           </a:extLst>
         </p:spPr>
@@ -9257,7 +9277,7 @@
           </a:ln>
           <a:extLst>
             <a:ext uri="{C572A759-6A51-4108-AA02-DFA0A04FC94B}">
-              <ma14:wrappingTextBoxFlag xmlns:ma14="http://schemas.microsoft.com/office/mac/drawingml/2011/main" xmlns="" val="1"/>
+              <ma14:wrappingTextBoxFlag xmlns="" xmlns:ma14="http://schemas.microsoft.com/office/mac/drawingml/2011/main" val="1"/>
             </a:ext>
           </a:extLst>
         </p:spPr>
@@ -9363,8 +9383,8 @@
         </p:nvSpPr>
         <p:spPr>
           <a:xfrm>
-            <a:off x="7394378" y="471082"/>
-            <a:ext cx="1249833" cy="152737"/>
+            <a:off x="7387164" y="471082"/>
+            <a:ext cx="1264260" cy="152737"/>
           </a:xfrm>
           <a:prstGeom prst="rect">
             <a:avLst/>
@@ -9404,12 +9424,5843 @@
                 </a:solidFill>
                 <a:latin typeface="Source Sans Pro Light"/>
               </a:rPr>
-              <a:t>by Derek H. Ogle, revised Oct-16</a:t>
-            </a:r>
+              <a:t>by Derek H. Ogle, revised </a:t>
+            </a:r>
+            <a:r>
+              <a:rPr lang="en-US" sz="600" b="1" dirty="0" smtClean="0">
+                <a:solidFill>
+                  <a:schemeClr val="bg1">
+                    <a:lumMod val="75000"/>
+                  </a:schemeClr>
+                </a:solidFill>
+                <a:latin typeface="Source Sans Pro Light"/>
+              </a:rPr>
+              <a:t>Dec-16</a:t>
+            </a:r>
+            <a:endParaRPr lang="en-US" sz="600" b="1" dirty="0">
+              <a:solidFill>
+                <a:schemeClr val="bg1">
+                  <a:lumMod val="75000"/>
+                </a:schemeClr>
+              </a:solidFill>
+              <a:latin typeface="Source Sans Pro Light"/>
+            </a:endParaRPr>
           </a:p>
         </p:txBody>
       </p:sp>
     </p:spTree>
+  </p:cSld>
+  <p:clrMapOvr>
+    <a:masterClrMapping/>
+  </p:clrMapOvr>
+  <p:transition spd="med"/>
+  <p:timing>
+    <p:tnLst>
+      <p:par>
+        <p:cTn id="1" dur="indefinite" restart="never" nodeType="tmRoot"/>
+      </p:par>
+    </p:tnLst>
+  </p:timing>
+</p:sld>
+</file>
+
+<file path=ppt/slides/slide2.xml><?xml version="1.0" encoding="utf-8"?>
+<p:sld xmlns:a="http://schemas.openxmlformats.org/drawingml/2006/main" xmlns:r="http://schemas.openxmlformats.org/officeDocument/2006/relationships" xmlns:p="http://schemas.openxmlformats.org/presentationml/2006/main">
+  <p:cSld>
+    <p:spTree>
+      <p:nvGrpSpPr>
+        <p:cNvPr id="1" name=""/>
+        <p:cNvGrpSpPr/>
+        <p:nvPr/>
+      </p:nvGrpSpPr>
+      <p:grpSpPr>
+        <a:xfrm>
+          <a:off x="0" y="0"/>
+          <a:ext cx="0" cy="0"/>
+          <a:chOff x="0" y="0"/>
+          <a:chExt cx="0" cy="0"/>
+        </a:xfrm>
+      </p:grpSpPr>
+      <p:sp>
+        <p:nvSpPr>
+          <p:cNvPr id="20" name="Shape 34"/>
+          <p:cNvSpPr/>
+          <p:nvPr/>
+        </p:nvSpPr>
+        <p:spPr>
+          <a:xfrm>
+            <a:off x="3107055" y="4255070"/>
+            <a:ext cx="2926080" cy="2138579"/>
+          </a:xfrm>
+          <a:prstGeom prst="roundRect">
+            <a:avLst>
+              <a:gd name="adj" fmla="val 1194"/>
+            </a:avLst>
+          </a:prstGeom>
+          <a:solidFill>
+            <a:schemeClr val="bg1">
+              <a:lumMod val="95000"/>
+            </a:schemeClr>
+          </a:solidFill>
+          <a:ln w="12700">
+            <a:miter lim="400000"/>
+          </a:ln>
+        </p:spPr>
+        <p:txBody>
+          <a:bodyPr lIns="45720" tIns="91440" rIns="45720" bIns="45720" anchor="t">
+            <a:noAutofit/>
+          </a:bodyPr>
+          <a:lstStyle/>
+          <a:p>
+            <a:pPr algn="l" latinLnBrk="1"/>
+            <a:r>
+              <a:rPr lang="en-US" sz="600" dirty="0" smtClean="0">
+                <a:latin typeface="Courier New" panose="02070309020205020404" pitchFamily="49" charset="0"/>
+                <a:cs typeface="Courier New" panose="02070309020205020404" pitchFamily="49" charset="0"/>
+              </a:rPr>
+              <a:t>&gt; </a:t>
+            </a:r>
+            <a:r>
+              <a:rPr lang="en-US" sz="600" b="1" dirty="0" smtClean="0">
+                <a:solidFill>
+                  <a:srgbClr val="FF0000"/>
+                </a:solidFill>
+                <a:latin typeface="Courier New" panose="02070309020205020404" pitchFamily="49" charset="0"/>
+                <a:cs typeface="Courier New" panose="02070309020205020404" pitchFamily="49" charset="0"/>
+              </a:rPr>
+              <a:t>( </a:t>
+            </a:r>
+            <a:r>
+              <a:rPr lang="en-US" sz="600" b="1" dirty="0" err="1">
+                <a:solidFill>
+                  <a:srgbClr val="FF0000"/>
+                </a:solidFill>
+                <a:latin typeface="Courier New" panose="02070309020205020404" pitchFamily="49" charset="0"/>
+                <a:cs typeface="Courier New" panose="02070309020205020404" pitchFamily="49" charset="0"/>
+              </a:rPr>
+              <a:t>bfl</a:t>
+            </a:r>
+            <a:r>
+              <a:rPr lang="en-US" sz="600" b="1" dirty="0">
+                <a:solidFill>
+                  <a:srgbClr val="FF0000"/>
+                </a:solidFill>
+                <a:latin typeface="Courier New" panose="02070309020205020404" pitchFamily="49" charset="0"/>
+                <a:cs typeface="Courier New" panose="02070309020205020404" pitchFamily="49" charset="0"/>
+              </a:rPr>
+              <a:t> &lt;- lm(</a:t>
+            </a:r>
+            <a:r>
+              <a:rPr lang="en-US" sz="600" b="1" dirty="0" err="1">
+                <a:solidFill>
+                  <a:srgbClr val="FF0000"/>
+                </a:solidFill>
+                <a:latin typeface="Courier New" panose="02070309020205020404" pitchFamily="49" charset="0"/>
+                <a:cs typeface="Courier New" panose="02070309020205020404" pitchFamily="49" charset="0"/>
+              </a:rPr>
+              <a:t>HMPG~Weight,data</a:t>
+            </a:r>
+            <a:r>
+              <a:rPr lang="en-US" sz="600" b="1" dirty="0">
+                <a:solidFill>
+                  <a:srgbClr val="FF0000"/>
+                </a:solidFill>
+                <a:latin typeface="Courier New" panose="02070309020205020404" pitchFamily="49" charset="0"/>
+                <a:cs typeface="Courier New" panose="02070309020205020404" pitchFamily="49" charset="0"/>
+              </a:rPr>
+              <a:t>=</a:t>
+            </a:r>
+            <a:r>
+              <a:rPr lang="en-US" sz="600" b="1" dirty="0" err="1">
+                <a:solidFill>
+                  <a:srgbClr val="FF0000"/>
+                </a:solidFill>
+                <a:latin typeface="Courier New" panose="02070309020205020404" pitchFamily="49" charset="0"/>
+                <a:cs typeface="Courier New" panose="02070309020205020404" pitchFamily="49" charset="0"/>
+              </a:rPr>
+              <a:t>dfobj</a:t>
+            </a:r>
+            <a:r>
+              <a:rPr lang="en-US" sz="600" b="1" dirty="0">
+                <a:solidFill>
+                  <a:srgbClr val="FF0000"/>
+                </a:solidFill>
+                <a:latin typeface="Courier New" panose="02070309020205020404" pitchFamily="49" charset="0"/>
+                <a:cs typeface="Courier New" panose="02070309020205020404" pitchFamily="49" charset="0"/>
+              </a:rPr>
+              <a:t>) )</a:t>
+            </a:r>
+          </a:p>
+          <a:p>
+            <a:pPr algn="l" latinLnBrk="1"/>
+            <a:r>
+              <a:rPr lang="en-US" sz="600" dirty="0" smtClean="0">
+                <a:latin typeface="Courier New" panose="02070309020205020404" pitchFamily="49" charset="0"/>
+                <a:cs typeface="Courier New" panose="02070309020205020404" pitchFamily="49" charset="0"/>
+              </a:rPr>
+              <a:t>   </a:t>
+            </a:r>
+            <a:r>
+              <a:rPr lang="en-US" sz="600" dirty="0">
+                <a:latin typeface="Courier New" panose="02070309020205020404" pitchFamily="49" charset="0"/>
+                <a:cs typeface="Courier New" panose="02070309020205020404" pitchFamily="49" charset="0"/>
+              </a:rPr>
+              <a:t>Coefficients:</a:t>
+            </a:r>
+            <a:br>
+              <a:rPr lang="en-US" sz="600" dirty="0">
+                <a:latin typeface="Courier New" panose="02070309020205020404" pitchFamily="49" charset="0"/>
+                <a:cs typeface="Courier New" panose="02070309020205020404" pitchFamily="49" charset="0"/>
+              </a:rPr>
+            </a:br>
+            <a:r>
+              <a:rPr lang="en-US" sz="600" dirty="0" smtClean="0">
+                <a:latin typeface="Courier New" panose="02070309020205020404" pitchFamily="49" charset="0"/>
+                <a:cs typeface="Courier New" panose="02070309020205020404" pitchFamily="49" charset="0"/>
+              </a:rPr>
+              <a:t>   </a:t>
+            </a:r>
+            <a:r>
+              <a:rPr lang="en-US" sz="600" dirty="0">
+                <a:latin typeface="Courier New" panose="02070309020205020404" pitchFamily="49" charset="0"/>
+                <a:cs typeface="Courier New" panose="02070309020205020404" pitchFamily="49" charset="0"/>
+              </a:rPr>
+              <a:t>(Intercept)       Weight  </a:t>
+            </a:r>
+            <a:br>
+              <a:rPr lang="en-US" sz="600" dirty="0">
+                <a:latin typeface="Courier New" panose="02070309020205020404" pitchFamily="49" charset="0"/>
+                <a:cs typeface="Courier New" panose="02070309020205020404" pitchFamily="49" charset="0"/>
+              </a:rPr>
+            </a:br>
+            <a:r>
+              <a:rPr lang="en-US" sz="600" dirty="0" smtClean="0">
+                <a:latin typeface="Courier New" panose="02070309020205020404" pitchFamily="49" charset="0"/>
+                <a:cs typeface="Courier New" panose="02070309020205020404" pitchFamily="49" charset="0"/>
+              </a:rPr>
+              <a:t>     </a:t>
+            </a:r>
+            <a:r>
+              <a:rPr lang="en-US" sz="600" dirty="0">
+                <a:latin typeface="Courier New" panose="02070309020205020404" pitchFamily="49" charset="0"/>
+                <a:cs typeface="Courier New" panose="02070309020205020404" pitchFamily="49" charset="0"/>
+              </a:rPr>
+              <a:t>51.601365    -</a:t>
+            </a:r>
+            <a:r>
+              <a:rPr lang="en-US" sz="600" dirty="0" smtClean="0">
+                <a:latin typeface="Courier New" panose="02070309020205020404" pitchFamily="49" charset="0"/>
+                <a:cs typeface="Courier New" panose="02070309020205020404" pitchFamily="49" charset="0"/>
+              </a:rPr>
+              <a:t>0.007327</a:t>
+            </a:r>
+          </a:p>
+          <a:p>
+            <a:pPr algn="l" latinLnBrk="1"/>
+            <a:endParaRPr lang="en-US" sz="600" dirty="0">
+              <a:latin typeface="Courier New" panose="02070309020205020404" pitchFamily="49" charset="0"/>
+              <a:cs typeface="Courier New" panose="02070309020205020404" pitchFamily="49" charset="0"/>
+            </a:endParaRPr>
+          </a:p>
+          <a:p>
+            <a:pPr algn="l" latinLnBrk="1"/>
+            <a:r>
+              <a:rPr lang="en-US" sz="600" dirty="0" smtClean="0">
+                <a:latin typeface="Courier New" panose="02070309020205020404" pitchFamily="49" charset="0"/>
+                <a:cs typeface="Courier New" panose="02070309020205020404" pitchFamily="49" charset="0"/>
+              </a:rPr>
+              <a:t>&gt; </a:t>
+            </a:r>
+            <a:r>
+              <a:rPr lang="en-US" sz="600" b="1" dirty="0" err="1" smtClean="0">
+                <a:solidFill>
+                  <a:srgbClr val="FF0000"/>
+                </a:solidFill>
+                <a:latin typeface="Courier New" panose="02070309020205020404" pitchFamily="49" charset="0"/>
+                <a:cs typeface="Courier New" panose="02070309020205020404" pitchFamily="49" charset="0"/>
+              </a:rPr>
+              <a:t>fitPlot</a:t>
+            </a:r>
+            <a:r>
+              <a:rPr lang="en-US" sz="600" b="1" dirty="0" smtClean="0">
+                <a:solidFill>
+                  <a:srgbClr val="FF0000"/>
+                </a:solidFill>
+                <a:latin typeface="Courier New" panose="02070309020205020404" pitchFamily="49" charset="0"/>
+                <a:cs typeface="Courier New" panose="02070309020205020404" pitchFamily="49" charset="0"/>
+              </a:rPr>
+              <a:t>(</a:t>
+            </a:r>
+            <a:r>
+              <a:rPr lang="en-US" sz="600" b="1" dirty="0" err="1" smtClean="0">
+                <a:solidFill>
+                  <a:srgbClr val="FF0000"/>
+                </a:solidFill>
+                <a:latin typeface="Courier New" panose="02070309020205020404" pitchFamily="49" charset="0"/>
+                <a:cs typeface="Courier New" panose="02070309020205020404" pitchFamily="49" charset="0"/>
+              </a:rPr>
+              <a:t>bfl,xlab</a:t>
+            </a:r>
+            <a:r>
+              <a:rPr lang="en-US" sz="600" b="1" dirty="0">
+                <a:solidFill>
+                  <a:srgbClr val="FF0000"/>
+                </a:solidFill>
+                <a:latin typeface="Courier New" panose="02070309020205020404" pitchFamily="49" charset="0"/>
+                <a:cs typeface="Courier New" panose="02070309020205020404" pitchFamily="49" charset="0"/>
+              </a:rPr>
+              <a:t>="Weight (</a:t>
+            </a:r>
+            <a:r>
+              <a:rPr lang="en-US" sz="600" b="1" dirty="0" err="1">
+                <a:solidFill>
+                  <a:srgbClr val="FF0000"/>
+                </a:solidFill>
+                <a:latin typeface="Courier New" panose="02070309020205020404" pitchFamily="49" charset="0"/>
+                <a:cs typeface="Courier New" panose="02070309020205020404" pitchFamily="49" charset="0"/>
+              </a:rPr>
+              <a:t>lbs</a:t>
+            </a:r>
+            <a:r>
+              <a:rPr lang="en-US" sz="600" b="1" dirty="0">
+                <a:solidFill>
+                  <a:srgbClr val="FF0000"/>
+                </a:solidFill>
+                <a:latin typeface="Courier New" panose="02070309020205020404" pitchFamily="49" charset="0"/>
+                <a:cs typeface="Courier New" panose="02070309020205020404" pitchFamily="49" charset="0"/>
+              </a:rPr>
+              <a:t>)",</a:t>
+            </a:r>
+            <a:r>
+              <a:rPr lang="en-US" sz="600" b="1" dirty="0" err="1">
+                <a:solidFill>
+                  <a:srgbClr val="FF0000"/>
+                </a:solidFill>
+                <a:latin typeface="Courier New" panose="02070309020205020404" pitchFamily="49" charset="0"/>
+                <a:cs typeface="Courier New" panose="02070309020205020404" pitchFamily="49" charset="0"/>
+              </a:rPr>
+              <a:t>ylab</a:t>
+            </a:r>
+            <a:r>
+              <a:rPr lang="en-US" sz="600" b="1" dirty="0">
+                <a:solidFill>
+                  <a:srgbClr val="FF0000"/>
+                </a:solidFill>
+                <a:latin typeface="Courier New" panose="02070309020205020404" pitchFamily="49" charset="0"/>
+                <a:cs typeface="Courier New" panose="02070309020205020404" pitchFamily="49" charset="0"/>
+              </a:rPr>
+              <a:t>="Highway MPG")</a:t>
+            </a:r>
+            <a:r>
+              <a:rPr lang="en-US" sz="600" b="1" dirty="0">
+                <a:latin typeface="Courier New" panose="02070309020205020404" pitchFamily="49" charset="0"/>
+                <a:cs typeface="Courier New" panose="02070309020205020404" pitchFamily="49" charset="0"/>
+              </a:rPr>
+              <a:t/>
+            </a:r>
+            <a:br>
+              <a:rPr lang="en-US" sz="600" b="1" dirty="0">
+                <a:latin typeface="Courier New" panose="02070309020205020404" pitchFamily="49" charset="0"/>
+                <a:cs typeface="Courier New" panose="02070309020205020404" pitchFamily="49" charset="0"/>
+              </a:rPr>
+            </a:br>
+            <a:endParaRPr lang="en-US" sz="600" b="1" dirty="0" smtClean="0">
+              <a:latin typeface="Courier New" panose="02070309020205020404" pitchFamily="49" charset="0"/>
+              <a:cs typeface="Courier New" panose="02070309020205020404" pitchFamily="49" charset="0"/>
+            </a:endParaRPr>
+          </a:p>
+          <a:p>
+            <a:pPr algn="l" latinLnBrk="1"/>
+            <a:endParaRPr lang="en-US" sz="600" dirty="0" smtClean="0">
+              <a:latin typeface="Courier New" panose="02070309020205020404" pitchFamily="49" charset="0"/>
+              <a:cs typeface="Courier New" panose="02070309020205020404" pitchFamily="49" charset="0"/>
+            </a:endParaRPr>
+          </a:p>
+          <a:p>
+            <a:pPr algn="l" latinLnBrk="1"/>
+            <a:endParaRPr lang="en-US" sz="600" dirty="0" smtClean="0">
+              <a:latin typeface="Courier New" panose="02070309020205020404" pitchFamily="49" charset="0"/>
+              <a:cs typeface="Courier New" panose="02070309020205020404" pitchFamily="49" charset="0"/>
+            </a:endParaRPr>
+          </a:p>
+          <a:p>
+            <a:pPr algn="l" latinLnBrk="1"/>
+            <a:endParaRPr lang="en-US" sz="600" dirty="0">
+              <a:latin typeface="Courier New" panose="02070309020205020404" pitchFamily="49" charset="0"/>
+              <a:cs typeface="Courier New" panose="02070309020205020404" pitchFamily="49" charset="0"/>
+            </a:endParaRPr>
+          </a:p>
+          <a:p>
+            <a:pPr algn="l" latinLnBrk="1"/>
+            <a:endParaRPr lang="en-US" sz="600" dirty="0" smtClean="0">
+              <a:latin typeface="Courier New" panose="02070309020205020404" pitchFamily="49" charset="0"/>
+              <a:cs typeface="Courier New" panose="02070309020205020404" pitchFamily="49" charset="0"/>
+            </a:endParaRPr>
+          </a:p>
+          <a:p>
+            <a:pPr algn="l" latinLnBrk="1"/>
+            <a:endParaRPr lang="en-US" sz="600" dirty="0">
+              <a:latin typeface="Courier New" panose="02070309020205020404" pitchFamily="49" charset="0"/>
+              <a:cs typeface="Courier New" panose="02070309020205020404" pitchFamily="49" charset="0"/>
+            </a:endParaRPr>
+          </a:p>
+          <a:p>
+            <a:pPr algn="l" latinLnBrk="1"/>
+            <a:endParaRPr lang="en-US" sz="600" dirty="0" smtClean="0">
+              <a:latin typeface="Courier New" panose="02070309020205020404" pitchFamily="49" charset="0"/>
+              <a:cs typeface="Courier New" panose="02070309020205020404" pitchFamily="49" charset="0"/>
+            </a:endParaRPr>
+          </a:p>
+          <a:p>
+            <a:pPr algn="l" latinLnBrk="1"/>
+            <a:endParaRPr lang="en-US" sz="600" dirty="0" smtClean="0">
+              <a:latin typeface="Courier New" panose="02070309020205020404" pitchFamily="49" charset="0"/>
+              <a:cs typeface="Courier New" panose="02070309020205020404" pitchFamily="49" charset="0"/>
+            </a:endParaRPr>
+          </a:p>
+          <a:p>
+            <a:pPr algn="l" latinLnBrk="1"/>
+            <a:endParaRPr lang="en-US" sz="600" dirty="0" smtClean="0">
+              <a:latin typeface="Courier New" panose="02070309020205020404" pitchFamily="49" charset="0"/>
+              <a:cs typeface="Courier New" panose="02070309020205020404" pitchFamily="49" charset="0"/>
+            </a:endParaRPr>
+          </a:p>
+          <a:p>
+            <a:pPr algn="l" latinLnBrk="1"/>
+            <a:endParaRPr lang="en-US" sz="600" dirty="0">
+              <a:latin typeface="Courier New" panose="02070309020205020404" pitchFamily="49" charset="0"/>
+              <a:cs typeface="Courier New" panose="02070309020205020404" pitchFamily="49" charset="0"/>
+            </a:endParaRPr>
+          </a:p>
+          <a:p>
+            <a:pPr algn="l" latinLnBrk="1"/>
+            <a:endParaRPr lang="en-US" sz="600" dirty="0" smtClean="0">
+              <a:latin typeface="Courier New" panose="02070309020205020404" pitchFamily="49" charset="0"/>
+              <a:cs typeface="Courier New" panose="02070309020205020404" pitchFamily="49" charset="0"/>
+            </a:endParaRPr>
+          </a:p>
+          <a:p>
+            <a:pPr algn="l" latinLnBrk="1"/>
+            <a:endParaRPr lang="en-US" sz="600" dirty="0" smtClean="0">
+              <a:latin typeface="Courier New" panose="02070309020205020404" pitchFamily="49" charset="0"/>
+              <a:cs typeface="Courier New" panose="02070309020205020404" pitchFamily="49" charset="0"/>
+            </a:endParaRPr>
+          </a:p>
+          <a:p>
+            <a:pPr algn="l" latinLnBrk="1"/>
+            <a:r>
+              <a:rPr lang="en-US" sz="600" dirty="0" smtClean="0">
+                <a:latin typeface="Courier New" panose="02070309020205020404" pitchFamily="49" charset="0"/>
+                <a:cs typeface="Courier New" panose="02070309020205020404" pitchFamily="49" charset="0"/>
+              </a:rPr>
+              <a:t>&gt; </a:t>
+            </a:r>
+            <a:r>
+              <a:rPr lang="en-US" sz="600" b="1" dirty="0" err="1" smtClean="0">
+                <a:solidFill>
+                  <a:srgbClr val="FF0000"/>
+                </a:solidFill>
+                <a:latin typeface="Courier New" panose="02070309020205020404" pitchFamily="49" charset="0"/>
+                <a:cs typeface="Courier New" panose="02070309020205020404" pitchFamily="49" charset="0"/>
+              </a:rPr>
+              <a:t>rSquared</a:t>
+            </a:r>
+            <a:r>
+              <a:rPr lang="en-US" sz="600" b="1" dirty="0" smtClean="0">
+                <a:solidFill>
+                  <a:srgbClr val="FF0000"/>
+                </a:solidFill>
+                <a:latin typeface="Courier New" panose="02070309020205020404" pitchFamily="49" charset="0"/>
+                <a:cs typeface="Courier New" panose="02070309020205020404" pitchFamily="49" charset="0"/>
+              </a:rPr>
+              <a:t>(</a:t>
+            </a:r>
+            <a:r>
+              <a:rPr lang="en-US" sz="600" b="1" dirty="0" err="1" smtClean="0">
+                <a:solidFill>
+                  <a:srgbClr val="FF0000"/>
+                </a:solidFill>
+                <a:latin typeface="Courier New" panose="02070309020205020404" pitchFamily="49" charset="0"/>
+                <a:cs typeface="Courier New" panose="02070309020205020404" pitchFamily="49" charset="0"/>
+              </a:rPr>
+              <a:t>bfl</a:t>
+            </a:r>
+            <a:r>
+              <a:rPr lang="en-US" sz="600" b="1" dirty="0">
+                <a:solidFill>
+                  <a:srgbClr val="FF0000"/>
+                </a:solidFill>
+                <a:latin typeface="Courier New" panose="02070309020205020404" pitchFamily="49" charset="0"/>
+                <a:cs typeface="Courier New" panose="02070309020205020404" pitchFamily="49" charset="0"/>
+              </a:rPr>
+              <a:t>)</a:t>
+            </a:r>
+          </a:p>
+          <a:p>
+            <a:pPr algn="l" latinLnBrk="1"/>
+            <a:r>
+              <a:rPr lang="en-US" sz="600" dirty="0" smtClean="0">
+                <a:latin typeface="Courier New" panose="02070309020205020404" pitchFamily="49" charset="0"/>
+                <a:cs typeface="Courier New" panose="02070309020205020404" pitchFamily="49" charset="0"/>
+              </a:rPr>
+              <a:t>   </a:t>
+            </a:r>
+            <a:r>
+              <a:rPr lang="en-US" sz="600" dirty="0">
+                <a:latin typeface="Courier New" panose="02070309020205020404" pitchFamily="49" charset="0"/>
+                <a:cs typeface="Courier New" panose="02070309020205020404" pitchFamily="49" charset="0"/>
+              </a:rPr>
+              <a:t>[1] 0.6571665</a:t>
+            </a:r>
+          </a:p>
+          <a:p>
+            <a:pPr algn="l" latinLnBrk="1"/>
+            <a:r>
+              <a:rPr lang="en-US" sz="600" dirty="0" smtClean="0">
+                <a:latin typeface="Courier New" panose="02070309020205020404" pitchFamily="49" charset="0"/>
+                <a:cs typeface="Courier New" panose="02070309020205020404" pitchFamily="49" charset="0"/>
+              </a:rPr>
+              <a:t>&gt; </a:t>
+            </a:r>
+            <a:r>
+              <a:rPr lang="en-US" sz="600" b="1" dirty="0" smtClean="0">
+                <a:solidFill>
+                  <a:srgbClr val="FF0000"/>
+                </a:solidFill>
+                <a:latin typeface="Courier New" panose="02070309020205020404" pitchFamily="49" charset="0"/>
+                <a:cs typeface="Courier New" panose="02070309020205020404" pitchFamily="49" charset="0"/>
+              </a:rPr>
+              <a:t>predict(</a:t>
+            </a:r>
+            <a:r>
+              <a:rPr lang="en-US" sz="600" b="1" dirty="0" err="1" smtClean="0">
+                <a:solidFill>
+                  <a:srgbClr val="FF0000"/>
+                </a:solidFill>
+                <a:latin typeface="Courier New" panose="02070309020205020404" pitchFamily="49" charset="0"/>
+                <a:cs typeface="Courier New" panose="02070309020205020404" pitchFamily="49" charset="0"/>
+              </a:rPr>
+              <a:t>bfl,data.frame</a:t>
+            </a:r>
+            <a:r>
+              <a:rPr lang="en-US" sz="600" b="1" dirty="0" smtClean="0">
+                <a:solidFill>
+                  <a:srgbClr val="FF0000"/>
+                </a:solidFill>
+                <a:latin typeface="Courier New" panose="02070309020205020404" pitchFamily="49" charset="0"/>
+                <a:cs typeface="Courier New" panose="02070309020205020404" pitchFamily="49" charset="0"/>
+              </a:rPr>
+              <a:t>(Weight=3000))</a:t>
+            </a:r>
+            <a:r>
+              <a:rPr lang="en-US" sz="600" dirty="0">
+                <a:latin typeface="Courier New" panose="02070309020205020404" pitchFamily="49" charset="0"/>
+                <a:cs typeface="Courier New" panose="02070309020205020404" pitchFamily="49" charset="0"/>
+              </a:rPr>
+              <a:t/>
+            </a:r>
+            <a:br>
+              <a:rPr lang="en-US" sz="600" dirty="0">
+                <a:latin typeface="Courier New" panose="02070309020205020404" pitchFamily="49" charset="0"/>
+                <a:cs typeface="Courier New" panose="02070309020205020404" pitchFamily="49" charset="0"/>
+              </a:rPr>
+            </a:br>
+            <a:r>
+              <a:rPr lang="en-US" sz="600" dirty="0" smtClean="0">
+                <a:latin typeface="Courier New" panose="02070309020205020404" pitchFamily="49" charset="0"/>
+                <a:cs typeface="Courier New" panose="02070309020205020404" pitchFamily="49" charset="0"/>
+              </a:rPr>
+              <a:t>   </a:t>
+            </a:r>
+            <a:r>
+              <a:rPr lang="en-US" sz="600" dirty="0">
+                <a:latin typeface="Courier New" panose="02070309020205020404" pitchFamily="49" charset="0"/>
+                <a:cs typeface="Courier New" panose="02070309020205020404" pitchFamily="49" charset="0"/>
+              </a:rPr>
+              <a:t>29.62019</a:t>
+            </a:r>
+          </a:p>
+          <a:p>
+            <a:pPr algn="l" latinLnBrk="1"/>
+            <a:endParaRPr lang="en-US" sz="600" dirty="0">
+              <a:latin typeface="Courier New" panose="02070309020205020404" pitchFamily="49" charset="0"/>
+              <a:cs typeface="Courier New" panose="02070309020205020404" pitchFamily="49" charset="0"/>
+            </a:endParaRPr>
+          </a:p>
+        </p:txBody>
+      </p:sp>
+      <p:sp>
+        <p:nvSpPr>
+          <p:cNvPr id="19" name="Shape 34"/>
+          <p:cNvSpPr/>
+          <p:nvPr/>
+        </p:nvSpPr>
+        <p:spPr>
+          <a:xfrm>
+            <a:off x="91440" y="1987392"/>
+            <a:ext cx="2926080" cy="4824887"/>
+          </a:xfrm>
+          <a:prstGeom prst="roundRect">
+            <a:avLst>
+              <a:gd name="adj" fmla="val 1194"/>
+            </a:avLst>
+          </a:prstGeom>
+          <a:solidFill>
+            <a:schemeClr val="bg1">
+              <a:lumMod val="95000"/>
+            </a:schemeClr>
+          </a:solidFill>
+          <a:ln w="12700">
+            <a:miter lim="400000"/>
+          </a:ln>
+        </p:spPr>
+        <p:txBody>
+          <a:bodyPr lIns="45720" tIns="91440" rIns="45720" bIns="45720" anchor="t">
+            <a:noAutofit/>
+          </a:bodyPr>
+          <a:lstStyle/>
+          <a:p>
+            <a:pPr algn="l" latinLnBrk="1"/>
+            <a:r>
+              <a:rPr lang="en-US" sz="600" dirty="0" smtClean="0">
+                <a:latin typeface="Courier New" panose="02070309020205020404" pitchFamily="49" charset="0"/>
+                <a:cs typeface="Courier New" panose="02070309020205020404" pitchFamily="49" charset="0"/>
+              </a:rPr>
+              <a:t>&gt; </a:t>
+            </a:r>
+            <a:r>
+              <a:rPr lang="en-US" sz="600" b="1" dirty="0" smtClean="0">
+                <a:solidFill>
+                  <a:srgbClr val="FF0000"/>
+                </a:solidFill>
+                <a:latin typeface="Courier New" panose="02070309020205020404" pitchFamily="49" charset="0"/>
+                <a:cs typeface="Courier New" panose="02070309020205020404" pitchFamily="49" charset="0"/>
+              </a:rPr>
+              <a:t>Summarize</a:t>
+            </a:r>
+            <a:r>
+              <a:rPr lang="en-US" sz="600" b="1" dirty="0">
+                <a:solidFill>
+                  <a:srgbClr val="FF0000"/>
+                </a:solidFill>
+                <a:latin typeface="Courier New" panose="02070309020205020404" pitchFamily="49" charset="0"/>
+                <a:cs typeface="Courier New" panose="02070309020205020404" pitchFamily="49" charset="0"/>
+              </a:rPr>
+              <a:t>(~</a:t>
+            </a:r>
+            <a:r>
+              <a:rPr lang="en-US" sz="600" b="1" dirty="0" err="1">
+                <a:solidFill>
+                  <a:srgbClr val="FF0000"/>
+                </a:solidFill>
+                <a:latin typeface="Courier New" panose="02070309020205020404" pitchFamily="49" charset="0"/>
+                <a:cs typeface="Courier New" panose="02070309020205020404" pitchFamily="49" charset="0"/>
+              </a:rPr>
+              <a:t>HMPG,data</a:t>
+            </a:r>
+            <a:r>
+              <a:rPr lang="en-US" sz="600" b="1" dirty="0">
+                <a:solidFill>
+                  <a:srgbClr val="FF0000"/>
+                </a:solidFill>
+                <a:latin typeface="Courier New" panose="02070309020205020404" pitchFamily="49" charset="0"/>
+                <a:cs typeface="Courier New" panose="02070309020205020404" pitchFamily="49" charset="0"/>
+              </a:rPr>
+              <a:t>=</a:t>
+            </a:r>
+            <a:r>
+              <a:rPr lang="en-US" sz="600" b="1" dirty="0" err="1">
+                <a:solidFill>
+                  <a:srgbClr val="FF0000"/>
+                </a:solidFill>
+                <a:latin typeface="Courier New" panose="02070309020205020404" pitchFamily="49" charset="0"/>
+                <a:cs typeface="Courier New" panose="02070309020205020404" pitchFamily="49" charset="0"/>
+              </a:rPr>
+              <a:t>dfobj,digits</a:t>
+            </a:r>
+            <a:r>
+              <a:rPr lang="en-US" sz="600" b="1" dirty="0">
+                <a:solidFill>
+                  <a:srgbClr val="FF0000"/>
+                </a:solidFill>
+                <a:latin typeface="Courier New" panose="02070309020205020404" pitchFamily="49" charset="0"/>
+                <a:cs typeface="Courier New" panose="02070309020205020404" pitchFamily="49" charset="0"/>
+              </a:rPr>
+              <a:t>=1)</a:t>
+            </a:r>
+          </a:p>
+          <a:p>
+            <a:pPr algn="l" latinLnBrk="1"/>
+            <a:r>
+              <a:rPr lang="en-US" sz="600" dirty="0" smtClean="0">
+                <a:latin typeface="Courier New" panose="02070309020205020404" pitchFamily="49" charset="0"/>
+                <a:cs typeface="Courier New" panose="02070309020205020404" pitchFamily="49" charset="0"/>
+              </a:rPr>
+              <a:t>      </a:t>
+            </a:r>
+            <a:r>
+              <a:rPr lang="en-US" sz="600" dirty="0">
+                <a:latin typeface="Courier New" panose="02070309020205020404" pitchFamily="49" charset="0"/>
+                <a:cs typeface="Courier New" panose="02070309020205020404" pitchFamily="49" charset="0"/>
+              </a:rPr>
+              <a:t>n   mean     </a:t>
+            </a:r>
+            <a:r>
+              <a:rPr lang="en-US" sz="600" dirty="0" err="1">
+                <a:latin typeface="Courier New" panose="02070309020205020404" pitchFamily="49" charset="0"/>
+                <a:cs typeface="Courier New" panose="02070309020205020404" pitchFamily="49" charset="0"/>
+              </a:rPr>
+              <a:t>sd</a:t>
+            </a:r>
+            <a:r>
+              <a:rPr lang="en-US" sz="600" dirty="0">
+                <a:latin typeface="Courier New" panose="02070309020205020404" pitchFamily="49" charset="0"/>
+                <a:cs typeface="Courier New" panose="02070309020205020404" pitchFamily="49" charset="0"/>
+              </a:rPr>
+              <a:t>    min     Q1 median     Q3    max </a:t>
+            </a:r>
+            <a:br>
+              <a:rPr lang="en-US" sz="600" dirty="0">
+                <a:latin typeface="Courier New" panose="02070309020205020404" pitchFamily="49" charset="0"/>
+                <a:cs typeface="Courier New" panose="02070309020205020404" pitchFamily="49" charset="0"/>
+              </a:rPr>
+            </a:br>
+            <a:r>
+              <a:rPr lang="en-US" sz="600" dirty="0" smtClean="0">
+                <a:latin typeface="Courier New" panose="02070309020205020404" pitchFamily="49" charset="0"/>
+                <a:cs typeface="Courier New" panose="02070309020205020404" pitchFamily="49" charset="0"/>
+              </a:rPr>
+              <a:t>   </a:t>
+            </a:r>
+            <a:r>
+              <a:rPr lang="en-US" sz="600" dirty="0">
+                <a:latin typeface="Courier New" panose="02070309020205020404" pitchFamily="49" charset="0"/>
+                <a:cs typeface="Courier New" panose="02070309020205020404" pitchFamily="49" charset="0"/>
+              </a:rPr>
+              <a:t>93.0   29.1    5.3   20.0   26.0   28.0   31.0   50.0</a:t>
+            </a:r>
+          </a:p>
+          <a:p>
+            <a:pPr algn="l" latinLnBrk="1"/>
+            <a:r>
+              <a:rPr lang="en-US" sz="600" dirty="0" smtClean="0">
+                <a:latin typeface="Courier New" panose="02070309020205020404" pitchFamily="49" charset="0"/>
+                <a:cs typeface="Courier New" panose="02070309020205020404" pitchFamily="49" charset="0"/>
+              </a:rPr>
+              <a:t>&gt; </a:t>
+            </a:r>
+            <a:r>
+              <a:rPr lang="en-US" sz="600" b="1" dirty="0" err="1" smtClean="0">
+                <a:solidFill>
+                  <a:srgbClr val="FF0000"/>
+                </a:solidFill>
+                <a:latin typeface="Courier New" panose="02070309020205020404" pitchFamily="49" charset="0"/>
+                <a:cs typeface="Courier New" panose="02070309020205020404" pitchFamily="49" charset="0"/>
+              </a:rPr>
+              <a:t>hist</a:t>
+            </a:r>
+            <a:r>
+              <a:rPr lang="en-US" sz="600" b="1" dirty="0">
+                <a:solidFill>
+                  <a:srgbClr val="FF0000"/>
+                </a:solidFill>
+                <a:latin typeface="Courier New" panose="02070309020205020404" pitchFamily="49" charset="0"/>
+                <a:cs typeface="Courier New" panose="02070309020205020404" pitchFamily="49" charset="0"/>
+              </a:rPr>
+              <a:t>(~</a:t>
+            </a:r>
+            <a:r>
+              <a:rPr lang="en-US" sz="600" b="1" dirty="0" err="1">
+                <a:solidFill>
+                  <a:srgbClr val="FF0000"/>
+                </a:solidFill>
+                <a:latin typeface="Courier New" panose="02070309020205020404" pitchFamily="49" charset="0"/>
+                <a:cs typeface="Courier New" panose="02070309020205020404" pitchFamily="49" charset="0"/>
+              </a:rPr>
+              <a:t>HMPG,data</a:t>
+            </a:r>
+            <a:r>
+              <a:rPr lang="en-US" sz="600" b="1" dirty="0">
+                <a:solidFill>
+                  <a:srgbClr val="FF0000"/>
+                </a:solidFill>
+                <a:latin typeface="Courier New" panose="02070309020205020404" pitchFamily="49" charset="0"/>
+                <a:cs typeface="Courier New" panose="02070309020205020404" pitchFamily="49" charset="0"/>
+              </a:rPr>
+              <a:t>=</a:t>
+            </a:r>
+            <a:r>
+              <a:rPr lang="en-US" sz="600" b="1" dirty="0" err="1">
+                <a:solidFill>
+                  <a:srgbClr val="FF0000"/>
+                </a:solidFill>
+                <a:latin typeface="Courier New" panose="02070309020205020404" pitchFamily="49" charset="0"/>
+                <a:cs typeface="Courier New" panose="02070309020205020404" pitchFamily="49" charset="0"/>
+              </a:rPr>
+              <a:t>dfobj,xlab</a:t>
+            </a:r>
+            <a:r>
+              <a:rPr lang="en-US" sz="600" b="1" dirty="0">
+                <a:solidFill>
+                  <a:srgbClr val="FF0000"/>
+                </a:solidFill>
+                <a:latin typeface="Courier New" panose="02070309020205020404" pitchFamily="49" charset="0"/>
+                <a:cs typeface="Courier New" panose="02070309020205020404" pitchFamily="49" charset="0"/>
+              </a:rPr>
+              <a:t>="Highway MPG")</a:t>
+            </a:r>
+          </a:p>
+          <a:p>
+            <a:pPr algn="l"/>
+            <a:endParaRPr lang="en-US" sz="600" dirty="0" smtClean="0">
+              <a:latin typeface="Cordia New" panose="020B0304020202020204" pitchFamily="34" charset="-34"/>
+              <a:cs typeface="Cordia New" panose="020B0304020202020204" pitchFamily="34" charset="-34"/>
+            </a:endParaRPr>
+          </a:p>
+          <a:p>
+            <a:pPr algn="l"/>
+            <a:endParaRPr lang="en-US" sz="600" dirty="0">
+              <a:latin typeface="Cordia New" panose="020B0304020202020204" pitchFamily="34" charset="-34"/>
+              <a:cs typeface="Cordia New" panose="020B0304020202020204" pitchFamily="34" charset="-34"/>
+            </a:endParaRPr>
+          </a:p>
+          <a:p>
+            <a:pPr algn="l"/>
+            <a:endParaRPr lang="en-US" sz="600" dirty="0" smtClean="0">
+              <a:latin typeface="Cordia New" panose="020B0304020202020204" pitchFamily="34" charset="-34"/>
+              <a:cs typeface="Cordia New" panose="020B0304020202020204" pitchFamily="34" charset="-34"/>
+            </a:endParaRPr>
+          </a:p>
+          <a:p>
+            <a:pPr algn="l"/>
+            <a:endParaRPr lang="en-US" sz="600" dirty="0">
+              <a:latin typeface="Cordia New" panose="020B0304020202020204" pitchFamily="34" charset="-34"/>
+              <a:cs typeface="Cordia New" panose="020B0304020202020204" pitchFamily="34" charset="-34"/>
+            </a:endParaRPr>
+          </a:p>
+          <a:p>
+            <a:pPr algn="l"/>
+            <a:endParaRPr lang="en-US" sz="600" dirty="0" smtClean="0">
+              <a:latin typeface="Cordia New" panose="020B0304020202020204" pitchFamily="34" charset="-34"/>
+              <a:cs typeface="Cordia New" panose="020B0304020202020204" pitchFamily="34" charset="-34"/>
+            </a:endParaRPr>
+          </a:p>
+          <a:p>
+            <a:pPr algn="l"/>
+            <a:endParaRPr lang="en-US" sz="600" dirty="0">
+              <a:latin typeface="Cordia New" panose="020B0304020202020204" pitchFamily="34" charset="-34"/>
+              <a:cs typeface="Cordia New" panose="020B0304020202020204" pitchFamily="34" charset="-34"/>
+            </a:endParaRPr>
+          </a:p>
+          <a:p>
+            <a:pPr algn="l"/>
+            <a:endParaRPr lang="en-US" sz="600" dirty="0" smtClean="0">
+              <a:latin typeface="Cordia New" panose="020B0304020202020204" pitchFamily="34" charset="-34"/>
+              <a:cs typeface="Cordia New" panose="020B0304020202020204" pitchFamily="34" charset="-34"/>
+            </a:endParaRPr>
+          </a:p>
+          <a:p>
+            <a:pPr algn="l"/>
+            <a:endParaRPr lang="en-US" sz="600" dirty="0">
+              <a:latin typeface="Cordia New" panose="020B0304020202020204" pitchFamily="34" charset="-34"/>
+              <a:cs typeface="Cordia New" panose="020B0304020202020204" pitchFamily="34" charset="-34"/>
+            </a:endParaRPr>
+          </a:p>
+          <a:p>
+            <a:pPr algn="l"/>
+            <a:endParaRPr lang="en-US" sz="600" dirty="0" smtClean="0">
+              <a:latin typeface="Cordia New" panose="020B0304020202020204" pitchFamily="34" charset="-34"/>
+              <a:cs typeface="Cordia New" panose="020B0304020202020204" pitchFamily="34" charset="-34"/>
+            </a:endParaRPr>
+          </a:p>
+          <a:p>
+            <a:pPr algn="l"/>
+            <a:endParaRPr lang="en-US" sz="600" dirty="0">
+              <a:latin typeface="Cordia New" panose="020B0304020202020204" pitchFamily="34" charset="-34"/>
+              <a:cs typeface="Cordia New" panose="020B0304020202020204" pitchFamily="34" charset="-34"/>
+            </a:endParaRPr>
+          </a:p>
+          <a:p>
+            <a:pPr algn="l"/>
+            <a:endParaRPr lang="en-US" sz="600" dirty="0" smtClean="0">
+              <a:latin typeface="Cordia New" panose="020B0304020202020204" pitchFamily="34" charset="-34"/>
+              <a:cs typeface="Cordia New" panose="020B0304020202020204" pitchFamily="34" charset="-34"/>
+            </a:endParaRPr>
+          </a:p>
+          <a:p>
+            <a:pPr algn="l" latinLnBrk="1"/>
+            <a:r>
+              <a:rPr lang="en-US" sz="600" dirty="0" smtClean="0">
+                <a:latin typeface="Courier New" panose="02070309020205020404" pitchFamily="49" charset="0"/>
+                <a:cs typeface="Courier New" panose="02070309020205020404" pitchFamily="49" charset="0"/>
+              </a:rPr>
+              <a:t>&gt; </a:t>
+            </a:r>
+            <a:r>
+              <a:rPr lang="en-US" sz="600" b="1" dirty="0" smtClean="0">
+                <a:solidFill>
+                  <a:srgbClr val="FF0000"/>
+                </a:solidFill>
+                <a:latin typeface="Courier New" panose="02070309020205020404" pitchFamily="49" charset="0"/>
+                <a:cs typeface="Courier New" panose="02070309020205020404" pitchFamily="49" charset="0"/>
+              </a:rPr>
+              <a:t>( </a:t>
+            </a:r>
+            <a:r>
+              <a:rPr lang="en-US" sz="600" b="1" dirty="0">
+                <a:solidFill>
+                  <a:srgbClr val="FF0000"/>
+                </a:solidFill>
+                <a:latin typeface="Courier New" panose="02070309020205020404" pitchFamily="49" charset="0"/>
+                <a:cs typeface="Courier New" panose="02070309020205020404" pitchFamily="49" charset="0"/>
+              </a:rPr>
+              <a:t>freq1 &lt;- </a:t>
+            </a:r>
+            <a:r>
+              <a:rPr lang="en-US" sz="600" b="1" dirty="0" err="1">
+                <a:solidFill>
+                  <a:srgbClr val="FF0000"/>
+                </a:solidFill>
+                <a:latin typeface="Courier New" panose="02070309020205020404" pitchFamily="49" charset="0"/>
+                <a:cs typeface="Courier New" panose="02070309020205020404" pitchFamily="49" charset="0"/>
+              </a:rPr>
+              <a:t>xtabs</a:t>
+            </a:r>
+            <a:r>
+              <a:rPr lang="en-US" sz="600" b="1" dirty="0">
+                <a:solidFill>
+                  <a:srgbClr val="FF0000"/>
+                </a:solidFill>
+                <a:latin typeface="Courier New" panose="02070309020205020404" pitchFamily="49" charset="0"/>
+                <a:cs typeface="Courier New" panose="02070309020205020404" pitchFamily="49" charset="0"/>
+              </a:rPr>
+              <a:t>(~</a:t>
+            </a:r>
+            <a:r>
+              <a:rPr lang="en-US" sz="600" b="1" dirty="0" err="1">
+                <a:solidFill>
+                  <a:srgbClr val="FF0000"/>
+                </a:solidFill>
+                <a:latin typeface="Courier New" panose="02070309020205020404" pitchFamily="49" charset="0"/>
+                <a:cs typeface="Courier New" panose="02070309020205020404" pitchFamily="49" charset="0"/>
+              </a:rPr>
+              <a:t>Type,data</a:t>
+            </a:r>
+            <a:r>
+              <a:rPr lang="en-US" sz="600" b="1" dirty="0">
+                <a:solidFill>
+                  <a:srgbClr val="FF0000"/>
+                </a:solidFill>
+                <a:latin typeface="Courier New" panose="02070309020205020404" pitchFamily="49" charset="0"/>
+                <a:cs typeface="Courier New" panose="02070309020205020404" pitchFamily="49" charset="0"/>
+              </a:rPr>
+              <a:t>=</a:t>
+            </a:r>
+            <a:r>
+              <a:rPr lang="en-US" sz="600" b="1" dirty="0" err="1">
+                <a:solidFill>
+                  <a:srgbClr val="FF0000"/>
+                </a:solidFill>
+                <a:latin typeface="Courier New" panose="02070309020205020404" pitchFamily="49" charset="0"/>
+                <a:cs typeface="Courier New" panose="02070309020205020404" pitchFamily="49" charset="0"/>
+              </a:rPr>
+              <a:t>dfobj</a:t>
+            </a:r>
+            <a:r>
+              <a:rPr lang="en-US" sz="600" b="1" dirty="0">
+                <a:solidFill>
+                  <a:srgbClr val="FF0000"/>
+                </a:solidFill>
+                <a:latin typeface="Courier New" panose="02070309020205020404" pitchFamily="49" charset="0"/>
+                <a:cs typeface="Courier New" panose="02070309020205020404" pitchFamily="49" charset="0"/>
+              </a:rPr>
+              <a:t>) )</a:t>
+            </a:r>
+          </a:p>
+          <a:p>
+            <a:pPr algn="l" latinLnBrk="1"/>
+            <a:r>
+              <a:rPr lang="en-US" sz="600" dirty="0" smtClean="0">
+                <a:latin typeface="Courier New" panose="02070309020205020404" pitchFamily="49" charset="0"/>
+                <a:cs typeface="Courier New" panose="02070309020205020404" pitchFamily="49" charset="0"/>
+              </a:rPr>
+              <a:t> </a:t>
+            </a:r>
+            <a:r>
+              <a:rPr lang="en-US" sz="600" dirty="0">
+                <a:latin typeface="Courier New" panose="02070309020205020404" pitchFamily="49" charset="0"/>
+                <a:cs typeface="Courier New" panose="02070309020205020404" pitchFamily="49" charset="0"/>
+              </a:rPr>
+              <a:t>Type</a:t>
+            </a:r>
+            <a:br>
+              <a:rPr lang="en-US" sz="600" dirty="0">
+                <a:latin typeface="Courier New" panose="02070309020205020404" pitchFamily="49" charset="0"/>
+                <a:cs typeface="Courier New" panose="02070309020205020404" pitchFamily="49" charset="0"/>
+              </a:rPr>
+            </a:br>
+            <a:r>
+              <a:rPr lang="en-US" sz="600" dirty="0" smtClean="0">
+                <a:latin typeface="Courier New" panose="02070309020205020404" pitchFamily="49" charset="0"/>
+                <a:cs typeface="Courier New" panose="02070309020205020404" pitchFamily="49" charset="0"/>
+              </a:rPr>
+              <a:t> </a:t>
+            </a:r>
+            <a:r>
+              <a:rPr lang="en-US" sz="600" dirty="0">
+                <a:latin typeface="Courier New" panose="02070309020205020404" pitchFamily="49" charset="0"/>
+                <a:cs typeface="Courier New" panose="02070309020205020404" pitchFamily="49" charset="0"/>
+              </a:rPr>
+              <a:t>Compact   Large Midsize   Small  Sporty     Van </a:t>
+            </a:r>
+            <a:br>
+              <a:rPr lang="en-US" sz="600" dirty="0">
+                <a:latin typeface="Courier New" panose="02070309020205020404" pitchFamily="49" charset="0"/>
+                <a:cs typeface="Courier New" panose="02070309020205020404" pitchFamily="49" charset="0"/>
+              </a:rPr>
+            </a:br>
+            <a:r>
+              <a:rPr lang="en-US" sz="600" dirty="0" smtClean="0">
+                <a:latin typeface="Courier New" panose="02070309020205020404" pitchFamily="49" charset="0"/>
+                <a:cs typeface="Courier New" panose="02070309020205020404" pitchFamily="49" charset="0"/>
+              </a:rPr>
+              <a:t>      </a:t>
+            </a:r>
+            <a:r>
+              <a:rPr lang="en-US" sz="600" dirty="0">
+                <a:latin typeface="Courier New" panose="02070309020205020404" pitchFamily="49" charset="0"/>
+                <a:cs typeface="Courier New" panose="02070309020205020404" pitchFamily="49" charset="0"/>
+              </a:rPr>
+              <a:t>16      11      22      21      14       9</a:t>
+            </a:r>
+          </a:p>
+          <a:p>
+            <a:pPr algn="l" latinLnBrk="1"/>
+            <a:r>
+              <a:rPr lang="en-US" sz="600" dirty="0" smtClean="0">
+                <a:latin typeface="Courier New" panose="02070309020205020404" pitchFamily="49" charset="0"/>
+                <a:cs typeface="Courier New" panose="02070309020205020404" pitchFamily="49" charset="0"/>
+              </a:rPr>
+              <a:t>&gt; </a:t>
+            </a:r>
+            <a:r>
+              <a:rPr lang="en-US" sz="600" b="1" dirty="0" err="1" smtClean="0">
+                <a:solidFill>
+                  <a:srgbClr val="FF0000"/>
+                </a:solidFill>
+                <a:latin typeface="Courier New" panose="02070309020205020404" pitchFamily="49" charset="0"/>
+                <a:cs typeface="Courier New" panose="02070309020205020404" pitchFamily="49" charset="0"/>
+              </a:rPr>
+              <a:t>percTable</a:t>
+            </a:r>
+            <a:r>
+              <a:rPr lang="en-US" sz="600" b="1" dirty="0" smtClean="0">
+                <a:solidFill>
+                  <a:srgbClr val="FF0000"/>
+                </a:solidFill>
+                <a:latin typeface="Courier New" panose="02070309020205020404" pitchFamily="49" charset="0"/>
+                <a:cs typeface="Courier New" panose="02070309020205020404" pitchFamily="49" charset="0"/>
+              </a:rPr>
+              <a:t>(freq1,digits=1</a:t>
+            </a:r>
+            <a:r>
+              <a:rPr lang="en-US" sz="600" b="1" dirty="0">
+                <a:solidFill>
+                  <a:srgbClr val="FF0000"/>
+                </a:solidFill>
+                <a:latin typeface="Courier New" panose="02070309020205020404" pitchFamily="49" charset="0"/>
+                <a:cs typeface="Courier New" panose="02070309020205020404" pitchFamily="49" charset="0"/>
+              </a:rPr>
+              <a:t>)</a:t>
+            </a:r>
+          </a:p>
+          <a:p>
+            <a:pPr algn="l" latinLnBrk="1"/>
+            <a:r>
+              <a:rPr lang="en-US" sz="600" dirty="0" smtClean="0">
+                <a:latin typeface="Courier New" panose="02070309020205020404" pitchFamily="49" charset="0"/>
+                <a:cs typeface="Courier New" panose="02070309020205020404" pitchFamily="49" charset="0"/>
+              </a:rPr>
+              <a:t> </a:t>
+            </a:r>
+            <a:r>
+              <a:rPr lang="en-US" sz="600" dirty="0">
+                <a:latin typeface="Courier New" panose="02070309020205020404" pitchFamily="49" charset="0"/>
+                <a:cs typeface="Courier New" panose="02070309020205020404" pitchFamily="49" charset="0"/>
+              </a:rPr>
+              <a:t>Type</a:t>
+            </a:r>
+            <a:br>
+              <a:rPr lang="en-US" sz="600" dirty="0">
+                <a:latin typeface="Courier New" panose="02070309020205020404" pitchFamily="49" charset="0"/>
+                <a:cs typeface="Courier New" panose="02070309020205020404" pitchFamily="49" charset="0"/>
+              </a:rPr>
+            </a:br>
+            <a:r>
+              <a:rPr lang="en-US" sz="600" dirty="0" smtClean="0">
+                <a:latin typeface="Courier New" panose="02070309020205020404" pitchFamily="49" charset="0"/>
+                <a:cs typeface="Courier New" panose="02070309020205020404" pitchFamily="49" charset="0"/>
+              </a:rPr>
+              <a:t> </a:t>
+            </a:r>
+            <a:r>
+              <a:rPr lang="en-US" sz="600" dirty="0">
+                <a:latin typeface="Courier New" panose="02070309020205020404" pitchFamily="49" charset="0"/>
+                <a:cs typeface="Courier New" panose="02070309020205020404" pitchFamily="49" charset="0"/>
+              </a:rPr>
+              <a:t>Compact   Large Midsize   Small  Sporty     Van     Sum </a:t>
+            </a:r>
+            <a:br>
+              <a:rPr lang="en-US" sz="600" dirty="0">
+                <a:latin typeface="Courier New" panose="02070309020205020404" pitchFamily="49" charset="0"/>
+                <a:cs typeface="Courier New" panose="02070309020205020404" pitchFamily="49" charset="0"/>
+              </a:rPr>
+            </a:br>
+            <a:r>
+              <a:rPr lang="en-US" sz="600" dirty="0" smtClean="0">
+                <a:latin typeface="Courier New" panose="02070309020205020404" pitchFamily="49" charset="0"/>
+                <a:cs typeface="Courier New" panose="02070309020205020404" pitchFamily="49" charset="0"/>
+              </a:rPr>
+              <a:t>    </a:t>
+            </a:r>
+            <a:r>
+              <a:rPr lang="en-US" sz="600" dirty="0">
+                <a:latin typeface="Courier New" panose="02070309020205020404" pitchFamily="49" charset="0"/>
+                <a:cs typeface="Courier New" panose="02070309020205020404" pitchFamily="49" charset="0"/>
+              </a:rPr>
+              <a:t>17.2    11.8    23.7    22.6    15.1     9.7   100.1</a:t>
+            </a:r>
+          </a:p>
+          <a:p>
+            <a:pPr algn="l" latinLnBrk="1"/>
+            <a:r>
+              <a:rPr lang="en-US" sz="600" dirty="0" smtClean="0">
+                <a:latin typeface="Courier New" panose="02070309020205020404" pitchFamily="49" charset="0"/>
+                <a:cs typeface="Courier New" panose="02070309020205020404" pitchFamily="49" charset="0"/>
+              </a:rPr>
+              <a:t>&gt; </a:t>
+            </a:r>
+            <a:r>
+              <a:rPr lang="en-US" sz="600" b="1" dirty="0" err="1" smtClean="0">
+                <a:solidFill>
+                  <a:srgbClr val="FF0000"/>
+                </a:solidFill>
+                <a:latin typeface="Courier New" panose="02070309020205020404" pitchFamily="49" charset="0"/>
+                <a:cs typeface="Courier New" panose="02070309020205020404" pitchFamily="49" charset="0"/>
+              </a:rPr>
+              <a:t>barplot</a:t>
+            </a:r>
+            <a:r>
+              <a:rPr lang="en-US" sz="600" b="1" dirty="0" smtClean="0">
+                <a:solidFill>
+                  <a:srgbClr val="FF0000"/>
+                </a:solidFill>
+                <a:latin typeface="Courier New" panose="02070309020205020404" pitchFamily="49" charset="0"/>
+                <a:cs typeface="Courier New" panose="02070309020205020404" pitchFamily="49" charset="0"/>
+              </a:rPr>
+              <a:t>(freq1,xlab</a:t>
+            </a:r>
+            <a:r>
+              <a:rPr lang="en-US" sz="600" b="1" dirty="0">
+                <a:solidFill>
+                  <a:srgbClr val="FF0000"/>
+                </a:solidFill>
+                <a:latin typeface="Courier New" panose="02070309020205020404" pitchFamily="49" charset="0"/>
+                <a:cs typeface="Courier New" panose="02070309020205020404" pitchFamily="49" charset="0"/>
+              </a:rPr>
+              <a:t>="Type of Car",</a:t>
+            </a:r>
+            <a:r>
+              <a:rPr lang="en-US" sz="600" b="1" dirty="0" err="1">
+                <a:solidFill>
+                  <a:srgbClr val="FF0000"/>
+                </a:solidFill>
+                <a:latin typeface="Courier New" panose="02070309020205020404" pitchFamily="49" charset="0"/>
+                <a:cs typeface="Courier New" panose="02070309020205020404" pitchFamily="49" charset="0"/>
+              </a:rPr>
+              <a:t>ylab</a:t>
+            </a:r>
+            <a:r>
+              <a:rPr lang="en-US" sz="600" b="1" dirty="0">
+                <a:solidFill>
+                  <a:srgbClr val="FF0000"/>
+                </a:solidFill>
+                <a:latin typeface="Courier New" panose="02070309020205020404" pitchFamily="49" charset="0"/>
+                <a:cs typeface="Courier New" panose="02070309020205020404" pitchFamily="49" charset="0"/>
+              </a:rPr>
+              <a:t>="Frequency")</a:t>
+            </a:r>
+          </a:p>
+          <a:p>
+            <a:pPr algn="l"/>
+            <a:endParaRPr lang="en-US" sz="600" dirty="0" smtClean="0">
+              <a:latin typeface="Cordia New" panose="020B0304020202020204" pitchFamily="34" charset="-34"/>
+              <a:cs typeface="Cordia New" panose="020B0304020202020204" pitchFamily="34" charset="-34"/>
+            </a:endParaRPr>
+          </a:p>
+          <a:p>
+            <a:pPr algn="l"/>
+            <a:endParaRPr lang="en-US" sz="600" dirty="0">
+              <a:latin typeface="Cordia New" panose="020B0304020202020204" pitchFamily="34" charset="-34"/>
+              <a:cs typeface="Cordia New" panose="020B0304020202020204" pitchFamily="34" charset="-34"/>
+            </a:endParaRPr>
+          </a:p>
+          <a:p>
+            <a:pPr algn="l"/>
+            <a:endParaRPr lang="en-US" sz="600" dirty="0" smtClean="0">
+              <a:latin typeface="Cordia New" panose="020B0304020202020204" pitchFamily="34" charset="-34"/>
+              <a:cs typeface="Cordia New" panose="020B0304020202020204" pitchFamily="34" charset="-34"/>
+            </a:endParaRPr>
+          </a:p>
+          <a:p>
+            <a:pPr algn="l"/>
+            <a:endParaRPr lang="en-US" sz="600" dirty="0">
+              <a:latin typeface="Cordia New" panose="020B0304020202020204" pitchFamily="34" charset="-34"/>
+              <a:cs typeface="Cordia New" panose="020B0304020202020204" pitchFamily="34" charset="-34"/>
+            </a:endParaRPr>
+          </a:p>
+          <a:p>
+            <a:pPr algn="l"/>
+            <a:endParaRPr lang="en-US" sz="600" dirty="0" smtClean="0">
+              <a:latin typeface="Cordia New" panose="020B0304020202020204" pitchFamily="34" charset="-34"/>
+              <a:cs typeface="Cordia New" panose="020B0304020202020204" pitchFamily="34" charset="-34"/>
+            </a:endParaRPr>
+          </a:p>
+          <a:p>
+            <a:pPr algn="l"/>
+            <a:endParaRPr lang="en-US" sz="600" dirty="0">
+              <a:latin typeface="Cordia New" panose="020B0304020202020204" pitchFamily="34" charset="-34"/>
+              <a:cs typeface="Cordia New" panose="020B0304020202020204" pitchFamily="34" charset="-34"/>
+            </a:endParaRPr>
+          </a:p>
+          <a:p>
+            <a:pPr algn="l"/>
+            <a:endParaRPr lang="en-US" sz="600" dirty="0" smtClean="0">
+              <a:latin typeface="Cordia New" panose="020B0304020202020204" pitchFamily="34" charset="-34"/>
+              <a:cs typeface="Cordia New" panose="020B0304020202020204" pitchFamily="34" charset="-34"/>
+            </a:endParaRPr>
+          </a:p>
+          <a:p>
+            <a:pPr algn="l"/>
+            <a:endParaRPr lang="en-US" sz="600" dirty="0">
+              <a:latin typeface="Cordia New" panose="020B0304020202020204" pitchFamily="34" charset="-34"/>
+              <a:cs typeface="Cordia New" panose="020B0304020202020204" pitchFamily="34" charset="-34"/>
+            </a:endParaRPr>
+          </a:p>
+          <a:p>
+            <a:pPr algn="l"/>
+            <a:endParaRPr lang="en-US" sz="600" dirty="0" smtClean="0">
+              <a:latin typeface="Cordia New" panose="020B0304020202020204" pitchFamily="34" charset="-34"/>
+              <a:cs typeface="Cordia New" panose="020B0304020202020204" pitchFamily="34" charset="-34"/>
+            </a:endParaRPr>
+          </a:p>
+          <a:p>
+            <a:pPr algn="l"/>
+            <a:endParaRPr lang="en-US" sz="600" dirty="0">
+              <a:latin typeface="Cordia New" panose="020B0304020202020204" pitchFamily="34" charset="-34"/>
+              <a:cs typeface="Cordia New" panose="020B0304020202020204" pitchFamily="34" charset="-34"/>
+            </a:endParaRPr>
+          </a:p>
+          <a:p>
+            <a:pPr algn="l"/>
+            <a:endParaRPr lang="en-US" sz="600" dirty="0" smtClean="0">
+              <a:latin typeface="Cordia New" panose="020B0304020202020204" pitchFamily="34" charset="-34"/>
+              <a:cs typeface="Cordia New" panose="020B0304020202020204" pitchFamily="34" charset="-34"/>
+            </a:endParaRPr>
+          </a:p>
+          <a:p>
+            <a:pPr algn="l" latinLnBrk="1"/>
+            <a:r>
+              <a:rPr lang="en-US" sz="600" dirty="0" smtClean="0">
+                <a:latin typeface="Courier New" panose="02070309020205020404" pitchFamily="49" charset="0"/>
+                <a:cs typeface="Courier New" panose="02070309020205020404" pitchFamily="49" charset="0"/>
+              </a:rPr>
+              <a:t>&gt; </a:t>
+            </a:r>
+            <a:r>
+              <a:rPr lang="en-US" sz="600" b="1" dirty="0" smtClean="0">
+                <a:solidFill>
+                  <a:srgbClr val="FF0000"/>
+                </a:solidFill>
+                <a:latin typeface="Courier New" panose="02070309020205020404" pitchFamily="49" charset="0"/>
+                <a:cs typeface="Courier New" panose="02070309020205020404" pitchFamily="49" charset="0"/>
+              </a:rPr>
+              <a:t>Summarize(</a:t>
+            </a:r>
+            <a:r>
+              <a:rPr lang="en-US" sz="600" b="1" dirty="0" err="1" smtClean="0">
+                <a:solidFill>
+                  <a:srgbClr val="FF0000"/>
+                </a:solidFill>
+                <a:latin typeface="Courier New" panose="02070309020205020404" pitchFamily="49" charset="0"/>
+                <a:cs typeface="Courier New" panose="02070309020205020404" pitchFamily="49" charset="0"/>
+              </a:rPr>
+              <a:t>HMPG~Domestic,data</a:t>
+            </a:r>
+            <a:r>
+              <a:rPr lang="en-US" sz="600" b="1" dirty="0" smtClean="0">
+                <a:solidFill>
+                  <a:srgbClr val="FF0000"/>
+                </a:solidFill>
+                <a:latin typeface="Courier New" panose="02070309020205020404" pitchFamily="49" charset="0"/>
+                <a:cs typeface="Courier New" panose="02070309020205020404" pitchFamily="49" charset="0"/>
+              </a:rPr>
+              <a:t>=</a:t>
+            </a:r>
+            <a:r>
+              <a:rPr lang="en-US" sz="600" b="1" dirty="0" err="1" smtClean="0">
+                <a:solidFill>
+                  <a:srgbClr val="FF0000"/>
+                </a:solidFill>
+                <a:latin typeface="Courier New" panose="02070309020205020404" pitchFamily="49" charset="0"/>
+                <a:cs typeface="Courier New" panose="02070309020205020404" pitchFamily="49" charset="0"/>
+              </a:rPr>
+              <a:t>dfobj,digits</a:t>
+            </a:r>
+            <a:r>
+              <a:rPr lang="en-US" sz="600" b="1" dirty="0" smtClean="0">
+                <a:solidFill>
+                  <a:srgbClr val="FF0000"/>
+                </a:solidFill>
+                <a:latin typeface="Courier New" panose="02070309020205020404" pitchFamily="49" charset="0"/>
+                <a:cs typeface="Courier New" panose="02070309020205020404" pitchFamily="49" charset="0"/>
+              </a:rPr>
+              <a:t>=1</a:t>
+            </a:r>
+            <a:r>
+              <a:rPr lang="en-US" sz="600" b="1" dirty="0">
+                <a:solidFill>
+                  <a:srgbClr val="FF0000"/>
+                </a:solidFill>
+                <a:latin typeface="Courier New" panose="02070309020205020404" pitchFamily="49" charset="0"/>
+                <a:cs typeface="Courier New" panose="02070309020205020404" pitchFamily="49" charset="0"/>
+              </a:rPr>
+              <a:t>)</a:t>
+            </a:r>
+          </a:p>
+          <a:p>
+            <a:pPr algn="l" latinLnBrk="1"/>
+            <a:r>
+              <a:rPr lang="en-US" sz="600" dirty="0" smtClean="0">
+                <a:latin typeface="Courier New" panose="02070309020205020404" pitchFamily="49" charset="0"/>
+                <a:cs typeface="Courier New" panose="02070309020205020404" pitchFamily="49" charset="0"/>
+              </a:rPr>
+              <a:t>   </a:t>
+            </a:r>
+            <a:r>
+              <a:rPr lang="en-US" sz="600" dirty="0">
+                <a:latin typeface="Courier New" panose="02070309020205020404" pitchFamily="49" charset="0"/>
+                <a:cs typeface="Courier New" panose="02070309020205020404" pitchFamily="49" charset="0"/>
+              </a:rPr>
+              <a:t>Domestic  n mean  </a:t>
+            </a:r>
+            <a:r>
+              <a:rPr lang="en-US" sz="600" dirty="0" err="1">
+                <a:latin typeface="Courier New" panose="02070309020205020404" pitchFamily="49" charset="0"/>
+                <a:cs typeface="Courier New" panose="02070309020205020404" pitchFamily="49" charset="0"/>
+              </a:rPr>
+              <a:t>sd</a:t>
+            </a:r>
+            <a:r>
+              <a:rPr lang="en-US" sz="600" dirty="0">
+                <a:latin typeface="Courier New" panose="02070309020205020404" pitchFamily="49" charset="0"/>
+                <a:cs typeface="Courier New" panose="02070309020205020404" pitchFamily="49" charset="0"/>
+              </a:rPr>
+              <a:t> min Q1 median Q3 max</a:t>
+            </a:r>
+            <a:br>
+              <a:rPr lang="en-US" sz="600" dirty="0">
+                <a:latin typeface="Courier New" panose="02070309020205020404" pitchFamily="49" charset="0"/>
+                <a:cs typeface="Courier New" panose="02070309020205020404" pitchFamily="49" charset="0"/>
+              </a:rPr>
+            </a:br>
+            <a:r>
+              <a:rPr lang="en-US" sz="600" dirty="0" smtClean="0">
+                <a:latin typeface="Courier New" panose="02070309020205020404" pitchFamily="49" charset="0"/>
+                <a:cs typeface="Courier New" panose="02070309020205020404" pitchFamily="49" charset="0"/>
+              </a:rPr>
+              <a:t> </a:t>
+            </a:r>
+            <a:r>
+              <a:rPr lang="en-US" sz="600" dirty="0">
+                <a:latin typeface="Courier New" panose="02070309020205020404" pitchFamily="49" charset="0"/>
+                <a:cs typeface="Courier New" panose="02070309020205020404" pitchFamily="49" charset="0"/>
+              </a:rPr>
+              <a:t>1       No 45 30.1 6.2  21 25     30 33  50</a:t>
+            </a:r>
+            <a:br>
+              <a:rPr lang="en-US" sz="600" dirty="0">
+                <a:latin typeface="Courier New" panose="02070309020205020404" pitchFamily="49" charset="0"/>
+                <a:cs typeface="Courier New" panose="02070309020205020404" pitchFamily="49" charset="0"/>
+              </a:rPr>
+            </a:br>
+            <a:r>
+              <a:rPr lang="en-US" sz="600" dirty="0" smtClean="0">
+                <a:latin typeface="Courier New" panose="02070309020205020404" pitchFamily="49" charset="0"/>
+                <a:cs typeface="Courier New" panose="02070309020205020404" pitchFamily="49" charset="0"/>
+              </a:rPr>
+              <a:t> </a:t>
+            </a:r>
+            <a:r>
+              <a:rPr lang="en-US" sz="600" dirty="0">
+                <a:latin typeface="Courier New" panose="02070309020205020404" pitchFamily="49" charset="0"/>
+                <a:cs typeface="Courier New" panose="02070309020205020404" pitchFamily="49" charset="0"/>
+              </a:rPr>
+              <a:t>2      Yes 48 28.1 4.2  20 26     28 30  41</a:t>
+            </a:r>
+          </a:p>
+          <a:p>
+            <a:pPr algn="l" latinLnBrk="1"/>
+            <a:r>
+              <a:rPr lang="en-US" sz="600" dirty="0" smtClean="0">
+                <a:latin typeface="Courier New" panose="02070309020205020404" pitchFamily="49" charset="0"/>
+                <a:cs typeface="Courier New" panose="02070309020205020404" pitchFamily="49" charset="0"/>
+              </a:rPr>
+              <a:t>&gt; </a:t>
+            </a:r>
+            <a:r>
+              <a:rPr lang="en-US" sz="600" b="1" dirty="0" err="1" smtClean="0">
+                <a:solidFill>
+                  <a:srgbClr val="FF0000"/>
+                </a:solidFill>
+                <a:latin typeface="Courier New" panose="02070309020205020404" pitchFamily="49" charset="0"/>
+                <a:cs typeface="Courier New" panose="02070309020205020404" pitchFamily="49" charset="0"/>
+              </a:rPr>
+              <a:t>hist</a:t>
+            </a:r>
+            <a:r>
+              <a:rPr lang="en-US" sz="600" b="1" dirty="0" smtClean="0">
+                <a:solidFill>
+                  <a:srgbClr val="FF0000"/>
+                </a:solidFill>
+                <a:latin typeface="Courier New" panose="02070309020205020404" pitchFamily="49" charset="0"/>
+                <a:cs typeface="Courier New" panose="02070309020205020404" pitchFamily="49" charset="0"/>
+              </a:rPr>
+              <a:t>(</a:t>
+            </a:r>
+            <a:r>
+              <a:rPr lang="en-US" sz="600" b="1" dirty="0" err="1" smtClean="0">
+                <a:solidFill>
+                  <a:srgbClr val="FF0000"/>
+                </a:solidFill>
+                <a:latin typeface="Courier New" panose="02070309020205020404" pitchFamily="49" charset="0"/>
+                <a:cs typeface="Courier New" panose="02070309020205020404" pitchFamily="49" charset="0"/>
+              </a:rPr>
+              <a:t>HMPG~Domestic,data</a:t>
+            </a:r>
+            <a:r>
+              <a:rPr lang="en-US" sz="600" b="1" dirty="0" smtClean="0">
+                <a:solidFill>
+                  <a:srgbClr val="FF0000"/>
+                </a:solidFill>
+                <a:latin typeface="Courier New" panose="02070309020205020404" pitchFamily="49" charset="0"/>
+                <a:cs typeface="Courier New" panose="02070309020205020404" pitchFamily="49" charset="0"/>
+              </a:rPr>
+              <a:t>=</a:t>
+            </a:r>
+            <a:r>
+              <a:rPr lang="en-US" sz="600" b="1" dirty="0" err="1" smtClean="0">
+                <a:solidFill>
+                  <a:srgbClr val="FF0000"/>
+                </a:solidFill>
+                <a:latin typeface="Courier New" panose="02070309020205020404" pitchFamily="49" charset="0"/>
+                <a:cs typeface="Courier New" panose="02070309020205020404" pitchFamily="49" charset="0"/>
+              </a:rPr>
+              <a:t>dfobj,xlab</a:t>
+            </a:r>
+            <a:r>
+              <a:rPr lang="en-US" sz="600" b="1" dirty="0">
+                <a:solidFill>
+                  <a:srgbClr val="FF0000"/>
+                </a:solidFill>
+                <a:latin typeface="Courier New" panose="02070309020205020404" pitchFamily="49" charset="0"/>
+                <a:cs typeface="Courier New" panose="02070309020205020404" pitchFamily="49" charset="0"/>
+              </a:rPr>
+              <a:t>="Highway MPG")</a:t>
+            </a:r>
+          </a:p>
+          <a:p>
+            <a:pPr algn="l"/>
+            <a:r>
+              <a:rPr lang="en-US" sz="600" dirty="0">
+                <a:latin typeface="Cordia New" panose="020B0304020202020204" pitchFamily="34" charset="-34"/>
+                <a:cs typeface="Cordia New" panose="020B0304020202020204" pitchFamily="34" charset="-34"/>
+              </a:rPr>
+              <a:t/>
+            </a:r>
+            <a:br>
+              <a:rPr lang="en-US" sz="600" dirty="0">
+                <a:latin typeface="Cordia New" panose="020B0304020202020204" pitchFamily="34" charset="-34"/>
+                <a:cs typeface="Cordia New" panose="020B0304020202020204" pitchFamily="34" charset="-34"/>
+              </a:rPr>
+            </a:br>
+            <a:endParaRPr lang="en-US" sz="600" dirty="0" smtClean="0">
+              <a:latin typeface="Cordia New" panose="020B0304020202020204" pitchFamily="34" charset="-34"/>
+              <a:cs typeface="Cordia New" panose="020B0304020202020204" pitchFamily="34" charset="-34"/>
+            </a:endParaRPr>
+          </a:p>
+          <a:p>
+            <a:pPr algn="l"/>
+            <a:endParaRPr lang="en-US" sz="600" dirty="0">
+              <a:latin typeface="Cordia New" panose="020B0304020202020204" pitchFamily="34" charset="-34"/>
+              <a:cs typeface="Cordia New" panose="020B0304020202020204" pitchFamily="34" charset="-34"/>
+            </a:endParaRPr>
+          </a:p>
+        </p:txBody>
+      </p:sp>
+      <p:sp>
+        <p:nvSpPr>
+          <p:cNvPr id="5" name="Shape 34"/>
+          <p:cNvSpPr/>
+          <p:nvPr/>
+        </p:nvSpPr>
+        <p:spPr>
+          <a:xfrm>
+            <a:off x="91440" y="202672"/>
+            <a:ext cx="2926080" cy="1516949"/>
+          </a:xfrm>
+          <a:prstGeom prst="roundRect">
+            <a:avLst>
+              <a:gd name="adj" fmla="val 1194"/>
+            </a:avLst>
+          </a:prstGeom>
+          <a:solidFill>
+            <a:schemeClr val="bg1">
+              <a:lumMod val="95000"/>
+            </a:schemeClr>
+          </a:solidFill>
+          <a:ln w="12700">
+            <a:miter lim="400000"/>
+          </a:ln>
+        </p:spPr>
+        <p:txBody>
+          <a:bodyPr lIns="45720" tIns="91440" rIns="45720" bIns="45720" anchor="t">
+            <a:noAutofit/>
+          </a:bodyPr>
+          <a:lstStyle/>
+          <a:p>
+            <a:pPr algn="l" latinLnBrk="1"/>
+            <a:r>
+              <a:rPr lang="en-US" sz="600" dirty="0" smtClean="0">
+                <a:latin typeface="Courier New" panose="02070309020205020404" pitchFamily="49" charset="0"/>
+                <a:cs typeface="Courier New" panose="02070309020205020404" pitchFamily="49" charset="0"/>
+              </a:rPr>
+              <a:t>&gt; </a:t>
+            </a:r>
+            <a:r>
+              <a:rPr lang="en-US" sz="600" b="1" dirty="0" smtClean="0">
+                <a:solidFill>
+                  <a:srgbClr val="FF0000"/>
+                </a:solidFill>
+                <a:latin typeface="Courier New" panose="02070309020205020404" pitchFamily="49" charset="0"/>
+                <a:cs typeface="Courier New" panose="02070309020205020404" pitchFamily="49" charset="0"/>
+              </a:rPr>
+              <a:t>library(</a:t>
+            </a:r>
+            <a:r>
+              <a:rPr lang="en-US" sz="600" b="1" dirty="0" err="1" smtClean="0">
+                <a:solidFill>
+                  <a:srgbClr val="FF0000"/>
+                </a:solidFill>
+                <a:latin typeface="Courier New" panose="02070309020205020404" pitchFamily="49" charset="0"/>
+                <a:cs typeface="Courier New" panose="02070309020205020404" pitchFamily="49" charset="0"/>
+              </a:rPr>
+              <a:t>NCStats</a:t>
+            </a:r>
+            <a:r>
+              <a:rPr lang="en-US" sz="600" b="1" dirty="0">
+                <a:solidFill>
+                  <a:srgbClr val="FF0000"/>
+                </a:solidFill>
+                <a:latin typeface="Courier New" panose="02070309020205020404" pitchFamily="49" charset="0"/>
+                <a:cs typeface="Courier New" panose="02070309020205020404" pitchFamily="49" charset="0"/>
+              </a:rPr>
+              <a:t>)</a:t>
+            </a:r>
+          </a:p>
+          <a:p>
+            <a:pPr algn="l" latinLnBrk="1"/>
+            <a:r>
+              <a:rPr lang="en-US" sz="600" dirty="0" smtClean="0">
+                <a:latin typeface="Courier New" panose="02070309020205020404" pitchFamily="49" charset="0"/>
+                <a:cs typeface="Courier New" panose="02070309020205020404" pitchFamily="49" charset="0"/>
+              </a:rPr>
+              <a:t>&gt; </a:t>
+            </a:r>
+            <a:r>
+              <a:rPr lang="en-US" sz="600" b="1" dirty="0" err="1" smtClean="0">
+                <a:solidFill>
+                  <a:srgbClr val="FF0000"/>
+                </a:solidFill>
+                <a:latin typeface="Courier New" panose="02070309020205020404" pitchFamily="49" charset="0"/>
+                <a:cs typeface="Courier New" panose="02070309020205020404" pitchFamily="49" charset="0"/>
+              </a:rPr>
+              <a:t>setwd</a:t>
+            </a:r>
+            <a:r>
+              <a:rPr lang="en-US" sz="600" b="1" dirty="0">
+                <a:solidFill>
+                  <a:srgbClr val="FF0000"/>
+                </a:solidFill>
+                <a:latin typeface="Courier New" panose="02070309020205020404" pitchFamily="49" charset="0"/>
+                <a:cs typeface="Courier New" panose="02070309020205020404" pitchFamily="49" charset="0"/>
+              </a:rPr>
+              <a:t>("C:/aaaWork/Web/GitHub/NCMTH107")</a:t>
+            </a:r>
+            <a:r>
+              <a:rPr lang="en-US" sz="600" dirty="0">
+                <a:latin typeface="Courier New" panose="02070309020205020404" pitchFamily="49" charset="0"/>
+                <a:cs typeface="Courier New" panose="02070309020205020404" pitchFamily="49" charset="0"/>
+              </a:rPr>
+              <a:t/>
+            </a:r>
+            <a:br>
+              <a:rPr lang="en-US" sz="600" dirty="0">
+                <a:latin typeface="Courier New" panose="02070309020205020404" pitchFamily="49" charset="0"/>
+                <a:cs typeface="Courier New" panose="02070309020205020404" pitchFamily="49" charset="0"/>
+              </a:rPr>
+            </a:br>
+            <a:r>
+              <a:rPr lang="en-US" sz="600" dirty="0" smtClean="0">
+                <a:latin typeface="Courier New" panose="02070309020205020404" pitchFamily="49" charset="0"/>
+                <a:cs typeface="Courier New" panose="02070309020205020404" pitchFamily="49" charset="0"/>
+              </a:rPr>
+              <a:t>&gt; </a:t>
+            </a:r>
+            <a:r>
+              <a:rPr lang="en-US" sz="600" b="1" dirty="0" err="1" smtClean="0">
+                <a:solidFill>
+                  <a:srgbClr val="FF0000"/>
+                </a:solidFill>
+                <a:latin typeface="Courier New" panose="02070309020205020404" pitchFamily="49" charset="0"/>
+                <a:cs typeface="Courier New" panose="02070309020205020404" pitchFamily="49" charset="0"/>
+              </a:rPr>
+              <a:t>dfobj</a:t>
+            </a:r>
+            <a:r>
+              <a:rPr lang="en-US" sz="600" b="1" dirty="0" smtClean="0">
+                <a:solidFill>
+                  <a:srgbClr val="FF0000"/>
+                </a:solidFill>
+                <a:latin typeface="Courier New" panose="02070309020205020404" pitchFamily="49" charset="0"/>
+                <a:cs typeface="Courier New" panose="02070309020205020404" pitchFamily="49" charset="0"/>
+              </a:rPr>
+              <a:t> </a:t>
+            </a:r>
+            <a:r>
+              <a:rPr lang="en-US" sz="600" b="1" dirty="0">
+                <a:solidFill>
+                  <a:srgbClr val="FF0000"/>
+                </a:solidFill>
+                <a:latin typeface="Courier New" panose="02070309020205020404" pitchFamily="49" charset="0"/>
+                <a:cs typeface="Courier New" panose="02070309020205020404" pitchFamily="49" charset="0"/>
+              </a:rPr>
+              <a:t>&lt;- read.csv</a:t>
+            </a:r>
+            <a:r>
+              <a:rPr lang="en-US" sz="600" b="1" dirty="0" smtClean="0">
+                <a:solidFill>
+                  <a:srgbClr val="FF0000"/>
+                </a:solidFill>
+                <a:latin typeface="Courier New" panose="02070309020205020404" pitchFamily="49" charset="0"/>
+                <a:cs typeface="Courier New" panose="02070309020205020404" pitchFamily="49" charset="0"/>
+              </a:rPr>
+              <a:t>("93cars.csv</a:t>
+            </a:r>
+            <a:r>
+              <a:rPr lang="en-US" sz="600" b="1" dirty="0">
+                <a:solidFill>
+                  <a:srgbClr val="FF0000"/>
+                </a:solidFill>
+                <a:latin typeface="Courier New" panose="02070309020205020404" pitchFamily="49" charset="0"/>
+                <a:cs typeface="Courier New" panose="02070309020205020404" pitchFamily="49" charset="0"/>
+              </a:rPr>
+              <a:t>")</a:t>
+            </a:r>
+            <a:r>
+              <a:rPr lang="en-US" sz="600" dirty="0">
+                <a:latin typeface="Courier New" panose="02070309020205020404" pitchFamily="49" charset="0"/>
+                <a:cs typeface="Courier New" panose="02070309020205020404" pitchFamily="49" charset="0"/>
+              </a:rPr>
+              <a:t/>
+            </a:r>
+            <a:br>
+              <a:rPr lang="en-US" sz="600" dirty="0">
+                <a:latin typeface="Courier New" panose="02070309020205020404" pitchFamily="49" charset="0"/>
+                <a:cs typeface="Courier New" panose="02070309020205020404" pitchFamily="49" charset="0"/>
+              </a:rPr>
+            </a:br>
+            <a:r>
+              <a:rPr lang="en-US" sz="600" dirty="0" smtClean="0">
+                <a:latin typeface="Courier New" panose="02070309020205020404" pitchFamily="49" charset="0"/>
+                <a:cs typeface="Courier New" panose="02070309020205020404" pitchFamily="49" charset="0"/>
+              </a:rPr>
+              <a:t>&gt; </a:t>
+            </a:r>
+            <a:r>
+              <a:rPr lang="en-US" sz="600" b="1" dirty="0" err="1" smtClean="0">
+                <a:solidFill>
+                  <a:srgbClr val="FF0000"/>
+                </a:solidFill>
+                <a:latin typeface="Courier New" panose="02070309020205020404" pitchFamily="49" charset="0"/>
+                <a:cs typeface="Courier New" panose="02070309020205020404" pitchFamily="49" charset="0"/>
+              </a:rPr>
+              <a:t>str</a:t>
+            </a:r>
+            <a:r>
+              <a:rPr lang="en-US" sz="600" b="1" dirty="0" smtClean="0">
+                <a:solidFill>
+                  <a:srgbClr val="FF0000"/>
+                </a:solidFill>
+                <a:latin typeface="Courier New" panose="02070309020205020404" pitchFamily="49" charset="0"/>
+                <a:cs typeface="Courier New" panose="02070309020205020404" pitchFamily="49" charset="0"/>
+              </a:rPr>
+              <a:t>(</a:t>
+            </a:r>
+            <a:r>
+              <a:rPr lang="en-US" sz="600" b="1" dirty="0" err="1" smtClean="0">
+                <a:solidFill>
+                  <a:srgbClr val="FF0000"/>
+                </a:solidFill>
+                <a:latin typeface="Courier New" panose="02070309020205020404" pitchFamily="49" charset="0"/>
+                <a:cs typeface="Courier New" panose="02070309020205020404" pitchFamily="49" charset="0"/>
+              </a:rPr>
+              <a:t>dfobj</a:t>
+            </a:r>
+            <a:r>
+              <a:rPr lang="en-US" sz="600" b="1" dirty="0">
+                <a:solidFill>
+                  <a:srgbClr val="FF0000"/>
+                </a:solidFill>
+                <a:latin typeface="Courier New" panose="02070309020205020404" pitchFamily="49" charset="0"/>
+                <a:cs typeface="Courier New" panose="02070309020205020404" pitchFamily="49" charset="0"/>
+              </a:rPr>
+              <a:t>)</a:t>
+            </a:r>
+          </a:p>
+          <a:p>
+            <a:pPr algn="l"/>
+            <a:r>
+              <a:rPr lang="en-US" sz="600" dirty="0">
+                <a:latin typeface="Courier New" panose="02070309020205020404" pitchFamily="49" charset="0"/>
+                <a:cs typeface="Courier New" panose="02070309020205020404" pitchFamily="49" charset="0"/>
+              </a:rPr>
+              <a:t>'</a:t>
+            </a:r>
+            <a:r>
+              <a:rPr lang="en-US" sz="600" dirty="0" err="1">
+                <a:latin typeface="Courier New" panose="02070309020205020404" pitchFamily="49" charset="0"/>
+                <a:cs typeface="Courier New" panose="02070309020205020404" pitchFamily="49" charset="0"/>
+              </a:rPr>
+              <a:t>data.frame</a:t>
+            </a:r>
+            <a:r>
+              <a:rPr lang="en-US" sz="600" dirty="0">
+                <a:latin typeface="Courier New" panose="02070309020205020404" pitchFamily="49" charset="0"/>
+                <a:cs typeface="Courier New" panose="02070309020205020404" pitchFamily="49" charset="0"/>
+              </a:rPr>
+              <a:t>':    93 obs. of  26 variables:</a:t>
+            </a:r>
+            <a:br>
+              <a:rPr lang="en-US" sz="600" dirty="0">
+                <a:latin typeface="Courier New" panose="02070309020205020404" pitchFamily="49" charset="0"/>
+                <a:cs typeface="Courier New" panose="02070309020205020404" pitchFamily="49" charset="0"/>
+              </a:rPr>
+            </a:br>
+            <a:r>
+              <a:rPr lang="en-US" sz="600" dirty="0">
+                <a:latin typeface="Courier New" panose="02070309020205020404" pitchFamily="49" charset="0"/>
+                <a:cs typeface="Courier New" panose="02070309020205020404" pitchFamily="49" charset="0"/>
+              </a:rPr>
+              <a:t>  $ Type    </a:t>
+            </a:r>
+            <a:r>
+              <a:rPr lang="en-US" sz="600" dirty="0" smtClean="0">
+                <a:latin typeface="Courier New" panose="02070309020205020404" pitchFamily="49" charset="0"/>
+                <a:cs typeface="Courier New" panose="02070309020205020404" pitchFamily="49" charset="0"/>
+              </a:rPr>
+              <a:t>: </a:t>
+            </a:r>
+            <a:r>
+              <a:rPr lang="en-US" sz="600" dirty="0">
+                <a:latin typeface="Courier New" panose="02070309020205020404" pitchFamily="49" charset="0"/>
+                <a:cs typeface="Courier New" panose="02070309020205020404" pitchFamily="49" charset="0"/>
+              </a:rPr>
+              <a:t>Factor w/ 6 levels "</a:t>
+            </a:r>
+            <a:r>
+              <a:rPr lang="en-US" sz="600" dirty="0" err="1">
+                <a:latin typeface="Courier New" panose="02070309020205020404" pitchFamily="49" charset="0"/>
+                <a:cs typeface="Courier New" panose="02070309020205020404" pitchFamily="49" charset="0"/>
+              </a:rPr>
+              <a:t>Compact","Large</a:t>
+            </a:r>
+            <a:r>
+              <a:rPr lang="en-US" sz="600" dirty="0">
+                <a:latin typeface="Courier New" panose="02070309020205020404" pitchFamily="49" charset="0"/>
+                <a:cs typeface="Courier New" panose="02070309020205020404" pitchFamily="49" charset="0"/>
+              </a:rPr>
+              <a:t>",..: 4 ...</a:t>
+            </a:r>
+            <a:br>
+              <a:rPr lang="en-US" sz="600" dirty="0">
+                <a:latin typeface="Courier New" panose="02070309020205020404" pitchFamily="49" charset="0"/>
+                <a:cs typeface="Courier New" panose="02070309020205020404" pitchFamily="49" charset="0"/>
+              </a:rPr>
+            </a:br>
+            <a:r>
+              <a:rPr lang="en-US" sz="600" dirty="0">
+                <a:latin typeface="Courier New" panose="02070309020205020404" pitchFamily="49" charset="0"/>
+                <a:cs typeface="Courier New" panose="02070309020205020404" pitchFamily="49" charset="0"/>
+              </a:rPr>
+              <a:t>  $ HMPG    </a:t>
+            </a:r>
+            <a:r>
+              <a:rPr lang="en-US" sz="600" dirty="0" smtClean="0">
+                <a:latin typeface="Courier New" panose="02070309020205020404" pitchFamily="49" charset="0"/>
+                <a:cs typeface="Courier New" panose="02070309020205020404" pitchFamily="49" charset="0"/>
+              </a:rPr>
+              <a:t>: </a:t>
+            </a:r>
+            <a:r>
+              <a:rPr lang="en-US" sz="600" dirty="0" err="1">
+                <a:latin typeface="Courier New" panose="02070309020205020404" pitchFamily="49" charset="0"/>
+                <a:cs typeface="Courier New" panose="02070309020205020404" pitchFamily="49" charset="0"/>
+              </a:rPr>
+              <a:t>int</a:t>
+            </a:r>
+            <a:r>
+              <a:rPr lang="en-US" sz="600" dirty="0">
+                <a:latin typeface="Courier New" panose="02070309020205020404" pitchFamily="49" charset="0"/>
+                <a:cs typeface="Courier New" panose="02070309020205020404" pitchFamily="49" charset="0"/>
+              </a:rPr>
+              <a:t>  31 25 26 26 30 31 28 25 27 25 ...</a:t>
+            </a:r>
+            <a:br>
+              <a:rPr lang="en-US" sz="600" dirty="0">
+                <a:latin typeface="Courier New" panose="02070309020205020404" pitchFamily="49" charset="0"/>
+                <a:cs typeface="Courier New" panose="02070309020205020404" pitchFamily="49" charset="0"/>
+              </a:rPr>
+            </a:br>
+            <a:r>
+              <a:rPr lang="en-US" sz="600" dirty="0">
+                <a:latin typeface="Courier New" panose="02070309020205020404" pitchFamily="49" charset="0"/>
+                <a:cs typeface="Courier New" panose="02070309020205020404" pitchFamily="49" charset="0"/>
+              </a:rPr>
+              <a:t>  $ Manual  </a:t>
+            </a:r>
+            <a:r>
+              <a:rPr lang="en-US" sz="600" dirty="0" smtClean="0">
+                <a:latin typeface="Courier New" panose="02070309020205020404" pitchFamily="49" charset="0"/>
+                <a:cs typeface="Courier New" panose="02070309020205020404" pitchFamily="49" charset="0"/>
+              </a:rPr>
+              <a:t>: </a:t>
+            </a:r>
+            <a:r>
+              <a:rPr lang="en-US" sz="600" dirty="0">
+                <a:latin typeface="Courier New" panose="02070309020205020404" pitchFamily="49" charset="0"/>
+                <a:cs typeface="Courier New" panose="02070309020205020404" pitchFamily="49" charset="0"/>
+              </a:rPr>
+              <a:t>Factor w/ 2 levels "</a:t>
+            </a:r>
+            <a:r>
+              <a:rPr lang="en-US" sz="600" dirty="0" err="1">
+                <a:latin typeface="Courier New" panose="02070309020205020404" pitchFamily="49" charset="0"/>
+                <a:cs typeface="Courier New" panose="02070309020205020404" pitchFamily="49" charset="0"/>
+              </a:rPr>
+              <a:t>No","Yes</a:t>
+            </a:r>
+            <a:r>
+              <a:rPr lang="en-US" sz="600" dirty="0">
+                <a:latin typeface="Courier New" panose="02070309020205020404" pitchFamily="49" charset="0"/>
+                <a:cs typeface="Courier New" panose="02070309020205020404" pitchFamily="49" charset="0"/>
+              </a:rPr>
+              <a:t>": 2 2 2 2 2 </a:t>
+            </a:r>
+            <a:r>
+              <a:rPr lang="en-US" sz="600" dirty="0" smtClean="0">
+                <a:latin typeface="Courier New" panose="02070309020205020404" pitchFamily="49" charset="0"/>
+                <a:cs typeface="Courier New" panose="02070309020205020404" pitchFamily="49" charset="0"/>
+              </a:rPr>
+              <a:t>1 </a:t>
+            </a:r>
+            <a:r>
+              <a:rPr lang="en-US" sz="600" dirty="0">
+                <a:latin typeface="Courier New" panose="02070309020205020404" pitchFamily="49" charset="0"/>
+                <a:cs typeface="Courier New" panose="02070309020205020404" pitchFamily="49" charset="0"/>
+              </a:rPr>
+              <a:t>...</a:t>
+            </a:r>
+            <a:br>
+              <a:rPr lang="en-US" sz="600" dirty="0">
+                <a:latin typeface="Courier New" panose="02070309020205020404" pitchFamily="49" charset="0"/>
+                <a:cs typeface="Courier New" panose="02070309020205020404" pitchFamily="49" charset="0"/>
+              </a:rPr>
+            </a:br>
+            <a:r>
+              <a:rPr lang="en-US" sz="600" dirty="0">
+                <a:latin typeface="Courier New" panose="02070309020205020404" pitchFamily="49" charset="0"/>
+                <a:cs typeface="Courier New" panose="02070309020205020404" pitchFamily="49" charset="0"/>
+              </a:rPr>
+              <a:t>  $ Weight  </a:t>
+            </a:r>
+            <a:r>
+              <a:rPr lang="en-US" sz="600" dirty="0" smtClean="0">
+                <a:latin typeface="Courier New" panose="02070309020205020404" pitchFamily="49" charset="0"/>
+                <a:cs typeface="Courier New" panose="02070309020205020404" pitchFamily="49" charset="0"/>
+              </a:rPr>
+              <a:t>: </a:t>
+            </a:r>
+            <a:r>
+              <a:rPr lang="en-US" sz="600" dirty="0" err="1">
+                <a:latin typeface="Courier New" panose="02070309020205020404" pitchFamily="49" charset="0"/>
+                <a:cs typeface="Courier New" panose="02070309020205020404" pitchFamily="49" charset="0"/>
+              </a:rPr>
+              <a:t>int</a:t>
+            </a:r>
+            <a:r>
+              <a:rPr lang="en-US" sz="600" dirty="0">
+                <a:latin typeface="Courier New" panose="02070309020205020404" pitchFamily="49" charset="0"/>
+                <a:cs typeface="Courier New" panose="02070309020205020404" pitchFamily="49" charset="0"/>
+              </a:rPr>
+              <a:t>  2705 3560 3375 3405 3640 2880 </a:t>
+            </a:r>
+            <a:r>
+              <a:rPr lang="en-US" sz="600" dirty="0" smtClean="0">
+                <a:latin typeface="Courier New" panose="02070309020205020404" pitchFamily="49" charset="0"/>
+                <a:cs typeface="Courier New" panose="02070309020205020404" pitchFamily="49" charset="0"/>
+              </a:rPr>
+              <a:t>3470 </a:t>
+            </a:r>
+            <a:r>
+              <a:rPr lang="en-US" sz="600" dirty="0">
+                <a:latin typeface="Courier New" panose="02070309020205020404" pitchFamily="49" charset="0"/>
+                <a:cs typeface="Courier New" panose="02070309020205020404" pitchFamily="49" charset="0"/>
+              </a:rPr>
+              <a:t>...</a:t>
+            </a:r>
+            <a:br>
+              <a:rPr lang="en-US" sz="600" dirty="0">
+                <a:latin typeface="Courier New" panose="02070309020205020404" pitchFamily="49" charset="0"/>
+                <a:cs typeface="Courier New" panose="02070309020205020404" pitchFamily="49" charset="0"/>
+              </a:rPr>
+            </a:br>
+            <a:r>
+              <a:rPr lang="en-US" sz="600" dirty="0">
+                <a:latin typeface="Courier New" panose="02070309020205020404" pitchFamily="49" charset="0"/>
+                <a:cs typeface="Courier New" panose="02070309020205020404" pitchFamily="49" charset="0"/>
+              </a:rPr>
+              <a:t>  $ </a:t>
+            </a:r>
+            <a:r>
+              <a:rPr lang="en-US" sz="600" dirty="0" smtClean="0">
+                <a:latin typeface="Courier New" panose="02070309020205020404" pitchFamily="49" charset="0"/>
+                <a:cs typeface="Courier New" panose="02070309020205020404" pitchFamily="49" charset="0"/>
+              </a:rPr>
+              <a:t>Domestic: </a:t>
+            </a:r>
+            <a:r>
+              <a:rPr lang="en-US" sz="600" dirty="0">
+                <a:latin typeface="Courier New" panose="02070309020205020404" pitchFamily="49" charset="0"/>
+                <a:cs typeface="Courier New" panose="02070309020205020404" pitchFamily="49" charset="0"/>
+              </a:rPr>
+              <a:t>Factor w/ 2 levels "</a:t>
+            </a:r>
+            <a:r>
+              <a:rPr lang="en-US" sz="600" dirty="0" err="1">
+                <a:latin typeface="Courier New" panose="02070309020205020404" pitchFamily="49" charset="0"/>
+                <a:cs typeface="Courier New" panose="02070309020205020404" pitchFamily="49" charset="0"/>
+              </a:rPr>
+              <a:t>No","Yes</a:t>
+            </a:r>
+            <a:r>
+              <a:rPr lang="en-US" sz="600" dirty="0">
+                <a:latin typeface="Courier New" panose="02070309020205020404" pitchFamily="49" charset="0"/>
+                <a:cs typeface="Courier New" panose="02070309020205020404" pitchFamily="49" charset="0"/>
+              </a:rPr>
+              <a:t>": 1 1 1 1 1 </a:t>
+            </a:r>
+            <a:r>
+              <a:rPr lang="en-US" sz="600" dirty="0" smtClean="0">
+                <a:latin typeface="Courier New" panose="02070309020205020404" pitchFamily="49" charset="0"/>
+                <a:cs typeface="Courier New" panose="02070309020205020404" pitchFamily="49" charset="0"/>
+              </a:rPr>
+              <a:t>2 </a:t>
+            </a:r>
+            <a:r>
+              <a:rPr lang="en-US" sz="600" dirty="0">
+                <a:latin typeface="Courier New" panose="02070309020205020404" pitchFamily="49" charset="0"/>
+                <a:cs typeface="Courier New" panose="02070309020205020404" pitchFamily="49" charset="0"/>
+              </a:rPr>
+              <a:t>...</a:t>
+            </a:r>
+          </a:p>
+          <a:p>
+            <a:pPr algn="l"/>
+            <a:endParaRPr lang="en-US" sz="600" dirty="0">
+              <a:latin typeface="Courier New" panose="02070309020205020404" pitchFamily="49" charset="0"/>
+              <a:cs typeface="Courier New" panose="02070309020205020404" pitchFamily="49" charset="0"/>
+            </a:endParaRPr>
+          </a:p>
+          <a:p>
+            <a:pPr algn="l" latinLnBrk="1"/>
+            <a:r>
+              <a:rPr lang="en-US" sz="600" dirty="0" smtClean="0">
+                <a:latin typeface="Courier New" panose="02070309020205020404" pitchFamily="49" charset="0"/>
+                <a:cs typeface="Courier New" panose="02070309020205020404" pitchFamily="49" charset="0"/>
+              </a:rPr>
+              <a:t>&gt; </a:t>
+            </a:r>
+            <a:r>
+              <a:rPr lang="en-US" sz="600" b="1" dirty="0" smtClean="0">
+                <a:solidFill>
+                  <a:srgbClr val="FF0000"/>
+                </a:solidFill>
+                <a:latin typeface="Courier New" panose="02070309020205020404" pitchFamily="49" charset="0"/>
+                <a:cs typeface="Courier New" panose="02070309020205020404" pitchFamily="49" charset="0"/>
+              </a:rPr>
+              <a:t>newdf1 </a:t>
+            </a:r>
+            <a:r>
+              <a:rPr lang="en-US" sz="600" b="1" dirty="0">
+                <a:solidFill>
+                  <a:srgbClr val="FF0000"/>
+                </a:solidFill>
+                <a:latin typeface="Courier New" panose="02070309020205020404" pitchFamily="49" charset="0"/>
+                <a:cs typeface="Courier New" panose="02070309020205020404" pitchFamily="49" charset="0"/>
+              </a:rPr>
+              <a:t>&lt;- </a:t>
+            </a:r>
+            <a:r>
+              <a:rPr lang="en-US" sz="600" b="1" dirty="0" err="1">
+                <a:solidFill>
+                  <a:srgbClr val="FF0000"/>
+                </a:solidFill>
+                <a:latin typeface="Courier New" panose="02070309020205020404" pitchFamily="49" charset="0"/>
+                <a:cs typeface="Courier New" panose="02070309020205020404" pitchFamily="49" charset="0"/>
+              </a:rPr>
+              <a:t>filterD</a:t>
+            </a:r>
+            <a:r>
+              <a:rPr lang="en-US" sz="600" b="1" dirty="0">
+                <a:solidFill>
+                  <a:srgbClr val="FF0000"/>
+                </a:solidFill>
+                <a:latin typeface="Courier New" panose="02070309020205020404" pitchFamily="49" charset="0"/>
+                <a:cs typeface="Courier New" panose="02070309020205020404" pitchFamily="49" charset="0"/>
+              </a:rPr>
+              <a:t>(</a:t>
+            </a:r>
+            <a:r>
+              <a:rPr lang="en-US" sz="600" b="1" dirty="0" err="1">
+                <a:solidFill>
+                  <a:srgbClr val="FF0000"/>
+                </a:solidFill>
+                <a:latin typeface="Courier New" panose="02070309020205020404" pitchFamily="49" charset="0"/>
+                <a:cs typeface="Courier New" panose="02070309020205020404" pitchFamily="49" charset="0"/>
+              </a:rPr>
+              <a:t>dfobj,Type</a:t>
+            </a:r>
+            <a:r>
+              <a:rPr lang="en-US" sz="600" b="1" dirty="0">
+                <a:solidFill>
+                  <a:srgbClr val="FF0000"/>
+                </a:solidFill>
+                <a:latin typeface="Courier New" panose="02070309020205020404" pitchFamily="49" charset="0"/>
+                <a:cs typeface="Courier New" panose="02070309020205020404" pitchFamily="49" charset="0"/>
+              </a:rPr>
+              <a:t>=="Sporty")</a:t>
+            </a:r>
+            <a:r>
+              <a:rPr lang="en-US" sz="600" b="1" dirty="0">
+                <a:latin typeface="Courier New" panose="02070309020205020404" pitchFamily="49" charset="0"/>
+                <a:cs typeface="Courier New" panose="02070309020205020404" pitchFamily="49" charset="0"/>
+              </a:rPr>
+              <a:t/>
+            </a:r>
+            <a:br>
+              <a:rPr lang="en-US" sz="600" b="1" dirty="0">
+                <a:latin typeface="Courier New" panose="02070309020205020404" pitchFamily="49" charset="0"/>
+                <a:cs typeface="Courier New" panose="02070309020205020404" pitchFamily="49" charset="0"/>
+              </a:rPr>
+            </a:br>
+            <a:r>
+              <a:rPr lang="en-US" sz="600" dirty="0" smtClean="0">
+                <a:latin typeface="Courier New" panose="02070309020205020404" pitchFamily="49" charset="0"/>
+                <a:cs typeface="Courier New" panose="02070309020205020404" pitchFamily="49" charset="0"/>
+              </a:rPr>
+              <a:t>&gt; </a:t>
+            </a:r>
+            <a:r>
+              <a:rPr lang="en-US" sz="600" b="1" dirty="0" smtClean="0">
+                <a:solidFill>
+                  <a:srgbClr val="FF0000"/>
+                </a:solidFill>
+                <a:latin typeface="Courier New" panose="02070309020205020404" pitchFamily="49" charset="0"/>
+                <a:cs typeface="Courier New" panose="02070309020205020404" pitchFamily="49" charset="0"/>
+              </a:rPr>
+              <a:t>newdf2 </a:t>
+            </a:r>
+            <a:r>
+              <a:rPr lang="en-US" sz="600" b="1" dirty="0">
+                <a:solidFill>
+                  <a:srgbClr val="FF0000"/>
+                </a:solidFill>
+                <a:latin typeface="Courier New" panose="02070309020205020404" pitchFamily="49" charset="0"/>
+                <a:cs typeface="Courier New" panose="02070309020205020404" pitchFamily="49" charset="0"/>
+              </a:rPr>
+              <a:t>&lt;- </a:t>
+            </a:r>
+            <a:r>
+              <a:rPr lang="en-US" sz="600" b="1" dirty="0" err="1">
+                <a:solidFill>
+                  <a:srgbClr val="FF0000"/>
+                </a:solidFill>
+                <a:latin typeface="Courier New" panose="02070309020205020404" pitchFamily="49" charset="0"/>
+                <a:cs typeface="Courier New" panose="02070309020205020404" pitchFamily="49" charset="0"/>
+              </a:rPr>
+              <a:t>filterD</a:t>
+            </a:r>
+            <a:r>
+              <a:rPr lang="en-US" sz="600" b="1" dirty="0">
+                <a:solidFill>
+                  <a:srgbClr val="FF0000"/>
+                </a:solidFill>
+                <a:latin typeface="Courier New" panose="02070309020205020404" pitchFamily="49" charset="0"/>
+                <a:cs typeface="Courier New" panose="02070309020205020404" pitchFamily="49" charset="0"/>
+              </a:rPr>
+              <a:t>(</a:t>
+            </a:r>
+            <a:r>
+              <a:rPr lang="en-US" sz="600" b="1" dirty="0" err="1">
+                <a:solidFill>
+                  <a:srgbClr val="FF0000"/>
+                </a:solidFill>
+                <a:latin typeface="Courier New" panose="02070309020205020404" pitchFamily="49" charset="0"/>
+                <a:cs typeface="Courier New" panose="02070309020205020404" pitchFamily="49" charset="0"/>
+              </a:rPr>
+              <a:t>dfobj,HMPG</a:t>
+            </a:r>
+            <a:r>
+              <a:rPr lang="en-US" sz="600" b="1" dirty="0">
+                <a:solidFill>
+                  <a:srgbClr val="FF0000"/>
+                </a:solidFill>
+                <a:latin typeface="Courier New" panose="02070309020205020404" pitchFamily="49" charset="0"/>
+                <a:cs typeface="Courier New" panose="02070309020205020404" pitchFamily="49" charset="0"/>
+              </a:rPr>
+              <a:t>&gt;30)</a:t>
+            </a:r>
+            <a:r>
+              <a:rPr lang="en-US" sz="600" dirty="0">
+                <a:latin typeface="Courier New" panose="02070309020205020404" pitchFamily="49" charset="0"/>
+                <a:cs typeface="Courier New" panose="02070309020205020404" pitchFamily="49" charset="0"/>
+              </a:rPr>
+              <a:t/>
+            </a:r>
+            <a:br>
+              <a:rPr lang="en-US" sz="600" dirty="0">
+                <a:latin typeface="Courier New" panose="02070309020205020404" pitchFamily="49" charset="0"/>
+                <a:cs typeface="Courier New" panose="02070309020205020404" pitchFamily="49" charset="0"/>
+              </a:rPr>
+            </a:br>
+            <a:r>
+              <a:rPr lang="en-US" sz="600" dirty="0" smtClean="0">
+                <a:latin typeface="Courier New" panose="02070309020205020404" pitchFamily="49" charset="0"/>
+                <a:cs typeface="Courier New" panose="02070309020205020404" pitchFamily="49" charset="0"/>
+              </a:rPr>
+              <a:t>&gt; </a:t>
+            </a:r>
+            <a:r>
+              <a:rPr lang="en-US" sz="600" b="1" dirty="0" smtClean="0">
+                <a:solidFill>
+                  <a:srgbClr val="FF0000"/>
+                </a:solidFill>
+                <a:latin typeface="Courier New" panose="02070309020205020404" pitchFamily="49" charset="0"/>
+                <a:cs typeface="Courier New" panose="02070309020205020404" pitchFamily="49" charset="0"/>
+              </a:rPr>
+              <a:t>newdf3 </a:t>
+            </a:r>
+            <a:r>
+              <a:rPr lang="en-US" sz="600" b="1" dirty="0">
+                <a:solidFill>
+                  <a:srgbClr val="FF0000"/>
+                </a:solidFill>
+                <a:latin typeface="Courier New" panose="02070309020205020404" pitchFamily="49" charset="0"/>
+                <a:cs typeface="Courier New" panose="02070309020205020404" pitchFamily="49" charset="0"/>
+              </a:rPr>
+              <a:t>&lt;- </a:t>
+            </a:r>
+            <a:r>
+              <a:rPr lang="en-US" sz="600" b="1" dirty="0" err="1">
+                <a:solidFill>
+                  <a:srgbClr val="FF0000"/>
+                </a:solidFill>
+                <a:latin typeface="Courier New" panose="02070309020205020404" pitchFamily="49" charset="0"/>
+                <a:cs typeface="Courier New" panose="02070309020205020404" pitchFamily="49" charset="0"/>
+              </a:rPr>
+              <a:t>filterD</a:t>
+            </a:r>
+            <a:r>
+              <a:rPr lang="en-US" sz="600" b="1" dirty="0">
+                <a:solidFill>
+                  <a:srgbClr val="FF0000"/>
+                </a:solidFill>
+                <a:latin typeface="Courier New" panose="02070309020205020404" pitchFamily="49" charset="0"/>
+                <a:cs typeface="Courier New" panose="02070309020205020404" pitchFamily="49" charset="0"/>
+              </a:rPr>
+              <a:t>(</a:t>
+            </a:r>
+            <a:r>
+              <a:rPr lang="en-US" sz="600" b="1" dirty="0" err="1">
+                <a:solidFill>
+                  <a:srgbClr val="FF0000"/>
+                </a:solidFill>
+                <a:latin typeface="Courier New" panose="02070309020205020404" pitchFamily="49" charset="0"/>
+                <a:cs typeface="Courier New" panose="02070309020205020404" pitchFamily="49" charset="0"/>
+              </a:rPr>
+              <a:t>dfobj,Domestic</a:t>
+            </a:r>
+            <a:r>
+              <a:rPr lang="en-US" sz="600" b="1" dirty="0">
+                <a:solidFill>
+                  <a:srgbClr val="FF0000"/>
+                </a:solidFill>
+                <a:latin typeface="Courier New" panose="02070309020205020404" pitchFamily="49" charset="0"/>
+                <a:cs typeface="Courier New" panose="02070309020205020404" pitchFamily="49" charset="0"/>
+              </a:rPr>
+              <a:t>!="Yes")</a:t>
+            </a:r>
+            <a:r>
+              <a:rPr lang="en-US" sz="600" dirty="0">
+                <a:latin typeface="Courier New" panose="02070309020205020404" pitchFamily="49" charset="0"/>
+                <a:cs typeface="Courier New" panose="02070309020205020404" pitchFamily="49" charset="0"/>
+              </a:rPr>
+              <a:t/>
+            </a:r>
+            <a:br>
+              <a:rPr lang="en-US" sz="600" dirty="0">
+                <a:latin typeface="Courier New" panose="02070309020205020404" pitchFamily="49" charset="0"/>
+                <a:cs typeface="Courier New" panose="02070309020205020404" pitchFamily="49" charset="0"/>
+              </a:rPr>
+            </a:br>
+            <a:r>
+              <a:rPr lang="en-US" sz="600" dirty="0" smtClean="0">
+                <a:latin typeface="Courier New" panose="02070309020205020404" pitchFamily="49" charset="0"/>
+                <a:cs typeface="Courier New" panose="02070309020205020404" pitchFamily="49" charset="0"/>
+              </a:rPr>
+              <a:t>&gt; </a:t>
+            </a:r>
+            <a:r>
+              <a:rPr lang="en-US" sz="600" b="1" dirty="0" smtClean="0">
+                <a:solidFill>
+                  <a:srgbClr val="FF0000"/>
+                </a:solidFill>
+                <a:latin typeface="Courier New" panose="02070309020205020404" pitchFamily="49" charset="0"/>
+                <a:cs typeface="Courier New" panose="02070309020205020404" pitchFamily="49" charset="0"/>
+              </a:rPr>
+              <a:t>newdf4 </a:t>
+            </a:r>
+            <a:r>
+              <a:rPr lang="en-US" sz="600" b="1" dirty="0">
+                <a:solidFill>
+                  <a:srgbClr val="FF0000"/>
+                </a:solidFill>
+                <a:latin typeface="Courier New" panose="02070309020205020404" pitchFamily="49" charset="0"/>
+                <a:cs typeface="Courier New" panose="02070309020205020404" pitchFamily="49" charset="0"/>
+              </a:rPr>
+              <a:t>&lt;- </a:t>
+            </a:r>
+            <a:r>
+              <a:rPr lang="en-US" sz="600" b="1" dirty="0" err="1">
+                <a:solidFill>
+                  <a:srgbClr val="FF0000"/>
+                </a:solidFill>
+                <a:latin typeface="Courier New" panose="02070309020205020404" pitchFamily="49" charset="0"/>
+                <a:cs typeface="Courier New" panose="02070309020205020404" pitchFamily="49" charset="0"/>
+              </a:rPr>
+              <a:t>filterD</a:t>
+            </a:r>
+            <a:r>
+              <a:rPr lang="en-US" sz="600" b="1" dirty="0">
+                <a:solidFill>
+                  <a:srgbClr val="FF0000"/>
+                </a:solidFill>
+                <a:latin typeface="Courier New" panose="02070309020205020404" pitchFamily="49" charset="0"/>
+                <a:cs typeface="Courier New" panose="02070309020205020404" pitchFamily="49" charset="0"/>
+              </a:rPr>
+              <a:t>(</a:t>
+            </a:r>
+            <a:r>
+              <a:rPr lang="en-US" sz="600" b="1" dirty="0" err="1">
+                <a:solidFill>
+                  <a:srgbClr val="FF0000"/>
+                </a:solidFill>
+                <a:latin typeface="Courier New" panose="02070309020205020404" pitchFamily="49" charset="0"/>
+                <a:cs typeface="Courier New" panose="02070309020205020404" pitchFamily="49" charset="0"/>
+              </a:rPr>
+              <a:t>dfobj,Type</a:t>
+            </a:r>
+            <a:r>
+              <a:rPr lang="en-US" sz="600" b="1" dirty="0">
+                <a:solidFill>
+                  <a:srgbClr val="FF0000"/>
+                </a:solidFill>
+                <a:latin typeface="Courier New" panose="02070309020205020404" pitchFamily="49" charset="0"/>
+                <a:cs typeface="Courier New" panose="02070309020205020404" pitchFamily="49" charset="0"/>
+              </a:rPr>
+              <a:t> %in% c("</a:t>
+            </a:r>
+            <a:r>
+              <a:rPr lang="en-US" sz="600" b="1" dirty="0" err="1">
+                <a:solidFill>
+                  <a:srgbClr val="FF0000"/>
+                </a:solidFill>
+                <a:latin typeface="Courier New" panose="02070309020205020404" pitchFamily="49" charset="0"/>
+                <a:cs typeface="Courier New" panose="02070309020205020404" pitchFamily="49" charset="0"/>
+              </a:rPr>
+              <a:t>Sporty","Small</a:t>
+            </a:r>
+            <a:r>
+              <a:rPr lang="en-US" sz="600" b="1" dirty="0">
+                <a:solidFill>
+                  <a:srgbClr val="FF0000"/>
+                </a:solidFill>
+                <a:latin typeface="Courier New" panose="02070309020205020404" pitchFamily="49" charset="0"/>
+                <a:cs typeface="Courier New" panose="02070309020205020404" pitchFamily="49" charset="0"/>
+              </a:rPr>
+              <a:t>"))</a:t>
+            </a:r>
+            <a:r>
+              <a:rPr lang="en-US" sz="600" dirty="0">
+                <a:latin typeface="Courier New" panose="02070309020205020404" pitchFamily="49" charset="0"/>
+                <a:cs typeface="Courier New" panose="02070309020205020404" pitchFamily="49" charset="0"/>
+              </a:rPr>
+              <a:t/>
+            </a:r>
+            <a:br>
+              <a:rPr lang="en-US" sz="600" dirty="0">
+                <a:latin typeface="Courier New" panose="02070309020205020404" pitchFamily="49" charset="0"/>
+                <a:cs typeface="Courier New" panose="02070309020205020404" pitchFamily="49" charset="0"/>
+              </a:rPr>
+            </a:br>
+            <a:endParaRPr lang="en-US" sz="600" dirty="0">
+              <a:latin typeface="Cordia New" panose="020B0304020202020204" pitchFamily="34" charset="-34"/>
+              <a:cs typeface="Cordia New" panose="020B0304020202020204" pitchFamily="34" charset="-34"/>
+            </a:endParaRPr>
+          </a:p>
+        </p:txBody>
+      </p:sp>
+      <p:pic>
+        <p:nvPicPr>
+          <p:cNvPr id="7" name="Picture"/>
+          <p:cNvPicPr>
+            <a:picLocks noChangeAspect="1"/>
+          </p:cNvPicPr>
+          <p:nvPr/>
+        </p:nvPicPr>
+        <p:blipFill>
+          <a:blip r:embed="rId2"/>
+          <a:stretch>
+            <a:fillRect/>
+          </a:stretch>
+        </p:blipFill>
+        <p:spPr bwMode="auto">
+          <a:xfrm>
+            <a:off x="255211" y="2509584"/>
+            <a:ext cx="1143000" cy="914400"/>
+          </a:xfrm>
+          <a:prstGeom prst="rect">
+            <a:avLst/>
+          </a:prstGeom>
+          <a:noFill/>
+          <a:ln w="9525">
+            <a:noFill/>
+            <a:headEnd/>
+            <a:tailEnd/>
+          </a:ln>
+        </p:spPr>
+      </p:pic>
+      <p:sp>
+        <p:nvSpPr>
+          <p:cNvPr id="8" name="Shape 34"/>
+          <p:cNvSpPr/>
+          <p:nvPr/>
+        </p:nvSpPr>
+        <p:spPr>
+          <a:xfrm>
+            <a:off x="3108960" y="202673"/>
+            <a:ext cx="2926080" cy="3686942"/>
+          </a:xfrm>
+          <a:prstGeom prst="roundRect">
+            <a:avLst>
+              <a:gd name="adj" fmla="val 1194"/>
+            </a:avLst>
+          </a:prstGeom>
+          <a:solidFill>
+            <a:schemeClr val="bg1">
+              <a:lumMod val="95000"/>
+            </a:schemeClr>
+          </a:solidFill>
+          <a:ln w="12700">
+            <a:miter lim="400000"/>
+          </a:ln>
+        </p:spPr>
+        <p:txBody>
+          <a:bodyPr lIns="45720" tIns="91440" rIns="45720" bIns="45720" anchor="t">
+            <a:noAutofit/>
+          </a:bodyPr>
+          <a:lstStyle/>
+          <a:p>
+            <a:pPr algn="l" latinLnBrk="1"/>
+            <a:r>
+              <a:rPr lang="en-US" sz="600" dirty="0" smtClean="0">
+                <a:latin typeface="Courier New" panose="02070309020205020404" pitchFamily="49" charset="0"/>
+                <a:cs typeface="Courier New" panose="02070309020205020404" pitchFamily="49" charset="0"/>
+              </a:rPr>
+              <a:t>&gt; </a:t>
+            </a:r>
+            <a:r>
+              <a:rPr lang="en-US" sz="600" b="1" dirty="0" err="1" smtClean="0">
+                <a:solidFill>
+                  <a:srgbClr val="FF0000"/>
+                </a:solidFill>
+                <a:latin typeface="Courier New" panose="02070309020205020404" pitchFamily="49" charset="0"/>
+                <a:cs typeface="Courier New" panose="02070309020205020404" pitchFamily="49" charset="0"/>
+              </a:rPr>
+              <a:t>corr</a:t>
+            </a:r>
+            <a:r>
+              <a:rPr lang="en-US" sz="600" b="1" dirty="0" smtClean="0">
+                <a:solidFill>
+                  <a:srgbClr val="FF0000"/>
+                </a:solidFill>
+                <a:latin typeface="Courier New" panose="02070309020205020404" pitchFamily="49" charset="0"/>
+                <a:cs typeface="Courier New" panose="02070309020205020404" pitchFamily="49" charset="0"/>
+              </a:rPr>
+              <a:t>(</a:t>
+            </a:r>
+            <a:r>
+              <a:rPr lang="en-US" sz="600" b="1" dirty="0" err="1" smtClean="0">
+                <a:solidFill>
+                  <a:srgbClr val="FF0000"/>
+                </a:solidFill>
+                <a:latin typeface="Courier New" panose="02070309020205020404" pitchFamily="49" charset="0"/>
+                <a:cs typeface="Courier New" panose="02070309020205020404" pitchFamily="49" charset="0"/>
+              </a:rPr>
+              <a:t>HMPG~Weight,data</a:t>
+            </a:r>
+            <a:r>
+              <a:rPr lang="en-US" sz="600" b="1" dirty="0" smtClean="0">
+                <a:solidFill>
+                  <a:srgbClr val="FF0000"/>
+                </a:solidFill>
+                <a:latin typeface="Courier New" panose="02070309020205020404" pitchFamily="49" charset="0"/>
+                <a:cs typeface="Courier New" panose="02070309020205020404" pitchFamily="49" charset="0"/>
+              </a:rPr>
+              <a:t>=</a:t>
+            </a:r>
+            <a:r>
+              <a:rPr lang="en-US" sz="600" b="1" dirty="0" err="1" smtClean="0">
+                <a:solidFill>
+                  <a:srgbClr val="FF0000"/>
+                </a:solidFill>
+                <a:latin typeface="Courier New" panose="02070309020205020404" pitchFamily="49" charset="0"/>
+                <a:cs typeface="Courier New" panose="02070309020205020404" pitchFamily="49" charset="0"/>
+              </a:rPr>
+              <a:t>dfobj</a:t>
+            </a:r>
+            <a:r>
+              <a:rPr lang="en-US" sz="600" b="1" dirty="0">
+                <a:solidFill>
+                  <a:srgbClr val="FF0000"/>
+                </a:solidFill>
+                <a:latin typeface="Courier New" panose="02070309020205020404" pitchFamily="49" charset="0"/>
+                <a:cs typeface="Courier New" panose="02070309020205020404" pitchFamily="49" charset="0"/>
+              </a:rPr>
+              <a:t>)</a:t>
+            </a:r>
+          </a:p>
+          <a:p>
+            <a:pPr algn="l" latinLnBrk="1"/>
+            <a:r>
+              <a:rPr lang="en-US" sz="600" dirty="0" smtClean="0">
+                <a:latin typeface="Courier New" panose="02070309020205020404" pitchFamily="49" charset="0"/>
+                <a:cs typeface="Courier New" panose="02070309020205020404" pitchFamily="49" charset="0"/>
+              </a:rPr>
+              <a:t>   </a:t>
+            </a:r>
+            <a:r>
+              <a:rPr lang="en-US" sz="600" dirty="0">
+                <a:latin typeface="Courier New" panose="02070309020205020404" pitchFamily="49" charset="0"/>
+                <a:cs typeface="Courier New" panose="02070309020205020404" pitchFamily="49" charset="0"/>
+              </a:rPr>
+              <a:t>[1] -</a:t>
+            </a:r>
+            <a:r>
+              <a:rPr lang="en-US" sz="600" dirty="0" smtClean="0">
+                <a:latin typeface="Courier New" panose="02070309020205020404" pitchFamily="49" charset="0"/>
+                <a:cs typeface="Courier New" panose="02070309020205020404" pitchFamily="49" charset="0"/>
+              </a:rPr>
+              <a:t>0.8106581</a:t>
+            </a:r>
+          </a:p>
+          <a:p>
+            <a:pPr algn="l" latinLnBrk="1"/>
+            <a:endParaRPr lang="en-US" sz="600" dirty="0">
+              <a:latin typeface="Courier New" panose="02070309020205020404" pitchFamily="49" charset="0"/>
+              <a:cs typeface="Courier New" panose="02070309020205020404" pitchFamily="49" charset="0"/>
+            </a:endParaRPr>
+          </a:p>
+          <a:p>
+            <a:pPr algn="l" latinLnBrk="1"/>
+            <a:r>
+              <a:rPr lang="en-US" sz="600" dirty="0" smtClean="0">
+                <a:latin typeface="Courier New" panose="02070309020205020404" pitchFamily="49" charset="0"/>
+                <a:cs typeface="Courier New" panose="02070309020205020404" pitchFamily="49" charset="0"/>
+              </a:rPr>
+              <a:t>&gt; </a:t>
+            </a:r>
+            <a:r>
+              <a:rPr lang="en-US" sz="600" b="1" dirty="0" smtClean="0">
+                <a:solidFill>
+                  <a:srgbClr val="FF0000"/>
+                </a:solidFill>
+                <a:latin typeface="Courier New" panose="02070309020205020404" pitchFamily="49" charset="0"/>
+                <a:cs typeface="Courier New" panose="02070309020205020404" pitchFamily="49" charset="0"/>
+              </a:rPr>
+              <a:t>plot(</a:t>
+            </a:r>
+            <a:r>
+              <a:rPr lang="en-US" sz="600" b="1" dirty="0" err="1" smtClean="0">
+                <a:solidFill>
+                  <a:srgbClr val="FF0000"/>
+                </a:solidFill>
+                <a:latin typeface="Courier New" panose="02070309020205020404" pitchFamily="49" charset="0"/>
+                <a:cs typeface="Courier New" panose="02070309020205020404" pitchFamily="49" charset="0"/>
+              </a:rPr>
+              <a:t>HMPG~Weight,data</a:t>
+            </a:r>
+            <a:r>
+              <a:rPr lang="en-US" sz="600" b="1" dirty="0" smtClean="0">
+                <a:solidFill>
+                  <a:srgbClr val="FF0000"/>
+                </a:solidFill>
+                <a:latin typeface="Courier New" panose="02070309020205020404" pitchFamily="49" charset="0"/>
+                <a:cs typeface="Courier New" panose="02070309020205020404" pitchFamily="49" charset="0"/>
+              </a:rPr>
+              <a:t>=</a:t>
+            </a:r>
+            <a:r>
+              <a:rPr lang="en-US" sz="600" b="1" dirty="0" err="1" smtClean="0">
+                <a:solidFill>
+                  <a:srgbClr val="FF0000"/>
+                </a:solidFill>
+                <a:latin typeface="Courier New" panose="02070309020205020404" pitchFamily="49" charset="0"/>
+                <a:cs typeface="Courier New" panose="02070309020205020404" pitchFamily="49" charset="0"/>
+              </a:rPr>
+              <a:t>dfobj,xlab</a:t>
+            </a:r>
+            <a:r>
+              <a:rPr lang="en-US" sz="600" b="1" dirty="0">
+                <a:solidFill>
+                  <a:srgbClr val="FF0000"/>
+                </a:solidFill>
+                <a:latin typeface="Courier New" panose="02070309020205020404" pitchFamily="49" charset="0"/>
+                <a:cs typeface="Courier New" panose="02070309020205020404" pitchFamily="49" charset="0"/>
+              </a:rPr>
+              <a:t>="Weight (</a:t>
+            </a:r>
+            <a:r>
+              <a:rPr lang="en-US" sz="600" b="1" dirty="0" err="1">
+                <a:solidFill>
+                  <a:srgbClr val="FF0000"/>
+                </a:solidFill>
+                <a:latin typeface="Courier New" panose="02070309020205020404" pitchFamily="49" charset="0"/>
+                <a:cs typeface="Courier New" panose="02070309020205020404" pitchFamily="49" charset="0"/>
+              </a:rPr>
+              <a:t>lbs</a:t>
+            </a:r>
+            <a:r>
+              <a:rPr lang="en-US" sz="600" b="1" dirty="0" smtClean="0">
+                <a:solidFill>
+                  <a:srgbClr val="FF0000"/>
+                </a:solidFill>
+                <a:latin typeface="Courier New" panose="02070309020205020404" pitchFamily="49" charset="0"/>
+                <a:cs typeface="Courier New" panose="02070309020205020404" pitchFamily="49" charset="0"/>
+              </a:rPr>
+              <a:t>)",</a:t>
+            </a:r>
+          </a:p>
+          <a:p>
+            <a:pPr algn="l" latinLnBrk="1"/>
+            <a:r>
+              <a:rPr lang="en-US" sz="600" b="1" dirty="0" smtClean="0">
+                <a:solidFill>
+                  <a:srgbClr val="FF0000"/>
+                </a:solidFill>
+                <a:latin typeface="Courier New" panose="02070309020205020404" pitchFamily="49" charset="0"/>
+                <a:cs typeface="Courier New" panose="02070309020205020404" pitchFamily="49" charset="0"/>
+              </a:rPr>
+              <a:t>       </a:t>
+            </a:r>
+            <a:r>
+              <a:rPr lang="en-US" sz="600" b="1" dirty="0" err="1" smtClean="0">
+                <a:solidFill>
+                  <a:srgbClr val="FF0000"/>
+                </a:solidFill>
+                <a:latin typeface="Courier New" panose="02070309020205020404" pitchFamily="49" charset="0"/>
+                <a:cs typeface="Courier New" panose="02070309020205020404" pitchFamily="49" charset="0"/>
+              </a:rPr>
+              <a:t>ylab</a:t>
+            </a:r>
+            <a:r>
+              <a:rPr lang="en-US" sz="600" b="1" dirty="0">
+                <a:solidFill>
+                  <a:srgbClr val="FF0000"/>
+                </a:solidFill>
+                <a:latin typeface="Courier New" panose="02070309020205020404" pitchFamily="49" charset="0"/>
+                <a:cs typeface="Courier New" panose="02070309020205020404" pitchFamily="49" charset="0"/>
+              </a:rPr>
+              <a:t>="Highway MPG</a:t>
+            </a:r>
+            <a:r>
+              <a:rPr lang="en-US" sz="600" b="1" dirty="0" smtClean="0">
+                <a:solidFill>
+                  <a:srgbClr val="FF0000"/>
+                </a:solidFill>
+                <a:latin typeface="Courier New" panose="02070309020205020404" pitchFamily="49" charset="0"/>
+                <a:cs typeface="Courier New" panose="02070309020205020404" pitchFamily="49" charset="0"/>
+              </a:rPr>
+              <a:t>")</a:t>
+            </a:r>
+          </a:p>
+          <a:p>
+            <a:pPr algn="l" latinLnBrk="1"/>
+            <a:endParaRPr lang="en-US" sz="600" dirty="0" smtClean="0">
+              <a:latin typeface="Courier New" panose="02070309020205020404" pitchFamily="49" charset="0"/>
+              <a:cs typeface="Courier New" panose="02070309020205020404" pitchFamily="49" charset="0"/>
+            </a:endParaRPr>
+          </a:p>
+          <a:p>
+            <a:pPr algn="l" latinLnBrk="1"/>
+            <a:endParaRPr lang="en-US" sz="600" dirty="0">
+              <a:latin typeface="Courier New" panose="02070309020205020404" pitchFamily="49" charset="0"/>
+              <a:cs typeface="Courier New" panose="02070309020205020404" pitchFamily="49" charset="0"/>
+            </a:endParaRPr>
+          </a:p>
+          <a:p>
+            <a:pPr algn="l" latinLnBrk="1"/>
+            <a:endParaRPr lang="en-US" sz="600" dirty="0" smtClean="0">
+              <a:latin typeface="Courier New" panose="02070309020205020404" pitchFamily="49" charset="0"/>
+              <a:cs typeface="Courier New" panose="02070309020205020404" pitchFamily="49" charset="0"/>
+            </a:endParaRPr>
+          </a:p>
+          <a:p>
+            <a:pPr algn="l" latinLnBrk="1"/>
+            <a:endParaRPr lang="en-US" sz="600" dirty="0">
+              <a:latin typeface="Courier New" panose="02070309020205020404" pitchFamily="49" charset="0"/>
+              <a:cs typeface="Courier New" panose="02070309020205020404" pitchFamily="49" charset="0"/>
+            </a:endParaRPr>
+          </a:p>
+          <a:p>
+            <a:pPr algn="l" latinLnBrk="1"/>
+            <a:endParaRPr lang="en-US" sz="600" dirty="0" smtClean="0">
+              <a:latin typeface="Courier New" panose="02070309020205020404" pitchFamily="49" charset="0"/>
+              <a:cs typeface="Courier New" panose="02070309020205020404" pitchFamily="49" charset="0"/>
+            </a:endParaRPr>
+          </a:p>
+          <a:p>
+            <a:pPr algn="l" latinLnBrk="1"/>
+            <a:endParaRPr lang="en-US" sz="600" dirty="0">
+              <a:latin typeface="Courier New" panose="02070309020205020404" pitchFamily="49" charset="0"/>
+              <a:cs typeface="Courier New" panose="02070309020205020404" pitchFamily="49" charset="0"/>
+            </a:endParaRPr>
+          </a:p>
+          <a:p>
+            <a:pPr algn="l" latinLnBrk="1"/>
+            <a:endParaRPr lang="en-US" sz="600" dirty="0" smtClean="0">
+              <a:latin typeface="Courier New" panose="02070309020205020404" pitchFamily="49" charset="0"/>
+              <a:cs typeface="Courier New" panose="02070309020205020404" pitchFamily="49" charset="0"/>
+            </a:endParaRPr>
+          </a:p>
+          <a:p>
+            <a:pPr algn="l" latinLnBrk="1"/>
+            <a:endParaRPr lang="en-US" sz="600" dirty="0">
+              <a:latin typeface="Courier New" panose="02070309020205020404" pitchFamily="49" charset="0"/>
+              <a:cs typeface="Courier New" panose="02070309020205020404" pitchFamily="49" charset="0"/>
+            </a:endParaRPr>
+          </a:p>
+          <a:p>
+            <a:pPr algn="l" latinLnBrk="1"/>
+            <a:endParaRPr lang="en-US" sz="600" dirty="0" smtClean="0">
+              <a:latin typeface="Courier New" panose="02070309020205020404" pitchFamily="49" charset="0"/>
+              <a:cs typeface="Courier New" panose="02070309020205020404" pitchFamily="49" charset="0"/>
+            </a:endParaRPr>
+          </a:p>
+          <a:p>
+            <a:pPr algn="l" latinLnBrk="1"/>
+            <a:endParaRPr lang="en-US" sz="600" dirty="0" smtClean="0">
+              <a:latin typeface="Courier New" panose="02070309020205020404" pitchFamily="49" charset="0"/>
+              <a:cs typeface="Courier New" panose="02070309020205020404" pitchFamily="49" charset="0"/>
+            </a:endParaRPr>
+          </a:p>
+          <a:p>
+            <a:pPr algn="l" latinLnBrk="1"/>
+            <a:endParaRPr lang="en-US" sz="600" dirty="0" smtClean="0">
+              <a:latin typeface="Courier New" panose="02070309020205020404" pitchFamily="49" charset="0"/>
+              <a:cs typeface="Courier New" panose="02070309020205020404" pitchFamily="49" charset="0"/>
+            </a:endParaRPr>
+          </a:p>
+          <a:p>
+            <a:pPr algn="l" latinLnBrk="1"/>
+            <a:endParaRPr lang="en-US" sz="600" dirty="0">
+              <a:latin typeface="Courier New" panose="02070309020205020404" pitchFamily="49" charset="0"/>
+              <a:cs typeface="Courier New" panose="02070309020205020404" pitchFamily="49" charset="0"/>
+            </a:endParaRPr>
+          </a:p>
+          <a:p>
+            <a:pPr algn="l" latinLnBrk="1"/>
+            <a:r>
+              <a:rPr lang="en-US" sz="600" dirty="0" smtClean="0">
+                <a:latin typeface="Courier New" panose="02070309020205020404" pitchFamily="49" charset="0"/>
+                <a:cs typeface="Courier New" panose="02070309020205020404" pitchFamily="49" charset="0"/>
+              </a:rPr>
+              <a:t>&gt; </a:t>
+            </a:r>
+            <a:r>
+              <a:rPr lang="en-US" sz="600" b="1" dirty="0" smtClean="0">
+                <a:solidFill>
+                  <a:srgbClr val="FF0000"/>
+                </a:solidFill>
+                <a:latin typeface="Courier New" panose="02070309020205020404" pitchFamily="49" charset="0"/>
+                <a:cs typeface="Courier New" panose="02070309020205020404" pitchFamily="49" charset="0"/>
+              </a:rPr>
+              <a:t>( </a:t>
+            </a:r>
+            <a:r>
+              <a:rPr lang="en-US" sz="600" b="1" dirty="0">
+                <a:solidFill>
+                  <a:srgbClr val="FF0000"/>
+                </a:solidFill>
+                <a:latin typeface="Courier New" panose="02070309020205020404" pitchFamily="49" charset="0"/>
+                <a:cs typeface="Courier New" panose="02070309020205020404" pitchFamily="49" charset="0"/>
+              </a:rPr>
+              <a:t>freq2 &lt;- </a:t>
+            </a:r>
+            <a:r>
+              <a:rPr lang="en-US" sz="600" b="1" dirty="0" err="1">
+                <a:solidFill>
+                  <a:srgbClr val="FF0000"/>
+                </a:solidFill>
+                <a:latin typeface="Courier New" panose="02070309020205020404" pitchFamily="49" charset="0"/>
+                <a:cs typeface="Courier New" panose="02070309020205020404" pitchFamily="49" charset="0"/>
+              </a:rPr>
+              <a:t>xtabs</a:t>
+            </a:r>
+            <a:r>
+              <a:rPr lang="en-US" sz="600" b="1" dirty="0">
+                <a:solidFill>
+                  <a:srgbClr val="FF0000"/>
+                </a:solidFill>
+                <a:latin typeface="Courier New" panose="02070309020205020404" pitchFamily="49" charset="0"/>
+                <a:cs typeface="Courier New" panose="02070309020205020404" pitchFamily="49" charset="0"/>
+              </a:rPr>
+              <a:t>(~</a:t>
+            </a:r>
+            <a:r>
+              <a:rPr lang="en-US" sz="600" b="1" dirty="0" err="1">
+                <a:solidFill>
+                  <a:srgbClr val="FF0000"/>
+                </a:solidFill>
+                <a:latin typeface="Courier New" panose="02070309020205020404" pitchFamily="49" charset="0"/>
+                <a:cs typeface="Courier New" panose="02070309020205020404" pitchFamily="49" charset="0"/>
+              </a:rPr>
+              <a:t>Domestic+Manual,data</a:t>
+            </a:r>
+            <a:r>
+              <a:rPr lang="en-US" sz="600" b="1" dirty="0">
+                <a:solidFill>
+                  <a:srgbClr val="FF0000"/>
+                </a:solidFill>
+                <a:latin typeface="Courier New" panose="02070309020205020404" pitchFamily="49" charset="0"/>
+                <a:cs typeface="Courier New" panose="02070309020205020404" pitchFamily="49" charset="0"/>
+              </a:rPr>
+              <a:t>=</a:t>
+            </a:r>
+            <a:r>
+              <a:rPr lang="en-US" sz="600" b="1" dirty="0" err="1">
+                <a:solidFill>
+                  <a:srgbClr val="FF0000"/>
+                </a:solidFill>
+                <a:latin typeface="Courier New" panose="02070309020205020404" pitchFamily="49" charset="0"/>
+                <a:cs typeface="Courier New" panose="02070309020205020404" pitchFamily="49" charset="0"/>
+              </a:rPr>
+              <a:t>dfobj</a:t>
+            </a:r>
+            <a:r>
+              <a:rPr lang="en-US" sz="600" b="1" dirty="0">
+                <a:solidFill>
+                  <a:srgbClr val="FF0000"/>
+                </a:solidFill>
+                <a:latin typeface="Courier New" panose="02070309020205020404" pitchFamily="49" charset="0"/>
+                <a:cs typeface="Courier New" panose="02070309020205020404" pitchFamily="49" charset="0"/>
+              </a:rPr>
+              <a:t>) )</a:t>
+            </a:r>
+          </a:p>
+          <a:p>
+            <a:pPr algn="l" latinLnBrk="1"/>
+            <a:r>
+              <a:rPr lang="en-US" sz="600" dirty="0" smtClean="0">
+                <a:latin typeface="Courier New" panose="02070309020205020404" pitchFamily="49" charset="0"/>
+                <a:cs typeface="Courier New" panose="02070309020205020404" pitchFamily="49" charset="0"/>
+              </a:rPr>
+              <a:t>           </a:t>
+            </a:r>
+            <a:r>
+              <a:rPr lang="en-US" sz="600" dirty="0">
+                <a:latin typeface="Courier New" panose="02070309020205020404" pitchFamily="49" charset="0"/>
+                <a:cs typeface="Courier New" panose="02070309020205020404" pitchFamily="49" charset="0"/>
+              </a:rPr>
+              <a:t>Manual</a:t>
+            </a:r>
+            <a:br>
+              <a:rPr lang="en-US" sz="600" dirty="0">
+                <a:latin typeface="Courier New" panose="02070309020205020404" pitchFamily="49" charset="0"/>
+                <a:cs typeface="Courier New" panose="02070309020205020404" pitchFamily="49" charset="0"/>
+              </a:rPr>
+            </a:br>
+            <a:r>
+              <a:rPr lang="en-US" sz="600" dirty="0" smtClean="0">
+                <a:latin typeface="Courier New" panose="02070309020205020404" pitchFamily="49" charset="0"/>
+                <a:cs typeface="Courier New" panose="02070309020205020404" pitchFamily="49" charset="0"/>
+              </a:rPr>
+              <a:t>   </a:t>
+            </a:r>
+            <a:r>
+              <a:rPr lang="en-US" sz="600" dirty="0">
+                <a:latin typeface="Courier New" panose="02070309020205020404" pitchFamily="49" charset="0"/>
+                <a:cs typeface="Courier New" panose="02070309020205020404" pitchFamily="49" charset="0"/>
+              </a:rPr>
+              <a:t>Domestic No Yes</a:t>
+            </a:r>
+            <a:br>
+              <a:rPr lang="en-US" sz="600" dirty="0">
+                <a:latin typeface="Courier New" panose="02070309020205020404" pitchFamily="49" charset="0"/>
+                <a:cs typeface="Courier New" panose="02070309020205020404" pitchFamily="49" charset="0"/>
+              </a:rPr>
+            </a:br>
+            <a:r>
+              <a:rPr lang="en-US" sz="600" dirty="0" smtClean="0">
+                <a:latin typeface="Courier New" panose="02070309020205020404" pitchFamily="49" charset="0"/>
+                <a:cs typeface="Courier New" panose="02070309020205020404" pitchFamily="49" charset="0"/>
+              </a:rPr>
+              <a:t>        </a:t>
+            </a:r>
+            <a:r>
+              <a:rPr lang="en-US" sz="600" dirty="0">
+                <a:latin typeface="Courier New" panose="02070309020205020404" pitchFamily="49" charset="0"/>
+                <a:cs typeface="Courier New" panose="02070309020205020404" pitchFamily="49" charset="0"/>
+              </a:rPr>
+              <a:t>No   6  39</a:t>
+            </a:r>
+            <a:br>
+              <a:rPr lang="en-US" sz="600" dirty="0">
+                <a:latin typeface="Courier New" panose="02070309020205020404" pitchFamily="49" charset="0"/>
+                <a:cs typeface="Courier New" panose="02070309020205020404" pitchFamily="49" charset="0"/>
+              </a:rPr>
+            </a:br>
+            <a:r>
+              <a:rPr lang="en-US" sz="600" dirty="0" smtClean="0">
+                <a:latin typeface="Courier New" panose="02070309020205020404" pitchFamily="49" charset="0"/>
+                <a:cs typeface="Courier New" panose="02070309020205020404" pitchFamily="49" charset="0"/>
+              </a:rPr>
+              <a:t>        </a:t>
+            </a:r>
+            <a:r>
+              <a:rPr lang="en-US" sz="600" dirty="0">
+                <a:latin typeface="Courier New" panose="02070309020205020404" pitchFamily="49" charset="0"/>
+                <a:cs typeface="Courier New" panose="02070309020205020404" pitchFamily="49" charset="0"/>
+              </a:rPr>
+              <a:t>Yes 26  22</a:t>
+            </a:r>
+          </a:p>
+          <a:p>
+            <a:pPr algn="l" latinLnBrk="1"/>
+            <a:r>
+              <a:rPr lang="en-US" sz="600" dirty="0" smtClean="0">
+                <a:latin typeface="Courier New" panose="02070309020205020404" pitchFamily="49" charset="0"/>
+                <a:cs typeface="Courier New" panose="02070309020205020404" pitchFamily="49" charset="0"/>
+              </a:rPr>
+              <a:t>&gt; </a:t>
+            </a:r>
+            <a:r>
+              <a:rPr lang="en-US" sz="600" b="1" dirty="0" err="1" smtClean="0">
+                <a:solidFill>
+                  <a:srgbClr val="FF0000"/>
+                </a:solidFill>
+                <a:latin typeface="Courier New" panose="02070309020205020404" pitchFamily="49" charset="0"/>
+                <a:cs typeface="Courier New" panose="02070309020205020404" pitchFamily="49" charset="0"/>
+              </a:rPr>
+              <a:t>percTable</a:t>
+            </a:r>
+            <a:r>
+              <a:rPr lang="en-US" sz="600" b="1" dirty="0" smtClean="0">
+                <a:solidFill>
+                  <a:srgbClr val="FF0000"/>
+                </a:solidFill>
+                <a:latin typeface="Courier New" panose="02070309020205020404" pitchFamily="49" charset="0"/>
+                <a:cs typeface="Courier New" panose="02070309020205020404" pitchFamily="49" charset="0"/>
+              </a:rPr>
+              <a:t>(freq2,digits=1</a:t>
+            </a:r>
+            <a:r>
+              <a:rPr lang="en-US" sz="600" b="1" dirty="0">
+                <a:solidFill>
+                  <a:srgbClr val="FF0000"/>
+                </a:solidFill>
+                <a:latin typeface="Courier New" panose="02070309020205020404" pitchFamily="49" charset="0"/>
+                <a:cs typeface="Courier New" panose="02070309020205020404" pitchFamily="49" charset="0"/>
+              </a:rPr>
+              <a:t>)</a:t>
+            </a:r>
+          </a:p>
+          <a:p>
+            <a:pPr algn="l" latinLnBrk="1"/>
+            <a:r>
+              <a:rPr lang="en-US" sz="600" dirty="0" smtClean="0">
+                <a:latin typeface="Courier New" panose="02070309020205020404" pitchFamily="49" charset="0"/>
+                <a:cs typeface="Courier New" panose="02070309020205020404" pitchFamily="49" charset="0"/>
+              </a:rPr>
+              <a:t>           </a:t>
+            </a:r>
+            <a:r>
+              <a:rPr lang="en-US" sz="600" dirty="0">
+                <a:latin typeface="Courier New" panose="02070309020205020404" pitchFamily="49" charset="0"/>
+                <a:cs typeface="Courier New" panose="02070309020205020404" pitchFamily="49" charset="0"/>
+              </a:rPr>
+              <a:t>Manual</a:t>
+            </a:r>
+            <a:br>
+              <a:rPr lang="en-US" sz="600" dirty="0">
+                <a:latin typeface="Courier New" panose="02070309020205020404" pitchFamily="49" charset="0"/>
+                <a:cs typeface="Courier New" panose="02070309020205020404" pitchFamily="49" charset="0"/>
+              </a:rPr>
+            </a:br>
+            <a:r>
+              <a:rPr lang="en-US" sz="600" dirty="0" smtClean="0">
+                <a:latin typeface="Courier New" panose="02070309020205020404" pitchFamily="49" charset="0"/>
+                <a:cs typeface="Courier New" panose="02070309020205020404" pitchFamily="49" charset="0"/>
+              </a:rPr>
+              <a:t>   </a:t>
+            </a:r>
+            <a:r>
+              <a:rPr lang="en-US" sz="600" dirty="0">
+                <a:latin typeface="Courier New" panose="02070309020205020404" pitchFamily="49" charset="0"/>
+                <a:cs typeface="Courier New" panose="02070309020205020404" pitchFamily="49" charset="0"/>
+              </a:rPr>
+              <a:t>Domestic    No   Yes   Sum</a:t>
+            </a:r>
+            <a:br>
+              <a:rPr lang="en-US" sz="600" dirty="0">
+                <a:latin typeface="Courier New" panose="02070309020205020404" pitchFamily="49" charset="0"/>
+                <a:cs typeface="Courier New" panose="02070309020205020404" pitchFamily="49" charset="0"/>
+              </a:rPr>
+            </a:br>
+            <a:r>
+              <a:rPr lang="en-US" sz="600" dirty="0" smtClean="0">
+                <a:latin typeface="Courier New" panose="02070309020205020404" pitchFamily="49" charset="0"/>
+                <a:cs typeface="Courier New" panose="02070309020205020404" pitchFamily="49" charset="0"/>
+              </a:rPr>
+              <a:t>        </a:t>
+            </a:r>
+            <a:r>
+              <a:rPr lang="en-US" sz="600" dirty="0">
+                <a:latin typeface="Courier New" panose="02070309020205020404" pitchFamily="49" charset="0"/>
+                <a:cs typeface="Courier New" panose="02070309020205020404" pitchFamily="49" charset="0"/>
+              </a:rPr>
+              <a:t>No    6.5  41.9  48.4</a:t>
+            </a:r>
+            <a:br>
+              <a:rPr lang="en-US" sz="600" dirty="0">
+                <a:latin typeface="Courier New" panose="02070309020205020404" pitchFamily="49" charset="0"/>
+                <a:cs typeface="Courier New" panose="02070309020205020404" pitchFamily="49" charset="0"/>
+              </a:rPr>
+            </a:br>
+            <a:r>
+              <a:rPr lang="en-US" sz="600" dirty="0" smtClean="0">
+                <a:latin typeface="Courier New" panose="02070309020205020404" pitchFamily="49" charset="0"/>
+                <a:cs typeface="Courier New" panose="02070309020205020404" pitchFamily="49" charset="0"/>
+              </a:rPr>
+              <a:t>        </a:t>
+            </a:r>
+            <a:r>
+              <a:rPr lang="en-US" sz="600" dirty="0">
+                <a:latin typeface="Courier New" panose="02070309020205020404" pitchFamily="49" charset="0"/>
+                <a:cs typeface="Courier New" panose="02070309020205020404" pitchFamily="49" charset="0"/>
+              </a:rPr>
+              <a:t>Yes  28.0  23.7  51.7</a:t>
+            </a:r>
+            <a:br>
+              <a:rPr lang="en-US" sz="600" dirty="0">
+                <a:latin typeface="Courier New" panose="02070309020205020404" pitchFamily="49" charset="0"/>
+                <a:cs typeface="Courier New" panose="02070309020205020404" pitchFamily="49" charset="0"/>
+              </a:rPr>
+            </a:br>
+            <a:r>
+              <a:rPr lang="en-US" sz="600" dirty="0" smtClean="0">
+                <a:latin typeface="Courier New" panose="02070309020205020404" pitchFamily="49" charset="0"/>
+                <a:cs typeface="Courier New" panose="02070309020205020404" pitchFamily="49" charset="0"/>
+              </a:rPr>
+              <a:t>        </a:t>
+            </a:r>
+            <a:r>
+              <a:rPr lang="en-US" sz="600" dirty="0">
+                <a:latin typeface="Courier New" panose="02070309020205020404" pitchFamily="49" charset="0"/>
+                <a:cs typeface="Courier New" panose="02070309020205020404" pitchFamily="49" charset="0"/>
+              </a:rPr>
+              <a:t>Sum  34.5  65.6 100.1</a:t>
+            </a:r>
+          </a:p>
+          <a:p>
+            <a:pPr algn="l" latinLnBrk="1"/>
+            <a:r>
+              <a:rPr lang="en-US" sz="600" dirty="0" smtClean="0">
+                <a:latin typeface="Courier New" panose="02070309020205020404" pitchFamily="49" charset="0"/>
+                <a:cs typeface="Courier New" panose="02070309020205020404" pitchFamily="49" charset="0"/>
+              </a:rPr>
+              <a:t>&gt; </a:t>
+            </a:r>
+            <a:r>
+              <a:rPr lang="en-US" sz="600" b="1" dirty="0" err="1" smtClean="0">
+                <a:solidFill>
+                  <a:srgbClr val="FF0000"/>
+                </a:solidFill>
+                <a:latin typeface="Courier New" panose="02070309020205020404" pitchFamily="49" charset="0"/>
+                <a:cs typeface="Courier New" panose="02070309020205020404" pitchFamily="49" charset="0"/>
+              </a:rPr>
+              <a:t>percTable</a:t>
+            </a:r>
+            <a:r>
+              <a:rPr lang="en-US" sz="600" b="1" dirty="0" smtClean="0">
+                <a:solidFill>
+                  <a:srgbClr val="FF0000"/>
+                </a:solidFill>
+                <a:latin typeface="Courier New" panose="02070309020205020404" pitchFamily="49" charset="0"/>
+                <a:cs typeface="Courier New" panose="02070309020205020404" pitchFamily="49" charset="0"/>
+              </a:rPr>
+              <a:t>(freq2,margin=1,digits=1</a:t>
+            </a:r>
+            <a:r>
+              <a:rPr lang="en-US" sz="600" b="1" dirty="0">
+                <a:solidFill>
+                  <a:srgbClr val="FF0000"/>
+                </a:solidFill>
+                <a:latin typeface="Courier New" panose="02070309020205020404" pitchFamily="49" charset="0"/>
+                <a:cs typeface="Courier New" panose="02070309020205020404" pitchFamily="49" charset="0"/>
+              </a:rPr>
+              <a:t>)</a:t>
+            </a:r>
+          </a:p>
+          <a:p>
+            <a:pPr algn="l" latinLnBrk="1"/>
+            <a:r>
+              <a:rPr lang="en-US" sz="600" dirty="0" smtClean="0">
+                <a:latin typeface="Courier New" panose="02070309020205020404" pitchFamily="49" charset="0"/>
+                <a:cs typeface="Courier New" panose="02070309020205020404" pitchFamily="49" charset="0"/>
+              </a:rPr>
+              <a:t>           </a:t>
+            </a:r>
+            <a:r>
+              <a:rPr lang="en-US" sz="600" dirty="0">
+                <a:latin typeface="Courier New" panose="02070309020205020404" pitchFamily="49" charset="0"/>
+                <a:cs typeface="Courier New" panose="02070309020205020404" pitchFamily="49" charset="0"/>
+              </a:rPr>
+              <a:t>Manual</a:t>
+            </a:r>
+            <a:br>
+              <a:rPr lang="en-US" sz="600" dirty="0">
+                <a:latin typeface="Courier New" panose="02070309020205020404" pitchFamily="49" charset="0"/>
+                <a:cs typeface="Courier New" panose="02070309020205020404" pitchFamily="49" charset="0"/>
+              </a:rPr>
+            </a:br>
+            <a:r>
+              <a:rPr lang="en-US" sz="600" dirty="0" smtClean="0">
+                <a:latin typeface="Courier New" panose="02070309020205020404" pitchFamily="49" charset="0"/>
+                <a:cs typeface="Courier New" panose="02070309020205020404" pitchFamily="49" charset="0"/>
+              </a:rPr>
+              <a:t>   </a:t>
+            </a:r>
+            <a:r>
+              <a:rPr lang="en-US" sz="600" dirty="0">
+                <a:latin typeface="Courier New" panose="02070309020205020404" pitchFamily="49" charset="0"/>
+                <a:cs typeface="Courier New" panose="02070309020205020404" pitchFamily="49" charset="0"/>
+              </a:rPr>
+              <a:t>Domestic    No   Yes   Sum</a:t>
+            </a:r>
+            <a:br>
+              <a:rPr lang="en-US" sz="600" dirty="0">
+                <a:latin typeface="Courier New" panose="02070309020205020404" pitchFamily="49" charset="0"/>
+                <a:cs typeface="Courier New" panose="02070309020205020404" pitchFamily="49" charset="0"/>
+              </a:rPr>
+            </a:br>
+            <a:r>
+              <a:rPr lang="en-US" sz="600" dirty="0" smtClean="0">
+                <a:latin typeface="Courier New" panose="02070309020205020404" pitchFamily="49" charset="0"/>
+                <a:cs typeface="Courier New" panose="02070309020205020404" pitchFamily="49" charset="0"/>
+              </a:rPr>
+              <a:t>        </a:t>
+            </a:r>
+            <a:r>
+              <a:rPr lang="en-US" sz="600" dirty="0">
+                <a:latin typeface="Courier New" panose="02070309020205020404" pitchFamily="49" charset="0"/>
+                <a:cs typeface="Courier New" panose="02070309020205020404" pitchFamily="49" charset="0"/>
+              </a:rPr>
+              <a:t>No   13.3  86.7 100.0</a:t>
+            </a:r>
+            <a:br>
+              <a:rPr lang="en-US" sz="600" dirty="0">
+                <a:latin typeface="Courier New" panose="02070309020205020404" pitchFamily="49" charset="0"/>
+                <a:cs typeface="Courier New" panose="02070309020205020404" pitchFamily="49" charset="0"/>
+              </a:rPr>
+            </a:br>
+            <a:r>
+              <a:rPr lang="en-US" sz="600" dirty="0" smtClean="0">
+                <a:latin typeface="Courier New" panose="02070309020205020404" pitchFamily="49" charset="0"/>
+                <a:cs typeface="Courier New" panose="02070309020205020404" pitchFamily="49" charset="0"/>
+              </a:rPr>
+              <a:t>        </a:t>
+            </a:r>
+            <a:r>
+              <a:rPr lang="en-US" sz="600" dirty="0">
+                <a:latin typeface="Courier New" panose="02070309020205020404" pitchFamily="49" charset="0"/>
+                <a:cs typeface="Courier New" panose="02070309020205020404" pitchFamily="49" charset="0"/>
+              </a:rPr>
+              <a:t>Yes  54.2  45.8 100.0</a:t>
+            </a:r>
+          </a:p>
+          <a:p>
+            <a:pPr algn="l" latinLnBrk="1"/>
+            <a:r>
+              <a:rPr lang="en-US" sz="600" dirty="0" smtClean="0">
+                <a:latin typeface="Courier New" panose="02070309020205020404" pitchFamily="49" charset="0"/>
+                <a:cs typeface="Courier New" panose="02070309020205020404" pitchFamily="49" charset="0"/>
+              </a:rPr>
+              <a:t>&gt; </a:t>
+            </a:r>
+            <a:r>
+              <a:rPr lang="en-US" sz="600" b="1" dirty="0" err="1" smtClean="0">
+                <a:solidFill>
+                  <a:srgbClr val="FF0000"/>
+                </a:solidFill>
+                <a:latin typeface="Courier New" panose="02070309020205020404" pitchFamily="49" charset="0"/>
+                <a:cs typeface="Courier New" panose="02070309020205020404" pitchFamily="49" charset="0"/>
+              </a:rPr>
+              <a:t>percTable</a:t>
+            </a:r>
+            <a:r>
+              <a:rPr lang="en-US" sz="600" b="1" dirty="0" smtClean="0">
+                <a:solidFill>
+                  <a:srgbClr val="FF0000"/>
+                </a:solidFill>
+                <a:latin typeface="Courier New" panose="02070309020205020404" pitchFamily="49" charset="0"/>
+                <a:cs typeface="Courier New" panose="02070309020205020404" pitchFamily="49" charset="0"/>
+              </a:rPr>
+              <a:t>(freq2,margin=2,digits=1</a:t>
+            </a:r>
+            <a:r>
+              <a:rPr lang="en-US" sz="600" b="1" dirty="0">
+                <a:solidFill>
+                  <a:srgbClr val="FF0000"/>
+                </a:solidFill>
+                <a:latin typeface="Courier New" panose="02070309020205020404" pitchFamily="49" charset="0"/>
+                <a:cs typeface="Courier New" panose="02070309020205020404" pitchFamily="49" charset="0"/>
+              </a:rPr>
+              <a:t>)</a:t>
+            </a:r>
+          </a:p>
+          <a:p>
+            <a:pPr algn="l" latinLnBrk="1"/>
+            <a:r>
+              <a:rPr lang="en-US" sz="600" dirty="0" smtClean="0">
+                <a:latin typeface="Courier New" panose="02070309020205020404" pitchFamily="49" charset="0"/>
+                <a:cs typeface="Courier New" panose="02070309020205020404" pitchFamily="49" charset="0"/>
+              </a:rPr>
+              <a:t>           </a:t>
+            </a:r>
+            <a:r>
+              <a:rPr lang="en-US" sz="600" dirty="0">
+                <a:latin typeface="Courier New" panose="02070309020205020404" pitchFamily="49" charset="0"/>
+                <a:cs typeface="Courier New" panose="02070309020205020404" pitchFamily="49" charset="0"/>
+              </a:rPr>
+              <a:t>Manual</a:t>
+            </a:r>
+            <a:br>
+              <a:rPr lang="en-US" sz="600" dirty="0">
+                <a:latin typeface="Courier New" panose="02070309020205020404" pitchFamily="49" charset="0"/>
+                <a:cs typeface="Courier New" panose="02070309020205020404" pitchFamily="49" charset="0"/>
+              </a:rPr>
+            </a:br>
+            <a:r>
+              <a:rPr lang="en-US" sz="600" dirty="0" smtClean="0">
+                <a:latin typeface="Courier New" panose="02070309020205020404" pitchFamily="49" charset="0"/>
+                <a:cs typeface="Courier New" panose="02070309020205020404" pitchFamily="49" charset="0"/>
+              </a:rPr>
+              <a:t>   </a:t>
+            </a:r>
+            <a:r>
+              <a:rPr lang="en-US" sz="600" dirty="0">
+                <a:latin typeface="Courier New" panose="02070309020205020404" pitchFamily="49" charset="0"/>
+                <a:cs typeface="Courier New" panose="02070309020205020404" pitchFamily="49" charset="0"/>
+              </a:rPr>
+              <a:t>Domestic    No   Yes</a:t>
+            </a:r>
+            <a:br>
+              <a:rPr lang="en-US" sz="600" dirty="0">
+                <a:latin typeface="Courier New" panose="02070309020205020404" pitchFamily="49" charset="0"/>
+                <a:cs typeface="Courier New" panose="02070309020205020404" pitchFamily="49" charset="0"/>
+              </a:rPr>
+            </a:br>
+            <a:r>
+              <a:rPr lang="en-US" sz="600" dirty="0" smtClean="0">
+                <a:latin typeface="Courier New" panose="02070309020205020404" pitchFamily="49" charset="0"/>
+                <a:cs typeface="Courier New" panose="02070309020205020404" pitchFamily="49" charset="0"/>
+              </a:rPr>
+              <a:t>        </a:t>
+            </a:r>
+            <a:r>
+              <a:rPr lang="en-US" sz="600" dirty="0">
+                <a:latin typeface="Courier New" panose="02070309020205020404" pitchFamily="49" charset="0"/>
+                <a:cs typeface="Courier New" panose="02070309020205020404" pitchFamily="49" charset="0"/>
+              </a:rPr>
+              <a:t>No   18.8  63.9</a:t>
+            </a:r>
+            <a:br>
+              <a:rPr lang="en-US" sz="600" dirty="0">
+                <a:latin typeface="Courier New" panose="02070309020205020404" pitchFamily="49" charset="0"/>
+                <a:cs typeface="Courier New" panose="02070309020205020404" pitchFamily="49" charset="0"/>
+              </a:rPr>
+            </a:br>
+            <a:r>
+              <a:rPr lang="en-US" sz="600" dirty="0" smtClean="0">
+                <a:latin typeface="Courier New" panose="02070309020205020404" pitchFamily="49" charset="0"/>
+                <a:cs typeface="Courier New" panose="02070309020205020404" pitchFamily="49" charset="0"/>
+              </a:rPr>
+              <a:t>        </a:t>
+            </a:r>
+            <a:r>
+              <a:rPr lang="en-US" sz="600" dirty="0">
+                <a:latin typeface="Courier New" panose="02070309020205020404" pitchFamily="49" charset="0"/>
+                <a:cs typeface="Courier New" panose="02070309020205020404" pitchFamily="49" charset="0"/>
+              </a:rPr>
+              <a:t>Yes  81.2  36.1</a:t>
+            </a:r>
+            <a:br>
+              <a:rPr lang="en-US" sz="600" dirty="0">
+                <a:latin typeface="Courier New" panose="02070309020205020404" pitchFamily="49" charset="0"/>
+                <a:cs typeface="Courier New" panose="02070309020205020404" pitchFamily="49" charset="0"/>
+              </a:rPr>
+            </a:br>
+            <a:r>
+              <a:rPr lang="en-US" sz="600" dirty="0" smtClean="0">
+                <a:latin typeface="Courier New" panose="02070309020205020404" pitchFamily="49" charset="0"/>
+                <a:cs typeface="Courier New" panose="02070309020205020404" pitchFamily="49" charset="0"/>
+              </a:rPr>
+              <a:t>        </a:t>
+            </a:r>
+            <a:r>
+              <a:rPr lang="en-US" sz="600" dirty="0">
+                <a:latin typeface="Courier New" panose="02070309020205020404" pitchFamily="49" charset="0"/>
+                <a:cs typeface="Courier New" panose="02070309020205020404" pitchFamily="49" charset="0"/>
+              </a:rPr>
+              <a:t>Sum 100.0 </a:t>
+            </a:r>
+            <a:r>
+              <a:rPr lang="en-US" sz="600" dirty="0" smtClean="0">
+                <a:latin typeface="Courier New" panose="02070309020205020404" pitchFamily="49" charset="0"/>
+                <a:cs typeface="Courier New" panose="02070309020205020404" pitchFamily="49" charset="0"/>
+              </a:rPr>
+              <a:t>100.0</a:t>
+            </a:r>
+          </a:p>
+        </p:txBody>
+      </p:sp>
+      <p:sp>
+        <p:nvSpPr>
+          <p:cNvPr id="9" name="Shape 34"/>
+          <p:cNvSpPr/>
+          <p:nvPr/>
+        </p:nvSpPr>
+        <p:spPr>
+          <a:xfrm>
+            <a:off x="6126480" y="216320"/>
+            <a:ext cx="2926080" cy="6559796"/>
+          </a:xfrm>
+          <a:prstGeom prst="roundRect">
+            <a:avLst>
+              <a:gd name="adj" fmla="val 1194"/>
+            </a:avLst>
+          </a:prstGeom>
+          <a:solidFill>
+            <a:schemeClr val="bg1">
+              <a:lumMod val="95000"/>
+            </a:schemeClr>
+          </a:solidFill>
+          <a:ln w="12700">
+            <a:miter lim="400000"/>
+          </a:ln>
+        </p:spPr>
+        <p:txBody>
+          <a:bodyPr lIns="45720" tIns="91440" rIns="45720" bIns="45720" anchor="t">
+            <a:noAutofit/>
+          </a:bodyPr>
+          <a:lstStyle/>
+          <a:p>
+            <a:pPr algn="l" latinLnBrk="1"/>
+            <a:r>
+              <a:rPr lang="en-US" sz="600" dirty="0" smtClean="0">
+                <a:latin typeface="Courier New" panose="02070309020205020404" pitchFamily="49" charset="0"/>
+                <a:cs typeface="Courier New" panose="02070309020205020404" pitchFamily="49" charset="0"/>
+              </a:rPr>
+              <a:t>&gt; </a:t>
+            </a:r>
+            <a:r>
+              <a:rPr lang="en-US" sz="600" b="1" dirty="0" err="1" smtClean="0">
+                <a:solidFill>
+                  <a:srgbClr val="FF0000"/>
+                </a:solidFill>
+                <a:latin typeface="Courier New" panose="02070309020205020404" pitchFamily="49" charset="0"/>
+                <a:cs typeface="Courier New" panose="02070309020205020404" pitchFamily="49" charset="0"/>
+              </a:rPr>
+              <a:t>z.test</a:t>
+            </a:r>
+            <a:r>
+              <a:rPr lang="en-US" sz="600" b="1" dirty="0" smtClean="0">
+                <a:solidFill>
+                  <a:srgbClr val="FF0000"/>
+                </a:solidFill>
+                <a:latin typeface="Courier New" panose="02070309020205020404" pitchFamily="49" charset="0"/>
+                <a:cs typeface="Courier New" panose="02070309020205020404" pitchFamily="49" charset="0"/>
+              </a:rPr>
+              <a:t>(</a:t>
+            </a:r>
+            <a:r>
+              <a:rPr lang="en-US" sz="600" b="1" dirty="0" err="1" smtClean="0">
+                <a:solidFill>
+                  <a:srgbClr val="FF0000"/>
+                </a:solidFill>
+                <a:latin typeface="Courier New" panose="02070309020205020404" pitchFamily="49" charset="0"/>
+                <a:cs typeface="Courier New" panose="02070309020205020404" pitchFamily="49" charset="0"/>
+              </a:rPr>
+              <a:t>dfobj$HMPG,mu</a:t>
+            </a:r>
+            <a:r>
+              <a:rPr lang="en-US" sz="600" b="1" dirty="0" smtClean="0">
+                <a:solidFill>
+                  <a:srgbClr val="FF0000"/>
+                </a:solidFill>
+                <a:latin typeface="Courier New" panose="02070309020205020404" pitchFamily="49" charset="0"/>
+                <a:cs typeface="Courier New" panose="02070309020205020404" pitchFamily="49" charset="0"/>
+              </a:rPr>
+              <a:t>=26,alt</a:t>
+            </a:r>
+            <a:r>
+              <a:rPr lang="en-US" sz="600" b="1" dirty="0">
+                <a:solidFill>
+                  <a:srgbClr val="FF0000"/>
+                </a:solidFill>
+                <a:latin typeface="Courier New" panose="02070309020205020404" pitchFamily="49" charset="0"/>
+                <a:cs typeface="Courier New" panose="02070309020205020404" pitchFamily="49" charset="0"/>
+              </a:rPr>
+              <a:t>="greater",</a:t>
+            </a:r>
+            <a:r>
+              <a:rPr lang="en-US" sz="600" b="1" dirty="0" err="1">
+                <a:solidFill>
+                  <a:srgbClr val="FF0000"/>
+                </a:solidFill>
+                <a:latin typeface="Courier New" panose="02070309020205020404" pitchFamily="49" charset="0"/>
+                <a:cs typeface="Courier New" panose="02070309020205020404" pitchFamily="49" charset="0"/>
+              </a:rPr>
+              <a:t>conf.level</a:t>
+            </a:r>
+            <a:r>
+              <a:rPr lang="en-US" sz="600" b="1" dirty="0">
+                <a:solidFill>
+                  <a:srgbClr val="FF0000"/>
+                </a:solidFill>
+                <a:latin typeface="Courier New" panose="02070309020205020404" pitchFamily="49" charset="0"/>
+                <a:cs typeface="Courier New" panose="02070309020205020404" pitchFamily="49" charset="0"/>
+              </a:rPr>
+              <a:t>=0.95,sd=6</a:t>
+            </a:r>
+            <a:r>
+              <a:rPr lang="en-US" sz="600" b="1" dirty="0" smtClean="0">
+                <a:solidFill>
+                  <a:srgbClr val="FF0000"/>
+                </a:solidFill>
+                <a:latin typeface="Courier New" panose="02070309020205020404" pitchFamily="49" charset="0"/>
+                <a:cs typeface="Courier New" panose="02070309020205020404" pitchFamily="49" charset="0"/>
+              </a:rPr>
+              <a:t>)</a:t>
+            </a:r>
+            <a:r>
+              <a:rPr lang="en-US" sz="600" dirty="0">
+                <a:latin typeface="Courier New" panose="02070309020205020404" pitchFamily="49" charset="0"/>
+                <a:cs typeface="Courier New" panose="02070309020205020404" pitchFamily="49" charset="0"/>
+              </a:rPr>
+              <a:t/>
+            </a:r>
+            <a:br>
+              <a:rPr lang="en-US" sz="600" dirty="0">
+                <a:latin typeface="Courier New" panose="02070309020205020404" pitchFamily="49" charset="0"/>
+                <a:cs typeface="Courier New" panose="02070309020205020404" pitchFamily="49" charset="0"/>
+              </a:rPr>
+            </a:br>
+            <a:r>
+              <a:rPr lang="en-US" sz="600" dirty="0" smtClean="0">
+                <a:latin typeface="Courier New" panose="02070309020205020404" pitchFamily="49" charset="0"/>
+                <a:cs typeface="Courier New" panose="02070309020205020404" pitchFamily="49" charset="0"/>
+              </a:rPr>
+              <a:t>   z= 4.9601</a:t>
+            </a:r>
+            <a:r>
+              <a:rPr lang="en-US" sz="600" dirty="0">
+                <a:latin typeface="Courier New" panose="02070309020205020404" pitchFamily="49" charset="0"/>
+                <a:cs typeface="Courier New" panose="02070309020205020404" pitchFamily="49" charset="0"/>
+              </a:rPr>
+              <a:t>, </a:t>
+            </a:r>
+            <a:r>
+              <a:rPr lang="en-US" sz="600" dirty="0" smtClean="0">
+                <a:latin typeface="Courier New" panose="02070309020205020404" pitchFamily="49" charset="0"/>
+                <a:cs typeface="Courier New" panose="02070309020205020404" pitchFamily="49" charset="0"/>
+              </a:rPr>
+              <a:t>n= 93, </a:t>
+            </a:r>
+            <a:r>
+              <a:rPr lang="en-US" sz="600" dirty="0">
+                <a:latin typeface="Courier New" panose="02070309020205020404" pitchFamily="49" charset="0"/>
+                <a:cs typeface="Courier New" panose="02070309020205020404" pitchFamily="49" charset="0"/>
+              </a:rPr>
+              <a:t>Std. </a:t>
+            </a:r>
+            <a:r>
+              <a:rPr lang="en-US" sz="600" dirty="0" smtClean="0">
+                <a:latin typeface="Courier New" panose="02070309020205020404" pitchFamily="49" charset="0"/>
+                <a:cs typeface="Courier New" panose="02070309020205020404" pitchFamily="49" charset="0"/>
+              </a:rPr>
+              <a:t>Dev= </a:t>
+            </a:r>
+            <a:r>
+              <a:rPr lang="en-US" sz="600" dirty="0">
+                <a:latin typeface="Courier New" panose="02070309020205020404" pitchFamily="49" charset="0"/>
+                <a:cs typeface="Courier New" panose="02070309020205020404" pitchFamily="49" charset="0"/>
+              </a:rPr>
+              <a:t>6.000, Std. </a:t>
+            </a:r>
+            <a:r>
+              <a:rPr lang="en-US" sz="600" dirty="0" smtClean="0">
+                <a:latin typeface="Courier New" panose="02070309020205020404" pitchFamily="49" charset="0"/>
+                <a:cs typeface="Courier New" panose="02070309020205020404" pitchFamily="49" charset="0"/>
+              </a:rPr>
+              <a:t>Dev </a:t>
+            </a:r>
+            <a:r>
+              <a:rPr lang="en-US" sz="600" dirty="0">
+                <a:latin typeface="Courier New" panose="02070309020205020404" pitchFamily="49" charset="0"/>
+                <a:cs typeface="Courier New" panose="02070309020205020404" pitchFamily="49" charset="0"/>
+              </a:rPr>
+              <a:t>of the sample</a:t>
+            </a:r>
+            <a:br>
+              <a:rPr lang="en-US" sz="600" dirty="0">
+                <a:latin typeface="Courier New" panose="02070309020205020404" pitchFamily="49" charset="0"/>
+                <a:cs typeface="Courier New" panose="02070309020205020404" pitchFamily="49" charset="0"/>
+              </a:rPr>
+            </a:br>
+            <a:r>
+              <a:rPr lang="en-US" sz="600" dirty="0" smtClean="0">
+                <a:latin typeface="Courier New" panose="02070309020205020404" pitchFamily="49" charset="0"/>
+                <a:cs typeface="Courier New" panose="02070309020205020404" pitchFamily="49" charset="0"/>
+              </a:rPr>
+              <a:t>   </a:t>
+            </a:r>
+            <a:r>
+              <a:rPr lang="en-US" sz="600" dirty="0">
+                <a:latin typeface="Courier New" panose="02070309020205020404" pitchFamily="49" charset="0"/>
+                <a:cs typeface="Courier New" panose="02070309020205020404" pitchFamily="49" charset="0"/>
+              </a:rPr>
+              <a:t>mean = 0.622, p-value = 3.523e-07</a:t>
+            </a:r>
+            <a:br>
+              <a:rPr lang="en-US" sz="600" dirty="0">
+                <a:latin typeface="Courier New" panose="02070309020205020404" pitchFamily="49" charset="0"/>
+                <a:cs typeface="Courier New" panose="02070309020205020404" pitchFamily="49" charset="0"/>
+              </a:rPr>
+            </a:br>
+            <a:r>
+              <a:rPr lang="en-US" sz="600" dirty="0" smtClean="0">
+                <a:latin typeface="Courier New" panose="02070309020205020404" pitchFamily="49" charset="0"/>
+                <a:cs typeface="Courier New" panose="02070309020205020404" pitchFamily="49" charset="0"/>
+              </a:rPr>
+              <a:t>   </a:t>
+            </a:r>
+            <a:r>
+              <a:rPr lang="en-US" sz="600" dirty="0">
+                <a:latin typeface="Courier New" panose="02070309020205020404" pitchFamily="49" charset="0"/>
+                <a:cs typeface="Courier New" panose="02070309020205020404" pitchFamily="49" charset="0"/>
+              </a:rPr>
+              <a:t>alternative hypothesis: true mean is greater than 26 </a:t>
+            </a:r>
+            <a:br>
+              <a:rPr lang="en-US" sz="600" dirty="0">
+                <a:latin typeface="Courier New" panose="02070309020205020404" pitchFamily="49" charset="0"/>
+                <a:cs typeface="Courier New" panose="02070309020205020404" pitchFamily="49" charset="0"/>
+              </a:rPr>
+            </a:br>
+            <a:r>
+              <a:rPr lang="en-US" sz="600" dirty="0" smtClean="0">
+                <a:latin typeface="Courier New" panose="02070309020205020404" pitchFamily="49" charset="0"/>
+                <a:cs typeface="Courier New" panose="02070309020205020404" pitchFamily="49" charset="0"/>
+              </a:rPr>
+              <a:t>   </a:t>
+            </a:r>
+            <a:r>
+              <a:rPr lang="en-US" sz="600" dirty="0">
+                <a:latin typeface="Courier New" panose="02070309020205020404" pitchFamily="49" charset="0"/>
+                <a:cs typeface="Courier New" panose="02070309020205020404" pitchFamily="49" charset="0"/>
+              </a:rPr>
+              <a:t>95 percent confidence interval:</a:t>
+            </a:r>
+            <a:br>
+              <a:rPr lang="en-US" sz="600" dirty="0">
+                <a:latin typeface="Courier New" panose="02070309020205020404" pitchFamily="49" charset="0"/>
+                <a:cs typeface="Courier New" panose="02070309020205020404" pitchFamily="49" charset="0"/>
+              </a:rPr>
+            </a:br>
+            <a:r>
+              <a:rPr lang="en-US" sz="600" dirty="0" smtClean="0">
+                <a:latin typeface="Courier New" panose="02070309020205020404" pitchFamily="49" charset="0"/>
+                <a:cs typeface="Courier New" panose="02070309020205020404" pitchFamily="49" charset="0"/>
+              </a:rPr>
+              <a:t>    </a:t>
+            </a:r>
+            <a:r>
+              <a:rPr lang="en-US" sz="600" dirty="0">
+                <a:latin typeface="Courier New" panose="02070309020205020404" pitchFamily="49" charset="0"/>
+                <a:cs typeface="Courier New" panose="02070309020205020404" pitchFamily="49" charset="0"/>
+              </a:rPr>
+              <a:t>28.06264      </a:t>
+            </a:r>
+            <a:r>
+              <a:rPr lang="en-US" sz="600" dirty="0" err="1">
+                <a:latin typeface="Courier New" panose="02070309020205020404" pitchFamily="49" charset="0"/>
+                <a:cs typeface="Courier New" panose="02070309020205020404" pitchFamily="49" charset="0"/>
+              </a:rPr>
+              <a:t>Inf</a:t>
+            </a:r>
+            <a:r>
+              <a:rPr lang="en-US" sz="600" dirty="0">
+                <a:latin typeface="Courier New" panose="02070309020205020404" pitchFamily="49" charset="0"/>
+                <a:cs typeface="Courier New" panose="02070309020205020404" pitchFamily="49" charset="0"/>
+              </a:rPr>
+              <a:t> </a:t>
+            </a:r>
+            <a:br>
+              <a:rPr lang="en-US" sz="600" dirty="0">
+                <a:latin typeface="Courier New" panose="02070309020205020404" pitchFamily="49" charset="0"/>
+                <a:cs typeface="Courier New" panose="02070309020205020404" pitchFamily="49" charset="0"/>
+              </a:rPr>
+            </a:br>
+            <a:r>
+              <a:rPr lang="en-US" sz="600" dirty="0" smtClean="0">
+                <a:latin typeface="Courier New" panose="02070309020205020404" pitchFamily="49" charset="0"/>
+                <a:cs typeface="Courier New" panose="02070309020205020404" pitchFamily="49" charset="0"/>
+              </a:rPr>
+              <a:t>   </a:t>
+            </a:r>
+            <a:r>
+              <a:rPr lang="en-US" sz="600" dirty="0">
+                <a:latin typeface="Courier New" panose="02070309020205020404" pitchFamily="49" charset="0"/>
+                <a:cs typeface="Courier New" panose="02070309020205020404" pitchFamily="49" charset="0"/>
+              </a:rPr>
+              <a:t>sample estimates:</a:t>
+            </a:r>
+            <a:br>
+              <a:rPr lang="en-US" sz="600" dirty="0">
+                <a:latin typeface="Courier New" panose="02070309020205020404" pitchFamily="49" charset="0"/>
+                <a:cs typeface="Courier New" panose="02070309020205020404" pitchFamily="49" charset="0"/>
+              </a:rPr>
+            </a:br>
+            <a:r>
+              <a:rPr lang="en-US" sz="600" dirty="0" smtClean="0">
+                <a:latin typeface="Courier New" panose="02070309020205020404" pitchFamily="49" charset="0"/>
+                <a:cs typeface="Courier New" panose="02070309020205020404" pitchFamily="49" charset="0"/>
+              </a:rPr>
+              <a:t>   </a:t>
+            </a:r>
+            <a:r>
+              <a:rPr lang="en-US" sz="600" dirty="0">
+                <a:latin typeface="Courier New" panose="02070309020205020404" pitchFamily="49" charset="0"/>
+                <a:cs typeface="Courier New" panose="02070309020205020404" pitchFamily="49" charset="0"/>
+              </a:rPr>
+              <a:t>mean of </a:t>
+            </a:r>
+            <a:r>
+              <a:rPr lang="en-US" sz="600" dirty="0" err="1">
+                <a:latin typeface="Courier New" panose="02070309020205020404" pitchFamily="49" charset="0"/>
+                <a:cs typeface="Courier New" panose="02070309020205020404" pitchFamily="49" charset="0"/>
+              </a:rPr>
+              <a:t>dfobj$HMPG</a:t>
+            </a:r>
+            <a:r>
+              <a:rPr lang="en-US" sz="600" dirty="0">
+                <a:latin typeface="Courier New" panose="02070309020205020404" pitchFamily="49" charset="0"/>
+                <a:cs typeface="Courier New" panose="02070309020205020404" pitchFamily="49" charset="0"/>
+              </a:rPr>
+              <a:t> </a:t>
+            </a:r>
+            <a:br>
+              <a:rPr lang="en-US" sz="600" dirty="0">
+                <a:latin typeface="Courier New" panose="02070309020205020404" pitchFamily="49" charset="0"/>
+                <a:cs typeface="Courier New" panose="02070309020205020404" pitchFamily="49" charset="0"/>
+              </a:rPr>
+            </a:br>
+            <a:r>
+              <a:rPr lang="en-US" sz="600" dirty="0" smtClean="0">
+                <a:latin typeface="Courier New" panose="02070309020205020404" pitchFamily="49" charset="0"/>
+                <a:cs typeface="Courier New" panose="02070309020205020404" pitchFamily="49" charset="0"/>
+              </a:rPr>
+              <a:t>             29.08602</a:t>
+            </a:r>
+          </a:p>
+          <a:p>
+            <a:pPr algn="l" latinLnBrk="1"/>
+            <a:endParaRPr lang="en-US" sz="600" dirty="0">
+              <a:latin typeface="Courier New" panose="02070309020205020404" pitchFamily="49" charset="0"/>
+              <a:cs typeface="Courier New" panose="02070309020205020404" pitchFamily="49" charset="0"/>
+            </a:endParaRPr>
+          </a:p>
+          <a:p>
+            <a:pPr algn="l" latinLnBrk="1"/>
+            <a:r>
+              <a:rPr lang="en-US" sz="600" dirty="0" smtClean="0">
+                <a:latin typeface="Courier New" panose="02070309020205020404" pitchFamily="49" charset="0"/>
+                <a:cs typeface="Courier New" panose="02070309020205020404" pitchFamily="49" charset="0"/>
+              </a:rPr>
+              <a:t>&gt; </a:t>
+            </a:r>
+            <a:r>
+              <a:rPr lang="en-US" sz="600" b="1" dirty="0" err="1" smtClean="0">
+                <a:solidFill>
+                  <a:srgbClr val="FF0000"/>
+                </a:solidFill>
+                <a:latin typeface="Courier New" panose="02070309020205020404" pitchFamily="49" charset="0"/>
+                <a:cs typeface="Courier New" panose="02070309020205020404" pitchFamily="49" charset="0"/>
+              </a:rPr>
+              <a:t>t.test</a:t>
+            </a:r>
+            <a:r>
+              <a:rPr lang="en-US" sz="600" b="1" dirty="0" smtClean="0">
+                <a:solidFill>
+                  <a:srgbClr val="FF0000"/>
+                </a:solidFill>
+                <a:latin typeface="Courier New" panose="02070309020205020404" pitchFamily="49" charset="0"/>
+                <a:cs typeface="Courier New" panose="02070309020205020404" pitchFamily="49" charset="0"/>
+              </a:rPr>
+              <a:t>(</a:t>
+            </a:r>
+            <a:r>
+              <a:rPr lang="en-US" sz="600" b="1" dirty="0" err="1" smtClean="0">
+                <a:solidFill>
+                  <a:srgbClr val="FF0000"/>
+                </a:solidFill>
+                <a:latin typeface="Courier New" panose="02070309020205020404" pitchFamily="49" charset="0"/>
+                <a:cs typeface="Courier New" panose="02070309020205020404" pitchFamily="49" charset="0"/>
+              </a:rPr>
+              <a:t>dfobj$HMPG,mu</a:t>
+            </a:r>
+            <a:r>
+              <a:rPr lang="en-US" sz="600" b="1" dirty="0" smtClean="0">
+                <a:solidFill>
+                  <a:srgbClr val="FF0000"/>
+                </a:solidFill>
+                <a:latin typeface="Courier New" panose="02070309020205020404" pitchFamily="49" charset="0"/>
+                <a:cs typeface="Courier New" panose="02070309020205020404" pitchFamily="49" charset="0"/>
+              </a:rPr>
+              <a:t>=26,alt</a:t>
+            </a:r>
+            <a:r>
+              <a:rPr lang="en-US" sz="600" b="1" dirty="0">
+                <a:solidFill>
+                  <a:srgbClr val="FF0000"/>
+                </a:solidFill>
+                <a:latin typeface="Courier New" panose="02070309020205020404" pitchFamily="49" charset="0"/>
+                <a:cs typeface="Courier New" panose="02070309020205020404" pitchFamily="49" charset="0"/>
+              </a:rPr>
+              <a:t>="two.sided",</a:t>
+            </a:r>
+            <a:r>
+              <a:rPr lang="en-US" sz="600" b="1" dirty="0" err="1">
+                <a:solidFill>
+                  <a:srgbClr val="FF0000"/>
+                </a:solidFill>
+                <a:latin typeface="Courier New" panose="02070309020205020404" pitchFamily="49" charset="0"/>
+                <a:cs typeface="Courier New" panose="02070309020205020404" pitchFamily="49" charset="0"/>
+              </a:rPr>
+              <a:t>conf.level</a:t>
+            </a:r>
+            <a:r>
+              <a:rPr lang="en-US" sz="600" b="1" dirty="0">
+                <a:solidFill>
+                  <a:srgbClr val="FF0000"/>
+                </a:solidFill>
+                <a:latin typeface="Courier New" panose="02070309020205020404" pitchFamily="49" charset="0"/>
+                <a:cs typeface="Courier New" panose="02070309020205020404" pitchFamily="49" charset="0"/>
+              </a:rPr>
+              <a:t>=0.99</a:t>
+            </a:r>
+            <a:r>
+              <a:rPr lang="en-US" sz="600" b="1" dirty="0" smtClean="0">
+                <a:solidFill>
+                  <a:srgbClr val="FF0000"/>
+                </a:solidFill>
+                <a:latin typeface="Courier New" panose="02070309020205020404" pitchFamily="49" charset="0"/>
+                <a:cs typeface="Courier New" panose="02070309020205020404" pitchFamily="49" charset="0"/>
+              </a:rPr>
+              <a:t>)</a:t>
+            </a:r>
+            <a:r>
+              <a:rPr lang="en-US" sz="600" dirty="0">
+                <a:solidFill>
+                  <a:srgbClr val="FF0000"/>
+                </a:solidFill>
+                <a:latin typeface="Courier New" panose="02070309020205020404" pitchFamily="49" charset="0"/>
+                <a:cs typeface="Courier New" panose="02070309020205020404" pitchFamily="49" charset="0"/>
+              </a:rPr>
+              <a:t/>
+            </a:r>
+            <a:br>
+              <a:rPr lang="en-US" sz="600" dirty="0">
+                <a:solidFill>
+                  <a:srgbClr val="FF0000"/>
+                </a:solidFill>
+                <a:latin typeface="Courier New" panose="02070309020205020404" pitchFamily="49" charset="0"/>
+                <a:cs typeface="Courier New" panose="02070309020205020404" pitchFamily="49" charset="0"/>
+              </a:rPr>
+            </a:br>
+            <a:r>
+              <a:rPr lang="en-US" sz="600" dirty="0" smtClean="0">
+                <a:latin typeface="Courier New" panose="02070309020205020404" pitchFamily="49" charset="0"/>
+                <a:cs typeface="Courier New" panose="02070309020205020404" pitchFamily="49" charset="0"/>
+              </a:rPr>
+              <a:t>   </a:t>
+            </a:r>
+            <a:r>
+              <a:rPr lang="en-US" sz="600" dirty="0">
+                <a:latin typeface="Courier New" panose="02070309020205020404" pitchFamily="49" charset="0"/>
+                <a:cs typeface="Courier New" panose="02070309020205020404" pitchFamily="49" charset="0"/>
+              </a:rPr>
+              <a:t>t = 5.5818, </a:t>
+            </a:r>
+            <a:r>
+              <a:rPr lang="en-US" sz="600" dirty="0" err="1">
+                <a:latin typeface="Courier New" panose="02070309020205020404" pitchFamily="49" charset="0"/>
+                <a:cs typeface="Courier New" panose="02070309020205020404" pitchFamily="49" charset="0"/>
+              </a:rPr>
+              <a:t>df</a:t>
+            </a:r>
+            <a:r>
+              <a:rPr lang="en-US" sz="600" dirty="0">
+                <a:latin typeface="Courier New" panose="02070309020205020404" pitchFamily="49" charset="0"/>
+                <a:cs typeface="Courier New" panose="02070309020205020404" pitchFamily="49" charset="0"/>
+              </a:rPr>
+              <a:t> = 92, p-value = 2.387e-07</a:t>
+            </a:r>
+            <a:br>
+              <a:rPr lang="en-US" sz="600" dirty="0">
+                <a:latin typeface="Courier New" panose="02070309020205020404" pitchFamily="49" charset="0"/>
+                <a:cs typeface="Courier New" panose="02070309020205020404" pitchFamily="49" charset="0"/>
+              </a:rPr>
+            </a:br>
+            <a:r>
+              <a:rPr lang="en-US" sz="600" dirty="0" smtClean="0">
+                <a:latin typeface="Courier New" panose="02070309020205020404" pitchFamily="49" charset="0"/>
+                <a:cs typeface="Courier New" panose="02070309020205020404" pitchFamily="49" charset="0"/>
+              </a:rPr>
+              <a:t>   </a:t>
+            </a:r>
+            <a:r>
+              <a:rPr lang="en-US" sz="600" dirty="0">
+                <a:latin typeface="Courier New" panose="02070309020205020404" pitchFamily="49" charset="0"/>
+                <a:cs typeface="Courier New" panose="02070309020205020404" pitchFamily="49" charset="0"/>
+              </a:rPr>
+              <a:t>alternative hypothesis: true mean is not equal to 26 </a:t>
+            </a:r>
+            <a:br>
+              <a:rPr lang="en-US" sz="600" dirty="0">
+                <a:latin typeface="Courier New" panose="02070309020205020404" pitchFamily="49" charset="0"/>
+                <a:cs typeface="Courier New" panose="02070309020205020404" pitchFamily="49" charset="0"/>
+              </a:rPr>
+            </a:br>
+            <a:r>
+              <a:rPr lang="en-US" sz="600" dirty="0" smtClean="0">
+                <a:latin typeface="Courier New" panose="02070309020205020404" pitchFamily="49" charset="0"/>
+                <a:cs typeface="Courier New" panose="02070309020205020404" pitchFamily="49" charset="0"/>
+              </a:rPr>
+              <a:t>   </a:t>
+            </a:r>
+            <a:r>
+              <a:rPr lang="en-US" sz="600" dirty="0">
+                <a:latin typeface="Courier New" panose="02070309020205020404" pitchFamily="49" charset="0"/>
+                <a:cs typeface="Courier New" panose="02070309020205020404" pitchFamily="49" charset="0"/>
+              </a:rPr>
+              <a:t>99 percent confidence interval:</a:t>
+            </a:r>
+            <a:br>
+              <a:rPr lang="en-US" sz="600" dirty="0">
+                <a:latin typeface="Courier New" panose="02070309020205020404" pitchFamily="49" charset="0"/>
+                <a:cs typeface="Courier New" panose="02070309020205020404" pitchFamily="49" charset="0"/>
+              </a:rPr>
+            </a:br>
+            <a:r>
+              <a:rPr lang="en-US" sz="600" dirty="0" smtClean="0">
+                <a:latin typeface="Courier New" panose="02070309020205020404" pitchFamily="49" charset="0"/>
+                <a:cs typeface="Courier New" panose="02070309020205020404" pitchFamily="49" charset="0"/>
+              </a:rPr>
+              <a:t>    </a:t>
+            </a:r>
+            <a:r>
+              <a:rPr lang="en-US" sz="600" dirty="0">
+                <a:latin typeface="Courier New" panose="02070309020205020404" pitchFamily="49" charset="0"/>
+                <a:cs typeface="Courier New" panose="02070309020205020404" pitchFamily="49" charset="0"/>
+              </a:rPr>
+              <a:t>27.63178 30.54026 </a:t>
+            </a:r>
+            <a:br>
+              <a:rPr lang="en-US" sz="600" dirty="0">
+                <a:latin typeface="Courier New" panose="02070309020205020404" pitchFamily="49" charset="0"/>
+                <a:cs typeface="Courier New" panose="02070309020205020404" pitchFamily="49" charset="0"/>
+              </a:rPr>
+            </a:br>
+            <a:r>
+              <a:rPr lang="en-US" sz="600" dirty="0" smtClean="0">
+                <a:latin typeface="Courier New" panose="02070309020205020404" pitchFamily="49" charset="0"/>
+                <a:cs typeface="Courier New" panose="02070309020205020404" pitchFamily="49" charset="0"/>
+              </a:rPr>
+              <a:t>   </a:t>
+            </a:r>
+            <a:r>
+              <a:rPr lang="en-US" sz="600" dirty="0">
+                <a:latin typeface="Courier New" panose="02070309020205020404" pitchFamily="49" charset="0"/>
+                <a:cs typeface="Courier New" panose="02070309020205020404" pitchFamily="49" charset="0"/>
+              </a:rPr>
+              <a:t>sample estimates:</a:t>
+            </a:r>
+            <a:br>
+              <a:rPr lang="en-US" sz="600" dirty="0">
+                <a:latin typeface="Courier New" panose="02070309020205020404" pitchFamily="49" charset="0"/>
+                <a:cs typeface="Courier New" panose="02070309020205020404" pitchFamily="49" charset="0"/>
+              </a:rPr>
+            </a:br>
+            <a:r>
+              <a:rPr lang="en-US" sz="600" dirty="0" smtClean="0">
+                <a:latin typeface="Courier New" panose="02070309020205020404" pitchFamily="49" charset="0"/>
+                <a:cs typeface="Courier New" panose="02070309020205020404" pitchFamily="49" charset="0"/>
+              </a:rPr>
+              <a:t>   </a:t>
+            </a:r>
+            <a:r>
+              <a:rPr lang="en-US" sz="600" dirty="0">
+                <a:latin typeface="Courier New" panose="02070309020205020404" pitchFamily="49" charset="0"/>
+                <a:cs typeface="Courier New" panose="02070309020205020404" pitchFamily="49" charset="0"/>
+              </a:rPr>
+              <a:t>mean of x </a:t>
+            </a:r>
+            <a:br>
+              <a:rPr lang="en-US" sz="600" dirty="0">
+                <a:latin typeface="Courier New" panose="02070309020205020404" pitchFamily="49" charset="0"/>
+                <a:cs typeface="Courier New" panose="02070309020205020404" pitchFamily="49" charset="0"/>
+              </a:rPr>
+            </a:br>
+            <a:r>
+              <a:rPr lang="en-US" sz="600" dirty="0" smtClean="0">
+                <a:latin typeface="Courier New" panose="02070309020205020404" pitchFamily="49" charset="0"/>
+                <a:cs typeface="Courier New" panose="02070309020205020404" pitchFamily="49" charset="0"/>
+              </a:rPr>
+              <a:t>    </a:t>
+            </a:r>
+            <a:r>
+              <a:rPr lang="en-US" sz="600" dirty="0">
+                <a:latin typeface="Courier New" panose="02070309020205020404" pitchFamily="49" charset="0"/>
+                <a:cs typeface="Courier New" panose="02070309020205020404" pitchFamily="49" charset="0"/>
+              </a:rPr>
+              <a:t>29.08602</a:t>
+            </a:r>
+          </a:p>
+          <a:p>
+            <a:pPr algn="l" latinLnBrk="1"/>
+            <a:endParaRPr lang="en-US" sz="600" dirty="0" smtClean="0">
+              <a:latin typeface="Courier New" panose="02070309020205020404" pitchFamily="49" charset="0"/>
+              <a:cs typeface="Courier New" panose="02070309020205020404" pitchFamily="49" charset="0"/>
+            </a:endParaRPr>
+          </a:p>
+          <a:p>
+            <a:pPr algn="l" latinLnBrk="1"/>
+            <a:r>
+              <a:rPr lang="en-US" sz="600" dirty="0" smtClean="0">
+                <a:latin typeface="Courier New" panose="02070309020205020404" pitchFamily="49" charset="0"/>
+                <a:cs typeface="Courier New" panose="02070309020205020404" pitchFamily="49" charset="0"/>
+              </a:rPr>
+              <a:t>&gt; </a:t>
+            </a:r>
+            <a:r>
+              <a:rPr lang="en-US" sz="600" b="1" dirty="0" err="1" smtClean="0">
+                <a:solidFill>
+                  <a:srgbClr val="FF0000"/>
+                </a:solidFill>
+                <a:latin typeface="Courier New" panose="02070309020205020404" pitchFamily="49" charset="0"/>
+                <a:cs typeface="Courier New" panose="02070309020205020404" pitchFamily="49" charset="0"/>
+              </a:rPr>
+              <a:t>levenesTest</a:t>
+            </a:r>
+            <a:r>
+              <a:rPr lang="en-US" sz="600" b="1" dirty="0" smtClean="0">
+                <a:solidFill>
+                  <a:srgbClr val="FF0000"/>
+                </a:solidFill>
+                <a:latin typeface="Courier New" panose="02070309020205020404" pitchFamily="49" charset="0"/>
+                <a:cs typeface="Courier New" panose="02070309020205020404" pitchFamily="49" charset="0"/>
+              </a:rPr>
+              <a:t>(</a:t>
+            </a:r>
+            <a:r>
+              <a:rPr lang="en-US" sz="600" b="1" dirty="0" err="1" smtClean="0">
+                <a:solidFill>
+                  <a:srgbClr val="FF0000"/>
+                </a:solidFill>
+                <a:latin typeface="Courier New" panose="02070309020205020404" pitchFamily="49" charset="0"/>
+                <a:cs typeface="Courier New" panose="02070309020205020404" pitchFamily="49" charset="0"/>
+              </a:rPr>
+              <a:t>HMPG~Domestic,data</a:t>
+            </a:r>
+            <a:r>
+              <a:rPr lang="en-US" sz="600" b="1" dirty="0" smtClean="0">
+                <a:solidFill>
+                  <a:srgbClr val="FF0000"/>
+                </a:solidFill>
+                <a:latin typeface="Courier New" panose="02070309020205020404" pitchFamily="49" charset="0"/>
+                <a:cs typeface="Courier New" panose="02070309020205020404" pitchFamily="49" charset="0"/>
+              </a:rPr>
+              <a:t>=</a:t>
+            </a:r>
+            <a:r>
+              <a:rPr lang="en-US" sz="600" b="1" dirty="0" err="1" smtClean="0">
+                <a:solidFill>
+                  <a:srgbClr val="FF0000"/>
+                </a:solidFill>
+                <a:latin typeface="Courier New" panose="02070309020205020404" pitchFamily="49" charset="0"/>
+                <a:cs typeface="Courier New" panose="02070309020205020404" pitchFamily="49" charset="0"/>
+              </a:rPr>
+              <a:t>dfobj</a:t>
+            </a:r>
+            <a:r>
+              <a:rPr lang="en-US" sz="600" b="1" dirty="0">
+                <a:solidFill>
+                  <a:srgbClr val="FF0000"/>
+                </a:solidFill>
+                <a:latin typeface="Courier New" panose="02070309020205020404" pitchFamily="49" charset="0"/>
+                <a:cs typeface="Courier New" panose="02070309020205020404" pitchFamily="49" charset="0"/>
+              </a:rPr>
+              <a:t>)</a:t>
+            </a:r>
+          </a:p>
+          <a:p>
+            <a:pPr algn="l"/>
+            <a:r>
+              <a:rPr lang="en-US" sz="600" dirty="0" smtClean="0">
+                <a:latin typeface="Courier New" panose="02070309020205020404" pitchFamily="49" charset="0"/>
+                <a:cs typeface="Courier New" panose="02070309020205020404" pitchFamily="49" charset="0"/>
+              </a:rPr>
+              <a:t>         </a:t>
+            </a:r>
+            <a:r>
+              <a:rPr lang="en-US" sz="600" dirty="0" err="1">
+                <a:latin typeface="Courier New" panose="02070309020205020404" pitchFamily="49" charset="0"/>
+                <a:cs typeface="Courier New" panose="02070309020205020404" pitchFamily="49" charset="0"/>
+              </a:rPr>
+              <a:t>Df</a:t>
+            </a:r>
+            <a:r>
+              <a:rPr lang="en-US" sz="600" dirty="0">
+                <a:latin typeface="Courier New" panose="02070309020205020404" pitchFamily="49" charset="0"/>
+                <a:cs typeface="Courier New" panose="02070309020205020404" pitchFamily="49" charset="0"/>
+              </a:rPr>
+              <a:t> F value  </a:t>
+            </a:r>
+            <a:r>
+              <a:rPr lang="en-US" sz="600" dirty="0" err="1">
+                <a:latin typeface="Courier New" panose="02070309020205020404" pitchFamily="49" charset="0"/>
+                <a:cs typeface="Courier New" panose="02070309020205020404" pitchFamily="49" charset="0"/>
+              </a:rPr>
+              <a:t>Pr</a:t>
+            </a:r>
+            <a:r>
+              <a:rPr lang="en-US" sz="600" dirty="0">
+                <a:latin typeface="Courier New" panose="02070309020205020404" pitchFamily="49" charset="0"/>
+                <a:cs typeface="Courier New" panose="02070309020205020404" pitchFamily="49" charset="0"/>
+              </a:rPr>
+              <a:t>(&gt;F)  </a:t>
+            </a:r>
+            <a:br>
+              <a:rPr lang="en-US" sz="600" dirty="0">
+                <a:latin typeface="Courier New" panose="02070309020205020404" pitchFamily="49" charset="0"/>
+                <a:cs typeface="Courier New" panose="02070309020205020404" pitchFamily="49" charset="0"/>
+              </a:rPr>
+            </a:br>
+            <a:r>
+              <a:rPr lang="en-US" sz="600" dirty="0" smtClean="0">
+                <a:latin typeface="Courier New" panose="02070309020205020404" pitchFamily="49" charset="0"/>
+                <a:cs typeface="Courier New" panose="02070309020205020404" pitchFamily="49" charset="0"/>
+              </a:rPr>
+              <a:t>   </a:t>
+            </a:r>
+            <a:r>
+              <a:rPr lang="en-US" sz="600" dirty="0">
+                <a:latin typeface="Courier New" panose="02070309020205020404" pitchFamily="49" charset="0"/>
+                <a:cs typeface="Courier New" panose="02070309020205020404" pitchFamily="49" charset="0"/>
+              </a:rPr>
+              <a:t>group  1  5.3595 0.02286 *</a:t>
+            </a:r>
+            <a:br>
+              <a:rPr lang="en-US" sz="600" dirty="0">
+                <a:latin typeface="Courier New" panose="02070309020205020404" pitchFamily="49" charset="0"/>
+                <a:cs typeface="Courier New" panose="02070309020205020404" pitchFamily="49" charset="0"/>
+              </a:rPr>
+            </a:br>
+            <a:r>
+              <a:rPr lang="en-US" sz="600" dirty="0" smtClean="0">
+                <a:latin typeface="Courier New" panose="02070309020205020404" pitchFamily="49" charset="0"/>
+                <a:cs typeface="Courier New" panose="02070309020205020404" pitchFamily="49" charset="0"/>
+              </a:rPr>
+              <a:t>         </a:t>
+            </a:r>
+            <a:r>
+              <a:rPr lang="en-US" sz="600" dirty="0">
+                <a:latin typeface="Courier New" panose="02070309020205020404" pitchFamily="49" charset="0"/>
+                <a:cs typeface="Courier New" panose="02070309020205020404" pitchFamily="49" charset="0"/>
+              </a:rPr>
+              <a:t>91                  </a:t>
+            </a:r>
+            <a:br>
+              <a:rPr lang="en-US" sz="600" dirty="0">
+                <a:latin typeface="Courier New" panose="02070309020205020404" pitchFamily="49" charset="0"/>
+                <a:cs typeface="Courier New" panose="02070309020205020404" pitchFamily="49" charset="0"/>
+              </a:rPr>
+            </a:br>
+            <a:endParaRPr lang="en-US" sz="600" dirty="0" smtClean="0">
+              <a:latin typeface="Courier New" panose="02070309020205020404" pitchFamily="49" charset="0"/>
+              <a:cs typeface="Courier New" panose="02070309020205020404" pitchFamily="49" charset="0"/>
+            </a:endParaRPr>
+          </a:p>
+          <a:p>
+            <a:pPr algn="l" latinLnBrk="1"/>
+            <a:r>
+              <a:rPr lang="en-US" sz="600" dirty="0" smtClean="0">
+                <a:latin typeface="Courier New" panose="02070309020205020404" pitchFamily="49" charset="0"/>
+                <a:cs typeface="Courier New" panose="02070309020205020404" pitchFamily="49" charset="0"/>
+              </a:rPr>
+              <a:t>&gt; </a:t>
+            </a:r>
+            <a:r>
+              <a:rPr lang="en-US" sz="600" b="1" dirty="0" err="1" smtClean="0">
+                <a:solidFill>
+                  <a:srgbClr val="FF0000"/>
+                </a:solidFill>
+                <a:latin typeface="Courier New" panose="02070309020205020404" pitchFamily="49" charset="0"/>
+                <a:cs typeface="Courier New" panose="02070309020205020404" pitchFamily="49" charset="0"/>
+              </a:rPr>
+              <a:t>t.test</a:t>
+            </a:r>
+            <a:r>
+              <a:rPr lang="en-US" sz="600" b="1" dirty="0" smtClean="0">
+                <a:solidFill>
+                  <a:srgbClr val="FF0000"/>
+                </a:solidFill>
+                <a:latin typeface="Courier New" panose="02070309020205020404" pitchFamily="49" charset="0"/>
+                <a:cs typeface="Courier New" panose="02070309020205020404" pitchFamily="49" charset="0"/>
+              </a:rPr>
+              <a:t>(</a:t>
+            </a:r>
+            <a:r>
+              <a:rPr lang="en-US" sz="600" b="1" dirty="0" err="1" smtClean="0">
+                <a:solidFill>
+                  <a:srgbClr val="FF0000"/>
+                </a:solidFill>
+                <a:latin typeface="Courier New" panose="02070309020205020404" pitchFamily="49" charset="0"/>
+                <a:cs typeface="Courier New" panose="02070309020205020404" pitchFamily="49" charset="0"/>
+              </a:rPr>
+              <a:t>HMPG~Manual,data</a:t>
+            </a:r>
+            <a:r>
+              <a:rPr lang="en-US" sz="600" b="1" dirty="0" smtClean="0">
+                <a:solidFill>
+                  <a:srgbClr val="FF0000"/>
+                </a:solidFill>
+                <a:latin typeface="Courier New" panose="02070309020205020404" pitchFamily="49" charset="0"/>
+                <a:cs typeface="Courier New" panose="02070309020205020404" pitchFamily="49" charset="0"/>
+              </a:rPr>
+              <a:t>=</a:t>
+            </a:r>
+            <a:r>
+              <a:rPr lang="en-US" sz="600" b="1" dirty="0" err="1" smtClean="0">
+                <a:solidFill>
+                  <a:srgbClr val="FF0000"/>
+                </a:solidFill>
+                <a:latin typeface="Courier New" panose="02070309020205020404" pitchFamily="49" charset="0"/>
+                <a:cs typeface="Courier New" panose="02070309020205020404" pitchFamily="49" charset="0"/>
+              </a:rPr>
+              <a:t>dfobj,alt</a:t>
+            </a:r>
+            <a:r>
+              <a:rPr lang="en-US" sz="600" b="1" dirty="0">
+                <a:solidFill>
+                  <a:srgbClr val="FF0000"/>
+                </a:solidFill>
+                <a:latin typeface="Courier New" panose="02070309020205020404" pitchFamily="49" charset="0"/>
+                <a:cs typeface="Courier New" panose="02070309020205020404" pitchFamily="49" charset="0"/>
+              </a:rPr>
+              <a:t>="less",</a:t>
+            </a:r>
+            <a:r>
+              <a:rPr lang="en-US" sz="600" b="1" dirty="0" err="1">
+                <a:solidFill>
+                  <a:srgbClr val="FF0000"/>
+                </a:solidFill>
+                <a:latin typeface="Courier New" panose="02070309020205020404" pitchFamily="49" charset="0"/>
+                <a:cs typeface="Courier New" panose="02070309020205020404" pitchFamily="49" charset="0"/>
+              </a:rPr>
+              <a:t>conf.level</a:t>
+            </a:r>
+            <a:r>
+              <a:rPr lang="en-US" sz="600" b="1" dirty="0">
+                <a:solidFill>
+                  <a:srgbClr val="FF0000"/>
+                </a:solidFill>
+                <a:latin typeface="Courier New" panose="02070309020205020404" pitchFamily="49" charset="0"/>
+                <a:cs typeface="Courier New" panose="02070309020205020404" pitchFamily="49" charset="0"/>
+              </a:rPr>
+              <a:t>=0.99</a:t>
+            </a:r>
+            <a:r>
+              <a:rPr lang="en-US" sz="600" b="1" dirty="0" smtClean="0">
+                <a:solidFill>
+                  <a:srgbClr val="FF0000"/>
+                </a:solidFill>
+                <a:latin typeface="Courier New" panose="02070309020205020404" pitchFamily="49" charset="0"/>
+                <a:cs typeface="Courier New" panose="02070309020205020404" pitchFamily="49" charset="0"/>
+              </a:rPr>
+              <a:t>,</a:t>
+            </a:r>
+          </a:p>
+          <a:p>
+            <a:pPr algn="l" latinLnBrk="1"/>
+            <a:r>
+              <a:rPr lang="en-US" sz="600" b="1" dirty="0">
+                <a:solidFill>
+                  <a:srgbClr val="FF0000"/>
+                </a:solidFill>
+                <a:latin typeface="Courier New" panose="02070309020205020404" pitchFamily="49" charset="0"/>
+                <a:cs typeface="Courier New" panose="02070309020205020404" pitchFamily="49" charset="0"/>
+              </a:rPr>
+              <a:t> </a:t>
+            </a:r>
+            <a:r>
+              <a:rPr lang="en-US" sz="600" b="1" dirty="0" smtClean="0">
+                <a:solidFill>
+                  <a:srgbClr val="FF0000"/>
+                </a:solidFill>
+                <a:latin typeface="Courier New" panose="02070309020205020404" pitchFamily="49" charset="0"/>
+                <a:cs typeface="Courier New" panose="02070309020205020404" pitchFamily="49" charset="0"/>
+              </a:rPr>
+              <a:t>      </a:t>
+            </a:r>
+            <a:r>
+              <a:rPr lang="en-US" sz="600" b="1" dirty="0" err="1" smtClean="0">
+                <a:solidFill>
+                  <a:srgbClr val="FF0000"/>
+                </a:solidFill>
+                <a:latin typeface="Courier New" panose="02070309020205020404" pitchFamily="49" charset="0"/>
+                <a:cs typeface="Courier New" panose="02070309020205020404" pitchFamily="49" charset="0"/>
+              </a:rPr>
+              <a:t>var.equal</a:t>
+            </a:r>
+            <a:r>
+              <a:rPr lang="en-US" sz="600" b="1" dirty="0" smtClean="0">
+                <a:solidFill>
+                  <a:srgbClr val="FF0000"/>
+                </a:solidFill>
+                <a:latin typeface="Courier New" panose="02070309020205020404" pitchFamily="49" charset="0"/>
+                <a:cs typeface="Courier New" panose="02070309020205020404" pitchFamily="49" charset="0"/>
+              </a:rPr>
+              <a:t>=TRUE)</a:t>
+            </a:r>
+            <a:r>
+              <a:rPr lang="en-US" sz="600" dirty="0">
+                <a:latin typeface="Courier New" panose="02070309020205020404" pitchFamily="49" charset="0"/>
+                <a:cs typeface="Courier New" panose="02070309020205020404" pitchFamily="49" charset="0"/>
+              </a:rPr>
+              <a:t/>
+            </a:r>
+            <a:br>
+              <a:rPr lang="en-US" sz="600" dirty="0">
+                <a:latin typeface="Courier New" panose="02070309020205020404" pitchFamily="49" charset="0"/>
+                <a:cs typeface="Courier New" panose="02070309020205020404" pitchFamily="49" charset="0"/>
+              </a:rPr>
+            </a:br>
+            <a:r>
+              <a:rPr lang="en-US" sz="600" dirty="0" smtClean="0">
+                <a:latin typeface="Courier New" panose="02070309020205020404" pitchFamily="49" charset="0"/>
+                <a:cs typeface="Courier New" panose="02070309020205020404" pitchFamily="49" charset="0"/>
+              </a:rPr>
+              <a:t>   </a:t>
+            </a:r>
+            <a:r>
+              <a:rPr lang="en-US" sz="600" dirty="0">
+                <a:latin typeface="Courier New" panose="02070309020205020404" pitchFamily="49" charset="0"/>
+                <a:cs typeface="Courier New" panose="02070309020205020404" pitchFamily="49" charset="0"/>
+              </a:rPr>
+              <a:t>t = -4.2183, </a:t>
+            </a:r>
+            <a:r>
+              <a:rPr lang="en-US" sz="600" dirty="0" err="1">
+                <a:latin typeface="Courier New" panose="02070309020205020404" pitchFamily="49" charset="0"/>
+                <a:cs typeface="Courier New" panose="02070309020205020404" pitchFamily="49" charset="0"/>
+              </a:rPr>
+              <a:t>df</a:t>
+            </a:r>
+            <a:r>
+              <a:rPr lang="en-US" sz="600" dirty="0">
+                <a:latin typeface="Courier New" panose="02070309020205020404" pitchFamily="49" charset="0"/>
+                <a:cs typeface="Courier New" panose="02070309020205020404" pitchFamily="49" charset="0"/>
+              </a:rPr>
+              <a:t> = 91, p-value = 2.904e-05</a:t>
+            </a:r>
+            <a:br>
+              <a:rPr lang="en-US" sz="600" dirty="0">
+                <a:latin typeface="Courier New" panose="02070309020205020404" pitchFamily="49" charset="0"/>
+                <a:cs typeface="Courier New" panose="02070309020205020404" pitchFamily="49" charset="0"/>
+              </a:rPr>
+            </a:br>
+            <a:r>
+              <a:rPr lang="en-US" sz="600" dirty="0" smtClean="0">
+                <a:latin typeface="Courier New" panose="02070309020205020404" pitchFamily="49" charset="0"/>
+                <a:cs typeface="Courier New" panose="02070309020205020404" pitchFamily="49" charset="0"/>
+              </a:rPr>
+              <a:t>   alt. </a:t>
+            </a:r>
+            <a:r>
+              <a:rPr lang="en-US" sz="600" dirty="0">
+                <a:latin typeface="Courier New" panose="02070309020205020404" pitchFamily="49" charset="0"/>
+                <a:cs typeface="Courier New" panose="02070309020205020404" pitchFamily="49" charset="0"/>
+              </a:rPr>
+              <a:t>hypothesis: true difference in means is less than 0 </a:t>
+            </a:r>
+            <a:br>
+              <a:rPr lang="en-US" sz="600" dirty="0">
+                <a:latin typeface="Courier New" panose="02070309020205020404" pitchFamily="49" charset="0"/>
+                <a:cs typeface="Courier New" panose="02070309020205020404" pitchFamily="49" charset="0"/>
+              </a:rPr>
+            </a:br>
+            <a:r>
+              <a:rPr lang="en-US" sz="600" dirty="0" smtClean="0">
+                <a:latin typeface="Courier New" panose="02070309020205020404" pitchFamily="49" charset="0"/>
+                <a:cs typeface="Courier New" panose="02070309020205020404" pitchFamily="49" charset="0"/>
+              </a:rPr>
+              <a:t>   </a:t>
+            </a:r>
+            <a:r>
+              <a:rPr lang="en-US" sz="600" dirty="0">
+                <a:latin typeface="Courier New" panose="02070309020205020404" pitchFamily="49" charset="0"/>
+                <a:cs typeface="Courier New" panose="02070309020205020404" pitchFamily="49" charset="0"/>
+              </a:rPr>
+              <a:t>99 percent confidence interval:</a:t>
+            </a:r>
+            <a:br>
+              <a:rPr lang="en-US" sz="600" dirty="0">
+                <a:latin typeface="Courier New" panose="02070309020205020404" pitchFamily="49" charset="0"/>
+                <a:cs typeface="Courier New" panose="02070309020205020404" pitchFamily="49" charset="0"/>
+              </a:rPr>
+            </a:br>
+            <a:r>
+              <a:rPr lang="en-US" sz="600" dirty="0" smtClean="0">
+                <a:latin typeface="Courier New" panose="02070309020205020404" pitchFamily="49" charset="0"/>
+                <a:cs typeface="Courier New" panose="02070309020205020404" pitchFamily="49" charset="0"/>
+              </a:rPr>
+              <a:t>         </a:t>
+            </a:r>
+            <a:r>
+              <a:rPr lang="en-US" sz="600" dirty="0">
+                <a:latin typeface="Courier New" panose="02070309020205020404" pitchFamily="49" charset="0"/>
+                <a:cs typeface="Courier New" panose="02070309020205020404" pitchFamily="49" charset="0"/>
+              </a:rPr>
+              <a:t>-</a:t>
+            </a:r>
+            <a:r>
+              <a:rPr lang="en-US" sz="600" dirty="0" err="1">
+                <a:latin typeface="Courier New" panose="02070309020205020404" pitchFamily="49" charset="0"/>
+                <a:cs typeface="Courier New" panose="02070309020205020404" pitchFamily="49" charset="0"/>
+              </a:rPr>
+              <a:t>Inf</a:t>
+            </a:r>
+            <a:r>
+              <a:rPr lang="en-US" sz="600" dirty="0">
+                <a:latin typeface="Courier New" panose="02070309020205020404" pitchFamily="49" charset="0"/>
+                <a:cs typeface="Courier New" panose="02070309020205020404" pitchFamily="49" charset="0"/>
+              </a:rPr>
+              <a:t> -1.980103 </a:t>
+            </a:r>
+            <a:br>
+              <a:rPr lang="en-US" sz="600" dirty="0">
+                <a:latin typeface="Courier New" panose="02070309020205020404" pitchFamily="49" charset="0"/>
+                <a:cs typeface="Courier New" panose="02070309020205020404" pitchFamily="49" charset="0"/>
+              </a:rPr>
+            </a:br>
+            <a:r>
+              <a:rPr lang="en-US" sz="600" dirty="0" smtClean="0">
+                <a:latin typeface="Courier New" panose="02070309020205020404" pitchFamily="49" charset="0"/>
+                <a:cs typeface="Courier New" panose="02070309020205020404" pitchFamily="49" charset="0"/>
+              </a:rPr>
+              <a:t>   </a:t>
+            </a:r>
+            <a:r>
+              <a:rPr lang="en-US" sz="600" dirty="0">
+                <a:latin typeface="Courier New" panose="02070309020205020404" pitchFamily="49" charset="0"/>
+                <a:cs typeface="Courier New" panose="02070309020205020404" pitchFamily="49" charset="0"/>
+              </a:rPr>
+              <a:t>sample estimates:</a:t>
+            </a:r>
+            <a:br>
+              <a:rPr lang="en-US" sz="600" dirty="0">
+                <a:latin typeface="Courier New" panose="02070309020205020404" pitchFamily="49" charset="0"/>
+                <a:cs typeface="Courier New" panose="02070309020205020404" pitchFamily="49" charset="0"/>
+              </a:rPr>
+            </a:br>
+            <a:r>
+              <a:rPr lang="en-US" sz="600" dirty="0" smtClean="0">
+                <a:latin typeface="Courier New" panose="02070309020205020404" pitchFamily="49" charset="0"/>
+                <a:cs typeface="Courier New" panose="02070309020205020404" pitchFamily="49" charset="0"/>
+              </a:rPr>
+              <a:t>    </a:t>
+            </a:r>
+            <a:r>
+              <a:rPr lang="en-US" sz="600" dirty="0">
+                <a:latin typeface="Courier New" panose="02070309020205020404" pitchFamily="49" charset="0"/>
+                <a:cs typeface="Courier New" panose="02070309020205020404" pitchFamily="49" charset="0"/>
+              </a:rPr>
+              <a:t>mean in group No mean in group Yes </a:t>
+            </a:r>
+            <a:br>
+              <a:rPr lang="en-US" sz="600" dirty="0">
+                <a:latin typeface="Courier New" panose="02070309020205020404" pitchFamily="49" charset="0"/>
+                <a:cs typeface="Courier New" panose="02070309020205020404" pitchFamily="49" charset="0"/>
+              </a:rPr>
+            </a:br>
+            <a:r>
+              <a:rPr lang="en-US" sz="600" dirty="0" smtClean="0">
+                <a:latin typeface="Courier New" panose="02070309020205020404" pitchFamily="49" charset="0"/>
+                <a:cs typeface="Courier New" panose="02070309020205020404" pitchFamily="49" charset="0"/>
+              </a:rPr>
+              <a:t>            </a:t>
+            </a:r>
+            <a:r>
+              <a:rPr lang="en-US" sz="600" dirty="0">
+                <a:latin typeface="Courier New" panose="02070309020205020404" pitchFamily="49" charset="0"/>
+                <a:cs typeface="Courier New" panose="02070309020205020404" pitchFamily="49" charset="0"/>
+              </a:rPr>
+              <a:t>26.12500          30.63934</a:t>
+            </a:r>
+          </a:p>
+          <a:p>
+            <a:pPr algn="l" latinLnBrk="1"/>
+            <a:endParaRPr lang="en-US" sz="600" dirty="0" smtClean="0">
+              <a:latin typeface="Courier New" panose="02070309020205020404" pitchFamily="49" charset="0"/>
+              <a:cs typeface="Courier New" panose="02070309020205020404" pitchFamily="49" charset="0"/>
+            </a:endParaRPr>
+          </a:p>
+          <a:p>
+            <a:pPr algn="l" latinLnBrk="1"/>
+            <a:r>
+              <a:rPr lang="en-US" sz="600" dirty="0" smtClean="0">
+                <a:solidFill>
+                  <a:schemeClr val="tx1"/>
+                </a:solidFill>
+                <a:latin typeface="Courier New" panose="02070309020205020404" pitchFamily="49" charset="0"/>
+                <a:cs typeface="Courier New" panose="02070309020205020404" pitchFamily="49" charset="0"/>
+              </a:rPr>
+              <a:t>&gt; </a:t>
+            </a:r>
+            <a:r>
+              <a:rPr lang="en-US" sz="600" b="1" dirty="0" err="1" smtClean="0">
+                <a:solidFill>
+                  <a:srgbClr val="FF0000"/>
+                </a:solidFill>
+                <a:latin typeface="Courier New" panose="02070309020205020404" pitchFamily="49" charset="0"/>
+                <a:cs typeface="Courier New" panose="02070309020205020404" pitchFamily="49" charset="0"/>
+              </a:rPr>
+              <a:t>exp</a:t>
+            </a:r>
+            <a:r>
+              <a:rPr lang="en-US" sz="600" b="1" dirty="0" smtClean="0">
+                <a:solidFill>
+                  <a:srgbClr val="FF0000"/>
+                </a:solidFill>
+                <a:latin typeface="Courier New" panose="02070309020205020404" pitchFamily="49" charset="0"/>
+                <a:cs typeface="Courier New" panose="02070309020205020404" pitchFamily="49" charset="0"/>
+              </a:rPr>
+              <a:t> </a:t>
+            </a:r>
+            <a:r>
+              <a:rPr lang="en-US" sz="600" b="1" dirty="0">
+                <a:solidFill>
+                  <a:srgbClr val="FF0000"/>
+                </a:solidFill>
+                <a:latin typeface="Courier New" panose="02070309020205020404" pitchFamily="49" charset="0"/>
+                <a:cs typeface="Courier New" panose="02070309020205020404" pitchFamily="49" charset="0"/>
+              </a:rPr>
+              <a:t>&lt;- c(1,1,1,1,1,1)/6</a:t>
+            </a:r>
+            <a:br>
+              <a:rPr lang="en-US" sz="600" b="1" dirty="0">
+                <a:solidFill>
+                  <a:srgbClr val="FF0000"/>
+                </a:solidFill>
+                <a:latin typeface="Courier New" panose="02070309020205020404" pitchFamily="49" charset="0"/>
+                <a:cs typeface="Courier New" panose="02070309020205020404" pitchFamily="49" charset="0"/>
+              </a:rPr>
+            </a:br>
+            <a:r>
+              <a:rPr lang="en-US" sz="600" dirty="0" smtClean="0">
+                <a:latin typeface="Courier New" panose="02070309020205020404" pitchFamily="49" charset="0"/>
+                <a:cs typeface="Courier New" panose="02070309020205020404" pitchFamily="49" charset="0"/>
+              </a:rPr>
+              <a:t>&gt; </a:t>
+            </a:r>
+            <a:r>
+              <a:rPr lang="en-US" sz="600" b="1" dirty="0" smtClean="0">
+                <a:solidFill>
+                  <a:srgbClr val="FF0000"/>
+                </a:solidFill>
+                <a:latin typeface="Courier New" panose="02070309020205020404" pitchFamily="49" charset="0"/>
+                <a:cs typeface="Courier New" panose="02070309020205020404" pitchFamily="49" charset="0"/>
+              </a:rPr>
+              <a:t>(</a:t>
+            </a:r>
+            <a:r>
+              <a:rPr lang="en-US" sz="600" b="1" dirty="0" err="1" smtClean="0">
+                <a:solidFill>
+                  <a:srgbClr val="FF0000"/>
+                </a:solidFill>
+                <a:latin typeface="Courier New" panose="02070309020205020404" pitchFamily="49" charset="0"/>
+                <a:cs typeface="Courier New" panose="02070309020205020404" pitchFamily="49" charset="0"/>
+              </a:rPr>
+              <a:t>gof</a:t>
+            </a:r>
+            <a:r>
+              <a:rPr lang="en-US" sz="600" b="1" dirty="0" smtClean="0">
+                <a:solidFill>
+                  <a:srgbClr val="FF0000"/>
+                </a:solidFill>
+                <a:latin typeface="Courier New" panose="02070309020205020404" pitchFamily="49" charset="0"/>
+                <a:cs typeface="Courier New" panose="02070309020205020404" pitchFamily="49" charset="0"/>
+              </a:rPr>
+              <a:t>&lt;-</a:t>
+            </a:r>
+            <a:r>
+              <a:rPr lang="en-US" sz="600" b="1" dirty="0" err="1" smtClean="0">
+                <a:solidFill>
+                  <a:srgbClr val="FF0000"/>
+                </a:solidFill>
+                <a:latin typeface="Courier New" panose="02070309020205020404" pitchFamily="49" charset="0"/>
+                <a:cs typeface="Courier New" panose="02070309020205020404" pitchFamily="49" charset="0"/>
+              </a:rPr>
+              <a:t>chisq.test</a:t>
+            </a:r>
+            <a:r>
+              <a:rPr lang="en-US" sz="600" b="1" dirty="0" smtClean="0">
+                <a:solidFill>
+                  <a:srgbClr val="FF0000"/>
+                </a:solidFill>
+                <a:latin typeface="Courier New" panose="02070309020205020404" pitchFamily="49" charset="0"/>
+                <a:cs typeface="Courier New" panose="02070309020205020404" pitchFamily="49" charset="0"/>
+              </a:rPr>
+              <a:t>(freq1,p=</a:t>
+            </a:r>
+            <a:r>
+              <a:rPr lang="en-US" sz="600" b="1" dirty="0" err="1" smtClean="0">
+                <a:solidFill>
+                  <a:srgbClr val="FF0000"/>
+                </a:solidFill>
+                <a:latin typeface="Courier New" panose="02070309020205020404" pitchFamily="49" charset="0"/>
+                <a:cs typeface="Courier New" panose="02070309020205020404" pitchFamily="49" charset="0"/>
+              </a:rPr>
+              <a:t>exp,rescale.p</a:t>
+            </a:r>
+            <a:r>
+              <a:rPr lang="en-US" sz="600" b="1" dirty="0" smtClean="0">
+                <a:solidFill>
+                  <a:srgbClr val="FF0000"/>
+                </a:solidFill>
+                <a:latin typeface="Courier New" panose="02070309020205020404" pitchFamily="49" charset="0"/>
+                <a:cs typeface="Courier New" panose="02070309020205020404" pitchFamily="49" charset="0"/>
+              </a:rPr>
+              <a:t>=</a:t>
+            </a:r>
+            <a:r>
+              <a:rPr lang="en-US" sz="600" b="1" dirty="0" err="1" smtClean="0">
+                <a:solidFill>
+                  <a:srgbClr val="FF0000"/>
+                </a:solidFill>
+                <a:latin typeface="Courier New" panose="02070309020205020404" pitchFamily="49" charset="0"/>
+                <a:cs typeface="Courier New" panose="02070309020205020404" pitchFamily="49" charset="0"/>
+              </a:rPr>
+              <a:t>TRUE,correct</a:t>
+            </a:r>
+            <a:r>
+              <a:rPr lang="en-US" sz="600" b="1" dirty="0" smtClean="0">
+                <a:solidFill>
+                  <a:srgbClr val="FF0000"/>
+                </a:solidFill>
+                <a:latin typeface="Courier New" panose="02070309020205020404" pitchFamily="49" charset="0"/>
+                <a:cs typeface="Courier New" panose="02070309020205020404" pitchFamily="49" charset="0"/>
+              </a:rPr>
+              <a:t>=FALSE</a:t>
+            </a:r>
+            <a:r>
+              <a:rPr lang="en-US" sz="600" b="1" dirty="0" smtClean="0">
+                <a:solidFill>
+                  <a:srgbClr val="FF0000"/>
+                </a:solidFill>
+                <a:latin typeface="Courier New" panose="02070309020205020404" pitchFamily="49" charset="0"/>
+                <a:cs typeface="Courier New" panose="02070309020205020404" pitchFamily="49" charset="0"/>
+              </a:rPr>
+              <a:t>))</a:t>
+            </a:r>
+            <a:r>
+              <a:rPr lang="en-US" sz="600" b="1" dirty="0">
+                <a:solidFill>
+                  <a:srgbClr val="FF0000"/>
+                </a:solidFill>
+                <a:latin typeface="Courier New" panose="02070309020205020404" pitchFamily="49" charset="0"/>
+                <a:cs typeface="Courier New" panose="02070309020205020404" pitchFamily="49" charset="0"/>
+              </a:rPr>
+              <a:t/>
+            </a:r>
+            <a:br>
+              <a:rPr lang="en-US" sz="600" b="1" dirty="0">
+                <a:solidFill>
+                  <a:srgbClr val="FF0000"/>
+                </a:solidFill>
+                <a:latin typeface="Courier New" panose="02070309020205020404" pitchFamily="49" charset="0"/>
+                <a:cs typeface="Courier New" panose="02070309020205020404" pitchFamily="49" charset="0"/>
+              </a:rPr>
+            </a:br>
+            <a:r>
+              <a:rPr lang="en-US" sz="600" dirty="0" smtClean="0">
+                <a:latin typeface="Courier New" panose="02070309020205020404" pitchFamily="49" charset="0"/>
+                <a:cs typeface="Courier New" panose="02070309020205020404" pitchFamily="49" charset="0"/>
+              </a:rPr>
+              <a:t>   </a:t>
+            </a:r>
+            <a:r>
+              <a:rPr lang="en-US" sz="600" dirty="0">
+                <a:latin typeface="Courier New" panose="02070309020205020404" pitchFamily="49" charset="0"/>
+                <a:cs typeface="Courier New" panose="02070309020205020404" pitchFamily="49" charset="0"/>
+              </a:rPr>
+              <a:t>X-squared = 8.871, </a:t>
+            </a:r>
+            <a:r>
+              <a:rPr lang="en-US" sz="600" dirty="0" err="1">
+                <a:latin typeface="Courier New" panose="02070309020205020404" pitchFamily="49" charset="0"/>
+                <a:cs typeface="Courier New" panose="02070309020205020404" pitchFamily="49" charset="0"/>
+              </a:rPr>
+              <a:t>df</a:t>
+            </a:r>
+            <a:r>
+              <a:rPr lang="en-US" sz="600" dirty="0">
+                <a:latin typeface="Courier New" panose="02070309020205020404" pitchFamily="49" charset="0"/>
+                <a:cs typeface="Courier New" panose="02070309020205020404" pitchFamily="49" charset="0"/>
+              </a:rPr>
+              <a:t> = 5, p-value = </a:t>
+            </a:r>
+            <a:r>
+              <a:rPr lang="en-US" sz="600" dirty="0" smtClean="0">
+                <a:latin typeface="Courier New" panose="02070309020205020404" pitchFamily="49" charset="0"/>
+                <a:cs typeface="Courier New" panose="02070309020205020404" pitchFamily="49" charset="0"/>
+              </a:rPr>
+              <a:t>0.1143</a:t>
+            </a:r>
+          </a:p>
+          <a:p>
+            <a:pPr marL="171450" indent="-171450" algn="l" latinLnBrk="1">
+              <a:buFont typeface="Wingdings" panose="05000000000000000000" pitchFamily="2" charset="2"/>
+              <a:buChar char="Ø"/>
+            </a:pPr>
+            <a:endParaRPr lang="en-US" sz="600" dirty="0">
+              <a:latin typeface="Courier New" panose="02070309020205020404" pitchFamily="49" charset="0"/>
+              <a:cs typeface="Courier New" panose="02070309020205020404" pitchFamily="49" charset="0"/>
+            </a:endParaRPr>
+          </a:p>
+          <a:p>
+            <a:pPr algn="l" latinLnBrk="1"/>
+            <a:r>
+              <a:rPr lang="en-US" sz="600" dirty="0" smtClean="0">
+                <a:latin typeface="Courier New" panose="02070309020205020404" pitchFamily="49" charset="0"/>
+                <a:cs typeface="Courier New" panose="02070309020205020404" pitchFamily="49" charset="0"/>
+              </a:rPr>
+              <a:t>&gt; </a:t>
+            </a:r>
+            <a:r>
+              <a:rPr lang="en-US" sz="600" b="1" dirty="0" err="1" smtClean="0">
+                <a:solidFill>
+                  <a:srgbClr val="FF0000"/>
+                </a:solidFill>
+                <a:latin typeface="Courier New" panose="02070309020205020404" pitchFamily="49" charset="0"/>
+                <a:cs typeface="Courier New" panose="02070309020205020404" pitchFamily="49" charset="0"/>
+              </a:rPr>
+              <a:t>gof$expected</a:t>
+            </a:r>
+            <a:endParaRPr lang="en-US" sz="600" b="1" dirty="0">
+              <a:solidFill>
+                <a:srgbClr val="FF0000"/>
+              </a:solidFill>
+              <a:latin typeface="Courier New" panose="02070309020205020404" pitchFamily="49" charset="0"/>
+              <a:cs typeface="Courier New" panose="02070309020205020404" pitchFamily="49" charset="0"/>
+            </a:endParaRPr>
+          </a:p>
+          <a:p>
+            <a:pPr algn="l" latinLnBrk="1"/>
+            <a:r>
+              <a:rPr lang="en-US" sz="600" dirty="0" smtClean="0">
+                <a:latin typeface="Courier New" panose="02070309020205020404" pitchFamily="49" charset="0"/>
+                <a:cs typeface="Courier New" panose="02070309020205020404" pitchFamily="49" charset="0"/>
+              </a:rPr>
+              <a:t>   </a:t>
+            </a:r>
+            <a:r>
+              <a:rPr lang="en-US" sz="600" dirty="0">
+                <a:latin typeface="Courier New" panose="02070309020205020404" pitchFamily="49" charset="0"/>
+                <a:cs typeface="Courier New" panose="02070309020205020404" pitchFamily="49" charset="0"/>
+              </a:rPr>
+              <a:t>Compact   Large Midsize   Small  Sporty     Van </a:t>
+            </a:r>
+            <a:br>
+              <a:rPr lang="en-US" sz="600" dirty="0">
+                <a:latin typeface="Courier New" panose="02070309020205020404" pitchFamily="49" charset="0"/>
+                <a:cs typeface="Courier New" panose="02070309020205020404" pitchFamily="49" charset="0"/>
+              </a:rPr>
+            </a:br>
+            <a:r>
+              <a:rPr lang="en-US" sz="600" dirty="0" smtClean="0">
+                <a:latin typeface="Courier New" panose="02070309020205020404" pitchFamily="49" charset="0"/>
+                <a:cs typeface="Courier New" panose="02070309020205020404" pitchFamily="49" charset="0"/>
+              </a:rPr>
+              <a:t>      </a:t>
+            </a:r>
+            <a:r>
+              <a:rPr lang="en-US" sz="600" dirty="0">
+                <a:latin typeface="Courier New" panose="02070309020205020404" pitchFamily="49" charset="0"/>
+                <a:cs typeface="Courier New" panose="02070309020205020404" pitchFamily="49" charset="0"/>
+              </a:rPr>
+              <a:t>15.5    15.5    15.5    15.5    15.5    15.5</a:t>
+            </a:r>
+          </a:p>
+          <a:p>
+            <a:pPr algn="l" latinLnBrk="1"/>
+            <a:endParaRPr lang="en-US" sz="600" dirty="0" smtClean="0">
+              <a:latin typeface="Courier New" panose="02070309020205020404" pitchFamily="49" charset="0"/>
+              <a:cs typeface="Courier New" panose="02070309020205020404" pitchFamily="49" charset="0"/>
+            </a:endParaRPr>
+          </a:p>
+          <a:p>
+            <a:pPr algn="l" latinLnBrk="1"/>
+            <a:r>
+              <a:rPr lang="en-US" sz="600" dirty="0" smtClean="0">
+                <a:latin typeface="Courier New" panose="02070309020205020404" pitchFamily="49" charset="0"/>
+                <a:cs typeface="Courier New" panose="02070309020205020404" pitchFamily="49" charset="0"/>
+              </a:rPr>
+              <a:t>&gt; </a:t>
+            </a:r>
+            <a:r>
+              <a:rPr lang="en-US" sz="600" b="1" dirty="0" err="1" smtClean="0">
+                <a:solidFill>
+                  <a:srgbClr val="FF0000"/>
+                </a:solidFill>
+                <a:latin typeface="Courier New" panose="02070309020205020404" pitchFamily="49" charset="0"/>
+                <a:cs typeface="Courier New" panose="02070309020205020404" pitchFamily="49" charset="0"/>
+              </a:rPr>
+              <a:t>gof$residuals</a:t>
+            </a:r>
+            <a:r>
+              <a:rPr lang="en-US" sz="600" dirty="0">
+                <a:latin typeface="Courier New" panose="02070309020205020404" pitchFamily="49" charset="0"/>
+                <a:cs typeface="Courier New" panose="02070309020205020404" pitchFamily="49" charset="0"/>
+              </a:rPr>
+              <a:t/>
+            </a:r>
+            <a:br>
+              <a:rPr lang="en-US" sz="600" dirty="0">
+                <a:latin typeface="Courier New" panose="02070309020205020404" pitchFamily="49" charset="0"/>
+                <a:cs typeface="Courier New" panose="02070309020205020404" pitchFamily="49" charset="0"/>
+              </a:rPr>
+            </a:br>
+            <a:r>
+              <a:rPr lang="en-US" sz="600" dirty="0" smtClean="0">
+                <a:latin typeface="Courier New" panose="02070309020205020404" pitchFamily="49" charset="0"/>
+                <a:cs typeface="Courier New" panose="02070309020205020404" pitchFamily="49" charset="0"/>
+              </a:rPr>
+              <a:t>   </a:t>
+            </a:r>
+            <a:r>
+              <a:rPr lang="en-US" sz="600" dirty="0">
+                <a:latin typeface="Courier New" panose="02070309020205020404" pitchFamily="49" charset="0"/>
+                <a:cs typeface="Courier New" panose="02070309020205020404" pitchFamily="49" charset="0"/>
+              </a:rPr>
+              <a:t>Compact   </a:t>
+            </a:r>
+            <a:r>
+              <a:rPr lang="en-US" sz="600" dirty="0" smtClean="0">
+                <a:latin typeface="Courier New" panose="02070309020205020404" pitchFamily="49" charset="0"/>
+                <a:cs typeface="Courier New" panose="02070309020205020404" pitchFamily="49" charset="0"/>
+              </a:rPr>
+              <a:t> Large  Midsize    Small   Sporty      </a:t>
+            </a:r>
+            <a:r>
+              <a:rPr lang="en-US" sz="600" dirty="0">
+                <a:latin typeface="Courier New" panose="02070309020205020404" pitchFamily="49" charset="0"/>
+                <a:cs typeface="Courier New" panose="02070309020205020404" pitchFamily="49" charset="0"/>
+              </a:rPr>
+              <a:t>Van </a:t>
+            </a:r>
+            <a:br>
+              <a:rPr lang="en-US" sz="600" dirty="0">
+                <a:latin typeface="Courier New" panose="02070309020205020404" pitchFamily="49" charset="0"/>
+                <a:cs typeface="Courier New" panose="02070309020205020404" pitchFamily="49" charset="0"/>
+              </a:rPr>
+            </a:br>
+            <a:r>
+              <a:rPr lang="en-US" sz="600" dirty="0" smtClean="0">
+                <a:latin typeface="Courier New" panose="02070309020205020404" pitchFamily="49" charset="0"/>
+                <a:cs typeface="Courier New" panose="02070309020205020404" pitchFamily="49" charset="0"/>
+              </a:rPr>
+              <a:t>   0.12700 </a:t>
+            </a:r>
+            <a:r>
+              <a:rPr lang="en-US" sz="600" dirty="0">
+                <a:latin typeface="Courier New" panose="02070309020205020404" pitchFamily="49" charset="0"/>
+                <a:cs typeface="Courier New" panose="02070309020205020404" pitchFamily="49" charset="0"/>
+              </a:rPr>
+              <a:t>-</a:t>
+            </a:r>
+            <a:r>
+              <a:rPr lang="en-US" sz="600" dirty="0" smtClean="0">
+                <a:latin typeface="Courier New" panose="02070309020205020404" pitchFamily="49" charset="0"/>
+                <a:cs typeface="Courier New" panose="02070309020205020404" pitchFamily="49" charset="0"/>
+              </a:rPr>
+              <a:t>1.14300  1.65100  1.39700 </a:t>
+            </a:r>
+            <a:r>
+              <a:rPr lang="en-US" sz="600" dirty="0">
+                <a:latin typeface="Courier New" panose="02070309020205020404" pitchFamily="49" charset="0"/>
+                <a:cs typeface="Courier New" panose="02070309020205020404" pitchFamily="49" charset="0"/>
+              </a:rPr>
+              <a:t>-</a:t>
+            </a:r>
+            <a:r>
+              <a:rPr lang="en-US" sz="600" dirty="0" smtClean="0">
+                <a:latin typeface="Courier New" panose="02070309020205020404" pitchFamily="49" charset="0"/>
+                <a:cs typeface="Courier New" panose="02070309020205020404" pitchFamily="49" charset="0"/>
+              </a:rPr>
+              <a:t>0.38100 </a:t>
+            </a:r>
+            <a:r>
+              <a:rPr lang="en-US" sz="600" dirty="0">
+                <a:latin typeface="Courier New" panose="02070309020205020404" pitchFamily="49" charset="0"/>
+                <a:cs typeface="Courier New" panose="02070309020205020404" pitchFamily="49" charset="0"/>
+              </a:rPr>
+              <a:t>-</a:t>
+            </a:r>
+            <a:r>
+              <a:rPr lang="en-US" sz="600" dirty="0" smtClean="0">
+                <a:latin typeface="Courier New" panose="02070309020205020404" pitchFamily="49" charset="0"/>
+                <a:cs typeface="Courier New" panose="02070309020205020404" pitchFamily="49" charset="0"/>
+              </a:rPr>
+              <a:t>1.65100</a:t>
+            </a:r>
+            <a:endParaRPr lang="en-US" sz="600" dirty="0">
+              <a:latin typeface="Courier New" panose="02070309020205020404" pitchFamily="49" charset="0"/>
+              <a:cs typeface="Courier New" panose="02070309020205020404" pitchFamily="49" charset="0"/>
+            </a:endParaRPr>
+          </a:p>
+          <a:p>
+            <a:pPr algn="l" latinLnBrk="1"/>
+            <a:endParaRPr lang="en-US" sz="600" dirty="0" smtClean="0">
+              <a:latin typeface="Courier New" panose="02070309020205020404" pitchFamily="49" charset="0"/>
+              <a:cs typeface="Courier New" panose="02070309020205020404" pitchFamily="49" charset="0"/>
+            </a:endParaRPr>
+          </a:p>
+          <a:p>
+            <a:pPr algn="l" latinLnBrk="1"/>
+            <a:r>
+              <a:rPr lang="en-US" sz="600" dirty="0" smtClean="0">
+                <a:latin typeface="Courier New" panose="02070309020205020404" pitchFamily="49" charset="0"/>
+                <a:cs typeface="Courier New" panose="02070309020205020404" pitchFamily="49" charset="0"/>
+              </a:rPr>
+              <a:t>&gt; </a:t>
+            </a:r>
+            <a:r>
+              <a:rPr lang="en-US" sz="600" b="1" dirty="0" err="1" smtClean="0">
+                <a:solidFill>
+                  <a:srgbClr val="FF0000"/>
+                </a:solidFill>
+                <a:latin typeface="Courier New" panose="02070309020205020404" pitchFamily="49" charset="0"/>
+                <a:cs typeface="Courier New" panose="02070309020205020404" pitchFamily="49" charset="0"/>
+              </a:rPr>
+              <a:t>gofCI</a:t>
+            </a:r>
+            <a:r>
+              <a:rPr lang="en-US" sz="600" b="1" dirty="0" smtClean="0">
+                <a:solidFill>
+                  <a:srgbClr val="FF0000"/>
+                </a:solidFill>
+                <a:latin typeface="Courier New" panose="02070309020205020404" pitchFamily="49" charset="0"/>
+                <a:cs typeface="Courier New" panose="02070309020205020404" pitchFamily="49" charset="0"/>
+              </a:rPr>
+              <a:t>(</a:t>
+            </a:r>
+            <a:r>
+              <a:rPr lang="en-US" sz="600" b="1" dirty="0" err="1" smtClean="0">
+                <a:solidFill>
+                  <a:srgbClr val="FF0000"/>
+                </a:solidFill>
+                <a:latin typeface="Courier New" panose="02070309020205020404" pitchFamily="49" charset="0"/>
+                <a:cs typeface="Courier New" panose="02070309020205020404" pitchFamily="49" charset="0"/>
+              </a:rPr>
+              <a:t>gof,digits</a:t>
+            </a:r>
+            <a:r>
+              <a:rPr lang="en-US" sz="600" b="1" dirty="0" smtClean="0">
+                <a:solidFill>
+                  <a:srgbClr val="FF0000"/>
+                </a:solidFill>
+                <a:latin typeface="Courier New" panose="02070309020205020404" pitchFamily="49" charset="0"/>
+                <a:cs typeface="Courier New" panose="02070309020205020404" pitchFamily="49" charset="0"/>
+              </a:rPr>
+              <a:t>=3</a:t>
+            </a:r>
+            <a:r>
+              <a:rPr lang="en-US" sz="600" b="1" dirty="0">
+                <a:solidFill>
+                  <a:srgbClr val="FF0000"/>
+                </a:solidFill>
+                <a:latin typeface="Courier New" panose="02070309020205020404" pitchFamily="49" charset="0"/>
+                <a:cs typeface="Courier New" panose="02070309020205020404" pitchFamily="49" charset="0"/>
+              </a:rPr>
+              <a:t>)</a:t>
+            </a:r>
+          </a:p>
+          <a:p>
+            <a:pPr algn="l" latinLnBrk="1"/>
+            <a:r>
+              <a:rPr lang="en-US" sz="600" dirty="0" smtClean="0">
+                <a:latin typeface="Courier New" panose="02070309020205020404" pitchFamily="49" charset="0"/>
+                <a:cs typeface="Courier New" panose="02070309020205020404" pitchFamily="49" charset="0"/>
+              </a:rPr>
+              <a:t>           </a:t>
+            </a:r>
+            <a:r>
+              <a:rPr lang="en-US" sz="600" dirty="0" err="1">
+                <a:latin typeface="Courier New" panose="02070309020205020404" pitchFamily="49" charset="0"/>
+                <a:cs typeface="Courier New" panose="02070309020205020404" pitchFamily="49" charset="0"/>
+              </a:rPr>
+              <a:t>p.obs</a:t>
+            </a:r>
+            <a:r>
+              <a:rPr lang="en-US" sz="600" dirty="0">
+                <a:latin typeface="Courier New" panose="02070309020205020404" pitchFamily="49" charset="0"/>
+                <a:cs typeface="Courier New" panose="02070309020205020404" pitchFamily="49" charset="0"/>
+              </a:rPr>
+              <a:t> </a:t>
+            </a:r>
+            <a:r>
+              <a:rPr lang="en-US" sz="600" dirty="0" err="1">
+                <a:latin typeface="Courier New" panose="02070309020205020404" pitchFamily="49" charset="0"/>
+                <a:cs typeface="Courier New" panose="02070309020205020404" pitchFamily="49" charset="0"/>
+              </a:rPr>
+              <a:t>p.LCI</a:t>
+            </a:r>
+            <a:r>
+              <a:rPr lang="en-US" sz="600" dirty="0">
+                <a:latin typeface="Courier New" panose="02070309020205020404" pitchFamily="49" charset="0"/>
+                <a:cs typeface="Courier New" panose="02070309020205020404" pitchFamily="49" charset="0"/>
+              </a:rPr>
+              <a:t> </a:t>
+            </a:r>
+            <a:r>
+              <a:rPr lang="en-US" sz="600" dirty="0" err="1">
+                <a:latin typeface="Courier New" panose="02070309020205020404" pitchFamily="49" charset="0"/>
+                <a:cs typeface="Courier New" panose="02070309020205020404" pitchFamily="49" charset="0"/>
+              </a:rPr>
+              <a:t>p.UCI</a:t>
+            </a:r>
+            <a:r>
+              <a:rPr lang="en-US" sz="600" dirty="0">
+                <a:latin typeface="Courier New" panose="02070309020205020404" pitchFamily="49" charset="0"/>
+                <a:cs typeface="Courier New" panose="02070309020205020404" pitchFamily="49" charset="0"/>
+              </a:rPr>
+              <a:t> </a:t>
+            </a:r>
+            <a:r>
+              <a:rPr lang="en-US" sz="600" dirty="0" err="1">
+                <a:latin typeface="Courier New" panose="02070309020205020404" pitchFamily="49" charset="0"/>
+                <a:cs typeface="Courier New" panose="02070309020205020404" pitchFamily="49" charset="0"/>
+              </a:rPr>
+              <a:t>p.exp</a:t>
+            </a:r>
+            <a:r>
+              <a:rPr lang="en-US" sz="600" dirty="0">
+                <a:latin typeface="Courier New" panose="02070309020205020404" pitchFamily="49" charset="0"/>
+                <a:cs typeface="Courier New" panose="02070309020205020404" pitchFamily="49" charset="0"/>
+              </a:rPr>
+              <a:t/>
+            </a:r>
+            <a:br>
+              <a:rPr lang="en-US" sz="600" dirty="0">
+                <a:latin typeface="Courier New" panose="02070309020205020404" pitchFamily="49" charset="0"/>
+                <a:cs typeface="Courier New" panose="02070309020205020404" pitchFamily="49" charset="0"/>
+              </a:rPr>
+            </a:br>
+            <a:r>
+              <a:rPr lang="en-US" sz="600" dirty="0" smtClean="0">
+                <a:latin typeface="Courier New" panose="02070309020205020404" pitchFamily="49" charset="0"/>
+                <a:cs typeface="Courier New" panose="02070309020205020404" pitchFamily="49" charset="0"/>
+              </a:rPr>
+              <a:t>   </a:t>
+            </a:r>
+            <a:r>
+              <a:rPr lang="en-US" sz="600" dirty="0">
+                <a:latin typeface="Courier New" panose="02070309020205020404" pitchFamily="49" charset="0"/>
+                <a:cs typeface="Courier New" panose="02070309020205020404" pitchFamily="49" charset="0"/>
+              </a:rPr>
+              <a:t>Compact 0.172 0.109 0.261 0.167</a:t>
+            </a:r>
+            <a:br>
+              <a:rPr lang="en-US" sz="600" dirty="0">
+                <a:latin typeface="Courier New" panose="02070309020205020404" pitchFamily="49" charset="0"/>
+                <a:cs typeface="Courier New" panose="02070309020205020404" pitchFamily="49" charset="0"/>
+              </a:rPr>
+            </a:br>
+            <a:r>
+              <a:rPr lang="en-US" sz="600" dirty="0" smtClean="0">
+                <a:latin typeface="Courier New" panose="02070309020205020404" pitchFamily="49" charset="0"/>
+                <a:cs typeface="Courier New" panose="02070309020205020404" pitchFamily="49" charset="0"/>
+              </a:rPr>
+              <a:t>   </a:t>
+            </a:r>
+            <a:r>
+              <a:rPr lang="en-US" sz="600" dirty="0">
+                <a:latin typeface="Courier New" panose="02070309020205020404" pitchFamily="49" charset="0"/>
+                <a:cs typeface="Courier New" panose="02070309020205020404" pitchFamily="49" charset="0"/>
+              </a:rPr>
+              <a:t>Large   0.118 0.067 0.199 0.167</a:t>
+            </a:r>
+            <a:br>
+              <a:rPr lang="en-US" sz="600" dirty="0">
+                <a:latin typeface="Courier New" panose="02070309020205020404" pitchFamily="49" charset="0"/>
+                <a:cs typeface="Courier New" panose="02070309020205020404" pitchFamily="49" charset="0"/>
+              </a:rPr>
+            </a:br>
+            <a:r>
+              <a:rPr lang="en-US" sz="600" dirty="0" smtClean="0">
+                <a:latin typeface="Courier New" panose="02070309020205020404" pitchFamily="49" charset="0"/>
+                <a:cs typeface="Courier New" panose="02070309020205020404" pitchFamily="49" charset="0"/>
+              </a:rPr>
+              <a:t>   </a:t>
+            </a:r>
+            <a:r>
+              <a:rPr lang="en-US" sz="600" dirty="0">
+                <a:latin typeface="Courier New" panose="02070309020205020404" pitchFamily="49" charset="0"/>
+                <a:cs typeface="Courier New" panose="02070309020205020404" pitchFamily="49" charset="0"/>
+              </a:rPr>
+              <a:t>Midsize 0.237 0.162 0.332 0.167</a:t>
+            </a:r>
+            <a:br>
+              <a:rPr lang="en-US" sz="600" dirty="0">
+                <a:latin typeface="Courier New" panose="02070309020205020404" pitchFamily="49" charset="0"/>
+                <a:cs typeface="Courier New" panose="02070309020205020404" pitchFamily="49" charset="0"/>
+              </a:rPr>
+            </a:br>
+            <a:r>
+              <a:rPr lang="en-US" sz="600" dirty="0" smtClean="0">
+                <a:latin typeface="Courier New" panose="02070309020205020404" pitchFamily="49" charset="0"/>
+                <a:cs typeface="Courier New" panose="02070309020205020404" pitchFamily="49" charset="0"/>
+              </a:rPr>
+              <a:t>   </a:t>
+            </a:r>
+            <a:r>
+              <a:rPr lang="en-US" sz="600" dirty="0">
+                <a:latin typeface="Courier New" panose="02070309020205020404" pitchFamily="49" charset="0"/>
+                <a:cs typeface="Courier New" panose="02070309020205020404" pitchFamily="49" charset="0"/>
+              </a:rPr>
+              <a:t>Small   0.226 0.153 0.321 0.167</a:t>
+            </a:r>
+            <a:br>
+              <a:rPr lang="en-US" sz="600" dirty="0">
+                <a:latin typeface="Courier New" panose="02070309020205020404" pitchFamily="49" charset="0"/>
+                <a:cs typeface="Courier New" panose="02070309020205020404" pitchFamily="49" charset="0"/>
+              </a:rPr>
+            </a:br>
+            <a:r>
+              <a:rPr lang="en-US" sz="600" dirty="0" smtClean="0">
+                <a:latin typeface="Courier New" panose="02070309020205020404" pitchFamily="49" charset="0"/>
+                <a:cs typeface="Courier New" panose="02070309020205020404" pitchFamily="49" charset="0"/>
+              </a:rPr>
+              <a:t>   </a:t>
+            </a:r>
+            <a:r>
+              <a:rPr lang="en-US" sz="600" dirty="0">
+                <a:latin typeface="Courier New" panose="02070309020205020404" pitchFamily="49" charset="0"/>
+                <a:cs typeface="Courier New" panose="02070309020205020404" pitchFamily="49" charset="0"/>
+              </a:rPr>
+              <a:t>Sporty  0.151 0.092 0.237 0.167</a:t>
+            </a:r>
+            <a:br>
+              <a:rPr lang="en-US" sz="600" dirty="0">
+                <a:latin typeface="Courier New" panose="02070309020205020404" pitchFamily="49" charset="0"/>
+                <a:cs typeface="Courier New" panose="02070309020205020404" pitchFamily="49" charset="0"/>
+              </a:rPr>
+            </a:br>
+            <a:r>
+              <a:rPr lang="en-US" sz="600" dirty="0" smtClean="0">
+                <a:latin typeface="Courier New" panose="02070309020205020404" pitchFamily="49" charset="0"/>
+                <a:cs typeface="Courier New" panose="02070309020205020404" pitchFamily="49" charset="0"/>
+              </a:rPr>
+              <a:t>   </a:t>
+            </a:r>
+            <a:r>
+              <a:rPr lang="en-US" sz="600" dirty="0">
+                <a:latin typeface="Courier New" panose="02070309020205020404" pitchFamily="49" charset="0"/>
+                <a:cs typeface="Courier New" panose="02070309020205020404" pitchFamily="49" charset="0"/>
+              </a:rPr>
+              <a:t>Van     0.097 0.052 0.174 0.167</a:t>
+            </a:r>
+          </a:p>
+          <a:p>
+            <a:pPr algn="l" latinLnBrk="1"/>
+            <a:endParaRPr lang="en-US" sz="600" dirty="0" smtClean="0">
+              <a:latin typeface="Courier New" panose="02070309020205020404" pitchFamily="49" charset="0"/>
+              <a:cs typeface="Courier New" panose="02070309020205020404" pitchFamily="49" charset="0"/>
+            </a:endParaRPr>
+          </a:p>
+          <a:p>
+            <a:pPr algn="l" latinLnBrk="1"/>
+            <a:r>
+              <a:rPr lang="en-US" sz="600" dirty="0" smtClean="0">
+                <a:latin typeface="Courier New" panose="02070309020205020404" pitchFamily="49" charset="0"/>
+                <a:cs typeface="Courier New" panose="02070309020205020404" pitchFamily="49" charset="0"/>
+              </a:rPr>
+              <a:t>&gt; </a:t>
+            </a:r>
+            <a:r>
+              <a:rPr lang="en-US" sz="600" b="1" dirty="0" smtClean="0">
+                <a:solidFill>
+                  <a:srgbClr val="FF0000"/>
+                </a:solidFill>
+                <a:latin typeface="Courier New" panose="02070309020205020404" pitchFamily="49" charset="0"/>
+                <a:cs typeface="Courier New" panose="02070309020205020404" pitchFamily="49" charset="0"/>
+              </a:rPr>
+              <a:t>( </a:t>
+            </a:r>
+            <a:r>
+              <a:rPr lang="en-US" sz="600" b="1" dirty="0">
+                <a:solidFill>
+                  <a:srgbClr val="FF0000"/>
+                </a:solidFill>
+                <a:latin typeface="Courier New" panose="02070309020205020404" pitchFamily="49" charset="0"/>
+                <a:cs typeface="Courier New" panose="02070309020205020404" pitchFamily="49" charset="0"/>
+              </a:rPr>
+              <a:t>chi &lt;- </a:t>
+            </a:r>
+            <a:r>
+              <a:rPr lang="en-US" sz="600" b="1" dirty="0" err="1">
+                <a:solidFill>
+                  <a:srgbClr val="FF0000"/>
+                </a:solidFill>
+                <a:latin typeface="Courier New" panose="02070309020205020404" pitchFamily="49" charset="0"/>
+                <a:cs typeface="Courier New" panose="02070309020205020404" pitchFamily="49" charset="0"/>
+              </a:rPr>
+              <a:t>chisq.test</a:t>
+            </a:r>
+            <a:r>
+              <a:rPr lang="en-US" sz="600" b="1" dirty="0">
+                <a:solidFill>
+                  <a:srgbClr val="FF0000"/>
+                </a:solidFill>
+                <a:latin typeface="Courier New" panose="02070309020205020404" pitchFamily="49" charset="0"/>
+                <a:cs typeface="Courier New" panose="02070309020205020404" pitchFamily="49" charset="0"/>
+              </a:rPr>
+              <a:t>(freq2,correct=FALSE) )</a:t>
+            </a:r>
+          </a:p>
+          <a:p>
+            <a:pPr algn="l" latinLnBrk="1"/>
+            <a:r>
+              <a:rPr lang="en-US" sz="600" dirty="0" smtClean="0">
+                <a:latin typeface="Courier New" panose="02070309020205020404" pitchFamily="49" charset="0"/>
+                <a:cs typeface="Courier New" panose="02070309020205020404" pitchFamily="49" charset="0"/>
+              </a:rPr>
+              <a:t>   </a:t>
+            </a:r>
+            <a:r>
+              <a:rPr lang="en-US" sz="600" dirty="0">
+                <a:latin typeface="Courier New" panose="02070309020205020404" pitchFamily="49" charset="0"/>
+                <a:cs typeface="Courier New" panose="02070309020205020404" pitchFamily="49" charset="0"/>
+              </a:rPr>
+              <a:t>Pearson's Chi-squared test with freq2 </a:t>
+            </a:r>
+            <a:br>
+              <a:rPr lang="en-US" sz="600" dirty="0">
+                <a:latin typeface="Courier New" panose="02070309020205020404" pitchFamily="49" charset="0"/>
+                <a:cs typeface="Courier New" panose="02070309020205020404" pitchFamily="49" charset="0"/>
+              </a:rPr>
+            </a:br>
+            <a:r>
+              <a:rPr lang="en-US" sz="600" dirty="0" smtClean="0">
+                <a:latin typeface="Courier New" panose="02070309020205020404" pitchFamily="49" charset="0"/>
+                <a:cs typeface="Courier New" panose="02070309020205020404" pitchFamily="49" charset="0"/>
+              </a:rPr>
+              <a:t>   </a:t>
+            </a:r>
+            <a:r>
+              <a:rPr lang="en-US" sz="600" dirty="0">
+                <a:latin typeface="Courier New" panose="02070309020205020404" pitchFamily="49" charset="0"/>
+                <a:cs typeface="Courier New" panose="02070309020205020404" pitchFamily="49" charset="0"/>
+              </a:rPr>
+              <a:t>X-squared = 17.1588, </a:t>
+            </a:r>
+            <a:r>
+              <a:rPr lang="en-US" sz="600" dirty="0" err="1">
+                <a:latin typeface="Courier New" panose="02070309020205020404" pitchFamily="49" charset="0"/>
+                <a:cs typeface="Courier New" panose="02070309020205020404" pitchFamily="49" charset="0"/>
+              </a:rPr>
+              <a:t>df</a:t>
+            </a:r>
+            <a:r>
+              <a:rPr lang="en-US" sz="600" dirty="0">
+                <a:latin typeface="Courier New" panose="02070309020205020404" pitchFamily="49" charset="0"/>
+                <a:cs typeface="Courier New" panose="02070309020205020404" pitchFamily="49" charset="0"/>
+              </a:rPr>
+              <a:t> = 1, p-value = </a:t>
+            </a:r>
+            <a:r>
+              <a:rPr lang="en-US" sz="600" dirty="0" smtClean="0">
+                <a:latin typeface="Courier New" panose="02070309020205020404" pitchFamily="49" charset="0"/>
+                <a:cs typeface="Courier New" panose="02070309020205020404" pitchFamily="49" charset="0"/>
+              </a:rPr>
+              <a:t>3.438e-05</a:t>
+            </a:r>
+            <a:endParaRPr lang="en-US" sz="600" dirty="0" smtClean="0">
+              <a:latin typeface="Courier New" panose="02070309020205020404" pitchFamily="49" charset="0"/>
+              <a:cs typeface="Courier New" panose="02070309020205020404" pitchFamily="49" charset="0"/>
+            </a:endParaRPr>
+          </a:p>
+          <a:p>
+            <a:pPr algn="l" latinLnBrk="1"/>
+            <a:endParaRPr lang="en-US" sz="600" dirty="0" smtClean="0">
+              <a:latin typeface="Courier New" panose="02070309020205020404" pitchFamily="49" charset="0"/>
+              <a:cs typeface="Courier New" panose="02070309020205020404" pitchFamily="49" charset="0"/>
+            </a:endParaRPr>
+          </a:p>
+          <a:p>
+            <a:pPr algn="l" latinLnBrk="1"/>
+            <a:r>
+              <a:rPr lang="en-US" sz="600" dirty="0" smtClean="0">
+                <a:latin typeface="Courier New" panose="02070309020205020404" pitchFamily="49" charset="0"/>
+                <a:cs typeface="Courier New" panose="02070309020205020404" pitchFamily="49" charset="0"/>
+              </a:rPr>
+              <a:t>&gt; </a:t>
+            </a:r>
+            <a:r>
+              <a:rPr lang="en-US" sz="600" b="1" dirty="0" err="1" smtClean="0">
+                <a:solidFill>
+                  <a:srgbClr val="FF0000"/>
+                </a:solidFill>
+                <a:latin typeface="Courier New" panose="02070309020205020404" pitchFamily="49" charset="0"/>
+                <a:cs typeface="Courier New" panose="02070309020205020404" pitchFamily="49" charset="0"/>
+              </a:rPr>
+              <a:t>chi$expected</a:t>
+            </a:r>
+            <a:endParaRPr lang="en-US" sz="600" b="1" dirty="0">
+              <a:solidFill>
+                <a:srgbClr val="FF0000"/>
+              </a:solidFill>
+              <a:latin typeface="Courier New" panose="02070309020205020404" pitchFamily="49" charset="0"/>
+              <a:cs typeface="Courier New" panose="02070309020205020404" pitchFamily="49" charset="0"/>
+            </a:endParaRPr>
+          </a:p>
+          <a:p>
+            <a:pPr algn="l" latinLnBrk="1"/>
+            <a:r>
+              <a:rPr lang="en-US" sz="600" dirty="0" smtClean="0">
+                <a:latin typeface="Courier New" panose="02070309020205020404" pitchFamily="49" charset="0"/>
+                <a:cs typeface="Courier New" panose="02070309020205020404" pitchFamily="49" charset="0"/>
+              </a:rPr>
+              <a:t>           </a:t>
+            </a:r>
+            <a:r>
+              <a:rPr lang="en-US" sz="600" dirty="0">
+                <a:latin typeface="Courier New" panose="02070309020205020404" pitchFamily="49" charset="0"/>
+                <a:cs typeface="Courier New" panose="02070309020205020404" pitchFamily="49" charset="0"/>
+              </a:rPr>
+              <a:t>Manual</a:t>
+            </a:r>
+            <a:br>
+              <a:rPr lang="en-US" sz="600" dirty="0">
+                <a:latin typeface="Courier New" panose="02070309020205020404" pitchFamily="49" charset="0"/>
+                <a:cs typeface="Courier New" panose="02070309020205020404" pitchFamily="49" charset="0"/>
+              </a:rPr>
+            </a:br>
+            <a:r>
+              <a:rPr lang="en-US" sz="600" dirty="0" smtClean="0">
+                <a:latin typeface="Courier New" panose="02070309020205020404" pitchFamily="49" charset="0"/>
+                <a:cs typeface="Courier New" panose="02070309020205020404" pitchFamily="49" charset="0"/>
+              </a:rPr>
+              <a:t>   </a:t>
+            </a:r>
+            <a:r>
+              <a:rPr lang="en-US" sz="600" dirty="0">
+                <a:latin typeface="Courier New" panose="02070309020205020404" pitchFamily="49" charset="0"/>
+                <a:cs typeface="Courier New" panose="02070309020205020404" pitchFamily="49" charset="0"/>
+              </a:rPr>
+              <a:t>Domestic       No      Yes</a:t>
+            </a:r>
+            <a:br>
+              <a:rPr lang="en-US" sz="600" dirty="0">
+                <a:latin typeface="Courier New" panose="02070309020205020404" pitchFamily="49" charset="0"/>
+                <a:cs typeface="Courier New" panose="02070309020205020404" pitchFamily="49" charset="0"/>
+              </a:rPr>
+            </a:br>
+            <a:r>
+              <a:rPr lang="en-US" sz="600" dirty="0" smtClean="0">
+                <a:latin typeface="Courier New" panose="02070309020205020404" pitchFamily="49" charset="0"/>
+                <a:cs typeface="Courier New" panose="02070309020205020404" pitchFamily="49" charset="0"/>
+              </a:rPr>
+              <a:t>        </a:t>
+            </a:r>
+            <a:r>
+              <a:rPr lang="en-US" sz="600" dirty="0">
+                <a:latin typeface="Courier New" panose="02070309020205020404" pitchFamily="49" charset="0"/>
+                <a:cs typeface="Courier New" panose="02070309020205020404" pitchFamily="49" charset="0"/>
+              </a:rPr>
+              <a:t>No  15.48387 29.51613</a:t>
+            </a:r>
+            <a:br>
+              <a:rPr lang="en-US" sz="600" dirty="0">
+                <a:latin typeface="Courier New" panose="02070309020205020404" pitchFamily="49" charset="0"/>
+                <a:cs typeface="Courier New" panose="02070309020205020404" pitchFamily="49" charset="0"/>
+              </a:rPr>
+            </a:br>
+            <a:r>
+              <a:rPr lang="en-US" sz="600" dirty="0" smtClean="0">
+                <a:latin typeface="Courier New" panose="02070309020205020404" pitchFamily="49" charset="0"/>
+                <a:cs typeface="Courier New" panose="02070309020205020404" pitchFamily="49" charset="0"/>
+              </a:rPr>
+              <a:t>        </a:t>
+            </a:r>
+            <a:r>
+              <a:rPr lang="en-US" sz="600" dirty="0">
+                <a:latin typeface="Courier New" panose="02070309020205020404" pitchFamily="49" charset="0"/>
+                <a:cs typeface="Courier New" panose="02070309020205020404" pitchFamily="49" charset="0"/>
+              </a:rPr>
+              <a:t>Yes 16.51613 </a:t>
+            </a:r>
+            <a:r>
+              <a:rPr lang="en-US" sz="600" dirty="0" smtClean="0">
+                <a:latin typeface="Courier New" panose="02070309020205020404" pitchFamily="49" charset="0"/>
+                <a:cs typeface="Courier New" panose="02070309020205020404" pitchFamily="49" charset="0"/>
+              </a:rPr>
+              <a:t>31.48387</a:t>
+            </a:r>
+            <a:endParaRPr lang="en-US" sz="600" dirty="0" smtClean="0">
+              <a:latin typeface="Courier New" panose="02070309020205020404" pitchFamily="49" charset="0"/>
+              <a:cs typeface="Courier New" panose="02070309020205020404" pitchFamily="49" charset="0"/>
+            </a:endParaRPr>
+          </a:p>
+          <a:p>
+            <a:pPr algn="l" latinLnBrk="1"/>
+            <a:endParaRPr lang="en-US" sz="600" dirty="0" smtClean="0">
+              <a:latin typeface="Courier New" panose="02070309020205020404" pitchFamily="49" charset="0"/>
+              <a:cs typeface="Courier New" panose="02070309020205020404" pitchFamily="49" charset="0"/>
+            </a:endParaRPr>
+          </a:p>
+          <a:p>
+            <a:pPr algn="l" latinLnBrk="1"/>
+            <a:r>
+              <a:rPr lang="en-US" sz="600" dirty="0" smtClean="0">
+                <a:latin typeface="Courier New" panose="02070309020205020404" pitchFamily="49" charset="0"/>
+                <a:cs typeface="Courier New" panose="02070309020205020404" pitchFamily="49" charset="0"/>
+              </a:rPr>
+              <a:t>&gt; </a:t>
+            </a:r>
+            <a:r>
+              <a:rPr lang="en-US" sz="600" b="1" dirty="0" err="1" smtClean="0">
+                <a:solidFill>
+                  <a:srgbClr val="FF0000"/>
+                </a:solidFill>
+                <a:latin typeface="Courier New" panose="02070309020205020404" pitchFamily="49" charset="0"/>
+                <a:cs typeface="Courier New" panose="02070309020205020404" pitchFamily="49" charset="0"/>
+              </a:rPr>
+              <a:t>chi$residuals</a:t>
+            </a:r>
+            <a:endParaRPr lang="en-US" sz="600" b="1" dirty="0">
+              <a:solidFill>
+                <a:srgbClr val="FF0000"/>
+              </a:solidFill>
+              <a:latin typeface="Courier New" panose="02070309020205020404" pitchFamily="49" charset="0"/>
+              <a:cs typeface="Courier New" panose="02070309020205020404" pitchFamily="49" charset="0"/>
+            </a:endParaRPr>
+          </a:p>
+          <a:p>
+            <a:pPr algn="l" latinLnBrk="1"/>
+            <a:r>
+              <a:rPr lang="en-US" sz="600" dirty="0" smtClean="0">
+                <a:latin typeface="Courier New" panose="02070309020205020404" pitchFamily="49" charset="0"/>
+                <a:cs typeface="Courier New" panose="02070309020205020404" pitchFamily="49" charset="0"/>
+              </a:rPr>
+              <a:t>           </a:t>
+            </a:r>
+            <a:r>
+              <a:rPr lang="en-US" sz="600" dirty="0">
+                <a:latin typeface="Courier New" panose="02070309020205020404" pitchFamily="49" charset="0"/>
+                <a:cs typeface="Courier New" panose="02070309020205020404" pitchFamily="49" charset="0"/>
+              </a:rPr>
+              <a:t>Manual</a:t>
+            </a:r>
+            <a:br>
+              <a:rPr lang="en-US" sz="600" dirty="0">
+                <a:latin typeface="Courier New" panose="02070309020205020404" pitchFamily="49" charset="0"/>
+                <a:cs typeface="Courier New" panose="02070309020205020404" pitchFamily="49" charset="0"/>
+              </a:rPr>
+            </a:br>
+            <a:r>
+              <a:rPr lang="en-US" sz="600" dirty="0" smtClean="0">
+                <a:latin typeface="Courier New" panose="02070309020205020404" pitchFamily="49" charset="0"/>
+                <a:cs typeface="Courier New" panose="02070309020205020404" pitchFamily="49" charset="0"/>
+              </a:rPr>
+              <a:t>   </a:t>
+            </a:r>
+            <a:r>
+              <a:rPr lang="en-US" sz="600" dirty="0">
+                <a:latin typeface="Courier New" panose="02070309020205020404" pitchFamily="49" charset="0"/>
+                <a:cs typeface="Courier New" panose="02070309020205020404" pitchFamily="49" charset="0"/>
+              </a:rPr>
+              <a:t>Domestic        No       Yes</a:t>
+            </a:r>
+            <a:br>
+              <a:rPr lang="en-US" sz="600" dirty="0">
+                <a:latin typeface="Courier New" panose="02070309020205020404" pitchFamily="49" charset="0"/>
+                <a:cs typeface="Courier New" panose="02070309020205020404" pitchFamily="49" charset="0"/>
+              </a:rPr>
+            </a:br>
+            <a:r>
+              <a:rPr lang="en-US" sz="600" dirty="0" smtClean="0">
+                <a:latin typeface="Courier New" panose="02070309020205020404" pitchFamily="49" charset="0"/>
+                <a:cs typeface="Courier New" panose="02070309020205020404" pitchFamily="49" charset="0"/>
+              </a:rPr>
+              <a:t>        </a:t>
+            </a:r>
+            <a:r>
+              <a:rPr lang="en-US" sz="600" dirty="0">
+                <a:latin typeface="Courier New" panose="02070309020205020404" pitchFamily="49" charset="0"/>
+                <a:cs typeface="Courier New" panose="02070309020205020404" pitchFamily="49" charset="0"/>
+              </a:rPr>
+              <a:t>No  -2.410160  1.745645</a:t>
+            </a:r>
+            <a:br>
+              <a:rPr lang="en-US" sz="600" dirty="0">
+                <a:latin typeface="Courier New" panose="02070309020205020404" pitchFamily="49" charset="0"/>
+                <a:cs typeface="Courier New" panose="02070309020205020404" pitchFamily="49" charset="0"/>
+              </a:rPr>
+            </a:br>
+            <a:r>
+              <a:rPr lang="en-US" sz="600" dirty="0" smtClean="0">
+                <a:latin typeface="Courier New" panose="02070309020205020404" pitchFamily="49" charset="0"/>
+                <a:cs typeface="Courier New" panose="02070309020205020404" pitchFamily="49" charset="0"/>
+              </a:rPr>
+              <a:t>        </a:t>
+            </a:r>
+            <a:r>
+              <a:rPr lang="en-US" sz="600" dirty="0">
+                <a:latin typeface="Courier New" panose="02070309020205020404" pitchFamily="49" charset="0"/>
+                <a:cs typeface="Courier New" panose="02070309020205020404" pitchFamily="49" charset="0"/>
+              </a:rPr>
+              <a:t>Yes  2.333627 -1.690214</a:t>
+            </a:r>
+          </a:p>
+        </p:txBody>
+      </p:sp>
+      <p:pic>
+        <p:nvPicPr>
+          <p:cNvPr id="10" name="Picture"/>
+          <p:cNvPicPr>
+            <a:picLocks noChangeAspect="1"/>
+          </p:cNvPicPr>
+          <p:nvPr/>
+        </p:nvPicPr>
+        <p:blipFill>
+          <a:blip r:embed="rId3"/>
+          <a:stretch>
+            <a:fillRect/>
+          </a:stretch>
+        </p:blipFill>
+        <p:spPr bwMode="auto">
+          <a:xfrm>
+            <a:off x="255211" y="4339667"/>
+            <a:ext cx="1143000" cy="914400"/>
+          </a:xfrm>
+          <a:prstGeom prst="rect">
+            <a:avLst/>
+          </a:prstGeom>
+          <a:noFill/>
+          <a:ln w="9525">
+            <a:noFill/>
+            <a:headEnd/>
+            <a:tailEnd/>
+          </a:ln>
+        </p:spPr>
+      </p:pic>
+      <p:pic>
+        <p:nvPicPr>
+          <p:cNvPr id="12" name="Picture"/>
+          <p:cNvPicPr>
+            <a:picLocks noChangeAspect="1"/>
+          </p:cNvPicPr>
+          <p:nvPr/>
+        </p:nvPicPr>
+        <p:blipFill>
+          <a:blip r:embed="rId4"/>
+          <a:stretch>
+            <a:fillRect/>
+          </a:stretch>
+        </p:blipFill>
+        <p:spPr bwMode="auto">
+          <a:xfrm>
+            <a:off x="3314357" y="4993843"/>
+            <a:ext cx="1143000" cy="914400"/>
+          </a:xfrm>
+          <a:prstGeom prst="rect">
+            <a:avLst/>
+          </a:prstGeom>
+          <a:noFill/>
+          <a:ln w="9525">
+            <a:noFill/>
+            <a:headEnd/>
+            <a:tailEnd/>
+          </a:ln>
+        </p:spPr>
+      </p:pic>
+      <p:pic>
+        <p:nvPicPr>
+          <p:cNvPr id="13" name="Picture"/>
+          <p:cNvPicPr>
+            <a:picLocks noChangeAspect="1"/>
+          </p:cNvPicPr>
+          <p:nvPr/>
+        </p:nvPicPr>
+        <p:blipFill>
+          <a:blip r:embed="rId5"/>
+          <a:stretch>
+            <a:fillRect/>
+          </a:stretch>
+        </p:blipFill>
+        <p:spPr bwMode="auto">
+          <a:xfrm>
+            <a:off x="3313437" y="838748"/>
+            <a:ext cx="1143000" cy="914400"/>
+          </a:xfrm>
+          <a:prstGeom prst="rect">
+            <a:avLst/>
+          </a:prstGeom>
+          <a:noFill/>
+          <a:ln w="9525">
+            <a:noFill/>
+            <a:headEnd/>
+            <a:tailEnd/>
+          </a:ln>
+        </p:spPr>
+      </p:pic>
+      <p:sp>
+        <p:nvSpPr>
+          <p:cNvPr id="14" name="Shape 38"/>
+          <p:cNvSpPr/>
+          <p:nvPr/>
+        </p:nvSpPr>
+        <p:spPr>
+          <a:xfrm>
+            <a:off x="97154" y="54502"/>
+            <a:ext cx="2926080" cy="227438"/>
+          </a:xfrm>
+          <a:prstGeom prst="roundRect">
+            <a:avLst>
+              <a:gd name="adj" fmla="val 20098"/>
+            </a:avLst>
+          </a:prstGeom>
+          <a:solidFill>
+            <a:schemeClr val="tx1">
+              <a:lumMod val="65000"/>
+              <a:lumOff val="35000"/>
+            </a:schemeClr>
+          </a:solidFill>
+          <a:ln w="12700">
+            <a:miter lim="400000"/>
+          </a:ln>
+          <a:extLst>
+            <a:ext uri="{C572A759-6A51-4108-AA02-DFA0A04FC94B}">
+              <ma14:wrappingTextBoxFlag xmlns="" xmlns:ma14="http://schemas.microsoft.com/office/mac/drawingml/2011/main" val="1"/>
+            </a:ext>
+          </a:extLst>
+        </p:spPr>
+        <p:txBody>
+          <a:bodyPr lIns="0" tIns="0" rIns="0" bIns="0" anchor="ctr"/>
+          <a:lstStyle/>
+          <a:p>
+            <a:pPr lvl="1" indent="0">
+              <a:defRPr sz="1800"/>
+            </a:pPr>
+            <a:r>
+              <a:rPr lang="en-US" sz="1400" b="1" dirty="0">
+                <a:solidFill>
+                  <a:schemeClr val="bg1">
+                    <a:lumMod val="95000"/>
+                  </a:schemeClr>
+                </a:solidFill>
+                <a:latin typeface="Source Sans Pro"/>
+                <a:ea typeface="Source Sans Pro"/>
+                <a:cs typeface="Source Sans Pro"/>
+                <a:sym typeface="Source Sans Pro"/>
+              </a:rPr>
+              <a:t>Data</a:t>
+            </a:r>
+            <a:endParaRPr sz="1400" b="1" dirty="0">
+              <a:solidFill>
+                <a:schemeClr val="bg1">
+                  <a:lumMod val="95000"/>
+                </a:schemeClr>
+              </a:solidFill>
+              <a:latin typeface="Source Sans Pro"/>
+              <a:ea typeface="Source Sans Pro"/>
+              <a:cs typeface="Source Sans Pro"/>
+              <a:sym typeface="Source Sans Pro"/>
+            </a:endParaRPr>
+          </a:p>
+        </p:txBody>
+      </p:sp>
+      <p:sp>
+        <p:nvSpPr>
+          <p:cNvPr id="16" name="Shape 38"/>
+          <p:cNvSpPr/>
+          <p:nvPr/>
+        </p:nvSpPr>
+        <p:spPr>
+          <a:xfrm>
+            <a:off x="3110865" y="54502"/>
+            <a:ext cx="2926080" cy="227438"/>
+          </a:xfrm>
+          <a:prstGeom prst="roundRect">
+            <a:avLst>
+              <a:gd name="adj" fmla="val 20098"/>
+            </a:avLst>
+          </a:prstGeom>
+          <a:solidFill>
+            <a:schemeClr val="tx1">
+              <a:lumMod val="65000"/>
+              <a:lumOff val="35000"/>
+            </a:schemeClr>
+          </a:solidFill>
+          <a:ln w="12700">
+            <a:miter lim="400000"/>
+          </a:ln>
+          <a:extLst>
+            <a:ext uri="{C572A759-6A51-4108-AA02-DFA0A04FC94B}">
+              <ma14:wrappingTextBoxFlag xmlns="" xmlns:ma14="http://schemas.microsoft.com/office/mac/drawingml/2011/main" val="1"/>
+            </a:ext>
+          </a:extLst>
+        </p:spPr>
+        <p:txBody>
+          <a:bodyPr lIns="0" tIns="0" rIns="0" bIns="0" anchor="ctr"/>
+          <a:lstStyle/>
+          <a:p>
+            <a:pPr lvl="1" indent="0">
+              <a:defRPr sz="1800"/>
+            </a:pPr>
+            <a:r>
+              <a:rPr lang="en-US" sz="1400" b="1" dirty="0" smtClean="0">
+                <a:solidFill>
+                  <a:schemeClr val="bg1">
+                    <a:lumMod val="95000"/>
+                  </a:schemeClr>
+                </a:solidFill>
+                <a:latin typeface="Source Sans Pro"/>
+                <a:ea typeface="Source Sans Pro"/>
+                <a:cs typeface="Source Sans Pro"/>
+                <a:sym typeface="Source Sans Pro"/>
+              </a:rPr>
+              <a:t>Bivariate EDA</a:t>
+            </a:r>
+            <a:endParaRPr sz="1400" b="1" dirty="0">
+              <a:solidFill>
+                <a:schemeClr val="bg1">
+                  <a:lumMod val="95000"/>
+                </a:schemeClr>
+              </a:solidFill>
+              <a:latin typeface="Source Sans Pro"/>
+              <a:ea typeface="Source Sans Pro"/>
+              <a:cs typeface="Source Sans Pro"/>
+              <a:sym typeface="Source Sans Pro"/>
+            </a:endParaRPr>
+          </a:p>
+        </p:txBody>
+      </p:sp>
+      <p:sp>
+        <p:nvSpPr>
+          <p:cNvPr id="17" name="Shape 38"/>
+          <p:cNvSpPr/>
+          <p:nvPr/>
+        </p:nvSpPr>
+        <p:spPr>
+          <a:xfrm>
+            <a:off x="3110865" y="4090986"/>
+            <a:ext cx="2926080" cy="227438"/>
+          </a:xfrm>
+          <a:prstGeom prst="roundRect">
+            <a:avLst>
+              <a:gd name="adj" fmla="val 20098"/>
+            </a:avLst>
+          </a:prstGeom>
+          <a:solidFill>
+            <a:schemeClr val="tx1">
+              <a:lumMod val="65000"/>
+              <a:lumOff val="35000"/>
+            </a:schemeClr>
+          </a:solidFill>
+          <a:ln w="12700">
+            <a:miter lim="400000"/>
+          </a:ln>
+          <a:extLst>
+            <a:ext uri="{C572A759-6A51-4108-AA02-DFA0A04FC94B}">
+              <ma14:wrappingTextBoxFlag xmlns="" xmlns:ma14="http://schemas.microsoft.com/office/mac/drawingml/2011/main" val="1"/>
+            </a:ext>
+          </a:extLst>
+        </p:spPr>
+        <p:txBody>
+          <a:bodyPr lIns="0" tIns="0" rIns="0" bIns="0" anchor="ctr"/>
+          <a:lstStyle/>
+          <a:p>
+            <a:pPr lvl="1" indent="0">
+              <a:defRPr sz="1800"/>
+            </a:pPr>
+            <a:r>
+              <a:rPr lang="en-US" sz="1400" b="1" dirty="0" smtClean="0">
+                <a:solidFill>
+                  <a:schemeClr val="bg1">
+                    <a:lumMod val="95000"/>
+                  </a:schemeClr>
+                </a:solidFill>
+                <a:latin typeface="Source Sans Pro"/>
+                <a:ea typeface="Source Sans Pro"/>
+                <a:cs typeface="Source Sans Pro"/>
+                <a:sym typeface="Source Sans Pro"/>
+              </a:rPr>
+              <a:t>Linear Regression</a:t>
+            </a:r>
+            <a:endParaRPr sz="1400" b="1" dirty="0">
+              <a:solidFill>
+                <a:schemeClr val="bg1">
+                  <a:lumMod val="95000"/>
+                </a:schemeClr>
+              </a:solidFill>
+              <a:latin typeface="Source Sans Pro"/>
+              <a:ea typeface="Source Sans Pro"/>
+              <a:cs typeface="Source Sans Pro"/>
+              <a:sym typeface="Source Sans Pro"/>
+            </a:endParaRPr>
+          </a:p>
+        </p:txBody>
+      </p:sp>
+      <p:sp>
+        <p:nvSpPr>
+          <p:cNvPr id="18" name="Shape 38"/>
+          <p:cNvSpPr/>
+          <p:nvPr/>
+        </p:nvSpPr>
+        <p:spPr>
+          <a:xfrm>
+            <a:off x="6126480" y="54667"/>
+            <a:ext cx="2926080" cy="227438"/>
+          </a:xfrm>
+          <a:prstGeom prst="roundRect">
+            <a:avLst>
+              <a:gd name="adj" fmla="val 20098"/>
+            </a:avLst>
+          </a:prstGeom>
+          <a:solidFill>
+            <a:schemeClr val="tx1">
+              <a:lumMod val="65000"/>
+              <a:lumOff val="35000"/>
+            </a:schemeClr>
+          </a:solidFill>
+          <a:ln w="12700">
+            <a:miter lim="400000"/>
+          </a:ln>
+          <a:extLst>
+            <a:ext uri="{C572A759-6A51-4108-AA02-DFA0A04FC94B}">
+              <ma14:wrappingTextBoxFlag xmlns="" xmlns:ma14="http://schemas.microsoft.com/office/mac/drawingml/2011/main" val="1"/>
+            </a:ext>
+          </a:extLst>
+        </p:spPr>
+        <p:txBody>
+          <a:bodyPr lIns="0" tIns="0" rIns="0" bIns="0" anchor="ctr"/>
+          <a:lstStyle/>
+          <a:p>
+            <a:pPr lvl="1" indent="0">
+              <a:defRPr sz="1800"/>
+            </a:pPr>
+            <a:r>
+              <a:rPr lang="en-US" sz="1400" b="1" dirty="0" smtClean="0">
+                <a:solidFill>
+                  <a:schemeClr val="bg1">
+                    <a:lumMod val="95000"/>
+                  </a:schemeClr>
+                </a:solidFill>
+                <a:latin typeface="Source Sans Pro"/>
+                <a:ea typeface="Source Sans Pro"/>
+                <a:cs typeface="Source Sans Pro"/>
+                <a:sym typeface="Source Sans Pro"/>
+              </a:rPr>
+              <a:t>Hypothesis Tests</a:t>
+            </a:r>
+            <a:endParaRPr sz="1400" b="1" dirty="0">
+              <a:solidFill>
+                <a:schemeClr val="bg1">
+                  <a:lumMod val="95000"/>
+                </a:schemeClr>
+              </a:solidFill>
+              <a:latin typeface="Source Sans Pro"/>
+              <a:ea typeface="Source Sans Pro"/>
+              <a:cs typeface="Source Sans Pro"/>
+              <a:sym typeface="Source Sans Pro"/>
+            </a:endParaRPr>
+          </a:p>
+        </p:txBody>
+      </p:sp>
+      <p:pic>
+        <p:nvPicPr>
+          <p:cNvPr id="2" name="Picture 1"/>
+          <p:cNvPicPr>
+            <a:picLocks noChangeAspect="1"/>
+          </p:cNvPicPr>
+          <p:nvPr/>
+        </p:nvPicPr>
+        <p:blipFill>
+          <a:blip r:embed="rId6"/>
+          <a:stretch>
+            <a:fillRect/>
+          </a:stretch>
+        </p:blipFill>
+        <p:spPr>
+          <a:xfrm>
+            <a:off x="255211" y="5829549"/>
+            <a:ext cx="1828800" cy="914400"/>
+          </a:xfrm>
+          <a:prstGeom prst="rect">
+            <a:avLst/>
+          </a:prstGeom>
+        </p:spPr>
+      </p:pic>
+      <p:sp>
+        <p:nvSpPr>
+          <p:cNvPr id="15" name="Shape 38"/>
+          <p:cNvSpPr/>
+          <p:nvPr/>
+        </p:nvSpPr>
+        <p:spPr>
+          <a:xfrm>
+            <a:off x="95249" y="1822324"/>
+            <a:ext cx="2926080" cy="227438"/>
+          </a:xfrm>
+          <a:prstGeom prst="roundRect">
+            <a:avLst>
+              <a:gd name="adj" fmla="val 20098"/>
+            </a:avLst>
+          </a:prstGeom>
+          <a:solidFill>
+            <a:schemeClr val="tx1">
+              <a:lumMod val="65000"/>
+              <a:lumOff val="35000"/>
+            </a:schemeClr>
+          </a:solidFill>
+          <a:ln w="12700">
+            <a:miter lim="400000"/>
+          </a:ln>
+          <a:extLst>
+            <a:ext uri="{C572A759-6A51-4108-AA02-DFA0A04FC94B}">
+              <ma14:wrappingTextBoxFlag xmlns="" xmlns:ma14="http://schemas.microsoft.com/office/mac/drawingml/2011/main" val="1"/>
+            </a:ext>
+          </a:extLst>
+        </p:spPr>
+        <p:txBody>
+          <a:bodyPr lIns="0" tIns="0" rIns="0" bIns="0" anchor="ctr"/>
+          <a:lstStyle/>
+          <a:p>
+            <a:pPr lvl="1" indent="0">
+              <a:defRPr sz="1800"/>
+            </a:pPr>
+            <a:r>
+              <a:rPr lang="en-US" sz="1400" b="1" dirty="0" smtClean="0">
+                <a:solidFill>
+                  <a:schemeClr val="bg1">
+                    <a:lumMod val="95000"/>
+                  </a:schemeClr>
+                </a:solidFill>
+                <a:latin typeface="Source Sans Pro"/>
+                <a:ea typeface="Source Sans Pro"/>
+                <a:cs typeface="Source Sans Pro"/>
+                <a:sym typeface="Source Sans Pro"/>
+              </a:rPr>
+              <a:t>Univariate EDA</a:t>
+            </a:r>
+            <a:endParaRPr sz="1400" b="1" dirty="0">
+              <a:solidFill>
+                <a:schemeClr val="bg1">
+                  <a:lumMod val="95000"/>
+                </a:schemeClr>
+              </a:solidFill>
+              <a:latin typeface="Source Sans Pro"/>
+              <a:ea typeface="Source Sans Pro"/>
+              <a:cs typeface="Source Sans Pro"/>
+              <a:sym typeface="Source Sans Pro"/>
+            </a:endParaRPr>
+          </a:p>
+        </p:txBody>
+      </p:sp>
+    </p:spTree>
+    <p:extLst>
+      <p:ext uri="{BB962C8B-B14F-4D97-AF65-F5344CB8AC3E}">
+        <p14:creationId xmlns:p14="http://schemas.microsoft.com/office/powerpoint/2010/main" val="3344097291"/>
+      </p:ext>
+    </p:extLst>
   </p:cSld>
   <p:clrMapOvr>
     <a:masterClrMapping/>

--- a/resources/MTH107-Rcheatsheet.pptx
+++ b/resources/MTH107-Rcheatsheet.pptx
@@ -5261,94 +5261,7 @@
                   <a:cs typeface="Source Sans Pro Light"/>
                   <a:sym typeface="Source Sans Pro Light"/>
                 </a:rPr>
-                <a:t>CATEGORICAL –</a:t>
-              </a:r>
-              <a:r>
-                <a:rPr lang="en-US" sz="800" dirty="0">
-                  <a:latin typeface="Source Sans Pro Light"/>
-                  <a:ea typeface="Source Sans Pro Light"/>
-                  <a:cs typeface="Source Sans Pro Light"/>
-                  <a:sym typeface="Source Sans Pro Light"/>
-                </a:rPr>
-                <a:t> Frequency and percentage tables and bar chart for the </a:t>
-              </a:r>
-              <a:r>
-                <a:rPr lang="en-US" sz="800" dirty="0" err="1">
-                  <a:solidFill>
-                    <a:srgbClr val="FF0000"/>
-                  </a:solidFill>
-                  <a:latin typeface="Source Sans Pro Semibold"/>
-                  <a:ea typeface="Source Sans Pro Light"/>
-                  <a:cs typeface="Source Sans Pro Light"/>
-                  <a:sym typeface="Source Sans Pro Light"/>
-                </a:rPr>
-                <a:t>fvar</a:t>
-              </a:r>
-              <a:r>
-                <a:rPr lang="en-US" sz="800" dirty="0">
-                  <a:latin typeface="Source Sans Pro Light"/>
-                  <a:ea typeface="Source Sans Pro Light"/>
-                  <a:cs typeface="Source Sans Pro Light"/>
-                  <a:sym typeface="Source Sans Pro Light"/>
-                </a:rPr>
-                <a:t> variable</a:t>
-              </a:r>
-              <a:r>
-                <a:rPr lang="en-US" sz="800" dirty="0" smtClean="0">
-                  <a:latin typeface="Source Sans Pro Light"/>
-                  <a:ea typeface="Source Sans Pro Light"/>
-                  <a:cs typeface="Source Sans Pro Light"/>
-                  <a:sym typeface="Source Sans Pro Light"/>
-                </a:rPr>
-                <a:t>.</a:t>
-              </a:r>
-            </a:p>
-            <a:p>
-              <a:pPr algn="l">
-                <a:lnSpc>
-                  <a:spcPct val="90000"/>
-                </a:lnSpc>
-                <a:spcBef>
-                  <a:spcPts val="165"/>
-                </a:spcBef>
-                <a:buSzPct val="100000"/>
-                <a:defRPr sz="1800"/>
-              </a:pPr>
-              <a:endParaRPr lang="en-US" sz="4400" dirty="0" smtClean="0">
-                <a:latin typeface="Source Sans Pro Light"/>
-                <a:ea typeface="Source Sans Pro Light"/>
-                <a:cs typeface="Source Sans Pro Light"/>
-                <a:sym typeface="Source Sans Pro Light"/>
-              </a:endParaRPr>
-            </a:p>
-            <a:p>
-              <a:pPr algn="l">
-                <a:lnSpc>
-                  <a:spcPct val="90000"/>
-                </a:lnSpc>
-                <a:spcBef>
-                  <a:spcPts val="165"/>
-                </a:spcBef>
-                <a:buSzPct val="100000"/>
-                <a:defRPr sz="1800"/>
-              </a:pPr>
-              <a:r>
-                <a:rPr lang="en-US" sz="800" b="1" dirty="0" smtClean="0">
-                  <a:latin typeface="Source Sans Pro Light"/>
-                  <a:ea typeface="Source Sans Pro Light"/>
-                  <a:cs typeface="Source Sans Pro Light"/>
-                  <a:sym typeface="Source Sans Pro Light"/>
-                </a:rPr>
-                <a:t>QUANTITATIVE </a:t>
-              </a:r>
-              <a:r>
-                <a:rPr lang="en-US" sz="800" b="1" dirty="0">
-                  <a:latin typeface="Source Sans Pro Light"/>
-                  <a:ea typeface="Source Sans Pro Light"/>
-                  <a:cs typeface="Source Sans Pro Light"/>
-                  <a:sym typeface="Source Sans Pro Light"/>
-                </a:rPr>
-                <a:t>BY GROUP – </a:t>
+                <a:t>QUANTITATIVE BY GROUP – </a:t>
               </a:r>
               <a:r>
                 <a:rPr lang="en-US" sz="800" dirty="0">
@@ -5399,7 +5312,100 @@
                   <a:cs typeface="Source Sans Pro Light"/>
                   <a:sym typeface="Source Sans Pro Light"/>
                 </a:rPr>
-                <a:t> variable.</a:t>
+                <a:t> variable. </a:t>
+              </a:r>
+              <a:endParaRPr lang="en-US" sz="800" dirty="0" smtClean="0">
+                <a:latin typeface="Source Sans Pro Light"/>
+                <a:ea typeface="Source Sans Pro Light"/>
+                <a:cs typeface="Source Sans Pro Light"/>
+                <a:sym typeface="Source Sans Pro Light"/>
+              </a:endParaRPr>
+            </a:p>
+            <a:p>
+              <a:pPr algn="l">
+                <a:lnSpc>
+                  <a:spcPct val="90000"/>
+                </a:lnSpc>
+                <a:spcBef>
+                  <a:spcPts val="165"/>
+                </a:spcBef>
+                <a:buSzPct val="100000"/>
+                <a:defRPr sz="1800"/>
+              </a:pPr>
+              <a:endParaRPr lang="en-US" sz="2800" dirty="0" smtClean="0">
+                <a:latin typeface="Source Sans Pro Light"/>
+                <a:ea typeface="Source Sans Pro Light"/>
+                <a:cs typeface="Source Sans Pro Light"/>
+                <a:sym typeface="Source Sans Pro Light"/>
+              </a:endParaRPr>
+            </a:p>
+            <a:p>
+              <a:pPr algn="l">
+                <a:lnSpc>
+                  <a:spcPct val="90000"/>
+                </a:lnSpc>
+                <a:spcBef>
+                  <a:spcPts val="165"/>
+                </a:spcBef>
+                <a:buSzPct val="100000"/>
+                <a:defRPr sz="1800"/>
+              </a:pPr>
+              <a:r>
+                <a:rPr lang="en-US" sz="800" b="1" dirty="0" smtClean="0">
+                  <a:latin typeface="Source Sans Pro Light"/>
+                  <a:ea typeface="Source Sans Pro Light"/>
+                  <a:cs typeface="Source Sans Pro Light"/>
+                  <a:sym typeface="Source Sans Pro Light"/>
+                </a:rPr>
+                <a:t>CATEGORICAL </a:t>
+              </a:r>
+              <a:r>
+                <a:rPr lang="en-US" sz="800" b="1" dirty="0">
+                  <a:latin typeface="Source Sans Pro Light"/>
+                  <a:ea typeface="Source Sans Pro Light"/>
+                  <a:cs typeface="Source Sans Pro Light"/>
+                  <a:sym typeface="Source Sans Pro Light"/>
+                </a:rPr>
+                <a:t>–</a:t>
+              </a:r>
+              <a:r>
+                <a:rPr lang="en-US" sz="800" dirty="0">
+                  <a:latin typeface="Source Sans Pro Light"/>
+                  <a:ea typeface="Source Sans Pro Light"/>
+                  <a:cs typeface="Source Sans Pro Light"/>
+                  <a:sym typeface="Source Sans Pro Light"/>
+                </a:rPr>
+                <a:t> Frequency and percentage tables and bar chart for the </a:t>
+              </a:r>
+              <a:r>
+                <a:rPr lang="en-US" sz="800" dirty="0" err="1">
+                  <a:solidFill>
+                    <a:srgbClr val="FF0000"/>
+                  </a:solidFill>
+                  <a:latin typeface="Source Sans Pro Semibold"/>
+                  <a:ea typeface="Source Sans Pro Light"/>
+                  <a:cs typeface="Source Sans Pro Light"/>
+                  <a:sym typeface="Source Sans Pro Light"/>
+                </a:rPr>
+                <a:t>fvar</a:t>
+              </a:r>
+              <a:r>
+                <a:rPr lang="en-US" sz="800" dirty="0">
+                  <a:latin typeface="Source Sans Pro Light"/>
+                  <a:ea typeface="Source Sans Pro Light"/>
+                  <a:cs typeface="Source Sans Pro Light"/>
+                  <a:sym typeface="Source Sans Pro Light"/>
+                </a:rPr>
+                <a:t> variable</a:t>
+              </a:r>
+              <a:r>
+                <a:rPr lang="en-US" sz="800" dirty="0" smtClean="0">
+                  <a:latin typeface="Source Sans Pro Light"/>
+                  <a:ea typeface="Source Sans Pro Light"/>
+                  <a:cs typeface="Source Sans Pro Light"/>
+                  <a:sym typeface="Source Sans Pro Light"/>
+                </a:rPr>
+                <a:t>.</a:t>
               </a:r>
             </a:p>
           </p:txBody>
@@ -5548,14 +5554,20 @@
                 <a:t>dfobj,digits</a:t>
               </a:r>
               <a:r>
-                <a:rPr lang="en-US" sz="800" dirty="0">
+                <a:rPr lang="en-US" sz="800" dirty="0" smtClean="0">
                   <a:solidFill>
                     <a:srgbClr val="FF0000"/>
                   </a:solidFill>
                   <a:latin typeface="Source Sans Pro Semibold"/>
                 </a:rPr>
-                <a:t>=3)</a:t>
+                <a:t>=#)</a:t>
               </a:r>
+              <a:endParaRPr lang="en-US" sz="800" dirty="0">
+                <a:solidFill>
+                  <a:srgbClr val="FF0000"/>
+                </a:solidFill>
+                <a:latin typeface="Source Sans Pro Semibold"/>
+              </a:endParaRPr>
             </a:p>
             <a:p>
               <a:pPr algn="l" defTabSz="320174" rtl="0" latinLnBrk="1" hangingPunct="0"/>
@@ -5651,7 +5663,7 @@
           </p:nvSpPr>
           <p:spPr>
             <a:xfrm>
-              <a:off x="85881" y="5426958"/>
+              <a:off x="85881" y="6202961"/>
               <a:ext cx="2057400" cy="547842"/>
             </a:xfrm>
             <a:prstGeom prst="rect">
@@ -5788,7 +5800,7 @@
                   </a:solidFill>
                   <a:latin typeface="Source Sans Pro Semibold"/>
                 </a:rPr>
-                <a:t>(freq1,digits=1)</a:t>
+                <a:t>(freq1,digits=#)</a:t>
               </a:r>
               <a:endParaRPr lang="en-US" sz="800" dirty="0">
                 <a:solidFill>
@@ -5894,7 +5906,7 @@
           </p:nvSpPr>
           <p:spPr>
             <a:xfrm>
-              <a:off x="85881" y="6422155"/>
+              <a:off x="85881" y="5568321"/>
               <a:ext cx="2057400" cy="301621"/>
             </a:xfrm>
             <a:prstGeom prst="rect">
@@ -5971,14 +5983,20 @@
                 <a:t>dfobj,digits</a:t>
               </a:r>
               <a:r>
-                <a:rPr lang="en-US" sz="800" dirty="0">
+                <a:rPr lang="en-US" sz="800" dirty="0" smtClean="0">
                   <a:solidFill>
                     <a:srgbClr val="FF0000"/>
                   </a:solidFill>
                   <a:latin typeface="Source Sans Pro Semibold"/>
                 </a:rPr>
-                <a:t>=3)</a:t>
+                <a:t>=#)</a:t>
               </a:r>
+              <a:endParaRPr lang="en-US" sz="800" dirty="0">
+                <a:solidFill>
+                  <a:srgbClr val="FF0000"/>
+                </a:solidFill>
+                <a:latin typeface="Source Sans Pro Semibold"/>
+              </a:endParaRPr>
             </a:p>
             <a:p>
               <a:pPr algn="l" defTabSz="320174" rtl="0" latinLnBrk="1" hangingPunct="0"/>
@@ -9383,8 +9401,8 @@
         </p:nvSpPr>
         <p:spPr>
           <a:xfrm>
-            <a:off x="7387164" y="471082"/>
-            <a:ext cx="1264260" cy="152737"/>
+            <a:off x="7387967" y="471082"/>
+            <a:ext cx="1262656" cy="152737"/>
           </a:xfrm>
           <a:prstGeom prst="rect">
             <a:avLst/>
@@ -9424,10 +9442,10 @@
                 </a:solidFill>
                 <a:latin typeface="Source Sans Pro Light"/>
               </a:rPr>
-              <a:t>by Derek H. Ogle, revised </a:t>
-            </a:r>
-            <a:r>
-              <a:rPr lang="en-US" sz="600" b="1" dirty="0" smtClean="0">
+              <a:t>by Derek H. Ogle, </a:t>
+            </a:r>
+            <a:r>
+              <a:rPr lang="en-US" sz="600" b="1">
                 <a:solidFill>
                   <a:schemeClr val="bg1">
                     <a:lumMod val="75000"/>
@@ -9435,7 +9453,18 @@
                 </a:solidFill>
                 <a:latin typeface="Source Sans Pro Light"/>
               </a:rPr>
-              <a:t>Dec-16</a:t>
+              <a:t>revised </a:t>
+            </a:r>
+            <a:r>
+              <a:rPr lang="en-US" sz="600" b="1" smtClean="0">
+                <a:solidFill>
+                  <a:schemeClr val="bg1">
+                    <a:lumMod val="75000"/>
+                  </a:schemeClr>
+                </a:solidFill>
+                <a:latin typeface="Source Sans Pro Light"/>
+              </a:rPr>
+              <a:t>Sep-17</a:t>
             </a:r>
             <a:endParaRPr lang="en-US" sz="600" b="1" dirty="0">
               <a:solidFill>
@@ -10290,6 +10319,193 @@
           <a:p>
             <a:pPr algn="l" latinLnBrk="1"/>
             <a:r>
+              <a:rPr lang="en-US" sz="600" dirty="0">
+                <a:latin typeface="Courier New" panose="02070309020205020404" pitchFamily="49" charset="0"/>
+                <a:cs typeface="Courier New" panose="02070309020205020404" pitchFamily="49" charset="0"/>
+              </a:rPr>
+              <a:t>&gt; </a:t>
+            </a:r>
+            <a:r>
+              <a:rPr lang="en-US" sz="600" b="1" dirty="0">
+                <a:solidFill>
+                  <a:srgbClr val="FF0000"/>
+                </a:solidFill>
+                <a:latin typeface="Courier New" panose="02070309020205020404" pitchFamily="49" charset="0"/>
+                <a:cs typeface="Courier New" panose="02070309020205020404" pitchFamily="49" charset="0"/>
+              </a:rPr>
+              <a:t>Summarize(</a:t>
+            </a:r>
+            <a:r>
+              <a:rPr lang="en-US" sz="600" b="1" dirty="0" err="1">
+                <a:solidFill>
+                  <a:srgbClr val="FF0000"/>
+                </a:solidFill>
+                <a:latin typeface="Courier New" panose="02070309020205020404" pitchFamily="49" charset="0"/>
+                <a:cs typeface="Courier New" panose="02070309020205020404" pitchFamily="49" charset="0"/>
+              </a:rPr>
+              <a:t>HMPG~Domestic,data</a:t>
+            </a:r>
+            <a:r>
+              <a:rPr lang="en-US" sz="600" b="1" dirty="0">
+                <a:solidFill>
+                  <a:srgbClr val="FF0000"/>
+                </a:solidFill>
+                <a:latin typeface="Courier New" panose="02070309020205020404" pitchFamily="49" charset="0"/>
+                <a:cs typeface="Courier New" panose="02070309020205020404" pitchFamily="49" charset="0"/>
+              </a:rPr>
+              <a:t>=</a:t>
+            </a:r>
+            <a:r>
+              <a:rPr lang="en-US" sz="600" b="1" dirty="0" err="1">
+                <a:solidFill>
+                  <a:srgbClr val="FF0000"/>
+                </a:solidFill>
+                <a:latin typeface="Courier New" panose="02070309020205020404" pitchFamily="49" charset="0"/>
+                <a:cs typeface="Courier New" panose="02070309020205020404" pitchFamily="49" charset="0"/>
+              </a:rPr>
+              <a:t>dfobj,digits</a:t>
+            </a:r>
+            <a:r>
+              <a:rPr lang="en-US" sz="600" b="1" dirty="0">
+                <a:solidFill>
+                  <a:srgbClr val="FF0000"/>
+                </a:solidFill>
+                <a:latin typeface="Courier New" panose="02070309020205020404" pitchFamily="49" charset="0"/>
+                <a:cs typeface="Courier New" panose="02070309020205020404" pitchFamily="49" charset="0"/>
+              </a:rPr>
+              <a:t>=1)</a:t>
+            </a:r>
+          </a:p>
+          <a:p>
+            <a:pPr algn="l" latinLnBrk="1"/>
+            <a:r>
+              <a:rPr lang="en-US" sz="600" dirty="0">
+                <a:latin typeface="Courier New" panose="02070309020205020404" pitchFamily="49" charset="0"/>
+                <a:cs typeface="Courier New" panose="02070309020205020404" pitchFamily="49" charset="0"/>
+              </a:rPr>
+              <a:t>   Domestic  n mean  </a:t>
+            </a:r>
+            <a:r>
+              <a:rPr lang="en-US" sz="600" dirty="0" err="1">
+                <a:latin typeface="Courier New" panose="02070309020205020404" pitchFamily="49" charset="0"/>
+                <a:cs typeface="Courier New" panose="02070309020205020404" pitchFamily="49" charset="0"/>
+              </a:rPr>
+              <a:t>sd</a:t>
+            </a:r>
+            <a:r>
+              <a:rPr lang="en-US" sz="600" dirty="0">
+                <a:latin typeface="Courier New" panose="02070309020205020404" pitchFamily="49" charset="0"/>
+                <a:cs typeface="Courier New" panose="02070309020205020404" pitchFamily="49" charset="0"/>
+              </a:rPr>
+              <a:t> min Q1 median Q3 max</a:t>
+            </a:r>
+            <a:br>
+              <a:rPr lang="en-US" sz="600" dirty="0">
+                <a:latin typeface="Courier New" panose="02070309020205020404" pitchFamily="49" charset="0"/>
+                <a:cs typeface="Courier New" panose="02070309020205020404" pitchFamily="49" charset="0"/>
+              </a:rPr>
+            </a:br>
+            <a:r>
+              <a:rPr lang="en-US" sz="600" dirty="0">
+                <a:latin typeface="Courier New" panose="02070309020205020404" pitchFamily="49" charset="0"/>
+                <a:cs typeface="Courier New" panose="02070309020205020404" pitchFamily="49" charset="0"/>
+              </a:rPr>
+              <a:t> 1       No 45 30.1 6.2  21 25     30 33  50</a:t>
+            </a:r>
+            <a:br>
+              <a:rPr lang="en-US" sz="600" dirty="0">
+                <a:latin typeface="Courier New" panose="02070309020205020404" pitchFamily="49" charset="0"/>
+                <a:cs typeface="Courier New" panose="02070309020205020404" pitchFamily="49" charset="0"/>
+              </a:rPr>
+            </a:br>
+            <a:r>
+              <a:rPr lang="en-US" sz="600" dirty="0">
+                <a:latin typeface="Courier New" panose="02070309020205020404" pitchFamily="49" charset="0"/>
+                <a:cs typeface="Courier New" panose="02070309020205020404" pitchFamily="49" charset="0"/>
+              </a:rPr>
+              <a:t> 2      Yes 48 28.1 4.2  20 26     28 30  41</a:t>
+            </a:r>
+          </a:p>
+          <a:p>
+            <a:pPr algn="l" latinLnBrk="1"/>
+            <a:r>
+              <a:rPr lang="en-US" sz="600" dirty="0">
+                <a:latin typeface="Courier New" panose="02070309020205020404" pitchFamily="49" charset="0"/>
+                <a:cs typeface="Courier New" panose="02070309020205020404" pitchFamily="49" charset="0"/>
+              </a:rPr>
+              <a:t>&gt; </a:t>
+            </a:r>
+            <a:r>
+              <a:rPr lang="en-US" sz="600" b="1" dirty="0" err="1">
+                <a:solidFill>
+                  <a:srgbClr val="FF0000"/>
+                </a:solidFill>
+                <a:latin typeface="Courier New" panose="02070309020205020404" pitchFamily="49" charset="0"/>
+                <a:cs typeface="Courier New" panose="02070309020205020404" pitchFamily="49" charset="0"/>
+              </a:rPr>
+              <a:t>hist</a:t>
+            </a:r>
+            <a:r>
+              <a:rPr lang="en-US" sz="600" b="1" dirty="0">
+                <a:solidFill>
+                  <a:srgbClr val="FF0000"/>
+                </a:solidFill>
+                <a:latin typeface="Courier New" panose="02070309020205020404" pitchFamily="49" charset="0"/>
+                <a:cs typeface="Courier New" panose="02070309020205020404" pitchFamily="49" charset="0"/>
+              </a:rPr>
+              <a:t>(</a:t>
+            </a:r>
+            <a:r>
+              <a:rPr lang="en-US" sz="600" b="1" dirty="0" err="1">
+                <a:solidFill>
+                  <a:srgbClr val="FF0000"/>
+                </a:solidFill>
+                <a:latin typeface="Courier New" panose="02070309020205020404" pitchFamily="49" charset="0"/>
+                <a:cs typeface="Courier New" panose="02070309020205020404" pitchFamily="49" charset="0"/>
+              </a:rPr>
+              <a:t>HMPG~Domestic,data</a:t>
+            </a:r>
+            <a:r>
+              <a:rPr lang="en-US" sz="600" b="1" dirty="0">
+                <a:solidFill>
+                  <a:srgbClr val="FF0000"/>
+                </a:solidFill>
+                <a:latin typeface="Courier New" panose="02070309020205020404" pitchFamily="49" charset="0"/>
+                <a:cs typeface="Courier New" panose="02070309020205020404" pitchFamily="49" charset="0"/>
+              </a:rPr>
+              <a:t>=</a:t>
+            </a:r>
+            <a:r>
+              <a:rPr lang="en-US" sz="600" b="1" dirty="0" err="1">
+                <a:solidFill>
+                  <a:srgbClr val="FF0000"/>
+                </a:solidFill>
+                <a:latin typeface="Courier New" panose="02070309020205020404" pitchFamily="49" charset="0"/>
+                <a:cs typeface="Courier New" panose="02070309020205020404" pitchFamily="49" charset="0"/>
+              </a:rPr>
+              <a:t>dfobj,xlab</a:t>
+            </a:r>
+            <a:r>
+              <a:rPr lang="en-US" sz="600" b="1" dirty="0">
+                <a:solidFill>
+                  <a:srgbClr val="FF0000"/>
+                </a:solidFill>
+                <a:latin typeface="Courier New" panose="02070309020205020404" pitchFamily="49" charset="0"/>
+                <a:cs typeface="Courier New" panose="02070309020205020404" pitchFamily="49" charset="0"/>
+              </a:rPr>
+              <a:t>="Highway MPG")</a:t>
+            </a:r>
+          </a:p>
+          <a:p>
+            <a:pPr algn="l" latinLnBrk="1"/>
+            <a:endParaRPr lang="en-US" sz="7000" dirty="0" smtClean="0">
+              <a:latin typeface="Courier New" panose="02070309020205020404" pitchFamily="49" charset="0"/>
+              <a:cs typeface="Courier New" panose="02070309020205020404" pitchFamily="49" charset="0"/>
+            </a:endParaRPr>
+          </a:p>
+          <a:p>
+            <a:pPr algn="l" latinLnBrk="1"/>
+            <a:r>
               <a:rPr lang="en-US" sz="600" dirty="0" smtClean="0">
                 <a:latin typeface="Courier New" panose="02070309020205020404" pitchFamily="49" charset="0"/>
                 <a:cs typeface="Courier New" panose="02070309020205020404" pitchFamily="49" charset="0"/>
@@ -10667,217 +10883,6 @@
               <a:latin typeface="Cordia New" panose="020B0304020202020204" pitchFamily="34" charset="-34"/>
               <a:cs typeface="Cordia New" panose="020B0304020202020204" pitchFamily="34" charset="-34"/>
             </a:endParaRPr>
-          </a:p>
-          <a:p>
-            <a:pPr algn="l" latinLnBrk="1"/>
-            <a:r>
-              <a:rPr lang="en-US" sz="600" dirty="0" smtClean="0">
-                <a:latin typeface="Courier New" panose="02070309020205020404" pitchFamily="49" charset="0"/>
-                <a:cs typeface="Courier New" panose="02070309020205020404" pitchFamily="49" charset="0"/>
-              </a:rPr>
-              <a:t>&gt; </a:t>
-            </a:r>
-            <a:r>
-              <a:rPr lang="en-US" sz="600" b="1" dirty="0" smtClean="0">
-                <a:solidFill>
-                  <a:srgbClr val="FF0000"/>
-                </a:solidFill>
-                <a:latin typeface="Courier New" panose="02070309020205020404" pitchFamily="49" charset="0"/>
-                <a:cs typeface="Courier New" panose="02070309020205020404" pitchFamily="49" charset="0"/>
-              </a:rPr>
-              <a:t>Summarize(</a:t>
-            </a:r>
-            <a:r>
-              <a:rPr lang="en-US" sz="600" b="1" dirty="0" err="1" smtClean="0">
-                <a:solidFill>
-                  <a:srgbClr val="FF0000"/>
-                </a:solidFill>
-                <a:latin typeface="Courier New" panose="02070309020205020404" pitchFamily="49" charset="0"/>
-                <a:cs typeface="Courier New" panose="02070309020205020404" pitchFamily="49" charset="0"/>
-              </a:rPr>
-              <a:t>HMPG~Domestic,data</a:t>
-            </a:r>
-            <a:r>
-              <a:rPr lang="en-US" sz="600" b="1" dirty="0" smtClean="0">
-                <a:solidFill>
-                  <a:srgbClr val="FF0000"/>
-                </a:solidFill>
-                <a:latin typeface="Courier New" panose="02070309020205020404" pitchFamily="49" charset="0"/>
-                <a:cs typeface="Courier New" panose="02070309020205020404" pitchFamily="49" charset="0"/>
-              </a:rPr>
-              <a:t>=</a:t>
-            </a:r>
-            <a:r>
-              <a:rPr lang="en-US" sz="600" b="1" dirty="0" err="1" smtClean="0">
-                <a:solidFill>
-                  <a:srgbClr val="FF0000"/>
-                </a:solidFill>
-                <a:latin typeface="Courier New" panose="02070309020205020404" pitchFamily="49" charset="0"/>
-                <a:cs typeface="Courier New" panose="02070309020205020404" pitchFamily="49" charset="0"/>
-              </a:rPr>
-              <a:t>dfobj,digits</a:t>
-            </a:r>
-            <a:r>
-              <a:rPr lang="en-US" sz="600" b="1" dirty="0" smtClean="0">
-                <a:solidFill>
-                  <a:srgbClr val="FF0000"/>
-                </a:solidFill>
-                <a:latin typeface="Courier New" panose="02070309020205020404" pitchFamily="49" charset="0"/>
-                <a:cs typeface="Courier New" panose="02070309020205020404" pitchFamily="49" charset="0"/>
-              </a:rPr>
-              <a:t>=1</a:t>
-            </a:r>
-            <a:r>
-              <a:rPr lang="en-US" sz="600" b="1" dirty="0">
-                <a:solidFill>
-                  <a:srgbClr val="FF0000"/>
-                </a:solidFill>
-                <a:latin typeface="Courier New" panose="02070309020205020404" pitchFamily="49" charset="0"/>
-                <a:cs typeface="Courier New" panose="02070309020205020404" pitchFamily="49" charset="0"/>
-              </a:rPr>
-              <a:t>)</a:t>
-            </a:r>
-          </a:p>
-          <a:p>
-            <a:pPr algn="l" latinLnBrk="1"/>
-            <a:r>
-              <a:rPr lang="en-US" sz="600" dirty="0" smtClean="0">
-                <a:latin typeface="Courier New" panose="02070309020205020404" pitchFamily="49" charset="0"/>
-                <a:cs typeface="Courier New" panose="02070309020205020404" pitchFamily="49" charset="0"/>
-              </a:rPr>
-              <a:t>   </a:t>
-            </a:r>
-            <a:r>
-              <a:rPr lang="en-US" sz="600" dirty="0">
-                <a:latin typeface="Courier New" panose="02070309020205020404" pitchFamily="49" charset="0"/>
-                <a:cs typeface="Courier New" panose="02070309020205020404" pitchFamily="49" charset="0"/>
-              </a:rPr>
-              <a:t>Domestic  n mean  </a:t>
-            </a:r>
-            <a:r>
-              <a:rPr lang="en-US" sz="600" dirty="0" err="1">
-                <a:latin typeface="Courier New" panose="02070309020205020404" pitchFamily="49" charset="0"/>
-                <a:cs typeface="Courier New" panose="02070309020205020404" pitchFamily="49" charset="0"/>
-              </a:rPr>
-              <a:t>sd</a:t>
-            </a:r>
-            <a:r>
-              <a:rPr lang="en-US" sz="600" dirty="0">
-                <a:latin typeface="Courier New" panose="02070309020205020404" pitchFamily="49" charset="0"/>
-                <a:cs typeface="Courier New" panose="02070309020205020404" pitchFamily="49" charset="0"/>
-              </a:rPr>
-              <a:t> min Q1 median Q3 max</a:t>
-            </a:r>
-            <a:br>
-              <a:rPr lang="en-US" sz="600" dirty="0">
-                <a:latin typeface="Courier New" panose="02070309020205020404" pitchFamily="49" charset="0"/>
-                <a:cs typeface="Courier New" panose="02070309020205020404" pitchFamily="49" charset="0"/>
-              </a:rPr>
-            </a:br>
-            <a:r>
-              <a:rPr lang="en-US" sz="600" dirty="0" smtClean="0">
-                <a:latin typeface="Courier New" panose="02070309020205020404" pitchFamily="49" charset="0"/>
-                <a:cs typeface="Courier New" panose="02070309020205020404" pitchFamily="49" charset="0"/>
-              </a:rPr>
-              <a:t> </a:t>
-            </a:r>
-            <a:r>
-              <a:rPr lang="en-US" sz="600" dirty="0">
-                <a:latin typeface="Courier New" panose="02070309020205020404" pitchFamily="49" charset="0"/>
-                <a:cs typeface="Courier New" panose="02070309020205020404" pitchFamily="49" charset="0"/>
-              </a:rPr>
-              <a:t>1       No 45 30.1 6.2  21 25     30 33  50</a:t>
-            </a:r>
-            <a:br>
-              <a:rPr lang="en-US" sz="600" dirty="0">
-                <a:latin typeface="Courier New" panose="02070309020205020404" pitchFamily="49" charset="0"/>
-                <a:cs typeface="Courier New" panose="02070309020205020404" pitchFamily="49" charset="0"/>
-              </a:rPr>
-            </a:br>
-            <a:r>
-              <a:rPr lang="en-US" sz="600" dirty="0" smtClean="0">
-                <a:latin typeface="Courier New" panose="02070309020205020404" pitchFamily="49" charset="0"/>
-                <a:cs typeface="Courier New" panose="02070309020205020404" pitchFamily="49" charset="0"/>
-              </a:rPr>
-              <a:t> </a:t>
-            </a:r>
-            <a:r>
-              <a:rPr lang="en-US" sz="600" dirty="0">
-                <a:latin typeface="Courier New" panose="02070309020205020404" pitchFamily="49" charset="0"/>
-                <a:cs typeface="Courier New" panose="02070309020205020404" pitchFamily="49" charset="0"/>
-              </a:rPr>
-              <a:t>2      Yes 48 28.1 4.2  20 26     28 30  41</a:t>
-            </a:r>
-          </a:p>
-          <a:p>
-            <a:pPr algn="l" latinLnBrk="1"/>
-            <a:r>
-              <a:rPr lang="en-US" sz="600" dirty="0" smtClean="0">
-                <a:latin typeface="Courier New" panose="02070309020205020404" pitchFamily="49" charset="0"/>
-                <a:cs typeface="Courier New" panose="02070309020205020404" pitchFamily="49" charset="0"/>
-              </a:rPr>
-              <a:t>&gt; </a:t>
-            </a:r>
-            <a:r>
-              <a:rPr lang="en-US" sz="600" b="1" dirty="0" err="1" smtClean="0">
-                <a:solidFill>
-                  <a:srgbClr val="FF0000"/>
-                </a:solidFill>
-                <a:latin typeface="Courier New" panose="02070309020205020404" pitchFamily="49" charset="0"/>
-                <a:cs typeface="Courier New" panose="02070309020205020404" pitchFamily="49" charset="0"/>
-              </a:rPr>
-              <a:t>hist</a:t>
-            </a:r>
-            <a:r>
-              <a:rPr lang="en-US" sz="600" b="1" dirty="0" smtClean="0">
-                <a:solidFill>
-                  <a:srgbClr val="FF0000"/>
-                </a:solidFill>
-                <a:latin typeface="Courier New" panose="02070309020205020404" pitchFamily="49" charset="0"/>
-                <a:cs typeface="Courier New" panose="02070309020205020404" pitchFamily="49" charset="0"/>
-              </a:rPr>
-              <a:t>(</a:t>
-            </a:r>
-            <a:r>
-              <a:rPr lang="en-US" sz="600" b="1" dirty="0" err="1" smtClean="0">
-                <a:solidFill>
-                  <a:srgbClr val="FF0000"/>
-                </a:solidFill>
-                <a:latin typeface="Courier New" panose="02070309020205020404" pitchFamily="49" charset="0"/>
-                <a:cs typeface="Courier New" panose="02070309020205020404" pitchFamily="49" charset="0"/>
-              </a:rPr>
-              <a:t>HMPG~Domestic,data</a:t>
-            </a:r>
-            <a:r>
-              <a:rPr lang="en-US" sz="600" b="1" dirty="0" smtClean="0">
-                <a:solidFill>
-                  <a:srgbClr val="FF0000"/>
-                </a:solidFill>
-                <a:latin typeface="Courier New" panose="02070309020205020404" pitchFamily="49" charset="0"/>
-                <a:cs typeface="Courier New" panose="02070309020205020404" pitchFamily="49" charset="0"/>
-              </a:rPr>
-              <a:t>=</a:t>
-            </a:r>
-            <a:r>
-              <a:rPr lang="en-US" sz="600" b="1" dirty="0" err="1" smtClean="0">
-                <a:solidFill>
-                  <a:srgbClr val="FF0000"/>
-                </a:solidFill>
-                <a:latin typeface="Courier New" panose="02070309020205020404" pitchFamily="49" charset="0"/>
-                <a:cs typeface="Courier New" panose="02070309020205020404" pitchFamily="49" charset="0"/>
-              </a:rPr>
-              <a:t>dfobj,xlab</a:t>
-            </a:r>
-            <a:r>
-              <a:rPr lang="en-US" sz="600" b="1" dirty="0">
-                <a:solidFill>
-                  <a:srgbClr val="FF0000"/>
-                </a:solidFill>
-                <a:latin typeface="Courier New" panose="02070309020205020404" pitchFamily="49" charset="0"/>
-                <a:cs typeface="Courier New" panose="02070309020205020404" pitchFamily="49" charset="0"/>
-              </a:rPr>
-              <a:t>="Highway MPG")</a:t>
-            </a:r>
           </a:p>
           <a:p>
             <a:pPr algn="l"/>
@@ -13936,17 +13941,7 @@
                 <a:latin typeface="Courier New" panose="02070309020205020404" pitchFamily="49" charset="0"/>
                 <a:cs typeface="Courier New" panose="02070309020205020404" pitchFamily="49" charset="0"/>
               </a:rPr>
-              <a:t>=FALSE</a:t>
-            </a:r>
-            <a:r>
-              <a:rPr lang="en-US" sz="600" b="1" dirty="0" smtClean="0">
-                <a:solidFill>
-                  <a:srgbClr val="FF0000"/>
-                </a:solidFill>
-                <a:latin typeface="Courier New" panose="02070309020205020404" pitchFamily="49" charset="0"/>
-                <a:cs typeface="Courier New" panose="02070309020205020404" pitchFamily="49" charset="0"/>
-              </a:rPr>
-              <a:t>))</a:t>
+              <a:t>=FALSE))</a:t>
             </a:r>
             <a:r>
               <a:rPr lang="en-US" sz="600" b="1" dirty="0">
@@ -14571,10 +14566,6 @@
               </a:rPr>
               <a:t>3.438e-05</a:t>
             </a:r>
-            <a:endParaRPr lang="en-US" sz="600" dirty="0" smtClean="0">
-              <a:latin typeface="Courier New" panose="02070309020205020404" pitchFamily="49" charset="0"/>
-              <a:cs typeface="Courier New" panose="02070309020205020404" pitchFamily="49" charset="0"/>
-            </a:endParaRPr>
           </a:p>
           <a:p>
             <a:pPr algn="l" latinLnBrk="1"/>
@@ -14693,10 +14684,6 @@
               </a:rPr>
               <a:t>31.48387</a:t>
             </a:r>
-            <a:endParaRPr lang="en-US" sz="600" dirty="0" smtClean="0">
-              <a:latin typeface="Courier New" panose="02070309020205020404" pitchFamily="49" charset="0"/>
-              <a:cs typeface="Courier New" panose="02070309020205020404" pitchFamily="49" charset="0"/>
-            </a:endParaRPr>
           </a:p>
           <a:p>
             <a:pPr algn="l" latinLnBrk="1"/>
@@ -14827,7 +14814,7 @@
         </p:blipFill>
         <p:spPr bwMode="auto">
           <a:xfrm>
-            <a:off x="255211" y="4339667"/>
+            <a:off x="255211" y="5860410"/>
             <a:ext cx="1143000" cy="914400"/>
           </a:xfrm>
           <a:prstGeom prst="rect">
@@ -15181,7 +15168,7 @@
         </p:blipFill>
         <p:spPr>
           <a:xfrm>
-            <a:off x="255211" y="5829549"/>
+            <a:off x="254286" y="3973820"/>
             <a:ext cx="1828800" cy="914400"/>
           </a:xfrm>
           <a:prstGeom prst="rect">

--- a/resources/MTH107-Rcheatsheet.pptx
+++ b/resources/MTH107-Rcheatsheet.pptx
@@ -1493,7 +1493,7 @@
           </a:ln>
           <a:extLst>
             <a:ext uri="{C572A759-6A51-4108-AA02-DFA0A04FC94B}">
-              <ma14:wrappingTextBoxFlag xmlns="" xmlns:ma14="http://schemas.microsoft.com/office/mac/drawingml/2011/main" val="1"/>
+              <ma14:wrappingTextBoxFlag xmlns:ma14="http://schemas.microsoft.com/office/mac/drawingml/2011/main" xmlns="" val="1"/>
             </a:ext>
           </a:extLst>
         </p:spPr>
@@ -1536,7 +1536,7 @@
           </a:ln>
           <a:extLst>
             <a:ext uri="{C572A759-6A51-4108-AA02-DFA0A04FC94B}">
-              <ma14:wrappingTextBoxFlag xmlns="" xmlns:ma14="http://schemas.microsoft.com/office/mac/drawingml/2011/main" val="1"/>
+              <ma14:wrappingTextBoxFlag xmlns:ma14="http://schemas.microsoft.com/office/mac/drawingml/2011/main" xmlns="" val="1"/>
             </a:ext>
           </a:extLst>
         </p:spPr>
@@ -2332,7 +2332,7 @@
             </a:ln>
             <a:extLst>
               <a:ext uri="{C572A759-6A51-4108-AA02-DFA0A04FC94B}">
-                <ma14:wrappingTextBoxFlag xmlns="" xmlns:ma14="http://schemas.microsoft.com/office/mac/drawingml/2011/main" val="1"/>
+                <ma14:wrappingTextBoxFlag xmlns:ma14="http://schemas.microsoft.com/office/mac/drawingml/2011/main" xmlns="" val="1"/>
               </a:ext>
             </a:extLst>
           </p:spPr>
@@ -3350,7 +3350,7 @@
           </a:ln>
           <a:extLst>
             <a:ext uri="{C572A759-6A51-4108-AA02-DFA0A04FC94B}">
-              <ma14:wrappingTextBoxFlag xmlns="" xmlns:ma14="http://schemas.microsoft.com/office/mac/drawingml/2011/main" val="1"/>
+              <ma14:wrappingTextBoxFlag xmlns:ma14="http://schemas.microsoft.com/office/mac/drawingml/2011/main" xmlns="" val="1"/>
             </a:ext>
           </a:extLst>
         </p:spPr>
@@ -3915,7 +3915,7 @@
             </a:ln>
             <a:extLst>
               <a:ext uri="{C572A759-6A51-4108-AA02-DFA0A04FC94B}">
-                <ma14:wrappingTextBoxFlag xmlns="" xmlns:ma14="http://schemas.microsoft.com/office/mac/drawingml/2011/main" val="1"/>
+                <ma14:wrappingTextBoxFlag xmlns:ma14="http://schemas.microsoft.com/office/mac/drawingml/2011/main" xmlns="" val="1"/>
               </a:ext>
             </a:extLst>
           </p:spPr>
@@ -3999,34 +3999,25 @@
             <a:p>
               <a:pPr algn="l" defTabSz="320174" rtl="0" latinLnBrk="1" hangingPunct="0"/>
               <a:r>
-                <a:rPr lang="en-US" sz="800" dirty="0" err="1">
+                <a:rPr lang="en-US" sz="800" dirty="0" smtClean="0">
                   <a:solidFill>
                     <a:srgbClr val="FF0000"/>
                   </a:solidFill>
                   <a:latin typeface="Source Sans Pro Semibold"/>
                 </a:rPr>
-                <a:t>corr</a:t>
+                <a:t>plot(</a:t>
               </a:r>
               <a:r>
-                <a:rPr lang="en-US" sz="800" dirty="0">
+                <a:rPr lang="en-US" sz="800" dirty="0" err="1" smtClean="0">
                   <a:solidFill>
                     <a:srgbClr val="FF0000"/>
                   </a:solidFill>
                   <a:latin typeface="Source Sans Pro Semibold"/>
                 </a:rPr>
-                <a:t>(~</a:t>
+                <a:t>qvarY~qvarX,data</a:t>
               </a:r>
               <a:r>
-                <a:rPr lang="en-US" sz="800" dirty="0" err="1">
-                  <a:solidFill>
-                    <a:srgbClr val="FF0000"/>
-                  </a:solidFill>
-                  <a:latin typeface="Source Sans Pro Semibold"/>
-                </a:rPr>
-                <a:t>qvarY+qvarX,data</a:t>
-              </a:r>
-              <a:r>
-                <a:rPr lang="en-US" sz="800" dirty="0">
+                <a:rPr lang="en-US" sz="800" dirty="0" smtClean="0">
                   <a:solidFill>
                     <a:srgbClr val="FF0000"/>
                   </a:solidFill>
@@ -4035,55 +4026,7 @@
                 <a:t>=</a:t>
               </a:r>
               <a:r>
-                <a:rPr lang="en-US" sz="800" dirty="0" err="1">
-                  <a:solidFill>
-                    <a:srgbClr val="FF0000"/>
-                  </a:solidFill>
-                  <a:latin typeface="Source Sans Pro Semibold"/>
-                </a:rPr>
-                <a:t>dfobj</a:t>
-              </a:r>
-              <a:r>
-                <a:rPr lang="en-US" sz="800" dirty="0">
-                  <a:solidFill>
-                    <a:srgbClr val="FF0000"/>
-                  </a:solidFill>
-                  <a:latin typeface="Source Sans Pro Semibold"/>
-                </a:rPr>
-                <a:t>)</a:t>
-              </a:r>
-            </a:p>
-            <a:p>
-              <a:pPr algn="l" defTabSz="320174" rtl="0" latinLnBrk="1" hangingPunct="0"/>
-              <a:r>
-                <a:rPr lang="en-US" sz="800" dirty="0">
-                  <a:solidFill>
-                    <a:srgbClr val="FF0000"/>
-                  </a:solidFill>
-                  <a:latin typeface="Source Sans Pro Semibold"/>
-                </a:rPr>
-                <a:t>plot(</a:t>
-              </a:r>
-              <a:r>
-                <a:rPr lang="en-US" sz="800" dirty="0" err="1">
-                  <a:solidFill>
-                    <a:srgbClr val="FF0000"/>
-                  </a:solidFill>
-                  <a:latin typeface="Source Sans Pro Semibold"/>
-                </a:rPr>
-                <a:t>qvarY~qvarX,data</a:t>
-              </a:r>
-              <a:r>
-                <a:rPr lang="en-US" sz="800" dirty="0">
-                  <a:solidFill>
-                    <a:srgbClr val="FF0000"/>
-                  </a:solidFill>
-                  <a:latin typeface="Source Sans Pro Semibold"/>
-                </a:rPr>
-                <a:t>=</a:t>
-              </a:r>
-              <a:r>
-                <a:rPr lang="en-US" sz="800" dirty="0" err="1">
+                <a:rPr lang="en-US" sz="800" dirty="0" err="1" smtClean="0">
                   <a:solidFill>
                     <a:srgbClr val="FF0000"/>
                   </a:solidFill>
@@ -4111,6 +4054,15 @@
                   <a:latin typeface="Source Sans Pro Semibold"/>
                 </a:rPr>
                 <a:t>      </a:t>
+              </a:r>
+              <a:r>
+                <a:rPr lang="en-US" sz="800" dirty="0" smtClean="0">
+                  <a:solidFill>
+                    <a:srgbClr val="FF0000"/>
+                  </a:solidFill>
+                  <a:latin typeface="Source Sans Pro Semibold"/>
+                </a:rPr>
+                <a:t> </a:t>
               </a:r>
               <a:r>
                 <a:rPr lang="en-US" sz="800" dirty="0" err="1" smtClean="0">
@@ -4209,8 +4161,80 @@
                   </a:solidFill>
                   <a:latin typeface="Source Sans Pro Semibold"/>
                 </a:rPr>
-                <a:t>label”)</a:t>
+                <a:t>label</a:t>
               </a:r>
+              <a:r>
+                <a:rPr lang="en-US" sz="800" dirty="0" smtClean="0">
+                  <a:solidFill>
+                    <a:srgbClr val="FF0000"/>
+                  </a:solidFill>
+                  <a:latin typeface="Source Sans Pro Semibold"/>
+                </a:rPr>
+                <a:t>”)</a:t>
+              </a:r>
+            </a:p>
+            <a:p>
+              <a:pPr algn="l" defTabSz="320174" rtl="0" latinLnBrk="1" hangingPunct="0"/>
+              <a:r>
+                <a:rPr lang="en-US" sz="800" dirty="0" err="1">
+                  <a:solidFill>
+                    <a:srgbClr val="FF0000"/>
+                  </a:solidFill>
+                  <a:latin typeface="Source Sans Pro Semibold"/>
+                </a:rPr>
+                <a:t>corr</a:t>
+              </a:r>
+              <a:r>
+                <a:rPr lang="en-US" sz="800" dirty="0">
+                  <a:solidFill>
+                    <a:srgbClr val="FF0000"/>
+                  </a:solidFill>
+                  <a:latin typeface="Source Sans Pro Semibold"/>
+                </a:rPr>
+                <a:t>(~</a:t>
+              </a:r>
+              <a:r>
+                <a:rPr lang="en-US" sz="800" dirty="0" err="1">
+                  <a:solidFill>
+                    <a:srgbClr val="FF0000"/>
+                  </a:solidFill>
+                  <a:latin typeface="Source Sans Pro Semibold"/>
+                </a:rPr>
+                <a:t>qvarY+qvarX,data</a:t>
+              </a:r>
+              <a:r>
+                <a:rPr lang="en-US" sz="800" dirty="0">
+                  <a:solidFill>
+                    <a:srgbClr val="FF0000"/>
+                  </a:solidFill>
+                  <a:latin typeface="Source Sans Pro Semibold"/>
+                </a:rPr>
+                <a:t>=</a:t>
+              </a:r>
+              <a:r>
+                <a:rPr lang="en-US" sz="800" dirty="0" err="1">
+                  <a:solidFill>
+                    <a:srgbClr val="FF0000"/>
+                  </a:solidFill>
+                  <a:latin typeface="Source Sans Pro Semibold"/>
+                </a:rPr>
+                <a:t>dfobj</a:t>
+              </a:r>
+              <a:r>
+                <a:rPr lang="en-US" sz="800" dirty="0" smtClean="0">
+                  <a:solidFill>
+                    <a:srgbClr val="FF0000"/>
+                  </a:solidFill>
+                  <a:latin typeface="Source Sans Pro Semibold"/>
+                </a:rPr>
+                <a:t>)</a:t>
+              </a:r>
+              <a:endParaRPr lang="en-US" sz="800" dirty="0">
+                <a:solidFill>
+                  <a:srgbClr val="FF0000"/>
+                </a:solidFill>
+                <a:latin typeface="Source Sans Pro Semibold"/>
+              </a:endParaRPr>
             </a:p>
           </p:txBody>
         </p:sp>
@@ -4635,13 +4659,13 @@
               <a:buChar char="•"/>
             </a:pPr>
             <a:r>
-              <a:rPr lang="en-US" sz="800" dirty="0" err="1">
-                <a:solidFill>
-                  <a:srgbClr val="FF0000"/>
-                </a:solidFill>
-                <a:latin typeface="Source Sans Pro Semibold"/>
-              </a:rPr>
-              <a:t>lower.tail</a:t>
+              <a:rPr lang="en-US" sz="800" dirty="0" smtClean="0">
+                <a:solidFill>
+                  <a:srgbClr val="FF0000"/>
+                </a:solidFill>
+                <a:latin typeface="Source Sans Pro Semibold"/>
+              </a:rPr>
+              <a:t>type</a:t>
             </a:r>
             <a:r>
               <a:rPr lang="en-US" sz="800" dirty="0">
@@ -4650,19 +4674,19 @@
                 </a:solidFill>
                 <a:latin typeface="Source Sans Pro Semibold"/>
               </a:rPr>
-              <a:t>=FALSE</a:t>
-            </a:r>
-            <a:r>
-              <a:rPr lang="en-US" sz="800" b="1" dirty="0">
-                <a:latin typeface="Source Sans Pro Light"/>
-              </a:rPr>
-              <a:t> </a:t>
+              <a:t>=”q” </a:t>
             </a:r>
             <a:r>
               <a:rPr lang="en-US" sz="800" dirty="0">
                 <a:latin typeface="Source Sans Pro Light"/>
               </a:rPr>
-              <a:t>is included for “right-of” calculations</a:t>
+              <a:t>is included for reverse </a:t>
+            </a:r>
+            <a:r>
+              <a:rPr lang="en-US" sz="800" dirty="0" smtClean="0">
+                <a:latin typeface="Source Sans Pro Light"/>
+              </a:rPr>
+              <a:t>calculations</a:t>
             </a:r>
           </a:p>
           <a:p>
@@ -4674,20 +4698,44 @@
               <a:buChar char="•"/>
             </a:pPr>
             <a:r>
+              <a:rPr lang="en-US" sz="800" dirty="0" err="1">
+                <a:solidFill>
+                  <a:srgbClr val="FF0000"/>
+                </a:solidFill>
+                <a:latin typeface="Source Sans Pro Semibold"/>
+              </a:rPr>
+              <a:t>lower.tail</a:t>
+            </a:r>
+            <a:r>
               <a:rPr lang="en-US" sz="800" dirty="0">
                 <a:solidFill>
                   <a:srgbClr val="FF0000"/>
                 </a:solidFill>
                 <a:latin typeface="Source Sans Pro Semibold"/>
               </a:rPr>
-              <a:t>type=”q” </a:t>
+              <a:t>=FALSE</a:t>
+            </a:r>
+            <a:r>
+              <a:rPr lang="en-US" sz="800" b="1" dirty="0">
+                <a:latin typeface="Source Sans Pro Light"/>
+              </a:rPr>
+              <a:t> </a:t>
             </a:r>
             <a:r>
               <a:rPr lang="en-US" sz="800" dirty="0">
                 <a:latin typeface="Source Sans Pro Light"/>
               </a:rPr>
-              <a:t>is included for reverse calculations</a:t>
-            </a:r>
+              <a:t>is included for “right-of” </a:t>
+            </a:r>
+            <a:r>
+              <a:rPr lang="en-US" sz="800" dirty="0" smtClean="0">
+                <a:latin typeface="Source Sans Pro Light"/>
+              </a:rPr>
+              <a:t>calculations</a:t>
+            </a:r>
+            <a:endParaRPr lang="en-US" sz="800" dirty="0">
+              <a:latin typeface="Source Sans Pro Light"/>
+            </a:endParaRPr>
           </a:p>
           <a:p>
             <a:pPr marL="62643" indent="-60903" algn="l">
@@ -4767,7 +4815,7 @@
           </a:ln>
           <a:extLst>
             <a:ext uri="{C572A759-6A51-4108-AA02-DFA0A04FC94B}">
-              <ma14:wrappingTextBoxFlag xmlns="" xmlns:ma14="http://schemas.microsoft.com/office/mac/drawingml/2011/main" val="1"/>
+              <ma14:wrappingTextBoxFlag xmlns:ma14="http://schemas.microsoft.com/office/mac/drawingml/2011/main" xmlns="" val="1"/>
             </a:ext>
           </a:extLst>
         </p:spPr>
@@ -4935,7 +4983,25 @@
               <a:t>           </a:t>
             </a:r>
             <a:r>
-              <a:rPr lang="en-US" sz="800" dirty="0" err="1">
+              <a:rPr lang="en-US" sz="800" dirty="0">
+                <a:solidFill>
+                  <a:srgbClr val="FF0000"/>
+                </a:solidFill>
+                <a:latin typeface="Source Sans Pro Semibold"/>
+              </a:rPr>
+              <a:t>type=“q</a:t>
+            </a:r>
+            <a:r>
+              <a:rPr lang="en-US" sz="800" dirty="0" smtClean="0">
+                <a:solidFill>
+                  <a:srgbClr val="FF0000"/>
+                </a:solidFill>
+                <a:latin typeface="Source Sans Pro Semibold"/>
+              </a:rPr>
+              <a:t>”,</a:t>
+            </a:r>
+            <a:r>
+              <a:rPr lang="en-US" sz="800" dirty="0" err="1" smtClean="0">
                 <a:solidFill>
                   <a:srgbClr val="FF0000"/>
                 </a:solidFill>
@@ -4944,32 +5010,29 @@
               <a:t>lower.tail</a:t>
             </a:r>
             <a:r>
-              <a:rPr lang="en-US" sz="800" dirty="0">
-                <a:solidFill>
-                  <a:srgbClr val="FF0000"/>
-                </a:solidFill>
-                <a:latin typeface="Source Sans Pro Semibold"/>
-              </a:rPr>
-              <a:t>=</a:t>
-            </a:r>
-            <a:r>
-              <a:rPr lang="en-US" sz="800" dirty="0" err="1">
-                <a:solidFill>
-                  <a:srgbClr val="FF0000"/>
-                </a:solidFill>
-                <a:latin typeface="Source Sans Pro Semibold"/>
-              </a:rPr>
-              <a:t>FALSE,type</a:t>
-            </a:r>
-            <a:r>
-              <a:rPr lang="en-US" sz="800" dirty="0">
-                <a:solidFill>
-                  <a:srgbClr val="FF0000"/>
-                </a:solidFill>
-                <a:latin typeface="Source Sans Pro Semibold"/>
-              </a:rPr>
-              <a:t>=“q”)</a:t>
-            </a:r>
+              <a:rPr lang="en-US" sz="800" dirty="0" smtClean="0">
+                <a:solidFill>
+                  <a:srgbClr val="FF0000"/>
+                </a:solidFill>
+                <a:latin typeface="Source Sans Pro Semibold"/>
+              </a:rPr>
+              <a:t>=FALSE</a:t>
+            </a:r>
+            <a:r>
+              <a:rPr lang="en-US" sz="800" dirty="0" smtClean="0">
+                <a:solidFill>
+                  <a:srgbClr val="FF0000"/>
+                </a:solidFill>
+                <a:latin typeface="Source Sans Pro Semibold"/>
+              </a:rPr>
+              <a:t>)</a:t>
+            </a:r>
+            <a:endParaRPr lang="en-US" sz="800" dirty="0">
+              <a:solidFill>
+                <a:srgbClr val="FF0000"/>
+              </a:solidFill>
+              <a:latin typeface="Source Sans Pro Semibold"/>
+            </a:endParaRPr>
           </a:p>
         </p:txBody>
       </p:sp>
@@ -5434,7 +5497,7 @@
             </a:ln>
             <a:extLst>
               <a:ext uri="{C572A759-6A51-4108-AA02-DFA0A04FC94B}">
-                <ma14:wrappingTextBoxFlag xmlns="" xmlns:ma14="http://schemas.microsoft.com/office/mac/drawingml/2011/main" val="1"/>
+                <ma14:wrappingTextBoxFlag xmlns:ma14="http://schemas.microsoft.com/office/mac/drawingml/2011/main" xmlns="" val="1"/>
               </a:ext>
             </a:extLst>
           </p:spPr>
@@ -5518,61 +5581,7 @@
             <a:p>
               <a:pPr algn="l" defTabSz="320174" rtl="0" latinLnBrk="1" hangingPunct="0"/>
               <a:r>
-                <a:rPr lang="en-US" sz="800" dirty="0">
-                  <a:solidFill>
-                    <a:srgbClr val="FF0000"/>
-                  </a:solidFill>
-                  <a:latin typeface="Source Sans Pro Semibold"/>
-                </a:rPr>
-                <a:t>Summarize(~</a:t>
-              </a:r>
-              <a:r>
-                <a:rPr lang="en-US" sz="800" dirty="0" err="1">
-                  <a:solidFill>
-                    <a:srgbClr val="FF0000"/>
-                  </a:solidFill>
-                  <a:latin typeface="Source Sans Pro Semibold"/>
-                </a:rPr>
-                <a:t>qvar,data</a:t>
-              </a:r>
-              <a:r>
-                <a:rPr lang="en-US" sz="800" dirty="0">
-                  <a:solidFill>
-                    <a:srgbClr val="FF0000"/>
-                  </a:solidFill>
-                  <a:latin typeface="Source Sans Pro Semibold"/>
-                </a:rPr>
-                <a:t>=</a:t>
-              </a:r>
-              <a:r>
-                <a:rPr lang="en-US" sz="800" dirty="0" err="1">
-                  <a:solidFill>
-                    <a:srgbClr val="FF0000"/>
-                  </a:solidFill>
-                  <a:latin typeface="Source Sans Pro Semibold"/>
-                </a:rPr>
-                <a:t>dfobj,digits</a:t>
-              </a:r>
-              <a:r>
-                <a:rPr lang="en-US" sz="800" dirty="0" smtClean="0">
-                  <a:solidFill>
-                    <a:srgbClr val="FF0000"/>
-                  </a:solidFill>
-                  <a:latin typeface="Source Sans Pro Semibold"/>
-                </a:rPr>
-                <a:t>=#)</a:t>
-              </a:r>
-              <a:endParaRPr lang="en-US" sz="800" dirty="0">
-                <a:solidFill>
-                  <a:srgbClr val="FF0000"/>
-                </a:solidFill>
-                <a:latin typeface="Source Sans Pro Semibold"/>
-              </a:endParaRPr>
-            </a:p>
-            <a:p>
-              <a:pPr algn="l" defTabSz="320174" rtl="0" latinLnBrk="1" hangingPunct="0"/>
-              <a:r>
-                <a:rPr lang="en-US" sz="800" dirty="0" err="1">
+                <a:rPr lang="en-US" sz="800" dirty="0" err="1" smtClean="0">
                   <a:solidFill>
                     <a:srgbClr val="FF0000"/>
                   </a:solidFill>
@@ -5650,8 +5659,71 @@
                   </a:solidFill>
                   <a:latin typeface="Source Sans Pro Semibold"/>
                 </a:rPr>
-                <a:t>label”)</a:t>
+                <a:t>label</a:t>
               </a:r>
+              <a:r>
+                <a:rPr lang="en-US" sz="800" dirty="0" smtClean="0">
+                  <a:solidFill>
+                    <a:srgbClr val="FF0000"/>
+                  </a:solidFill>
+                  <a:latin typeface="Source Sans Pro Semibold"/>
+                </a:rPr>
+                <a:t>”)</a:t>
+              </a:r>
+            </a:p>
+            <a:p>
+              <a:pPr algn="l" defTabSz="320174" rtl="0" latinLnBrk="1" hangingPunct="0"/>
+              <a:r>
+                <a:rPr lang="en-US" sz="800" dirty="0">
+                  <a:solidFill>
+                    <a:srgbClr val="FF0000"/>
+                  </a:solidFill>
+                  <a:latin typeface="Source Sans Pro Semibold"/>
+                </a:rPr>
+                <a:t>Summarize(~</a:t>
+              </a:r>
+              <a:r>
+                <a:rPr lang="en-US" sz="800" dirty="0" err="1">
+                  <a:solidFill>
+                    <a:srgbClr val="FF0000"/>
+                  </a:solidFill>
+                  <a:latin typeface="Source Sans Pro Semibold"/>
+                </a:rPr>
+                <a:t>qvar,data</a:t>
+              </a:r>
+              <a:r>
+                <a:rPr lang="en-US" sz="800" dirty="0">
+                  <a:solidFill>
+                    <a:srgbClr val="FF0000"/>
+                  </a:solidFill>
+                  <a:latin typeface="Source Sans Pro Semibold"/>
+                </a:rPr>
+                <a:t>=</a:t>
+              </a:r>
+              <a:r>
+                <a:rPr lang="en-US" sz="800" dirty="0" err="1">
+                  <a:solidFill>
+                    <a:srgbClr val="FF0000"/>
+                  </a:solidFill>
+                  <a:latin typeface="Source Sans Pro Semibold"/>
+                </a:rPr>
+                <a:t>dfobj,digits</a:t>
+              </a:r>
+              <a:r>
+                <a:rPr lang="en-US" sz="800" dirty="0" smtClean="0">
+                  <a:solidFill>
+                    <a:srgbClr val="FF0000"/>
+                  </a:solidFill>
+                  <a:latin typeface="Source Sans Pro Semibold"/>
+                </a:rPr>
+                <a:t>=#)</a:t>
+              </a:r>
+              <a:endParaRPr lang="en-US" sz="800" dirty="0">
+                <a:solidFill>
+                  <a:srgbClr val="FF0000"/>
+                </a:solidFill>
+                <a:latin typeface="Source Sans Pro Semibold"/>
+              </a:endParaRPr>
             </a:p>
           </p:txBody>
         </p:sp>
@@ -5947,60 +6019,6 @@
             <a:p>
               <a:pPr algn="l" defTabSz="320174" rtl="0" latinLnBrk="1" hangingPunct="0"/>
               <a:r>
-                <a:rPr lang="en-US" sz="800" dirty="0">
-                  <a:solidFill>
-                    <a:srgbClr val="FF0000"/>
-                  </a:solidFill>
-                  <a:latin typeface="Source Sans Pro Semibold"/>
-                </a:rPr>
-                <a:t>Summarize(</a:t>
-              </a:r>
-              <a:r>
-                <a:rPr lang="en-US" sz="800" dirty="0" err="1">
-                  <a:solidFill>
-                    <a:srgbClr val="FF0000"/>
-                  </a:solidFill>
-                  <a:latin typeface="Source Sans Pro Semibold"/>
-                </a:rPr>
-                <a:t>qvar~fvar,data</a:t>
-              </a:r>
-              <a:r>
-                <a:rPr lang="en-US" sz="800" dirty="0">
-                  <a:solidFill>
-                    <a:srgbClr val="FF0000"/>
-                  </a:solidFill>
-                  <a:latin typeface="Source Sans Pro Semibold"/>
-                </a:rPr>
-                <a:t>=</a:t>
-              </a:r>
-              <a:r>
-                <a:rPr lang="en-US" sz="800" dirty="0" err="1">
-                  <a:solidFill>
-                    <a:srgbClr val="FF0000"/>
-                  </a:solidFill>
-                  <a:latin typeface="Source Sans Pro Semibold"/>
-                </a:rPr>
-                <a:t>dfobj,digits</a:t>
-              </a:r>
-              <a:r>
-                <a:rPr lang="en-US" sz="800" dirty="0" smtClean="0">
-                  <a:solidFill>
-                    <a:srgbClr val="FF0000"/>
-                  </a:solidFill>
-                  <a:latin typeface="Source Sans Pro Semibold"/>
-                </a:rPr>
-                <a:t>=#)</a:t>
-              </a:r>
-              <a:endParaRPr lang="en-US" sz="800" dirty="0">
-                <a:solidFill>
-                  <a:srgbClr val="FF0000"/>
-                </a:solidFill>
-                <a:latin typeface="Source Sans Pro Semibold"/>
-              </a:endParaRPr>
-            </a:p>
-            <a:p>
-              <a:pPr algn="l" defTabSz="320174" rtl="0" latinLnBrk="1" hangingPunct="0"/>
-              <a:r>
                 <a:rPr lang="en-US" sz="800" dirty="0" err="1" smtClean="0">
                   <a:solidFill>
                     <a:srgbClr val="FF0000"/>
@@ -6079,8 +6097,71 @@
                   </a:solidFill>
                   <a:latin typeface="Source Sans Pro Semibold"/>
                 </a:rPr>
-                <a:t>label”)</a:t>
+                <a:t>label</a:t>
               </a:r>
+              <a:r>
+                <a:rPr lang="en-US" sz="800" dirty="0" smtClean="0">
+                  <a:solidFill>
+                    <a:srgbClr val="FF0000"/>
+                  </a:solidFill>
+                  <a:latin typeface="Source Sans Pro Semibold"/>
+                </a:rPr>
+                <a:t>”)</a:t>
+              </a:r>
+            </a:p>
+            <a:p>
+              <a:pPr algn="l" defTabSz="320174" rtl="0" latinLnBrk="1" hangingPunct="0"/>
+              <a:r>
+                <a:rPr lang="en-US" sz="800" dirty="0">
+                  <a:solidFill>
+                    <a:srgbClr val="FF0000"/>
+                  </a:solidFill>
+                  <a:latin typeface="Source Sans Pro Semibold"/>
+                </a:rPr>
+                <a:t>Summarize(</a:t>
+              </a:r>
+              <a:r>
+                <a:rPr lang="en-US" sz="800" dirty="0" err="1">
+                  <a:solidFill>
+                    <a:srgbClr val="FF0000"/>
+                  </a:solidFill>
+                  <a:latin typeface="Source Sans Pro Semibold"/>
+                </a:rPr>
+                <a:t>qvar~fvar,data</a:t>
+              </a:r>
+              <a:r>
+                <a:rPr lang="en-US" sz="800" dirty="0">
+                  <a:solidFill>
+                    <a:srgbClr val="FF0000"/>
+                  </a:solidFill>
+                  <a:latin typeface="Source Sans Pro Semibold"/>
+                </a:rPr>
+                <a:t>=</a:t>
+              </a:r>
+              <a:r>
+                <a:rPr lang="en-US" sz="800" dirty="0" err="1">
+                  <a:solidFill>
+                    <a:srgbClr val="FF0000"/>
+                  </a:solidFill>
+                  <a:latin typeface="Source Sans Pro Semibold"/>
+                </a:rPr>
+                <a:t>dfobj,digits</a:t>
+              </a:r>
+              <a:r>
+                <a:rPr lang="en-US" sz="800" dirty="0" smtClean="0">
+                  <a:solidFill>
+                    <a:srgbClr val="FF0000"/>
+                  </a:solidFill>
+                  <a:latin typeface="Source Sans Pro Semibold"/>
+                </a:rPr>
+                <a:t>=#)</a:t>
+              </a:r>
+              <a:endParaRPr lang="en-US" sz="800" dirty="0">
+                <a:solidFill>
+                  <a:srgbClr val="FF0000"/>
+                </a:solidFill>
+                <a:latin typeface="Source Sans Pro Semibold"/>
+              </a:endParaRPr>
             </a:p>
           </p:txBody>
         </p:sp>
@@ -6409,7 +6490,7 @@
           </a:ln>
           <a:extLst>
             <a:ext uri="{C572A759-6A51-4108-AA02-DFA0A04FC94B}">
-              <ma14:wrappingTextBoxFlag xmlns="" xmlns:ma14="http://schemas.microsoft.com/office/mac/drawingml/2011/main" val="1"/>
+              <ma14:wrappingTextBoxFlag xmlns:ma14="http://schemas.microsoft.com/office/mac/drawingml/2011/main" xmlns="" val="1"/>
             </a:ext>
           </a:extLst>
         </p:spPr>
@@ -7454,7 +7535,7 @@
           </a:ln>
           <a:extLst>
             <a:ext uri="{C572A759-6A51-4108-AA02-DFA0A04FC94B}">
-              <ma14:wrappingTextBoxFlag xmlns="" xmlns:ma14="http://schemas.microsoft.com/office/mac/drawingml/2011/main" val="1"/>
+              <ma14:wrappingTextBoxFlag xmlns:ma14="http://schemas.microsoft.com/office/mac/drawingml/2011/main" xmlns="" val="1"/>
             </a:ext>
           </a:extLst>
         </p:spPr>
@@ -8285,7 +8366,7 @@
           </a:ln>
           <a:extLst>
             <a:ext uri="{C572A759-6A51-4108-AA02-DFA0A04FC94B}">
-              <ma14:wrappingTextBoxFlag xmlns="" xmlns:ma14="http://schemas.microsoft.com/office/mac/drawingml/2011/main" val="1"/>
+              <ma14:wrappingTextBoxFlag xmlns:ma14="http://schemas.microsoft.com/office/mac/drawingml/2011/main" xmlns="" val="1"/>
             </a:ext>
           </a:extLst>
         </p:spPr>
@@ -8806,7 +8887,7 @@
           </a:ln>
           <a:extLst>
             <a:ext uri="{C572A759-6A51-4108-AA02-DFA0A04FC94B}">
-              <ma14:wrappingTextBoxFlag xmlns="" xmlns:ma14="http://schemas.microsoft.com/office/mac/drawingml/2011/main" val="1"/>
+              <ma14:wrappingTextBoxFlag xmlns:ma14="http://schemas.microsoft.com/office/mac/drawingml/2011/main" xmlns="" val="1"/>
             </a:ext>
           </a:extLst>
         </p:spPr>
@@ -8872,7 +8953,7 @@
           </a:ln>
           <a:extLst>
             <a:ext uri="{C572A759-6A51-4108-AA02-DFA0A04FC94B}">
-              <ma14:wrappingTextBoxFlag xmlns="" xmlns:ma14="http://schemas.microsoft.com/office/mac/drawingml/2011/main" val="1"/>
+              <ma14:wrappingTextBoxFlag xmlns:ma14="http://schemas.microsoft.com/office/mac/drawingml/2011/main" xmlns="" val="1"/>
             </a:ext>
           </a:extLst>
         </p:spPr>
@@ -8938,7 +9019,7 @@
           </a:ln>
           <a:extLst>
             <a:ext uri="{C572A759-6A51-4108-AA02-DFA0A04FC94B}">
-              <ma14:wrappingTextBoxFlag xmlns="" xmlns:ma14="http://schemas.microsoft.com/office/mac/drawingml/2011/main" val="1"/>
+              <ma14:wrappingTextBoxFlag xmlns:ma14="http://schemas.microsoft.com/office/mac/drawingml/2011/main" xmlns="" val="1"/>
             </a:ext>
           </a:extLst>
         </p:spPr>
@@ -9229,7 +9310,7 @@
           </a:ln>
           <a:extLst>
             <a:ext uri="{C572A759-6A51-4108-AA02-DFA0A04FC94B}">
-              <ma14:wrappingTextBoxFlag xmlns="" xmlns:ma14="http://schemas.microsoft.com/office/mac/drawingml/2011/main" val="1"/>
+              <ma14:wrappingTextBoxFlag xmlns:ma14="http://schemas.microsoft.com/office/mac/drawingml/2011/main" xmlns="" val="1"/>
             </a:ext>
           </a:extLst>
         </p:spPr>
@@ -9295,7 +9376,7 @@
           </a:ln>
           <a:extLst>
             <a:ext uri="{C572A759-6A51-4108-AA02-DFA0A04FC94B}">
-              <ma14:wrappingTextBoxFlag xmlns="" xmlns:ma14="http://schemas.microsoft.com/office/mac/drawingml/2011/main" val="1"/>
+              <ma14:wrappingTextBoxFlag xmlns:ma14="http://schemas.microsoft.com/office/mac/drawingml/2011/main" xmlns="" val="1"/>
             </a:ext>
           </a:extLst>
         </p:spPr>
@@ -9401,8 +9482,8 @@
         </p:nvSpPr>
         <p:spPr>
           <a:xfrm>
-            <a:off x="7387967" y="471082"/>
-            <a:ext cx="1262656" cy="152737"/>
+            <a:off x="7394379" y="471082"/>
+            <a:ext cx="1249832" cy="152737"/>
           </a:xfrm>
           <a:prstGeom prst="rect">
             <a:avLst/>
@@ -9442,10 +9523,10 @@
                 </a:solidFill>
                 <a:latin typeface="Source Sans Pro Light"/>
               </a:rPr>
-              <a:t>by Derek H. Ogle, </a:t>
-            </a:r>
-            <a:r>
-              <a:rPr lang="en-US" sz="600" b="1">
+              <a:t>by Derek H. Ogle, revised </a:t>
+            </a:r>
+            <a:r>
+              <a:rPr lang="en-US" sz="600" b="1" dirty="0" smtClean="0">
                 <a:solidFill>
                   <a:schemeClr val="bg1">
                     <a:lumMod val="75000"/>
@@ -9453,10 +9534,10 @@
                 </a:solidFill>
                 <a:latin typeface="Source Sans Pro Light"/>
               </a:rPr>
-              <a:t>revised </a:t>
-            </a:r>
-            <a:r>
-              <a:rPr lang="en-US" sz="600" b="1" smtClean="0">
+              <a:t>Oct</a:t>
+            </a:r>
+            <a:r>
+              <a:rPr lang="en-US" sz="600" b="1" dirty="0" smtClean="0">
                 <a:solidFill>
                   <a:schemeClr val="bg1">
                     <a:lumMod val="75000"/>
@@ -9464,7 +9545,7 @@
                 </a:solidFill>
                 <a:latin typeface="Source Sans Pro Light"/>
               </a:rPr>
-              <a:t>Sep-17</a:t>
+              <a:t>-17</a:t>
             </a:r>
             <a:endParaRPr lang="en-US" sz="600" b="1" dirty="0">
               <a:solidFill>
@@ -11826,6 +11907,16 @@
               <a:t>&gt; </a:t>
             </a:r>
             <a:r>
+              <a:rPr lang="en-US" sz="600" b="1" dirty="0" smtClean="0">
+                <a:solidFill>
+                  <a:srgbClr val="FF0000"/>
+                </a:solidFill>
+                <a:latin typeface="Courier New" panose="02070309020205020404" pitchFamily="49" charset="0"/>
+                <a:cs typeface="Courier New" panose="02070309020205020404" pitchFamily="49" charset="0"/>
+              </a:rPr>
+              <a:t>plot(</a:t>
+            </a:r>
+            <a:r>
               <a:rPr lang="en-US" sz="600" b="1" dirty="0" err="1" smtClean="0">
                 <a:solidFill>
                   <a:srgbClr val="FF0000"/>
@@ -11833,7 +11924,7 @@
                 <a:latin typeface="Courier New" panose="02070309020205020404" pitchFamily="49" charset="0"/>
                 <a:cs typeface="Courier New" panose="02070309020205020404" pitchFamily="49" charset="0"/>
               </a:rPr>
-              <a:t>corr</a:t>
+              <a:t>HMPG~Weight,data</a:t>
             </a:r>
             <a:r>
               <a:rPr lang="en-US" sz="600" b="1" dirty="0" smtClean="0">
@@ -11843,7 +11934,7 @@
                 <a:latin typeface="Courier New" panose="02070309020205020404" pitchFamily="49" charset="0"/>
                 <a:cs typeface="Courier New" panose="02070309020205020404" pitchFamily="49" charset="0"/>
               </a:rPr>
-              <a:t>(</a:t>
+              <a:t>=</a:t>
             </a:r>
             <a:r>
               <a:rPr lang="en-US" sz="600" b="1" dirty="0" err="1" smtClean="0">
@@ -11853,7 +11944,27 @@
                 <a:latin typeface="Courier New" panose="02070309020205020404" pitchFamily="49" charset="0"/>
                 <a:cs typeface="Courier New" panose="02070309020205020404" pitchFamily="49" charset="0"/>
               </a:rPr>
-              <a:t>HMPG~Weight,data</a:t>
+              <a:t>dfobj,xlab</a:t>
+            </a:r>
+            <a:r>
+              <a:rPr lang="en-US" sz="600" b="1" dirty="0">
+                <a:solidFill>
+                  <a:srgbClr val="FF0000"/>
+                </a:solidFill>
+                <a:latin typeface="Courier New" panose="02070309020205020404" pitchFamily="49" charset="0"/>
+                <a:cs typeface="Courier New" panose="02070309020205020404" pitchFamily="49" charset="0"/>
+              </a:rPr>
+              <a:t>="Weight (</a:t>
+            </a:r>
+            <a:r>
+              <a:rPr lang="en-US" sz="600" b="1" dirty="0" err="1">
+                <a:solidFill>
+                  <a:srgbClr val="FF0000"/>
+                </a:solidFill>
+                <a:latin typeface="Courier New" panose="02070309020205020404" pitchFamily="49" charset="0"/>
+                <a:cs typeface="Courier New" panose="02070309020205020404" pitchFamily="49" charset="0"/>
+              </a:rPr>
+              <a:t>lbs</a:t>
             </a:r>
             <a:r>
               <a:rPr lang="en-US" sz="600" b="1" dirty="0" smtClean="0">
@@ -11863,7 +11974,20 @@
                 <a:latin typeface="Courier New" panose="02070309020205020404" pitchFamily="49" charset="0"/>
                 <a:cs typeface="Courier New" panose="02070309020205020404" pitchFamily="49" charset="0"/>
               </a:rPr>
-              <a:t>=</a:t>
+              <a:t>)",</a:t>
+            </a:r>
+          </a:p>
+          <a:p>
+            <a:pPr algn="l" latinLnBrk="1"/>
+            <a:r>
+              <a:rPr lang="en-US" sz="600" b="1" dirty="0" smtClean="0">
+                <a:solidFill>
+                  <a:srgbClr val="FF0000"/>
+                </a:solidFill>
+                <a:latin typeface="Courier New" panose="02070309020205020404" pitchFamily="49" charset="0"/>
+                <a:cs typeface="Courier New" panose="02070309020205020404" pitchFamily="49" charset="0"/>
+              </a:rPr>
+              <a:t>       </a:t>
             </a:r>
             <a:r>
               <a:rPr lang="en-US" sz="600" b="1" dirty="0" err="1" smtClean="0">
@@ -11873,7 +11997,7 @@
                 <a:latin typeface="Courier New" panose="02070309020205020404" pitchFamily="49" charset="0"/>
                 <a:cs typeface="Courier New" panose="02070309020205020404" pitchFamily="49" charset="0"/>
               </a:rPr>
-              <a:t>dfobj</a:t>
+              <a:t>ylab</a:t>
             </a:r>
             <a:r>
               <a:rPr lang="en-US" sz="600" b="1" dirty="0">
@@ -11883,32 +12007,25 @@
                 <a:latin typeface="Courier New" panose="02070309020205020404" pitchFamily="49" charset="0"/>
                 <a:cs typeface="Courier New" panose="02070309020205020404" pitchFamily="49" charset="0"/>
               </a:rPr>
-              <a:t>)</a:t>
+              <a:t>="Highway MPG</a:t>
+            </a:r>
+            <a:r>
+              <a:rPr lang="en-US" sz="600" b="1" dirty="0" smtClean="0">
+                <a:solidFill>
+                  <a:srgbClr val="FF0000"/>
+                </a:solidFill>
+                <a:latin typeface="Courier New" panose="02070309020205020404" pitchFamily="49" charset="0"/>
+                <a:cs typeface="Courier New" panose="02070309020205020404" pitchFamily="49" charset="0"/>
+              </a:rPr>
+              <a:t>")</a:t>
             </a:r>
           </a:p>
           <a:p>
             <a:pPr algn="l" latinLnBrk="1"/>
-            <a:r>
-              <a:rPr lang="en-US" sz="600" dirty="0" smtClean="0">
-                <a:latin typeface="Courier New" panose="02070309020205020404" pitchFamily="49" charset="0"/>
-                <a:cs typeface="Courier New" panose="02070309020205020404" pitchFamily="49" charset="0"/>
-              </a:rPr>
-              <a:t>   </a:t>
-            </a:r>
-            <a:r>
-              <a:rPr lang="en-US" sz="600" dirty="0">
-                <a:latin typeface="Courier New" panose="02070309020205020404" pitchFamily="49" charset="0"/>
-                <a:cs typeface="Courier New" panose="02070309020205020404" pitchFamily="49" charset="0"/>
-              </a:rPr>
-              <a:t>[1] -</a:t>
-            </a:r>
-            <a:r>
-              <a:rPr lang="en-US" sz="600" dirty="0" smtClean="0">
-                <a:latin typeface="Courier New" panose="02070309020205020404" pitchFamily="49" charset="0"/>
-                <a:cs typeface="Courier New" panose="02070309020205020404" pitchFamily="49" charset="0"/>
-              </a:rPr>
-              <a:t>0.8106581</a:t>
-            </a:r>
+            <a:endParaRPr lang="en-US" sz="600" dirty="0" smtClean="0">
+              <a:latin typeface="Courier New" panose="02070309020205020404" pitchFamily="49" charset="0"/>
+              <a:cs typeface="Courier New" panose="02070309020205020404" pitchFamily="49" charset="0"/>
+            </a:endParaRPr>
           </a:p>
           <a:p>
             <a:pPr algn="l" latinLnBrk="1"/>
@@ -11919,126 +12036,17 @@
           </a:p>
           <a:p>
             <a:pPr algn="l" latinLnBrk="1"/>
-            <a:r>
-              <a:rPr lang="en-US" sz="600" dirty="0" smtClean="0">
-                <a:latin typeface="Courier New" panose="02070309020205020404" pitchFamily="49" charset="0"/>
-                <a:cs typeface="Courier New" panose="02070309020205020404" pitchFamily="49" charset="0"/>
-              </a:rPr>
-              <a:t>&gt; </a:t>
-            </a:r>
-            <a:r>
-              <a:rPr lang="en-US" sz="600" b="1" dirty="0" smtClean="0">
-                <a:solidFill>
-                  <a:srgbClr val="FF0000"/>
-                </a:solidFill>
-                <a:latin typeface="Courier New" panose="02070309020205020404" pitchFamily="49" charset="0"/>
-                <a:cs typeface="Courier New" panose="02070309020205020404" pitchFamily="49" charset="0"/>
-              </a:rPr>
-              <a:t>plot(</a:t>
-            </a:r>
-            <a:r>
-              <a:rPr lang="en-US" sz="600" b="1" dirty="0" err="1" smtClean="0">
-                <a:solidFill>
-                  <a:srgbClr val="FF0000"/>
-                </a:solidFill>
-                <a:latin typeface="Courier New" panose="02070309020205020404" pitchFamily="49" charset="0"/>
-                <a:cs typeface="Courier New" panose="02070309020205020404" pitchFamily="49" charset="0"/>
-              </a:rPr>
-              <a:t>HMPG~Weight,data</a:t>
-            </a:r>
-            <a:r>
-              <a:rPr lang="en-US" sz="600" b="1" dirty="0" smtClean="0">
-                <a:solidFill>
-                  <a:srgbClr val="FF0000"/>
-                </a:solidFill>
-                <a:latin typeface="Courier New" panose="02070309020205020404" pitchFamily="49" charset="0"/>
-                <a:cs typeface="Courier New" panose="02070309020205020404" pitchFamily="49" charset="0"/>
-              </a:rPr>
-              <a:t>=</a:t>
-            </a:r>
-            <a:r>
-              <a:rPr lang="en-US" sz="600" b="1" dirty="0" err="1" smtClean="0">
-                <a:solidFill>
-                  <a:srgbClr val="FF0000"/>
-                </a:solidFill>
-                <a:latin typeface="Courier New" panose="02070309020205020404" pitchFamily="49" charset="0"/>
-                <a:cs typeface="Courier New" panose="02070309020205020404" pitchFamily="49" charset="0"/>
-              </a:rPr>
-              <a:t>dfobj,xlab</a:t>
-            </a:r>
-            <a:r>
-              <a:rPr lang="en-US" sz="600" b="1" dirty="0">
-                <a:solidFill>
-                  <a:srgbClr val="FF0000"/>
-                </a:solidFill>
-                <a:latin typeface="Courier New" panose="02070309020205020404" pitchFamily="49" charset="0"/>
-                <a:cs typeface="Courier New" panose="02070309020205020404" pitchFamily="49" charset="0"/>
-              </a:rPr>
-              <a:t>="Weight (</a:t>
-            </a:r>
-            <a:r>
-              <a:rPr lang="en-US" sz="600" b="1" dirty="0" err="1">
-                <a:solidFill>
-                  <a:srgbClr val="FF0000"/>
-                </a:solidFill>
-                <a:latin typeface="Courier New" panose="02070309020205020404" pitchFamily="49" charset="0"/>
-                <a:cs typeface="Courier New" panose="02070309020205020404" pitchFamily="49" charset="0"/>
-              </a:rPr>
-              <a:t>lbs</a:t>
-            </a:r>
-            <a:r>
-              <a:rPr lang="en-US" sz="600" b="1" dirty="0" smtClean="0">
-                <a:solidFill>
-                  <a:srgbClr val="FF0000"/>
-                </a:solidFill>
-                <a:latin typeface="Courier New" panose="02070309020205020404" pitchFamily="49" charset="0"/>
-                <a:cs typeface="Courier New" panose="02070309020205020404" pitchFamily="49" charset="0"/>
-              </a:rPr>
-              <a:t>)",</a:t>
-            </a:r>
+            <a:endParaRPr lang="en-US" sz="600" dirty="0" smtClean="0">
+              <a:latin typeface="Courier New" panose="02070309020205020404" pitchFamily="49" charset="0"/>
+              <a:cs typeface="Courier New" panose="02070309020205020404" pitchFamily="49" charset="0"/>
+            </a:endParaRPr>
           </a:p>
           <a:p>
             <a:pPr algn="l" latinLnBrk="1"/>
-            <a:r>
-              <a:rPr lang="en-US" sz="600" b="1" dirty="0" smtClean="0">
-                <a:solidFill>
-                  <a:srgbClr val="FF0000"/>
-                </a:solidFill>
-                <a:latin typeface="Courier New" panose="02070309020205020404" pitchFamily="49" charset="0"/>
-                <a:cs typeface="Courier New" panose="02070309020205020404" pitchFamily="49" charset="0"/>
-              </a:rPr>
-              <a:t>       </a:t>
-            </a:r>
-            <a:r>
-              <a:rPr lang="en-US" sz="600" b="1" dirty="0" err="1" smtClean="0">
-                <a:solidFill>
-                  <a:srgbClr val="FF0000"/>
-                </a:solidFill>
-                <a:latin typeface="Courier New" panose="02070309020205020404" pitchFamily="49" charset="0"/>
-                <a:cs typeface="Courier New" panose="02070309020205020404" pitchFamily="49" charset="0"/>
-              </a:rPr>
-              <a:t>ylab</a:t>
-            </a:r>
-            <a:r>
-              <a:rPr lang="en-US" sz="600" b="1" dirty="0">
-                <a:solidFill>
-                  <a:srgbClr val="FF0000"/>
-                </a:solidFill>
-                <a:latin typeface="Courier New" panose="02070309020205020404" pitchFamily="49" charset="0"/>
-                <a:cs typeface="Courier New" panose="02070309020205020404" pitchFamily="49" charset="0"/>
-              </a:rPr>
-              <a:t>="Highway MPG</a:t>
-            </a:r>
-            <a:r>
-              <a:rPr lang="en-US" sz="600" b="1" dirty="0" smtClean="0">
-                <a:solidFill>
-                  <a:srgbClr val="FF0000"/>
-                </a:solidFill>
-                <a:latin typeface="Courier New" panose="02070309020205020404" pitchFamily="49" charset="0"/>
-                <a:cs typeface="Courier New" panose="02070309020205020404" pitchFamily="49" charset="0"/>
-              </a:rPr>
-              <a:t>")</a:t>
-            </a:r>
+            <a:endParaRPr lang="en-US" sz="600" dirty="0">
+              <a:latin typeface="Courier New" panose="02070309020205020404" pitchFamily="49" charset="0"/>
+              <a:cs typeface="Courier New" panose="02070309020205020404" pitchFamily="49" charset="0"/>
+            </a:endParaRPr>
           </a:p>
           <a:p>
             <a:pPr algn="l" latinLnBrk="1"/>
@@ -12077,7 +12085,7 @@
           </a:p>
           <a:p>
             <a:pPr algn="l" latinLnBrk="1"/>
-            <a:endParaRPr lang="en-US" sz="600" dirty="0">
+            <a:endParaRPr lang="en-US" sz="600" dirty="0" smtClean="0">
               <a:latin typeface="Courier New" panose="02070309020205020404" pitchFamily="49" charset="0"/>
               <a:cs typeface="Courier New" panose="02070309020205020404" pitchFamily="49" charset="0"/>
             </a:endParaRPr>
@@ -12091,31 +12099,83 @@
           </a:p>
           <a:p>
             <a:pPr algn="l" latinLnBrk="1"/>
-            <a:endParaRPr lang="en-US" sz="600" dirty="0">
-              <a:latin typeface="Courier New" panose="02070309020205020404" pitchFamily="49" charset="0"/>
-              <a:cs typeface="Courier New" panose="02070309020205020404" pitchFamily="49" charset="0"/>
-            </a:endParaRPr>
+            <a:r>
+              <a:rPr lang="en-US" sz="600" dirty="0">
+                <a:latin typeface="Courier New" panose="02070309020205020404" pitchFamily="49" charset="0"/>
+                <a:cs typeface="Courier New" panose="02070309020205020404" pitchFamily="49" charset="0"/>
+              </a:rPr>
+              <a:t>&gt; </a:t>
+            </a:r>
+            <a:r>
+              <a:rPr lang="en-US" sz="600" b="1" dirty="0" err="1">
+                <a:solidFill>
+                  <a:srgbClr val="FF0000"/>
+                </a:solidFill>
+                <a:latin typeface="Courier New" panose="02070309020205020404" pitchFamily="49" charset="0"/>
+                <a:cs typeface="Courier New" panose="02070309020205020404" pitchFamily="49" charset="0"/>
+              </a:rPr>
+              <a:t>corr</a:t>
+            </a:r>
+            <a:r>
+              <a:rPr lang="en-US" sz="600" b="1" dirty="0">
+                <a:solidFill>
+                  <a:srgbClr val="FF0000"/>
+                </a:solidFill>
+                <a:latin typeface="Courier New" panose="02070309020205020404" pitchFamily="49" charset="0"/>
+                <a:cs typeface="Courier New" panose="02070309020205020404" pitchFamily="49" charset="0"/>
+              </a:rPr>
+              <a:t>(</a:t>
+            </a:r>
+            <a:r>
+              <a:rPr lang="en-US" sz="600" b="1" dirty="0" err="1">
+                <a:solidFill>
+                  <a:srgbClr val="FF0000"/>
+                </a:solidFill>
+                <a:latin typeface="Courier New" panose="02070309020205020404" pitchFamily="49" charset="0"/>
+                <a:cs typeface="Courier New" panose="02070309020205020404" pitchFamily="49" charset="0"/>
+              </a:rPr>
+              <a:t>HMPG~Weight,data</a:t>
+            </a:r>
+            <a:r>
+              <a:rPr lang="en-US" sz="600" b="1" dirty="0">
+                <a:solidFill>
+                  <a:srgbClr val="FF0000"/>
+                </a:solidFill>
+                <a:latin typeface="Courier New" panose="02070309020205020404" pitchFamily="49" charset="0"/>
+                <a:cs typeface="Courier New" panose="02070309020205020404" pitchFamily="49" charset="0"/>
+              </a:rPr>
+              <a:t>=</a:t>
+            </a:r>
+            <a:r>
+              <a:rPr lang="en-US" sz="600" b="1" dirty="0" err="1">
+                <a:solidFill>
+                  <a:srgbClr val="FF0000"/>
+                </a:solidFill>
+                <a:latin typeface="Courier New" panose="02070309020205020404" pitchFamily="49" charset="0"/>
+                <a:cs typeface="Courier New" panose="02070309020205020404" pitchFamily="49" charset="0"/>
+              </a:rPr>
+              <a:t>dfobj</a:t>
+            </a:r>
+            <a:r>
+              <a:rPr lang="en-US" sz="600" b="1" dirty="0">
+                <a:solidFill>
+                  <a:srgbClr val="FF0000"/>
+                </a:solidFill>
+                <a:latin typeface="Courier New" panose="02070309020205020404" pitchFamily="49" charset="0"/>
+                <a:cs typeface="Courier New" panose="02070309020205020404" pitchFamily="49" charset="0"/>
+              </a:rPr>
+              <a:t>)</a:t>
+            </a:r>
           </a:p>
           <a:p>
             <a:pPr algn="l" latinLnBrk="1"/>
-            <a:endParaRPr lang="en-US" sz="600" dirty="0" smtClean="0">
-              <a:latin typeface="Courier New" panose="02070309020205020404" pitchFamily="49" charset="0"/>
-              <a:cs typeface="Courier New" panose="02070309020205020404" pitchFamily="49" charset="0"/>
-            </a:endParaRPr>
-          </a:p>
-          <a:p>
-            <a:pPr algn="l" latinLnBrk="1"/>
-            <a:endParaRPr lang="en-US" sz="600" dirty="0" smtClean="0">
-              <a:latin typeface="Courier New" panose="02070309020205020404" pitchFamily="49" charset="0"/>
-              <a:cs typeface="Courier New" panose="02070309020205020404" pitchFamily="49" charset="0"/>
-            </a:endParaRPr>
-          </a:p>
-          <a:p>
-            <a:pPr algn="l" latinLnBrk="1"/>
-            <a:endParaRPr lang="en-US" sz="600" dirty="0" smtClean="0">
-              <a:latin typeface="Courier New" panose="02070309020205020404" pitchFamily="49" charset="0"/>
-              <a:cs typeface="Courier New" panose="02070309020205020404" pitchFamily="49" charset="0"/>
-            </a:endParaRPr>
+            <a:r>
+              <a:rPr lang="en-US" sz="600" dirty="0">
+                <a:latin typeface="Courier New" panose="02070309020205020404" pitchFamily="49" charset="0"/>
+                <a:cs typeface="Courier New" panose="02070309020205020404" pitchFamily="49" charset="0"/>
+              </a:rPr>
+              <a:t>   [1] -0.8106581</a:t>
+            </a:r>
           </a:p>
           <a:p>
             <a:pPr algn="l" latinLnBrk="1"/>
@@ -14874,7 +14934,7 @@
         </p:blipFill>
         <p:spPr bwMode="auto">
           <a:xfrm>
-            <a:off x="3313437" y="838748"/>
+            <a:off x="3314357" y="534388"/>
             <a:ext cx="1143000" cy="914400"/>
           </a:xfrm>
           <a:prstGeom prst="rect">
@@ -14915,7 +14975,7 @@
           </a:ln>
           <a:extLst>
             <a:ext uri="{C572A759-6A51-4108-AA02-DFA0A04FC94B}">
-              <ma14:wrappingTextBoxFlag xmlns="" xmlns:ma14="http://schemas.microsoft.com/office/mac/drawingml/2011/main" val="1"/>
+              <ma14:wrappingTextBoxFlag xmlns:ma14="http://schemas.microsoft.com/office/mac/drawingml/2011/main" xmlns="" val="1"/>
             </a:ext>
           </a:extLst>
         </p:spPr>
@@ -14981,7 +15041,7 @@
           </a:ln>
           <a:extLst>
             <a:ext uri="{C572A759-6A51-4108-AA02-DFA0A04FC94B}">
-              <ma14:wrappingTextBoxFlag xmlns="" xmlns:ma14="http://schemas.microsoft.com/office/mac/drawingml/2011/main" val="1"/>
+              <ma14:wrappingTextBoxFlag xmlns:ma14="http://schemas.microsoft.com/office/mac/drawingml/2011/main" xmlns="" val="1"/>
             </a:ext>
           </a:extLst>
         </p:spPr>
@@ -15047,7 +15107,7 @@
           </a:ln>
           <a:extLst>
             <a:ext uri="{C572A759-6A51-4108-AA02-DFA0A04FC94B}">
-              <ma14:wrappingTextBoxFlag xmlns="" xmlns:ma14="http://schemas.microsoft.com/office/mac/drawingml/2011/main" val="1"/>
+              <ma14:wrappingTextBoxFlag xmlns:ma14="http://schemas.microsoft.com/office/mac/drawingml/2011/main" xmlns="" val="1"/>
             </a:ext>
           </a:extLst>
         </p:spPr>
@@ -15113,7 +15173,7 @@
           </a:ln>
           <a:extLst>
             <a:ext uri="{C572A759-6A51-4108-AA02-DFA0A04FC94B}">
-              <ma14:wrappingTextBoxFlag xmlns="" xmlns:ma14="http://schemas.microsoft.com/office/mac/drawingml/2011/main" val="1"/>
+              <ma14:wrappingTextBoxFlag xmlns:ma14="http://schemas.microsoft.com/office/mac/drawingml/2011/main" xmlns="" val="1"/>
             </a:ext>
           </a:extLst>
         </p:spPr>
@@ -15203,7 +15263,7 @@
           </a:ln>
           <a:extLst>
             <a:ext uri="{C572A759-6A51-4108-AA02-DFA0A04FC94B}">
-              <ma14:wrappingTextBoxFlag xmlns="" xmlns:ma14="http://schemas.microsoft.com/office/mac/drawingml/2011/main" val="1"/>
+              <ma14:wrappingTextBoxFlag xmlns:ma14="http://schemas.microsoft.com/office/mac/drawingml/2011/main" xmlns="" val="1"/>
             </a:ext>
           </a:extLst>
         </p:spPr>

--- a/resources/MTH107-Rcheatsheet.pptx
+++ b/resources/MTH107-Rcheatsheet.pptx
@@ -1493,7 +1493,7 @@
           </a:ln>
           <a:extLst>
             <a:ext uri="{C572A759-6A51-4108-AA02-DFA0A04FC94B}">
-              <ma14:wrappingTextBoxFlag xmlns:ma14="http://schemas.microsoft.com/office/mac/drawingml/2011/main" xmlns="" val="1"/>
+              <ma14:wrappingTextBoxFlag xmlns="" xmlns:ma14="http://schemas.microsoft.com/office/mac/drawingml/2011/main" val="1"/>
             </a:ext>
           </a:extLst>
         </p:spPr>
@@ -1536,7 +1536,7 @@
           </a:ln>
           <a:extLst>
             <a:ext uri="{C572A759-6A51-4108-AA02-DFA0A04FC94B}">
-              <ma14:wrappingTextBoxFlag xmlns:ma14="http://schemas.microsoft.com/office/mac/drawingml/2011/main" xmlns="" val="1"/>
+              <ma14:wrappingTextBoxFlag xmlns="" xmlns:ma14="http://schemas.microsoft.com/office/mac/drawingml/2011/main" val="1"/>
             </a:ext>
           </a:extLst>
         </p:spPr>
@@ -2332,7 +2332,7 @@
             </a:ln>
             <a:extLst>
               <a:ext uri="{C572A759-6A51-4108-AA02-DFA0A04FC94B}">
-                <ma14:wrappingTextBoxFlag xmlns:ma14="http://schemas.microsoft.com/office/mac/drawingml/2011/main" xmlns="" val="1"/>
+                <ma14:wrappingTextBoxFlag xmlns="" xmlns:ma14="http://schemas.microsoft.com/office/mac/drawingml/2011/main" val="1"/>
               </a:ext>
             </a:extLst>
           </p:spPr>
@@ -3350,7 +3350,7 @@
           </a:ln>
           <a:extLst>
             <a:ext uri="{C572A759-6A51-4108-AA02-DFA0A04FC94B}">
-              <ma14:wrappingTextBoxFlag xmlns:ma14="http://schemas.microsoft.com/office/mac/drawingml/2011/main" xmlns="" val="1"/>
+              <ma14:wrappingTextBoxFlag xmlns="" xmlns:ma14="http://schemas.microsoft.com/office/mac/drawingml/2011/main" val="1"/>
             </a:ext>
           </a:extLst>
         </p:spPr>
@@ -3915,7 +3915,7 @@
             </a:ln>
             <a:extLst>
               <a:ext uri="{C572A759-6A51-4108-AA02-DFA0A04FC94B}">
-                <ma14:wrappingTextBoxFlag xmlns:ma14="http://schemas.microsoft.com/office/mac/drawingml/2011/main" xmlns="" val="1"/>
+                <ma14:wrappingTextBoxFlag xmlns="" xmlns:ma14="http://schemas.microsoft.com/office/mac/drawingml/2011/main" val="1"/>
               </a:ext>
             </a:extLst>
           </p:spPr>
@@ -4815,7 +4815,7 @@
           </a:ln>
           <a:extLst>
             <a:ext uri="{C572A759-6A51-4108-AA02-DFA0A04FC94B}">
-              <ma14:wrappingTextBoxFlag xmlns:ma14="http://schemas.microsoft.com/office/mac/drawingml/2011/main" xmlns="" val="1"/>
+              <ma14:wrappingTextBoxFlag xmlns="" xmlns:ma14="http://schemas.microsoft.com/office/mac/drawingml/2011/main" val="1"/>
             </a:ext>
           </a:extLst>
         </p:spPr>
@@ -4980,16 +4980,7 @@
                 </a:solidFill>
                 <a:latin typeface="Source Sans Pro Semibold"/>
               </a:rPr>
-              <a:t>           </a:t>
-            </a:r>
-            <a:r>
-              <a:rPr lang="en-US" sz="800" dirty="0">
-                <a:solidFill>
-                  <a:srgbClr val="FF0000"/>
-                </a:solidFill>
-                <a:latin typeface="Source Sans Pro Semibold"/>
-              </a:rPr>
-              <a:t>type=“q</a:t>
+              <a:t>           type=“q</a:t>
             </a:r>
             <a:r>
               <a:rPr lang="en-US" sz="800" dirty="0" smtClean="0">
@@ -5016,16 +5007,7 @@
                 </a:solidFill>
                 <a:latin typeface="Source Sans Pro Semibold"/>
               </a:rPr>
-              <a:t>=FALSE</a:t>
-            </a:r>
-            <a:r>
-              <a:rPr lang="en-US" sz="800" dirty="0" smtClean="0">
-                <a:solidFill>
-                  <a:srgbClr val="FF0000"/>
-                </a:solidFill>
-                <a:latin typeface="Source Sans Pro Semibold"/>
-              </a:rPr>
-              <a:t>)</a:t>
+              <a:t>=FALSE)</a:t>
             </a:r>
             <a:endParaRPr lang="en-US" sz="800" dirty="0">
               <a:solidFill>
@@ -5497,7 +5479,7 @@
             </a:ln>
             <a:extLst>
               <a:ext uri="{C572A759-6A51-4108-AA02-DFA0A04FC94B}">
-                <ma14:wrappingTextBoxFlag xmlns:ma14="http://schemas.microsoft.com/office/mac/drawingml/2011/main" xmlns="" val="1"/>
+                <ma14:wrappingTextBoxFlag xmlns="" xmlns:ma14="http://schemas.microsoft.com/office/mac/drawingml/2011/main" val="1"/>
               </a:ext>
             </a:extLst>
           </p:spPr>
@@ -6490,7 +6472,7 @@
           </a:ln>
           <a:extLst>
             <a:ext uri="{C572A759-6A51-4108-AA02-DFA0A04FC94B}">
-              <ma14:wrappingTextBoxFlag xmlns:ma14="http://schemas.microsoft.com/office/mac/drawingml/2011/main" xmlns="" val="1"/>
+              <ma14:wrappingTextBoxFlag xmlns="" xmlns:ma14="http://schemas.microsoft.com/office/mac/drawingml/2011/main" val="1"/>
             </a:ext>
           </a:extLst>
         </p:spPr>
@@ -7535,7 +7517,7 @@
           </a:ln>
           <a:extLst>
             <a:ext uri="{C572A759-6A51-4108-AA02-DFA0A04FC94B}">
-              <ma14:wrappingTextBoxFlag xmlns:ma14="http://schemas.microsoft.com/office/mac/drawingml/2011/main" xmlns="" val="1"/>
+              <ma14:wrappingTextBoxFlag xmlns="" xmlns:ma14="http://schemas.microsoft.com/office/mac/drawingml/2011/main" val="1"/>
             </a:ext>
           </a:extLst>
         </p:spPr>
@@ -8366,7 +8348,7 @@
           </a:ln>
           <a:extLst>
             <a:ext uri="{C572A759-6A51-4108-AA02-DFA0A04FC94B}">
-              <ma14:wrappingTextBoxFlag xmlns:ma14="http://schemas.microsoft.com/office/mac/drawingml/2011/main" xmlns="" val="1"/>
+              <ma14:wrappingTextBoxFlag xmlns="" xmlns:ma14="http://schemas.microsoft.com/office/mac/drawingml/2011/main" val="1"/>
             </a:ext>
           </a:extLst>
         </p:spPr>
@@ -8887,7 +8869,7 @@
           </a:ln>
           <a:extLst>
             <a:ext uri="{C572A759-6A51-4108-AA02-DFA0A04FC94B}">
-              <ma14:wrappingTextBoxFlag xmlns:ma14="http://schemas.microsoft.com/office/mac/drawingml/2011/main" xmlns="" val="1"/>
+              <ma14:wrappingTextBoxFlag xmlns="" xmlns:ma14="http://schemas.microsoft.com/office/mac/drawingml/2011/main" val="1"/>
             </a:ext>
           </a:extLst>
         </p:spPr>
@@ -8953,7 +8935,7 @@
           </a:ln>
           <a:extLst>
             <a:ext uri="{C572A759-6A51-4108-AA02-DFA0A04FC94B}">
-              <ma14:wrappingTextBoxFlag xmlns:ma14="http://schemas.microsoft.com/office/mac/drawingml/2011/main" xmlns="" val="1"/>
+              <ma14:wrappingTextBoxFlag xmlns="" xmlns:ma14="http://schemas.microsoft.com/office/mac/drawingml/2011/main" val="1"/>
             </a:ext>
           </a:extLst>
         </p:spPr>
@@ -9019,7 +9001,7 @@
           </a:ln>
           <a:extLst>
             <a:ext uri="{C572A759-6A51-4108-AA02-DFA0A04FC94B}">
-              <ma14:wrappingTextBoxFlag xmlns:ma14="http://schemas.microsoft.com/office/mac/drawingml/2011/main" xmlns="" val="1"/>
+              <ma14:wrappingTextBoxFlag xmlns="" xmlns:ma14="http://schemas.microsoft.com/office/mac/drawingml/2011/main" val="1"/>
             </a:ext>
           </a:extLst>
         </p:spPr>
@@ -9310,7 +9292,7 @@
           </a:ln>
           <a:extLst>
             <a:ext uri="{C572A759-6A51-4108-AA02-DFA0A04FC94B}">
-              <ma14:wrappingTextBoxFlag xmlns:ma14="http://schemas.microsoft.com/office/mac/drawingml/2011/main" xmlns="" val="1"/>
+              <ma14:wrappingTextBoxFlag xmlns="" xmlns:ma14="http://schemas.microsoft.com/office/mac/drawingml/2011/main" val="1"/>
             </a:ext>
           </a:extLst>
         </p:spPr>
@@ -9376,7 +9358,7 @@
           </a:ln>
           <a:extLst>
             <a:ext uri="{C572A759-6A51-4108-AA02-DFA0A04FC94B}">
-              <ma14:wrappingTextBoxFlag xmlns:ma14="http://schemas.microsoft.com/office/mac/drawingml/2011/main" xmlns="" val="1"/>
+              <ma14:wrappingTextBoxFlag xmlns="" xmlns:ma14="http://schemas.microsoft.com/office/mac/drawingml/2011/main" val="1"/>
             </a:ext>
           </a:extLst>
         </p:spPr>
@@ -9534,18 +9516,7 @@
                 </a:solidFill>
                 <a:latin typeface="Source Sans Pro Light"/>
               </a:rPr>
-              <a:t>Oct</a:t>
-            </a:r>
-            <a:r>
-              <a:rPr lang="en-US" sz="600" b="1" dirty="0" smtClean="0">
-                <a:solidFill>
-                  <a:schemeClr val="bg1">
-                    <a:lumMod val="75000"/>
-                  </a:schemeClr>
-                </a:solidFill>
-                <a:latin typeface="Source Sans Pro Light"/>
-              </a:rPr>
-              <a:t>-17</a:t>
+              <a:t>Oct-17</a:t>
             </a:r>
             <a:endParaRPr lang="en-US" sz="600" b="1" dirty="0">
               <a:solidFill>
@@ -11937,6 +11908,59 @@
               <a:t>=</a:t>
             </a:r>
             <a:r>
+              <a:rPr lang="en-US" sz="600" b="1" smtClean="0">
+                <a:solidFill>
+                  <a:srgbClr val="FF0000"/>
+                </a:solidFill>
+                <a:latin typeface="Courier New" panose="02070309020205020404" pitchFamily="49" charset="0"/>
+                <a:cs typeface="Courier New" panose="02070309020205020404" pitchFamily="49" charset="0"/>
+              </a:rPr>
+              <a:t>dfobj</a:t>
+            </a:r>
+            <a:r>
+              <a:rPr lang="en-US" sz="600" b="1" smtClean="0">
+                <a:solidFill>
+                  <a:srgbClr val="FF0000"/>
+                </a:solidFill>
+                <a:latin typeface="Courier New" panose="02070309020205020404" pitchFamily="49" charset="0"/>
+                <a:cs typeface="Courier New" panose="02070309020205020404" pitchFamily="49" charset="0"/>
+              </a:rPr>
+              <a:t>,ylab</a:t>
+            </a:r>
+            <a:r>
+              <a:rPr lang="en-US" sz="600" b="1" dirty="0">
+                <a:solidFill>
+                  <a:srgbClr val="FF0000"/>
+                </a:solidFill>
+                <a:latin typeface="Courier New" panose="02070309020205020404" pitchFamily="49" charset="0"/>
+                <a:cs typeface="Courier New" panose="02070309020205020404" pitchFamily="49" charset="0"/>
+              </a:rPr>
+              <a:t>="Highway MPG</a:t>
+            </a:r>
+            <a:r>
+              <a:rPr lang="en-US" sz="600" b="1" dirty="0" smtClean="0">
+                <a:solidFill>
+                  <a:srgbClr val="FF0000"/>
+                </a:solidFill>
+                <a:latin typeface="Courier New" panose="02070309020205020404" pitchFamily="49" charset="0"/>
+                <a:cs typeface="Courier New" panose="02070309020205020404" pitchFamily="49" charset="0"/>
+              </a:rPr>
+              <a:t>")</a:t>
+            </a:r>
+          </a:p>
+          <a:p>
+            <a:pPr algn="l" latinLnBrk="1"/>
+            <a:r>
+              <a:rPr lang="en-US" sz="600" b="1" dirty="0" smtClean="0">
+                <a:solidFill>
+                  <a:srgbClr val="FF0000"/>
+                </a:solidFill>
+                <a:latin typeface="Courier New" panose="02070309020205020404" pitchFamily="49" charset="0"/>
+                <a:cs typeface="Courier New" panose="02070309020205020404" pitchFamily="49" charset="0"/>
+              </a:rPr>
+              <a:t>       </a:t>
+            </a:r>
+            <a:r>
               <a:rPr lang="en-US" sz="600" b="1" dirty="0" err="1" smtClean="0">
                 <a:solidFill>
                   <a:srgbClr val="FF0000"/>
@@ -11944,7 +11968,7 @@
                 <a:latin typeface="Courier New" panose="02070309020205020404" pitchFamily="49" charset="0"/>
                 <a:cs typeface="Courier New" panose="02070309020205020404" pitchFamily="49" charset="0"/>
               </a:rPr>
-              <a:t>dfobj,xlab</a:t>
+              <a:t>xlab</a:t>
             </a:r>
             <a:r>
               <a:rPr lang="en-US" sz="600" b="1" dirty="0">
@@ -11974,8 +11998,15 @@
                 <a:latin typeface="Courier New" panose="02070309020205020404" pitchFamily="49" charset="0"/>
                 <a:cs typeface="Courier New" panose="02070309020205020404" pitchFamily="49" charset="0"/>
               </a:rPr>
-              <a:t>)",</a:t>
-            </a:r>
+              <a:t>)“)</a:t>
+            </a:r>
+            <a:endParaRPr lang="en-US" sz="600" b="1" dirty="0" smtClean="0">
+              <a:solidFill>
+                <a:srgbClr val="FF0000"/>
+              </a:solidFill>
+              <a:latin typeface="Courier New" panose="02070309020205020404" pitchFamily="49" charset="0"/>
+              <a:cs typeface="Courier New" panose="02070309020205020404" pitchFamily="49" charset="0"/>
+            </a:endParaRPr>
           </a:p>
           <a:p>
             <a:pPr algn="l" latinLnBrk="1"/>
@@ -11988,36 +12019,6 @@
                 <a:cs typeface="Courier New" panose="02070309020205020404" pitchFamily="49" charset="0"/>
               </a:rPr>
               <a:t>       </a:t>
-            </a:r>
-            <a:r>
-              <a:rPr lang="en-US" sz="600" b="1" dirty="0" err="1" smtClean="0">
-                <a:solidFill>
-                  <a:srgbClr val="FF0000"/>
-                </a:solidFill>
-                <a:latin typeface="Courier New" panose="02070309020205020404" pitchFamily="49" charset="0"/>
-                <a:cs typeface="Courier New" panose="02070309020205020404" pitchFamily="49" charset="0"/>
-              </a:rPr>
-              <a:t>ylab</a:t>
-            </a:r>
-            <a:r>
-              <a:rPr lang="en-US" sz="600" b="1" dirty="0">
-                <a:solidFill>
-                  <a:srgbClr val="FF0000"/>
-                </a:solidFill>
-                <a:latin typeface="Courier New" panose="02070309020205020404" pitchFamily="49" charset="0"/>
-                <a:cs typeface="Courier New" panose="02070309020205020404" pitchFamily="49" charset="0"/>
-              </a:rPr>
-              <a:t>="Highway MPG</a:t>
-            </a:r>
-            <a:r>
-              <a:rPr lang="en-US" sz="600" b="1" dirty="0" smtClean="0">
-                <a:solidFill>
-                  <a:srgbClr val="FF0000"/>
-                </a:solidFill>
-                <a:latin typeface="Courier New" panose="02070309020205020404" pitchFamily="49" charset="0"/>
-                <a:cs typeface="Courier New" panose="02070309020205020404" pitchFamily="49" charset="0"/>
-              </a:rPr>
-              <a:t>")</a:t>
             </a:r>
           </a:p>
           <a:p>
@@ -14975,7 +14976,7 @@
           </a:ln>
           <a:extLst>
             <a:ext uri="{C572A759-6A51-4108-AA02-DFA0A04FC94B}">
-              <ma14:wrappingTextBoxFlag xmlns:ma14="http://schemas.microsoft.com/office/mac/drawingml/2011/main" xmlns="" val="1"/>
+              <ma14:wrappingTextBoxFlag xmlns="" xmlns:ma14="http://schemas.microsoft.com/office/mac/drawingml/2011/main" val="1"/>
             </a:ext>
           </a:extLst>
         </p:spPr>
@@ -15041,7 +15042,7 @@
           </a:ln>
           <a:extLst>
             <a:ext uri="{C572A759-6A51-4108-AA02-DFA0A04FC94B}">
-              <ma14:wrappingTextBoxFlag xmlns:ma14="http://schemas.microsoft.com/office/mac/drawingml/2011/main" xmlns="" val="1"/>
+              <ma14:wrappingTextBoxFlag xmlns="" xmlns:ma14="http://schemas.microsoft.com/office/mac/drawingml/2011/main" val="1"/>
             </a:ext>
           </a:extLst>
         </p:spPr>
@@ -15107,7 +15108,7 @@
           </a:ln>
           <a:extLst>
             <a:ext uri="{C572A759-6A51-4108-AA02-DFA0A04FC94B}">
-              <ma14:wrappingTextBoxFlag xmlns:ma14="http://schemas.microsoft.com/office/mac/drawingml/2011/main" xmlns="" val="1"/>
+              <ma14:wrappingTextBoxFlag xmlns="" xmlns:ma14="http://schemas.microsoft.com/office/mac/drawingml/2011/main" val="1"/>
             </a:ext>
           </a:extLst>
         </p:spPr>
@@ -15173,7 +15174,7 @@
           </a:ln>
           <a:extLst>
             <a:ext uri="{C572A759-6A51-4108-AA02-DFA0A04FC94B}">
-              <ma14:wrappingTextBoxFlag xmlns:ma14="http://schemas.microsoft.com/office/mac/drawingml/2011/main" xmlns="" val="1"/>
+              <ma14:wrappingTextBoxFlag xmlns="" xmlns:ma14="http://schemas.microsoft.com/office/mac/drawingml/2011/main" val="1"/>
             </a:ext>
           </a:extLst>
         </p:spPr>
@@ -15263,7 +15264,7 @@
           </a:ln>
           <a:extLst>
             <a:ext uri="{C572A759-6A51-4108-AA02-DFA0A04FC94B}">
-              <ma14:wrappingTextBoxFlag xmlns:ma14="http://schemas.microsoft.com/office/mac/drawingml/2011/main" xmlns="" val="1"/>
+              <ma14:wrappingTextBoxFlag xmlns="" xmlns:ma14="http://schemas.microsoft.com/office/mac/drawingml/2011/main" val="1"/>
             </a:ext>
           </a:extLst>
         </p:spPr>

--- a/resources/MTH107-Rcheatsheet.pptx
+++ b/resources/MTH107-Rcheatsheet.pptx
@@ -2545,7 +2545,7 @@
         <p:spPr>
           <a:xfrm>
             <a:off x="2267028" y="528323"/>
-            <a:ext cx="2148840" cy="2921995"/>
+            <a:ext cx="2148840" cy="3112195"/>
           </a:xfrm>
           <a:prstGeom prst="roundRect">
             <a:avLst>
@@ -2680,7 +2680,46 @@
               <a:rPr lang="en-US" sz="800" dirty="0" smtClean="0">
                 <a:latin typeface="Source Sans Pro Light"/>
               </a:rPr>
-              <a:t>follows (</a:t>
+              <a:t>follows with </a:t>
+            </a:r>
+            <a:r>
+              <a:rPr lang="en-US" sz="800" dirty="0" err="1" smtClean="0">
+                <a:solidFill>
+                  <a:srgbClr val="FF0000"/>
+                </a:solidFill>
+                <a:latin typeface="Source Sans Pro Light"/>
+              </a:rPr>
+              <a:t>var</a:t>
+            </a:r>
+            <a:r>
+              <a:rPr lang="en-US" sz="800" dirty="0" smtClean="0">
+                <a:solidFill>
+                  <a:srgbClr val="FF0000"/>
+                </a:solidFill>
+                <a:latin typeface="Source Sans Pro Light"/>
+              </a:rPr>
+              <a:t> </a:t>
+            </a:r>
+            <a:r>
+              <a:rPr lang="en-US" sz="800" dirty="0" smtClean="0">
+                <a:latin typeface="Source Sans Pro Light"/>
+              </a:rPr>
+              <a:t>replaced with a variable name and </a:t>
+            </a:r>
+            <a:r>
+              <a:rPr lang="en-US" sz="800" dirty="0" smtClean="0">
+                <a:solidFill>
+                  <a:srgbClr val="FF0000"/>
+                </a:solidFill>
+                <a:latin typeface="Source Sans Pro Light"/>
+              </a:rPr>
+              <a:t>value</a:t>
+            </a:r>
+            <a:r>
+              <a:rPr lang="en-US" sz="800" dirty="0" smtClean="0">
+                <a:latin typeface="Source Sans Pro Light"/>
+              </a:rPr>
+              <a:t> replaced with a number or category level (</a:t>
             </a:r>
             <a:r>
               <a:rPr lang="en-US" sz="800" i="1" dirty="0" smtClean="0">
@@ -3508,7 +3547,7 @@
         </p:nvSpPr>
         <p:spPr>
           <a:xfrm>
-            <a:off x="2312748" y="2850570"/>
+            <a:off x="2312748" y="3064218"/>
             <a:ext cx="2057400" cy="178510"/>
           </a:xfrm>
           <a:prstGeom prst="rect">
@@ -3599,7 +3638,7 @@
         </p:nvSpPr>
         <p:spPr>
           <a:xfrm>
-            <a:off x="2312748" y="3210578"/>
+            <a:off x="2312748" y="3424226"/>
             <a:ext cx="2057400" cy="178510"/>
           </a:xfrm>
           <a:prstGeom prst="rect">
@@ -3854,7 +3893,28 @@
                   <a:cs typeface="Source Sans Pro Light"/>
                   <a:sym typeface="Source Sans Pro Light"/>
                 </a:rPr>
-                <a:t>fvarRow</a:t>
+                <a:t>c</a:t>
+              </a:r>
+              <a:r>
+                <a:rPr lang="en-US" sz="800" dirty="0" err="1" smtClean="0">
+                  <a:solidFill>
+                    <a:srgbClr val="FF0000"/>
+                  </a:solidFill>
+                  <a:latin typeface="Source Sans Pro Semibold"/>
+                  <a:ea typeface="Source Sans Pro Light"/>
+                  <a:cs typeface="Source Sans Pro Light"/>
+                  <a:sym typeface="Source Sans Pro Light"/>
+                </a:rPr>
+                <a:t>varRow</a:t>
+              </a:r>
+              <a:r>
+                <a:rPr lang="en-US" sz="800" dirty="0" smtClean="0">
+                  <a:latin typeface="Source Sans Pro Light"/>
+                  <a:ea typeface="Source Sans Pro Light"/>
+                  <a:cs typeface="Source Sans Pro Light"/>
+                  <a:sym typeface="Source Sans Pro Light"/>
+                </a:rPr>
+                <a:t> </a:t>
               </a:r>
               <a:r>
                 <a:rPr lang="en-US" sz="800" dirty="0">
@@ -3863,7 +3923,7 @@
                   <a:cs typeface="Source Sans Pro Light"/>
                   <a:sym typeface="Source Sans Pro Light"/>
                 </a:rPr>
-                <a:t> and </a:t>
+                <a:t>and </a:t>
               </a:r>
               <a:r>
                 <a:rPr lang="en-US" sz="800" dirty="0" err="1">
@@ -3875,7 +3935,28 @@
                   <a:cs typeface="Source Sans Pro Light"/>
                   <a:sym typeface="Source Sans Pro Light"/>
                 </a:rPr>
-                <a:t>fvarCol</a:t>
+                <a:t>c</a:t>
+              </a:r>
+              <a:r>
+                <a:rPr lang="en-US" sz="800" dirty="0" err="1" smtClean="0">
+                  <a:solidFill>
+                    <a:srgbClr val="FF0000"/>
+                  </a:solidFill>
+                  <a:latin typeface="Source Sans Pro Semibold"/>
+                  <a:ea typeface="Source Sans Pro Light"/>
+                  <a:cs typeface="Source Sans Pro Light"/>
+                  <a:sym typeface="Source Sans Pro Light"/>
+                </a:rPr>
+                <a:t>varCol</a:t>
+              </a:r>
+              <a:r>
+                <a:rPr lang="en-US" sz="800" dirty="0" smtClean="0">
+                  <a:latin typeface="Source Sans Pro Light"/>
+                  <a:ea typeface="Source Sans Pro Light"/>
+                  <a:cs typeface="Source Sans Pro Light"/>
+                  <a:sym typeface="Source Sans Pro Light"/>
+                </a:rPr>
+                <a:t> </a:t>
               </a:r>
               <a:r>
                 <a:rPr lang="en-US" sz="800" dirty="0">
@@ -3884,7 +3965,7 @@
                   <a:cs typeface="Source Sans Pro Light"/>
                   <a:sym typeface="Source Sans Pro Light"/>
                 </a:rPr>
-                <a:t> variables.</a:t>
+                <a:t>variables.</a:t>
               </a:r>
             </a:p>
           </p:txBody>
@@ -4314,7 +4395,7 @@
                 <a:t>xtabs</a:t>
               </a:r>
               <a:r>
-                <a:rPr lang="en-US" sz="800" dirty="0">
+                <a:rPr lang="en-US" sz="800" dirty="0" smtClean="0">
                   <a:solidFill>
                     <a:srgbClr val="FF0000"/>
                   </a:solidFill>
@@ -4323,13 +4404,13 @@
                 <a:t>(~</a:t>
               </a:r>
               <a:r>
-                <a:rPr lang="en-US" sz="800" dirty="0" err="1">
+                <a:rPr lang="en-US" sz="800" dirty="0" err="1" smtClean="0">
                   <a:solidFill>
                     <a:srgbClr val="FF0000"/>
                   </a:solidFill>
                   <a:latin typeface="Source Sans Pro Semibold"/>
                 </a:rPr>
-                <a:t>fvarRow+fvarCol</a:t>
+                <a:t>cvarRow+cvarCol</a:t>
               </a:r>
               <a:r>
                 <a:rPr lang="en-US" sz="800" dirty="0" smtClean="0">
@@ -4404,7 +4485,25 @@
                   </a:solidFill>
                   <a:latin typeface="Source Sans Pro Semibold"/>
                 </a:rPr>
-                <a:t>(freq2)                   # total/table %</a:t>
+                <a:t>(freq2)                </a:t>
+              </a:r>
+              <a:r>
+                <a:rPr lang="en-US" sz="800" dirty="0" smtClean="0">
+                  <a:solidFill>
+                    <a:srgbClr val="FF0000"/>
+                  </a:solidFill>
+                  <a:latin typeface="Source Sans Pro Semibold"/>
+                </a:rPr>
+                <a:t>    </a:t>
+              </a:r>
+              <a:r>
+                <a:rPr lang="en-US" sz="800" dirty="0">
+                  <a:solidFill>
+                    <a:srgbClr val="FF0000"/>
+                  </a:solidFill>
+                  <a:latin typeface="Source Sans Pro Semibold"/>
+                </a:rPr>
+                <a:t># total/table %</a:t>
               </a:r>
             </a:p>
             <a:p>
@@ -4425,7 +4524,25 @@
                   </a:solidFill>
                   <a:latin typeface="Source Sans Pro Semibold"/>
                 </a:rPr>
-                <a:t>(freq2,margin=1)   # row %</a:t>
+                <a:t>(freq2,margin=1) </a:t>
+              </a:r>
+              <a:r>
+                <a:rPr lang="en-US" sz="800" dirty="0" smtClean="0">
+                  <a:solidFill>
+                    <a:srgbClr val="FF0000"/>
+                  </a:solidFill>
+                  <a:latin typeface="Source Sans Pro Semibold"/>
+                </a:rPr>
+                <a:t>   </a:t>
+              </a:r>
+              <a:r>
+                <a:rPr lang="en-US" sz="800" dirty="0">
+                  <a:solidFill>
+                    <a:srgbClr val="FF0000"/>
+                  </a:solidFill>
+                  <a:latin typeface="Source Sans Pro Semibold"/>
+                </a:rPr>
+                <a:t># row %</a:t>
               </a:r>
             </a:p>
             <a:p>
@@ -4446,7 +4563,25 @@
                   </a:solidFill>
                   <a:latin typeface="Source Sans Pro Semibold"/>
                 </a:rPr>
-                <a:t>(freq2,margin=2)   # column %</a:t>
+                <a:t>(freq2,margin=2)  </a:t>
+              </a:r>
+              <a:r>
+                <a:rPr lang="en-US" sz="800" dirty="0" smtClean="0">
+                  <a:solidFill>
+                    <a:srgbClr val="FF0000"/>
+                  </a:solidFill>
+                  <a:latin typeface="Source Sans Pro Semibold"/>
+                </a:rPr>
+                <a:t>  </a:t>
+              </a:r>
+              <a:r>
+                <a:rPr lang="en-US" sz="800" dirty="0">
+                  <a:solidFill>
+                    <a:srgbClr val="FF0000"/>
+                  </a:solidFill>
+                  <a:latin typeface="Source Sans Pro Semibold"/>
+                </a:rPr>
+                <a:t># column %</a:t>
               </a:r>
             </a:p>
           </p:txBody>
@@ -5339,7 +5474,7 @@
                 <a:t> variable separated by groups in the </a:t>
               </a:r>
               <a:r>
-                <a:rPr lang="en-US" sz="800" dirty="0" err="1">
+                <a:rPr lang="en-US" sz="800" dirty="0" err="1" smtClean="0">
                   <a:solidFill>
                     <a:srgbClr val="FF0000"/>
                   </a:solidFill>
@@ -5348,7 +5483,16 @@
                   <a:cs typeface="Source Sans Pro Light"/>
                   <a:sym typeface="Source Sans Pro Light"/>
                 </a:rPr>
-                <a:t>fvar</a:t>
+                <a:t>gvar</a:t>
+              </a:r>
+              <a:r>
+                <a:rPr lang="en-US" sz="800" dirty="0" smtClean="0">
+                  <a:latin typeface="Source Sans Pro Light"/>
+                  <a:ea typeface="Source Sans Pro Light"/>
+                  <a:cs typeface="Source Sans Pro Light"/>
+                  <a:sym typeface="Source Sans Pro Light"/>
+                </a:rPr>
+                <a:t> </a:t>
               </a:r>
               <a:r>
                 <a:rPr lang="en-US" sz="800" dirty="0">
@@ -5357,7 +5501,7 @@
                   <a:cs typeface="Source Sans Pro Light"/>
                   <a:sym typeface="Source Sans Pro Light"/>
                 </a:rPr>
-                <a:t> variable. </a:t>
+                <a:t>variable. </a:t>
               </a:r>
               <a:endParaRPr lang="en-US" sz="800" dirty="0" smtClean="0">
                 <a:latin typeface="Source Sans Pro Light"/>
@@ -5432,7 +5576,28 @@
                   <a:cs typeface="Source Sans Pro Light"/>
                   <a:sym typeface="Source Sans Pro Light"/>
                 </a:rPr>
-                <a:t>fvar</a:t>
+                <a:t>c</a:t>
+              </a:r>
+              <a:r>
+                <a:rPr lang="en-US" sz="800" dirty="0" err="1" smtClean="0">
+                  <a:solidFill>
+                    <a:srgbClr val="FF0000"/>
+                  </a:solidFill>
+                  <a:latin typeface="Source Sans Pro Semibold"/>
+                  <a:ea typeface="Source Sans Pro Light"/>
+                  <a:cs typeface="Source Sans Pro Light"/>
+                  <a:sym typeface="Source Sans Pro Light"/>
+                </a:rPr>
+                <a:t>var</a:t>
+              </a:r>
+              <a:r>
+                <a:rPr lang="en-US" sz="800" dirty="0" smtClean="0">
+                  <a:latin typeface="Source Sans Pro Light"/>
+                  <a:ea typeface="Source Sans Pro Light"/>
+                  <a:cs typeface="Source Sans Pro Light"/>
+                  <a:sym typeface="Source Sans Pro Light"/>
+                </a:rPr>
+                <a:t> </a:t>
               </a:r>
               <a:r>
                 <a:rPr lang="en-US" sz="800" dirty="0">
@@ -5441,7 +5606,7 @@
                   <a:cs typeface="Source Sans Pro Light"/>
                   <a:sym typeface="Source Sans Pro Light"/>
                 </a:rPr>
-                <a:t> variable</a:t>
+                <a:t>variable</a:t>
               </a:r>
               <a:r>
                 <a:rPr lang="en-US" sz="800" dirty="0" smtClean="0">
@@ -5608,7 +5773,7 @@
                 <a:t>dfobj,xlab</a:t>
               </a:r>
               <a:r>
-                <a:rPr lang="en-US" sz="800" dirty="0">
+                <a:rPr lang="en-US" sz="800" dirty="0" smtClean="0">
                   <a:solidFill>
                     <a:srgbClr val="FF0000"/>
                   </a:solidFill>
@@ -5623,7 +5788,7 @@
                   </a:solidFill>
                   <a:latin typeface="Source Sans Pro Semibold"/>
                 </a:rPr>
-                <a:t>var</a:t>
+                <a:t>qvar</a:t>
               </a:r>
               <a:r>
                 <a:rPr lang="en-US" sz="800" dirty="0" smtClean="0">
@@ -5785,7 +5950,7 @@
                 <a:t>xtabs</a:t>
               </a:r>
               <a:r>
-                <a:rPr lang="en-US" sz="800" dirty="0">
+                <a:rPr lang="en-US" sz="800" dirty="0" smtClean="0">
                   <a:solidFill>
                     <a:srgbClr val="FF0000"/>
                   </a:solidFill>
@@ -5800,10 +5965,19 @@
                   </a:solidFill>
                   <a:latin typeface="Source Sans Pro Semibold"/>
                 </a:rPr>
-                <a:t>fvar,data</a:t>
+                <a:t>c</a:t>
               </a:r>
               <a:r>
-                <a:rPr lang="en-US" sz="800" dirty="0">
+                <a:rPr lang="en-US" sz="800" dirty="0" err="1" smtClean="0">
+                  <a:solidFill>
+                    <a:srgbClr val="FF0000"/>
+                  </a:solidFill>
+                  <a:latin typeface="Source Sans Pro Semibold"/>
+                </a:rPr>
+                <a:t>var,data</a:t>
+              </a:r>
+              <a:r>
+                <a:rPr lang="en-US" sz="800" dirty="0" smtClean="0">
                   <a:solidFill>
                     <a:srgbClr val="FF0000"/>
                   </a:solidFill>
@@ -5812,7 +5986,7 @@
                 <a:t>=</a:t>
               </a:r>
               <a:r>
-                <a:rPr lang="en-US" sz="800" dirty="0" err="1">
+                <a:rPr lang="en-US" sz="800" dirty="0" err="1" smtClean="0">
                   <a:solidFill>
                     <a:srgbClr val="FF0000"/>
                   </a:solidFill>
@@ -5881,7 +6055,16 @@
                   </a:solidFill>
                   <a:latin typeface="Source Sans Pro Semibold"/>
                 </a:rPr>
-                <a:t>(freq1,xlab=“</a:t>
+                <a:t>(freq1,xlab</a:t>
+              </a:r>
+              <a:r>
+                <a:rPr lang="en-US" sz="800" dirty="0" smtClean="0">
+                  <a:solidFill>
+                    <a:srgbClr val="FF0000"/>
+                  </a:solidFill>
+                  <a:latin typeface="Source Sans Pro Semibold"/>
+                </a:rPr>
+                <a:t>=“</a:t>
               </a:r>
               <a:r>
                 <a:rPr lang="en-US" sz="800" dirty="0" err="1" smtClean="0">
@@ -5890,7 +6073,7 @@
                   </a:solidFill>
                   <a:latin typeface="Source Sans Pro Semibold"/>
                 </a:rPr>
-                <a:t>var</a:t>
+                <a:t>cvar</a:t>
               </a:r>
               <a:r>
                 <a:rPr lang="en-US" sz="800" dirty="0" smtClean="0">
@@ -6025,7 +6208,7 @@
                   </a:solidFill>
                   <a:latin typeface="Source Sans Pro Semibold"/>
                 </a:rPr>
-                <a:t>qvar~fvar,data</a:t>
+                <a:t>qvar~gvar,data</a:t>
               </a:r>
               <a:r>
                 <a:rPr lang="en-US" sz="800" dirty="0" smtClean="0">
@@ -6046,7 +6229,7 @@
                 <a:t>dfobj,xlab</a:t>
               </a:r>
               <a:r>
-                <a:rPr lang="en-US" sz="800" dirty="0">
+                <a:rPr lang="en-US" sz="800" dirty="0" smtClean="0">
                   <a:solidFill>
                     <a:srgbClr val="FF0000"/>
                   </a:solidFill>
@@ -6061,7 +6244,7 @@
                   </a:solidFill>
                   <a:latin typeface="Source Sans Pro Semibold"/>
                 </a:rPr>
-                <a:t>var</a:t>
+                <a:t>qvar</a:t>
               </a:r>
               <a:r>
                 <a:rPr lang="en-US" sz="800" dirty="0" smtClean="0">
@@ -6094,7 +6277,7 @@
             <a:p>
               <a:pPr algn="l" defTabSz="320174" rtl="0" latinLnBrk="1" hangingPunct="0"/>
               <a:r>
-                <a:rPr lang="en-US" sz="800" dirty="0">
+                <a:rPr lang="en-US" sz="800" dirty="0" smtClean="0">
                   <a:solidFill>
                     <a:srgbClr val="FF0000"/>
                   </a:solidFill>
@@ -6103,16 +6286,16 @@
                 <a:t>Summarize(</a:t>
               </a:r>
               <a:r>
-                <a:rPr lang="en-US" sz="800" dirty="0" err="1">
+                <a:rPr lang="en-US" sz="800" dirty="0" err="1" smtClean="0">
                   <a:solidFill>
                     <a:srgbClr val="FF0000"/>
                   </a:solidFill>
                   <a:latin typeface="Source Sans Pro Semibold"/>
                 </a:rPr>
-                <a:t>qvar~fvar,data</a:t>
+                <a:t>qvar~gvar,data</a:t>
               </a:r>
               <a:r>
-                <a:rPr lang="en-US" sz="800" dirty="0">
+                <a:rPr lang="en-US" sz="800" dirty="0" smtClean="0">
                   <a:solidFill>
                     <a:srgbClr val="FF0000"/>
                   </a:solidFill>
@@ -6121,7 +6304,7 @@
                 <a:t>=</a:t>
               </a:r>
               <a:r>
-                <a:rPr lang="en-US" sz="800" dirty="0" err="1">
+                <a:rPr lang="en-US" sz="800" dirty="0" err="1" smtClean="0">
                   <a:solidFill>
                     <a:srgbClr val="FF0000"/>
                   </a:solidFill>
@@ -6197,7 +6380,7 @@
               <a:t>The best-fit line between the </a:t>
             </a:r>
             <a:r>
-              <a:rPr lang="en-US" sz="800" dirty="0" err="1">
+              <a:rPr lang="en-US" sz="800" dirty="0" err="1" smtClean="0">
                 <a:solidFill>
                   <a:srgbClr val="FF0000"/>
                 </a:solidFill>
@@ -6206,7 +6389,16 @@
                 <a:cs typeface="Source Sans Pro Light"/>
                 <a:sym typeface="Source Sans Pro Light"/>
               </a:rPr>
-              <a:t>respvar</a:t>
+              <a:t>rspvar</a:t>
+            </a:r>
+            <a:r>
+              <a:rPr lang="en-US" sz="800" dirty="0" smtClean="0">
+                <a:latin typeface="Source Sans Pro Light"/>
+                <a:ea typeface="Source Sans Pro Light"/>
+                <a:cs typeface="Source Sans Pro Light"/>
+                <a:sym typeface="Source Sans Pro Light"/>
+              </a:rPr>
+              <a:t> </a:t>
             </a:r>
             <a:r>
               <a:rPr lang="en-US" sz="800" dirty="0">
@@ -6215,7 +6407,7 @@
                 <a:cs typeface="Source Sans Pro Light"/>
                 <a:sym typeface="Source Sans Pro Light"/>
               </a:rPr>
-              <a:t> response and </a:t>
+              <a:t>response and </a:t>
             </a:r>
             <a:r>
               <a:rPr lang="en-US" sz="800" dirty="0" err="1">
@@ -6383,7 +6575,7 @@
               <a:t>a value of </a:t>
             </a:r>
             <a:r>
-              <a:rPr lang="en-US" sz="800" dirty="0" err="1">
+              <a:rPr lang="en-US" sz="800" dirty="0" err="1" smtClean="0">
                 <a:solidFill>
                   <a:srgbClr val="FF0000"/>
                 </a:solidFill>
@@ -6392,7 +6584,16 @@
                 <a:cs typeface="Source Sans Pro Light"/>
                 <a:sym typeface="Source Sans Pro Light"/>
               </a:rPr>
-              <a:t>respvar</a:t>
+              <a:t>rspvar</a:t>
+            </a:r>
+            <a:r>
+              <a:rPr lang="en-US" sz="800" dirty="0" smtClean="0">
+                <a:latin typeface="Source Sans Pro Light"/>
+                <a:ea typeface="Source Sans Pro Light"/>
+                <a:cs typeface="Source Sans Pro Light"/>
+                <a:sym typeface="Source Sans Pro Light"/>
+              </a:rPr>
+              <a:t> </a:t>
             </a:r>
             <a:r>
               <a:rPr lang="en-US" sz="800" dirty="0">
@@ -6401,7 +6602,16 @@
                 <a:cs typeface="Source Sans Pro Light"/>
                 <a:sym typeface="Source Sans Pro Light"/>
               </a:rPr>
-              <a:t> given the </a:t>
+              <a:t>given </a:t>
+            </a:r>
+            <a:r>
+              <a:rPr lang="en-US" sz="800" dirty="0" smtClean="0">
+                <a:latin typeface="Source Sans Pro Light"/>
+                <a:ea typeface="Source Sans Pro Light"/>
+                <a:cs typeface="Source Sans Pro Light"/>
+                <a:sym typeface="Source Sans Pro Light"/>
+              </a:rPr>
+              <a:t>a specific </a:t>
             </a:r>
             <a:r>
               <a:rPr lang="en-US" sz="800" dirty="0" err="1">
@@ -6422,7 +6632,16 @@
                 <a:cs typeface="Source Sans Pro Light"/>
                 <a:sym typeface="Source Sans Pro Light"/>
               </a:rPr>
-              <a:t> value of </a:t>
+              <a:t> value </a:t>
+            </a:r>
+            <a:r>
+              <a:rPr lang="en-US" sz="800" dirty="0" smtClean="0">
+                <a:latin typeface="Source Sans Pro Light"/>
+                <a:ea typeface="Source Sans Pro Light"/>
+                <a:cs typeface="Source Sans Pro Light"/>
+                <a:sym typeface="Source Sans Pro Light"/>
+              </a:rPr>
+              <a:t>of the </a:t>
             </a:r>
             <a:r>
               <a:rPr lang="en-US" sz="800" dirty="0" err="1">
@@ -6580,28 +6799,37 @@
                 </a:solidFill>
                 <a:latin typeface="Source Sans Pro Semibold"/>
               </a:rPr>
-              <a:t> &lt;- lm(</a:t>
-            </a:r>
-            <a:r>
-              <a:rPr lang="en-US" sz="800" dirty="0" err="1">
+              <a:t> &lt;- </a:t>
+            </a:r>
+            <a:r>
+              <a:rPr lang="en-US" sz="800" dirty="0" smtClean="0">
                 <a:solidFill>
                   <a:srgbClr val="FF0000"/>
                 </a:solidFill>
                 <a:latin typeface="Source Sans Pro Semibold"/>
               </a:rPr>
-              <a:t>respvar~expvar,data</a:t>
-            </a:r>
-            <a:r>
-              <a:rPr lang="en-US" sz="800" dirty="0">
+              <a:t>lm(</a:t>
+            </a:r>
+            <a:r>
+              <a:rPr lang="en-US" sz="800" dirty="0" err="1" smtClean="0">
                 <a:solidFill>
                   <a:srgbClr val="FF0000"/>
                 </a:solidFill>
                 <a:latin typeface="Source Sans Pro Semibold"/>
               </a:rPr>
+              <a:t>rspvar~expvar,data</a:t>
+            </a:r>
+            <a:r>
+              <a:rPr lang="en-US" sz="800" dirty="0" smtClean="0">
+                <a:solidFill>
+                  <a:srgbClr val="FF0000"/>
+                </a:solidFill>
+                <a:latin typeface="Source Sans Pro Semibold"/>
+              </a:rPr>
               <a:t>=</a:t>
             </a:r>
             <a:r>
-              <a:rPr lang="en-US" sz="800" dirty="0" err="1">
+              <a:rPr lang="en-US" sz="800" dirty="0" err="1" smtClean="0">
                 <a:solidFill>
                   <a:srgbClr val="FF0000"/>
                 </a:solidFill>
@@ -6799,7 +7027,7 @@
                 </a:solidFill>
                 <a:latin typeface="Source Sans Pro Semibold"/>
               </a:rPr>
-              <a:t>yvar</a:t>
+              <a:t>rspvar</a:t>
             </a:r>
             <a:r>
               <a:rPr lang="en-US" sz="800" dirty="0" smtClean="0">
@@ -6811,67 +7039,76 @@
               <a:t> </a:t>
             </a:r>
             <a:r>
+              <a:rPr lang="en-US" sz="800" dirty="0" err="1" smtClean="0">
+                <a:solidFill>
+                  <a:srgbClr val="FF0000"/>
+                </a:solidFill>
+                <a:latin typeface="Source Sans Pro Semibold"/>
+              </a:rPr>
+              <a:t>lbl</a:t>
+            </a:r>
+            <a:r>
+              <a:rPr lang="en-US" sz="800" dirty="0" smtClean="0">
+                <a:solidFill>
+                  <a:srgbClr val="FF0000"/>
+                </a:solidFill>
+                <a:latin typeface="Source Sans Pro Semibold"/>
+              </a:rPr>
+              <a:t>”,</a:t>
+            </a:r>
+            <a:r>
+              <a:rPr lang="en-US" sz="800" dirty="0" err="1" smtClean="0">
+                <a:solidFill>
+                  <a:srgbClr val="FF0000"/>
+                </a:solidFill>
+                <a:latin typeface="Source Sans Pro Semibold"/>
+              </a:rPr>
+              <a:t>xlab</a:t>
+            </a:r>
+            <a:r>
+              <a:rPr lang="en-US" sz="800" dirty="0" smtClean="0">
+                <a:solidFill>
+                  <a:srgbClr val="FF0000"/>
+                </a:solidFill>
+                <a:latin typeface="Source Sans Pro Semibold"/>
+              </a:rPr>
+              <a:t>=“</a:t>
+            </a:r>
+            <a:r>
+              <a:rPr lang="en-US" sz="800" dirty="0" err="1" smtClean="0">
+                <a:solidFill>
+                  <a:srgbClr val="FF0000"/>
+                </a:solidFill>
+                <a:latin typeface="Source Sans Pro Semibold"/>
+              </a:rPr>
+              <a:t>expvar</a:t>
+            </a:r>
+            <a:r>
+              <a:rPr lang="en-US" sz="800" dirty="0" smtClean="0">
+                <a:solidFill>
+                  <a:srgbClr val="FF0000"/>
+                </a:solidFill>
+                <a:latin typeface="Source Sans Pro Semibold"/>
+              </a:rPr>
+              <a:t> </a:t>
+            </a:r>
+            <a:r>
+              <a:rPr lang="en-US" sz="800" dirty="0" err="1" smtClean="0">
+                <a:solidFill>
+                  <a:srgbClr val="FF0000"/>
+                </a:solidFill>
+                <a:latin typeface="Source Sans Pro Semibold"/>
+              </a:rPr>
+              <a:t>lbl</a:t>
+            </a:r>
+            <a:r>
               <a:rPr lang="en-US" sz="800" dirty="0">
                 <a:solidFill>
                   <a:srgbClr val="FF0000"/>
                 </a:solidFill>
                 <a:latin typeface="Source Sans Pro Semibold"/>
               </a:rPr>
-              <a:t>label</a:t>
-            </a:r>
-            <a:r>
-              <a:rPr lang="en-US" sz="800" dirty="0" smtClean="0">
-                <a:solidFill>
-                  <a:srgbClr val="FF0000"/>
-                </a:solidFill>
-                <a:latin typeface="Source Sans Pro Semibold"/>
-              </a:rPr>
-              <a:t>”,</a:t>
-            </a:r>
-            <a:r>
-              <a:rPr lang="en-US" sz="800" dirty="0" err="1" smtClean="0">
-                <a:solidFill>
-                  <a:srgbClr val="FF0000"/>
-                </a:solidFill>
-                <a:latin typeface="Source Sans Pro Semibold"/>
-              </a:rPr>
-              <a:t>xlab</a:t>
-            </a:r>
-            <a:r>
-              <a:rPr lang="en-US" sz="800" dirty="0" smtClean="0">
-                <a:solidFill>
-                  <a:srgbClr val="FF0000"/>
-                </a:solidFill>
-                <a:latin typeface="Source Sans Pro Semibold"/>
-              </a:rPr>
-              <a:t>=“</a:t>
-            </a:r>
-            <a:r>
-              <a:rPr lang="en-US" sz="800" dirty="0" err="1" smtClean="0">
-                <a:solidFill>
-                  <a:srgbClr val="FF0000"/>
-                </a:solidFill>
-                <a:latin typeface="Source Sans Pro Semibold"/>
-              </a:rPr>
-              <a:t>xvar</a:t>
-            </a:r>
-            <a:r>
-              <a:rPr lang="en-US" sz="800" dirty="0" smtClean="0">
-                <a:solidFill>
-                  <a:srgbClr val="FF0000"/>
-                </a:solidFill>
-                <a:latin typeface="Source Sans Pro Semibold"/>
-              </a:rPr>
-              <a:t> </a:t>
-            </a:r>
-            <a:r>
-              <a:rPr lang="en-US" sz="800" dirty="0">
-                <a:solidFill>
-                  <a:srgbClr val="FF0000"/>
-                </a:solidFill>
-                <a:latin typeface="Source Sans Pro Semibold"/>
-              </a:rPr>
-              <a:t>label”)</a:t>
+              <a:t>”)</a:t>
             </a:r>
           </a:p>
         </p:txBody>
@@ -7004,7 +7241,7 @@
         </p:nvSpPr>
         <p:spPr>
           <a:xfrm>
-            <a:off x="4687479" y="3736922"/>
+            <a:off x="4687479" y="3732032"/>
             <a:ext cx="2148840" cy="2860432"/>
           </a:xfrm>
           <a:prstGeom prst="roundRect">
@@ -7043,7 +7280,36 @@
                 <a:schemeClr val="tx1"/>
               </a:buClr>
             </a:pPr>
-            <a:endParaRPr lang="en-US" sz="4200" dirty="0">
+            <a:endParaRPr lang="en-US" sz="4600" dirty="0" smtClean="0">
+              <a:latin typeface="Source Sans Pro Light"/>
+            </a:endParaRPr>
+          </a:p>
+          <a:p>
+            <a:pPr algn="l">
+              <a:buClr>
+                <a:schemeClr val="tx1"/>
+              </a:buClr>
+            </a:pPr>
+            <a:r>
+              <a:rPr lang="en-US" sz="800" b="1" dirty="0" smtClean="0">
+                <a:latin typeface="Source Sans Pro Light"/>
+              </a:rPr>
+              <a:t>TWO </a:t>
+            </a:r>
+            <a:r>
+              <a:rPr lang="en-US" sz="800" b="1" dirty="0">
+                <a:latin typeface="Source Sans Pro Light"/>
+              </a:rPr>
+              <a:t>SAMPLE:</a:t>
+            </a:r>
+          </a:p>
+          <a:p>
+            <a:pPr algn="l">
+              <a:buClr>
+                <a:schemeClr val="tx1"/>
+              </a:buClr>
+            </a:pPr>
+            <a:endParaRPr lang="en-US" sz="3600" dirty="0">
               <a:latin typeface="Source Sans Pro Light"/>
             </a:endParaRPr>
           </a:p>
@@ -7074,7 +7340,19 @@
               <a:rPr lang="en-US" sz="800" dirty="0">
                 <a:latin typeface="Source Sans Pro Light"/>
               </a:rPr>
-              <a:t>is a quantitative variable in </a:t>
+              <a:t>is </a:t>
+            </a:r>
+            <a:r>
+              <a:rPr lang="en-US" sz="800" dirty="0" smtClean="0">
+                <a:latin typeface="Source Sans Pro Light"/>
+              </a:rPr>
+              <a:t>the quant. response variable </a:t>
+            </a:r>
+            <a:r>
+              <a:rPr lang="en-US" sz="800" dirty="0">
+                <a:latin typeface="Source Sans Pro Light"/>
+              </a:rPr>
+              <a:t>in </a:t>
             </a:r>
             <a:r>
               <a:rPr lang="en-US" sz="800" dirty="0" err="1">
@@ -7101,19 +7379,25 @@
               <a:buChar char="•"/>
             </a:pPr>
             <a:r>
-              <a:rPr lang="en-US" sz="800" dirty="0">
+              <a:rPr lang="en-US" sz="800" dirty="0" smtClean="0">
                 <a:solidFill>
                   <a:srgbClr val="FF0000"/>
                 </a:solidFill>
                 <a:latin typeface="Source Sans Pro Semibold"/>
               </a:rPr>
               <a:t>mu0</a:t>
+            </a:r>
+            <a:r>
+              <a:rPr lang="en-US" sz="800" dirty="0" smtClean="0">
+                <a:latin typeface="Source Sans Pro Light"/>
+              </a:rPr>
+              <a:t> </a:t>
             </a:r>
             <a:r>
               <a:rPr lang="en-US" sz="800" dirty="0">
                 <a:latin typeface="Source Sans Pro Light"/>
               </a:rPr>
-              <a:t> is the population mean in H</a:t>
+              <a:t>is the population mean in H</a:t>
             </a:r>
             <a:r>
               <a:rPr lang="en-US" sz="800" baseline="-25000" dirty="0">
@@ -7131,19 +7415,25 @@
               <a:buChar char="•"/>
             </a:pPr>
             <a:r>
-              <a:rPr lang="en-US" sz="800" dirty="0" err="1">
+              <a:rPr lang="en-US" sz="800" dirty="0" smtClean="0">
                 <a:solidFill>
                   <a:srgbClr val="FF0000"/>
                 </a:solidFill>
                 <a:latin typeface="Source Sans Pro Semibold"/>
               </a:rPr>
-              <a:t>HAtype</a:t>
+              <a:t>HA</a:t>
+            </a:r>
+            <a:r>
+              <a:rPr lang="en-US" sz="800" dirty="0" smtClean="0">
+                <a:latin typeface="Source Sans Pro Light"/>
+              </a:rPr>
+              <a:t> </a:t>
             </a:r>
             <a:r>
               <a:rPr lang="en-US" sz="800" dirty="0">
                 <a:latin typeface="Source Sans Pro Light"/>
               </a:rPr>
-              <a:t> is </a:t>
+              <a:t>is </a:t>
             </a:r>
             <a:r>
               <a:rPr lang="en-US" sz="800" dirty="0">
@@ -7164,19 +7454,49 @@
               <a:t>two.sided</a:t>
             </a:r>
             <a:r>
+              <a:rPr lang="en-US" sz="800" dirty="0" smtClean="0">
+                <a:solidFill>
+                  <a:srgbClr val="FF0000"/>
+                </a:solidFill>
+                <a:latin typeface="Source Sans Pro Semibold"/>
+              </a:rPr>
+              <a:t>”</a:t>
+            </a:r>
+            <a:r>
+              <a:rPr lang="en-US" sz="800" dirty="0" smtClean="0">
+                <a:latin typeface="Source Sans Pro Light"/>
+              </a:rPr>
+              <a:t> for a not equals, </a:t>
+            </a:r>
+            <a:r>
               <a:rPr lang="en-US" sz="800" dirty="0">
                 <a:solidFill>
                   <a:srgbClr val="FF0000"/>
                 </a:solidFill>
                 <a:latin typeface="Source Sans Pro Semibold"/>
               </a:rPr>
+              <a:t>“less</a:t>
+            </a:r>
+            <a:r>
+              <a:rPr lang="en-US" sz="800" dirty="0" smtClean="0">
+                <a:solidFill>
+                  <a:srgbClr val="FF0000"/>
+                </a:solidFill>
+                <a:latin typeface="Source Sans Pro Semibold"/>
+              </a:rPr>
               <a:t>”</a:t>
+            </a:r>
+            <a:r>
+              <a:rPr lang="en-US" sz="800" dirty="0" smtClean="0">
+                <a:latin typeface="Source Sans Pro Light"/>
+              </a:rPr>
+              <a:t> for a less than, </a:t>
             </a:r>
             <a:r>
               <a:rPr lang="en-US" sz="800" dirty="0">
                 <a:latin typeface="Source Sans Pro Light"/>
               </a:rPr>
-              <a:t>, </a:t>
+              <a:t>or </a:t>
             </a:r>
             <a:r>
               <a:rPr lang="en-US" sz="800" dirty="0">
@@ -7185,28 +7505,25 @@
                 </a:solidFill>
                 <a:latin typeface="Source Sans Pro Semibold"/>
               </a:rPr>
-              <a:t>“less”</a:t>
+              <a:t>“greater”</a:t>
             </a:r>
             <a:r>
               <a:rPr lang="en-US" sz="800" dirty="0">
                 <a:latin typeface="Source Sans Pro Light"/>
               </a:rPr>
-              <a:t>, or </a:t>
-            </a:r>
-            <a:r>
-              <a:rPr lang="en-US" sz="800" dirty="0">
-                <a:solidFill>
-                  <a:srgbClr val="FF0000"/>
-                </a:solidFill>
-                <a:latin typeface="Source Sans Pro Semibold"/>
-              </a:rPr>
-              <a:t>“greater”</a:t>
+              <a:t> for </a:t>
+            </a:r>
+            <a:r>
+              <a:rPr lang="en-US" sz="800" dirty="0" smtClean="0">
+                <a:latin typeface="Source Sans Pro Light"/>
+              </a:rPr>
+              <a:t>a </a:t>
             </a:r>
             <a:r>
               <a:rPr lang="en-US" sz="800" dirty="0">
                 <a:latin typeface="Source Sans Pro Light"/>
               </a:rPr>
-              <a:t> for not equals, less than, and greater than H</a:t>
+              <a:t>greater than H</a:t>
             </a:r>
             <a:r>
               <a:rPr lang="en-US" sz="800" baseline="-25000" dirty="0">
@@ -7236,17 +7553,8 @@
               <a:rPr lang="en-US" sz="800" dirty="0">
                 <a:latin typeface="Source Sans Pro Light"/>
               </a:rPr>
-              <a:t> is the confidence </a:t>
-            </a:r>
-            <a:r>
-              <a:rPr lang="en-US" sz="800" dirty="0" smtClean="0">
-                <a:latin typeface="Source Sans Pro Light"/>
-              </a:rPr>
-              <a:t>level (e.g., 0.95)</a:t>
-            </a:r>
-            <a:endParaRPr lang="en-US" sz="800" dirty="0">
-              <a:latin typeface="Source Sans Pro Light"/>
-            </a:endParaRPr>
+              <a:t> is the confidence level (e.g., 0.95)</a:t>
+            </a:r>
           </a:p>
           <a:p>
             <a:pPr marL="62643" indent="-60903" algn="l">
@@ -7278,22 +7586,16 @@
               <a:t>is the </a:t>
             </a:r>
             <a:r>
-              <a:rPr lang="en-US" sz="800" dirty="0" err="1" smtClean="0">
+              <a:rPr lang="en-US" sz="800" dirty="0" err="1">
                 <a:latin typeface="Source Sans Pro Light"/>
               </a:rPr>
               <a:t>popn</a:t>
-            </a:r>
-            <a:r>
-              <a:rPr lang="en-US" sz="800" dirty="0" smtClean="0">
-                <a:latin typeface="Source Sans Pro Light"/>
-              </a:rPr>
-              <a:t>. standard </a:t>
             </a:r>
             <a:r>
               <a:rPr lang="en-US" sz="800" dirty="0">
                 <a:latin typeface="Source Sans Pro Light"/>
               </a:rPr>
-              <a:t>deviation (</a:t>
+              <a:t>. standard deviation (</a:t>
             </a:r>
             <a:r>
               <a:rPr lang="en-US" sz="800" dirty="0">
@@ -7307,42 +7609,6 @@
               </a:rPr>
               <a:t>)</a:t>
             </a:r>
-          </a:p>
-          <a:p>
-            <a:pPr marL="1740" algn="l">
-              <a:buClr>
-                <a:schemeClr val="tx1"/>
-              </a:buClr>
-            </a:pPr>
-            <a:endParaRPr lang="en-US" sz="800" dirty="0">
-              <a:latin typeface="Source Sans Pro Light"/>
-              <a:ea typeface="Source Sans Pro Light"/>
-              <a:cs typeface="Source Sans Pro Light"/>
-              <a:sym typeface="Source Sans Pro Light"/>
-            </a:endParaRPr>
-          </a:p>
-          <a:p>
-            <a:pPr algn="l">
-              <a:buClr>
-                <a:schemeClr val="tx1"/>
-              </a:buClr>
-            </a:pPr>
-            <a:r>
-              <a:rPr lang="en-US" sz="800" b="1" dirty="0">
-                <a:latin typeface="Source Sans Pro Light"/>
-              </a:rPr>
-              <a:t>TWO SAMPLE:</a:t>
-            </a:r>
-          </a:p>
-          <a:p>
-            <a:pPr algn="l">
-              <a:buClr>
-                <a:schemeClr val="tx1"/>
-              </a:buClr>
-            </a:pPr>
-            <a:endParaRPr lang="en-US" sz="3200" dirty="0">
-              <a:latin typeface="Source Sans Pro Light"/>
-            </a:endParaRPr>
           </a:p>
           <a:p>
             <a:pPr marL="62643" indent="-60903" algn="l">
@@ -7359,7 +7625,7 @@
                 </a:solidFill>
                 <a:latin typeface="Source Sans Pro Semibold"/>
               </a:rPr>
-              <a:t>qvar</a:t>
+              <a:t>gvar</a:t>
             </a:r>
             <a:r>
               <a:rPr lang="en-US" sz="800" b="1" dirty="0" smtClean="0">
@@ -7371,20 +7637,41 @@
               <a:rPr lang="en-US" sz="800" dirty="0">
                 <a:latin typeface="Source Sans Pro Light"/>
               </a:rPr>
-              <a:t>is a quantitative variable in </a:t>
-            </a:r>
-            <a:r>
-              <a:rPr lang="en-US" sz="800" dirty="0" err="1">
+              <a:t>is </a:t>
+            </a:r>
+            <a:r>
+              <a:rPr lang="en-US" sz="800" dirty="0" smtClean="0">
+                <a:latin typeface="Source Sans Pro Light"/>
+              </a:rPr>
+              <a:t>a categorical </a:t>
+            </a:r>
+            <a:r>
+              <a:rPr lang="en-US" sz="800" dirty="0">
+                <a:latin typeface="Source Sans Pro Light"/>
+              </a:rPr>
+              <a:t>variable in </a:t>
+            </a:r>
+            <a:r>
+              <a:rPr lang="en-US" sz="800" dirty="0" err="1" smtClean="0">
                 <a:solidFill>
                   <a:srgbClr val="FF0000"/>
                 </a:solidFill>
                 <a:latin typeface="Source Sans Pro Semibold"/>
               </a:rPr>
               <a:t>dfobj</a:t>
+            </a:r>
+            <a:r>
+              <a:rPr lang="en-US" sz="800" dirty="0" smtClean="0">
+                <a:solidFill>
+                  <a:schemeClr val="tx1"/>
+                </a:solidFill>
+                <a:latin typeface="Source Sans Pro Semibold"/>
+              </a:rPr>
+              <a:t> that identifies the groups</a:t>
             </a:r>
             <a:endParaRPr lang="en-US" sz="800" dirty="0">
               <a:solidFill>
-                <a:srgbClr val="FF0000"/>
+                <a:schemeClr val="tx1"/>
               </a:solidFill>
               <a:latin typeface="Source Sans Pro Semibold"/>
             </a:endParaRPr>
@@ -7398,88 +7685,40 @@
               <a:buChar char="•"/>
             </a:pPr>
             <a:r>
-              <a:rPr lang="en-US" sz="800" dirty="0" err="1">
+              <a:rPr lang="en-US" sz="800" dirty="0" err="1" smtClean="0">
                 <a:solidFill>
                   <a:srgbClr val="FF0000"/>
                 </a:solidFill>
                 <a:latin typeface="Source Sans Pro Semibold"/>
               </a:rPr>
-              <a:t>fvar</a:t>
-            </a:r>
-            <a:r>
-              <a:rPr lang="en-US" sz="800" b="1" dirty="0">
+              <a:t>var.equal</a:t>
+            </a:r>
+            <a:r>
+              <a:rPr lang="en-US" sz="800" dirty="0" smtClean="0">
+                <a:solidFill>
+                  <a:srgbClr val="FF0000"/>
+                </a:solidFill>
+                <a:latin typeface="Source Sans Pro Semibold"/>
+              </a:rPr>
+              <a:t>=TRUE</a:t>
+            </a:r>
+            <a:r>
+              <a:rPr lang="en-US" sz="800" dirty="0" smtClean="0">
+                <a:solidFill>
+                  <a:schemeClr val="tx1"/>
+                </a:solidFill>
                 <a:latin typeface="Source Sans Pro Light"/>
               </a:rPr>
               <a:t> </a:t>
             </a:r>
             <a:r>
               <a:rPr lang="en-US" sz="800" dirty="0">
+                <a:solidFill>
+                  <a:schemeClr val="tx1"/>
+                </a:solidFill>
                 <a:latin typeface="Source Sans Pro Light"/>
               </a:rPr>
-              <a:t>is a </a:t>
-            </a:r>
-            <a:r>
-              <a:rPr lang="en-US" sz="800" dirty="0" smtClean="0">
-                <a:latin typeface="Source Sans Pro Light"/>
-              </a:rPr>
-              <a:t>factor (categorical) </a:t>
-            </a:r>
-            <a:r>
-              <a:rPr lang="en-US" sz="800" dirty="0">
-                <a:latin typeface="Source Sans Pro Light"/>
-              </a:rPr>
-              <a:t>variable in </a:t>
-            </a:r>
-            <a:r>
-              <a:rPr lang="en-US" sz="800" dirty="0" err="1">
-                <a:solidFill>
-                  <a:srgbClr val="FF0000"/>
-                </a:solidFill>
-                <a:latin typeface="Source Sans Pro Semibold"/>
-              </a:rPr>
-              <a:t>dfobj</a:t>
-            </a:r>
-            <a:endParaRPr lang="en-US" sz="800" dirty="0">
-              <a:solidFill>
-                <a:srgbClr val="FF0000"/>
-              </a:solidFill>
-              <a:latin typeface="Source Sans Pro Semibold"/>
-            </a:endParaRPr>
-          </a:p>
-          <a:p>
-            <a:pPr marL="62643" indent="-60903" algn="l">
-              <a:buClr>
-                <a:schemeClr val="tx1"/>
-              </a:buClr>
-              <a:buFont typeface="Arial" panose="020B0604020202020204" pitchFamily="34" charset="0"/>
-              <a:buChar char="•"/>
-            </a:pPr>
-            <a:r>
-              <a:rPr lang="en-US" sz="800" dirty="0" err="1">
-                <a:solidFill>
-                  <a:srgbClr val="FF0000"/>
-                </a:solidFill>
-                <a:latin typeface="Source Sans Pro Semibold"/>
-              </a:rPr>
-              <a:t>var.equal</a:t>
-            </a:r>
-            <a:r>
-              <a:rPr lang="en-US" sz="800" dirty="0">
-                <a:solidFill>
-                  <a:srgbClr val="FF0000"/>
-                </a:solidFill>
-                <a:latin typeface="Source Sans Pro Semibold"/>
-              </a:rPr>
-              <a:t>=TRUE</a:t>
-            </a:r>
-            <a:r>
-              <a:rPr lang="en-US" sz="800" dirty="0">
-                <a:solidFill>
-                  <a:schemeClr val="tx1"/>
-                </a:solidFill>
-                <a:latin typeface="Source Sans Pro Light"/>
-              </a:rPr>
-              <a:t> if the population variances are thought to be equal</a:t>
+              <a:t>if the population variances are thought to be equal</a:t>
             </a:r>
             <a:endParaRPr lang="en-US" sz="800" dirty="0">
               <a:solidFill>
@@ -7601,13 +7840,67 @@
           <a:p>
             <a:pPr algn="l" defTabSz="320174" rtl="0" latinLnBrk="1" hangingPunct="0"/>
             <a:r>
+              <a:rPr lang="en-US" sz="800" dirty="0" err="1" smtClean="0">
+                <a:solidFill>
+                  <a:srgbClr val="FF0000"/>
+                </a:solidFill>
+                <a:latin typeface="Source Sans Pro Semibold"/>
+              </a:rPr>
+              <a:t>z.test</a:t>
+            </a:r>
+            <a:r>
+              <a:rPr lang="en-US" sz="800" dirty="0" smtClean="0">
+                <a:solidFill>
+                  <a:srgbClr val="FF0000"/>
+                </a:solidFill>
+                <a:latin typeface="Source Sans Pro Semibold"/>
+              </a:rPr>
+              <a:t>(</a:t>
+            </a:r>
+            <a:r>
+              <a:rPr lang="en-US" sz="800" dirty="0" err="1" smtClean="0">
+                <a:solidFill>
+                  <a:srgbClr val="FF0000"/>
+                </a:solidFill>
+                <a:latin typeface="Source Sans Pro Semibold"/>
+              </a:rPr>
+              <a:t>dfobj$qvar,mu</a:t>
+            </a:r>
+            <a:r>
+              <a:rPr lang="en-US" sz="800" dirty="0" smtClean="0">
+                <a:solidFill>
+                  <a:srgbClr val="FF0000"/>
+                </a:solidFill>
+                <a:latin typeface="Source Sans Pro Semibold"/>
+              </a:rPr>
+              <a:t>=mu0,alt=HA,</a:t>
+            </a:r>
+            <a:endParaRPr lang="en-US" sz="800" dirty="0">
+              <a:solidFill>
+                <a:srgbClr val="FF0000"/>
+              </a:solidFill>
+              <a:latin typeface="Source Sans Pro Semibold"/>
+            </a:endParaRPr>
+          </a:p>
+          <a:p>
+            <a:pPr algn="l" defTabSz="320174" rtl="0" latinLnBrk="1" hangingPunct="0"/>
+            <a:r>
+              <a:rPr lang="en-US" sz="800" dirty="0">
+                <a:solidFill>
+                  <a:srgbClr val="FF0000"/>
+                </a:solidFill>
+                <a:latin typeface="Source Sans Pro Semibold"/>
+              </a:rPr>
+              <a:t>          </a:t>
+            </a:r>
+            <a:r>
               <a:rPr lang="en-US" sz="800" dirty="0" err="1">
                 <a:solidFill>
                   <a:srgbClr val="FF0000"/>
                 </a:solidFill>
                 <a:latin typeface="Source Sans Pro Semibold"/>
               </a:rPr>
-              <a:t>z.test</a:t>
+              <a:t>conf.level</a:t>
             </a:r>
             <a:r>
               <a:rPr lang="en-US" sz="800" dirty="0">
@@ -7616,10 +7909,67 @@
                 </a:solidFill>
                 <a:latin typeface="Source Sans Pro Semibold"/>
               </a:rPr>
+              <a:t>=</a:t>
+            </a:r>
+            <a:r>
+              <a:rPr lang="en-US" sz="800" dirty="0" err="1">
+                <a:solidFill>
+                  <a:srgbClr val="FF0000"/>
+                </a:solidFill>
+                <a:latin typeface="Source Sans Pro Semibold"/>
+              </a:rPr>
+              <a:t>confval,sd</a:t>
+            </a:r>
+            <a:r>
+              <a:rPr lang="en-US" sz="800" dirty="0">
+                <a:solidFill>
+                  <a:srgbClr val="FF0000"/>
+                </a:solidFill>
+                <a:latin typeface="Source Sans Pro Semibold"/>
+              </a:rPr>
+              <a:t>=</a:t>
+            </a:r>
+            <a:r>
+              <a:rPr lang="en-US" sz="800" dirty="0" err="1">
+                <a:solidFill>
+                  <a:srgbClr val="FF0000"/>
+                </a:solidFill>
+                <a:latin typeface="Source Sans Pro Semibold"/>
+              </a:rPr>
+              <a:t>sdval</a:t>
+            </a:r>
+            <a:r>
+              <a:rPr lang="en-US" sz="800" dirty="0">
+                <a:solidFill>
+                  <a:srgbClr val="FF0000"/>
+                </a:solidFill>
+                <a:latin typeface="Source Sans Pro Semibold"/>
+              </a:rPr>
+              <a:t>)</a:t>
+            </a:r>
+          </a:p>
+          <a:p>
+            <a:pPr algn="l" rtl="0" latinLnBrk="1" hangingPunct="0"/>
+            <a:r>
+              <a:rPr lang="en-US" sz="800" dirty="0" err="1" smtClean="0">
+                <a:solidFill>
+                  <a:srgbClr val="FF0000"/>
+                </a:solidFill>
+                <a:latin typeface="Source Sans Pro Semibold"/>
+              </a:rPr>
+              <a:t>t.test</a:t>
+            </a:r>
+            <a:r>
+              <a:rPr lang="en-US" sz="800" dirty="0" smtClean="0">
+                <a:solidFill>
+                  <a:srgbClr val="FF0000"/>
+                </a:solidFill>
+                <a:latin typeface="Source Sans Pro Semibold"/>
+              </a:rPr>
               <a:t>(</a:t>
             </a:r>
             <a:r>
-              <a:rPr lang="en-US" sz="800" dirty="0" err="1">
+              <a:rPr lang="en-US" sz="800" dirty="0" err="1" smtClean="0">
                 <a:solidFill>
                   <a:srgbClr val="FF0000"/>
                 </a:solidFill>
@@ -7628,155 +7978,20 @@
               <a:t>dfobj$qvar,mu</a:t>
             </a:r>
             <a:r>
-              <a:rPr lang="en-US" sz="800" dirty="0">
+              <a:rPr lang="en-US" sz="800" dirty="0" smtClean="0">
                 <a:solidFill>
                   <a:srgbClr val="FF0000"/>
                 </a:solidFill>
                 <a:latin typeface="Source Sans Pro Semibold"/>
               </a:rPr>
-              <a:t>=mu0,alt=</a:t>
-            </a:r>
-            <a:r>
-              <a:rPr lang="en-US" sz="800" dirty="0" err="1">
-                <a:solidFill>
-                  <a:srgbClr val="FF0000"/>
-                </a:solidFill>
-                <a:latin typeface="Source Sans Pro Semibold"/>
-              </a:rPr>
-              <a:t>HAtype</a:t>
-            </a:r>
-            <a:r>
-              <a:rPr lang="en-US" sz="800" dirty="0">
-                <a:solidFill>
-                  <a:srgbClr val="FF0000"/>
-                </a:solidFill>
-                <a:latin typeface="Source Sans Pro Semibold"/>
-              </a:rPr>
-              <a:t>,</a:t>
-            </a:r>
-          </a:p>
-          <a:p>
-            <a:pPr algn="l" defTabSz="320174" rtl="0" latinLnBrk="1" hangingPunct="0"/>
-            <a:r>
-              <a:rPr lang="en-US" sz="800" dirty="0">
-                <a:solidFill>
-                  <a:srgbClr val="FF0000"/>
-                </a:solidFill>
-                <a:latin typeface="Source Sans Pro Semibold"/>
-              </a:rPr>
-              <a:t>          </a:t>
-            </a:r>
-            <a:r>
-              <a:rPr lang="en-US" sz="800" dirty="0" err="1">
-                <a:solidFill>
-                  <a:srgbClr val="FF0000"/>
-                </a:solidFill>
-                <a:latin typeface="Source Sans Pro Semibold"/>
-              </a:rPr>
-              <a:t>conf.level</a:t>
-            </a:r>
-            <a:r>
-              <a:rPr lang="en-US" sz="800" dirty="0">
-                <a:solidFill>
-                  <a:srgbClr val="FF0000"/>
-                </a:solidFill>
-                <a:latin typeface="Source Sans Pro Semibold"/>
-              </a:rPr>
-              <a:t>=</a:t>
-            </a:r>
-            <a:r>
-              <a:rPr lang="en-US" sz="800" dirty="0" err="1">
-                <a:solidFill>
-                  <a:srgbClr val="FF0000"/>
-                </a:solidFill>
-                <a:latin typeface="Source Sans Pro Semibold"/>
-              </a:rPr>
-              <a:t>confval,sd</a:t>
-            </a:r>
-            <a:r>
-              <a:rPr lang="en-US" sz="800" dirty="0">
-                <a:solidFill>
-                  <a:srgbClr val="FF0000"/>
-                </a:solidFill>
-                <a:latin typeface="Source Sans Pro Semibold"/>
-              </a:rPr>
-              <a:t>=</a:t>
-            </a:r>
-            <a:r>
-              <a:rPr lang="en-US" sz="800" dirty="0" err="1">
-                <a:solidFill>
-                  <a:srgbClr val="FF0000"/>
-                </a:solidFill>
-                <a:latin typeface="Source Sans Pro Semibold"/>
-              </a:rPr>
-              <a:t>sdval</a:t>
-            </a:r>
-            <a:r>
-              <a:rPr lang="en-US" sz="800" dirty="0">
-                <a:solidFill>
-                  <a:srgbClr val="FF0000"/>
-                </a:solidFill>
-                <a:latin typeface="Source Sans Pro Semibold"/>
-              </a:rPr>
-              <a:t>)</a:t>
-            </a:r>
-          </a:p>
-          <a:p>
-            <a:pPr algn="l" rtl="0" latinLnBrk="1" hangingPunct="0"/>
-            <a:r>
-              <a:rPr lang="en-US" sz="800" dirty="0" err="1">
-                <a:solidFill>
-                  <a:srgbClr val="FF0000"/>
-                </a:solidFill>
-                <a:latin typeface="Source Sans Pro Semibold"/>
-              </a:rPr>
-              <a:t>t.test</a:t>
-            </a:r>
-            <a:r>
-              <a:rPr lang="en-US" sz="800" dirty="0">
-                <a:solidFill>
-                  <a:srgbClr val="FF0000"/>
-                </a:solidFill>
-                <a:latin typeface="Source Sans Pro Semibold"/>
-              </a:rPr>
-              <a:t>(</a:t>
-            </a:r>
-            <a:r>
-              <a:rPr lang="en-US" sz="800" dirty="0" err="1">
-                <a:solidFill>
-                  <a:srgbClr val="FF0000"/>
-                </a:solidFill>
-                <a:latin typeface="Source Sans Pro Semibold"/>
-              </a:rPr>
-              <a:t>dfobj$qvar,mu</a:t>
-            </a:r>
-            <a:r>
-              <a:rPr lang="en-US" sz="800" dirty="0">
-                <a:solidFill>
-                  <a:srgbClr val="FF0000"/>
-                </a:solidFill>
-                <a:latin typeface="Source Sans Pro Semibold"/>
-              </a:rPr>
-              <a:t>=mu0,alt=</a:t>
-            </a:r>
-            <a:r>
-              <a:rPr lang="en-US" sz="800" dirty="0" err="1">
-                <a:solidFill>
-                  <a:srgbClr val="FF0000"/>
-                </a:solidFill>
-                <a:latin typeface="Source Sans Pro Semibold"/>
-              </a:rPr>
-              <a:t>HAtype</a:t>
-            </a:r>
-            <a:r>
-              <a:rPr lang="en-US" sz="800" dirty="0">
-                <a:solidFill>
-                  <a:srgbClr val="FF0000"/>
-                </a:solidFill>
-                <a:latin typeface="Source Sans Pro Semibold"/>
-              </a:rPr>
-              <a:t>,</a:t>
-            </a:r>
+              <a:t>=mu0,alt=HA,</a:t>
+            </a:r>
+            <a:endParaRPr lang="en-US" sz="800" dirty="0">
+              <a:solidFill>
+                <a:srgbClr val="FF0000"/>
+              </a:solidFill>
+              <a:latin typeface="Source Sans Pro Semibold"/>
+            </a:endParaRPr>
           </a:p>
           <a:p>
             <a:pPr algn="l" rtl="0" latinLnBrk="1" hangingPunct="0"/>
@@ -7836,7 +8051,7 @@
         </p:nvSpPr>
         <p:spPr>
           <a:xfrm>
-            <a:off x="4733199" y="5602728"/>
+            <a:off x="4720585" y="4789884"/>
             <a:ext cx="2057400" cy="424732"/>
           </a:xfrm>
           <a:prstGeom prst="rect">
@@ -7877,7 +8092,7 @@
           <a:p>
             <a:pPr algn="l" rtl="0" latinLnBrk="1" hangingPunct="0"/>
             <a:r>
-              <a:rPr lang="en-US" sz="800" dirty="0" err="1">
+              <a:rPr lang="en-US" sz="800" dirty="0" err="1" smtClean="0">
                 <a:solidFill>
                   <a:srgbClr val="FF0000"/>
                 </a:solidFill>
@@ -7886,22 +8101,106 @@
               <a:t>levenesTest</a:t>
             </a:r>
             <a:r>
+              <a:rPr lang="en-US" sz="800" dirty="0" smtClean="0">
+                <a:solidFill>
+                  <a:srgbClr val="FF0000"/>
+                </a:solidFill>
+                <a:latin typeface="Source Sans Pro Semibold"/>
+              </a:rPr>
+              <a:t>(</a:t>
+            </a:r>
+            <a:r>
+              <a:rPr lang="en-US" sz="800" dirty="0" err="1" smtClean="0">
+                <a:solidFill>
+                  <a:srgbClr val="FF0000"/>
+                </a:solidFill>
+                <a:latin typeface="Source Sans Pro Semibold"/>
+              </a:rPr>
+              <a:t>qvar~gvar,data</a:t>
+            </a:r>
+            <a:r>
+              <a:rPr lang="en-US" sz="800" dirty="0" smtClean="0">
+                <a:solidFill>
+                  <a:srgbClr val="FF0000"/>
+                </a:solidFill>
+                <a:latin typeface="Source Sans Pro Semibold"/>
+              </a:rPr>
+              <a:t>=</a:t>
+            </a:r>
+            <a:r>
+              <a:rPr lang="en-US" sz="800" dirty="0" err="1" smtClean="0">
+                <a:solidFill>
+                  <a:srgbClr val="FF0000"/>
+                </a:solidFill>
+                <a:latin typeface="Source Sans Pro Semibold"/>
+              </a:rPr>
+              <a:t>dfobj</a:t>
+            </a:r>
+            <a:r>
               <a:rPr lang="en-US" sz="800" dirty="0">
                 <a:solidFill>
                   <a:srgbClr val="FF0000"/>
                 </a:solidFill>
                 <a:latin typeface="Source Sans Pro Semibold"/>
               </a:rPr>
+              <a:t>)</a:t>
+            </a:r>
+          </a:p>
+          <a:p>
+            <a:pPr algn="l" rtl="0" latinLnBrk="1" hangingPunct="0"/>
+            <a:r>
+              <a:rPr lang="en-US" sz="800" dirty="0" err="1" smtClean="0">
+                <a:solidFill>
+                  <a:srgbClr val="FF0000"/>
+                </a:solidFill>
+                <a:latin typeface="Source Sans Pro Semibold"/>
+              </a:rPr>
+              <a:t>t.test</a:t>
+            </a:r>
+            <a:r>
+              <a:rPr lang="en-US" sz="800" dirty="0" smtClean="0">
+                <a:solidFill>
+                  <a:srgbClr val="FF0000"/>
+                </a:solidFill>
+                <a:latin typeface="Source Sans Pro Semibold"/>
+              </a:rPr>
               <a:t>(</a:t>
             </a:r>
             <a:r>
-              <a:rPr lang="en-US" sz="800" dirty="0" err="1">
+              <a:rPr lang="en-US" sz="800" dirty="0" err="1" smtClean="0">
                 <a:solidFill>
                   <a:srgbClr val="FF0000"/>
                 </a:solidFill>
                 <a:latin typeface="Source Sans Pro Semibold"/>
               </a:rPr>
-              <a:t>qvar~fvar,data</a:t>
+              <a:t>qvar~gvar,data</a:t>
+            </a:r>
+            <a:r>
+              <a:rPr lang="en-US" sz="800" dirty="0" smtClean="0">
+                <a:solidFill>
+                  <a:srgbClr val="FF0000"/>
+                </a:solidFill>
+                <a:latin typeface="Source Sans Pro Semibold"/>
+              </a:rPr>
+              <a:t>=</a:t>
+            </a:r>
+            <a:r>
+              <a:rPr lang="en-US" sz="800" dirty="0" err="1" smtClean="0">
+                <a:solidFill>
+                  <a:srgbClr val="FF0000"/>
+                </a:solidFill>
+                <a:latin typeface="Source Sans Pro Semibold"/>
+              </a:rPr>
+              <a:t>dfobj,alt</a:t>
+            </a:r>
+            <a:r>
+              <a:rPr lang="en-US" sz="800" dirty="0" smtClean="0">
+                <a:solidFill>
+                  <a:srgbClr val="FF0000"/>
+                </a:solidFill>
+                <a:latin typeface="Source Sans Pro Semibold"/>
+              </a:rPr>
+              <a:t>=HA </a:t>
             </a:r>
             <a:r>
               <a:rPr lang="en-US" sz="800" dirty="0">
@@ -7910,100 +8209,7 @@
                 </a:solidFill>
                 <a:latin typeface="Source Sans Pro Semibold"/>
               </a:rPr>
-              <a:t>=</a:t>
-            </a:r>
-            <a:r>
-              <a:rPr lang="en-US" sz="800" dirty="0" err="1">
-                <a:solidFill>
-                  <a:srgbClr val="FF0000"/>
-                </a:solidFill>
-                <a:latin typeface="Source Sans Pro Semibold"/>
-              </a:rPr>
-              <a:t>dfobj</a:t>
-            </a:r>
-            <a:r>
-              <a:rPr lang="en-US" sz="800" dirty="0">
-                <a:solidFill>
-                  <a:srgbClr val="FF0000"/>
-                </a:solidFill>
-                <a:latin typeface="Source Sans Pro Semibold"/>
-              </a:rPr>
-              <a:t>)</a:t>
-            </a:r>
-          </a:p>
-          <a:p>
-            <a:pPr algn="l" rtl="0" latinLnBrk="1" hangingPunct="0"/>
-            <a:r>
-              <a:rPr lang="en-US" sz="800" dirty="0" err="1">
-                <a:solidFill>
-                  <a:srgbClr val="FF0000"/>
-                </a:solidFill>
-                <a:latin typeface="Source Sans Pro Semibold"/>
-              </a:rPr>
-              <a:t>t.test</a:t>
-            </a:r>
-            <a:r>
-              <a:rPr lang="en-US" sz="800" dirty="0">
-                <a:solidFill>
-                  <a:srgbClr val="FF0000"/>
-                </a:solidFill>
-                <a:latin typeface="Source Sans Pro Semibold"/>
-              </a:rPr>
-              <a:t>(</a:t>
-            </a:r>
-            <a:r>
-              <a:rPr lang="en-US" sz="800" dirty="0" err="1">
-                <a:solidFill>
-                  <a:srgbClr val="FF0000"/>
-                </a:solidFill>
-                <a:latin typeface="Source Sans Pro Semibold"/>
-              </a:rPr>
-              <a:t>qvar~fvar,data</a:t>
-            </a:r>
-            <a:r>
-              <a:rPr lang="en-US" sz="800" dirty="0">
-                <a:solidFill>
-                  <a:srgbClr val="FF0000"/>
-                </a:solidFill>
-                <a:latin typeface="Source Sans Pro Semibold"/>
-              </a:rPr>
-              <a:t>=</a:t>
-            </a:r>
-            <a:r>
-              <a:rPr lang="en-US" sz="800" dirty="0" err="1">
-                <a:solidFill>
-                  <a:srgbClr val="FF0000"/>
-                </a:solidFill>
-                <a:latin typeface="Source Sans Pro Semibold"/>
-              </a:rPr>
-              <a:t>dfobj,alt</a:t>
-            </a:r>
-            <a:r>
-              <a:rPr lang="en-US" sz="800" dirty="0">
-                <a:solidFill>
-                  <a:srgbClr val="FF0000"/>
-                </a:solidFill>
-                <a:latin typeface="Source Sans Pro Semibold"/>
-              </a:rPr>
-              <a:t>=</a:t>
-            </a:r>
-            <a:r>
-              <a:rPr lang="en-US" sz="800" dirty="0" err="1">
-                <a:solidFill>
-                  <a:srgbClr val="FF0000"/>
-                </a:solidFill>
-                <a:latin typeface="Source Sans Pro Semibold"/>
-              </a:rPr>
-              <a:t>HAtype</a:t>
-            </a:r>
-            <a:r>
-              <a:rPr lang="en-US" sz="800" dirty="0">
-                <a:solidFill>
-                  <a:srgbClr val="FF0000"/>
-                </a:solidFill>
-                <a:latin typeface="Source Sans Pro Semibold"/>
-              </a:rPr>
-              <a:t> ,</a:t>
+              <a:t>,</a:t>
             </a:r>
           </a:p>
           <a:p>
@@ -8107,22 +8313,34 @@
               <a:rPr lang="en-US" sz="800" dirty="0">
                 <a:latin typeface="Source Sans Pro Light"/>
               </a:rPr>
-              <a:t>Goodness-of-fit test for observed frequencies in </a:t>
-            </a:r>
-            <a:r>
-              <a:rPr lang="en-US" sz="800" dirty="0">
+              <a:t>Goodness-of-fit test for observed frequencies </a:t>
+            </a:r>
+            <a:r>
+              <a:rPr lang="en-US" sz="800" dirty="0" smtClean="0">
+                <a:latin typeface="Source Sans Pro Light"/>
+              </a:rPr>
+              <a:t>in the </a:t>
+            </a:r>
+            <a:r>
+              <a:rPr lang="en-US" sz="800" dirty="0" smtClean="0">
                 <a:solidFill>
                   <a:srgbClr val="FF0000"/>
                 </a:solidFill>
                 <a:latin typeface="Source Sans Pro Semibold"/>
               </a:rPr>
               <a:t>freq1</a:t>
+            </a:r>
+            <a:r>
+              <a:rPr lang="en-US" sz="800" dirty="0" smtClean="0">
+                <a:latin typeface="Source Sans Pro Light"/>
+              </a:rPr>
+              <a:t> table and </a:t>
             </a:r>
             <a:r>
               <a:rPr lang="en-US" sz="800" dirty="0">
                 <a:latin typeface="Source Sans Pro Light"/>
               </a:rPr>
-              <a:t> and expected values (or proportions) in </a:t>
+              <a:t>expected values (or proportions) in </a:t>
             </a:r>
             <a:r>
               <a:rPr lang="en-US" sz="800" dirty="0" err="1">
@@ -8146,7 +8364,7 @@
                 <a:schemeClr val="tx1"/>
               </a:buClr>
             </a:pPr>
-            <a:endParaRPr lang="en-US" sz="2400" dirty="0">
+            <a:endParaRPr lang="en-US" sz="2800" dirty="0">
               <a:latin typeface="Source Sans Pro Light"/>
             </a:endParaRPr>
           </a:p>
@@ -8157,11 +8375,182 @@
               </a:buClr>
             </a:pPr>
             <a:r>
+              <a:rPr lang="en-US" sz="800" b="1" dirty="0" smtClean="0">
+                <a:latin typeface="Source Sans Pro Light"/>
+              </a:rPr>
+              <a:t>TWO </a:t>
+            </a:r>
+            <a:r>
+              <a:rPr lang="en-US" sz="800" b="1" dirty="0">
+                <a:latin typeface="Source Sans Pro Light"/>
+              </a:rPr>
+              <a:t>SAMPLE:</a:t>
+            </a:r>
+          </a:p>
+          <a:p>
+            <a:pPr algn="l">
+              <a:buClr>
+                <a:schemeClr val="tx1"/>
+              </a:buClr>
+            </a:pPr>
+            <a:r>
               <a:rPr lang="en-US" sz="800" dirty="0">
                 <a:latin typeface="Source Sans Pro Light"/>
               </a:rPr>
-              <a:t>Extract the expected values.</a:t>
-            </a:r>
+              <a:t>Chi-square </a:t>
+            </a:r>
+            <a:r>
+              <a:rPr lang="en-US" sz="800" dirty="0" smtClean="0">
+                <a:latin typeface="Source Sans Pro Light"/>
+              </a:rPr>
+              <a:t>for </a:t>
+            </a:r>
+            <a:r>
+              <a:rPr lang="en-US" sz="800" dirty="0">
+                <a:solidFill>
+                  <a:srgbClr val="FF0000"/>
+                </a:solidFill>
+                <a:latin typeface="Source Sans Pro Semibold"/>
+              </a:rPr>
+              <a:t>freq2</a:t>
+            </a:r>
+            <a:r>
+              <a:rPr lang="en-US" sz="800" dirty="0">
+                <a:latin typeface="Source Sans Pro Light"/>
+              </a:rPr>
+              <a:t> two-way observed frequency </a:t>
+            </a:r>
+            <a:r>
+              <a:rPr lang="en-US" sz="800" dirty="0" smtClean="0">
+                <a:latin typeface="Source Sans Pro Light"/>
+              </a:rPr>
+              <a:t>table (with response variable in columns and groups in rows).</a:t>
+            </a:r>
+            <a:endParaRPr lang="en-US" sz="800" dirty="0">
+              <a:latin typeface="Source Sans Pro Light"/>
+            </a:endParaRPr>
+          </a:p>
+          <a:p>
+            <a:pPr algn="l">
+              <a:buClr>
+                <a:schemeClr val="tx1"/>
+              </a:buClr>
+            </a:pPr>
+            <a:endParaRPr lang="en-US" sz="1600" dirty="0" smtClean="0">
+              <a:latin typeface="Source Sans Pro Light"/>
+            </a:endParaRPr>
+          </a:p>
+          <a:p>
+            <a:pPr algn="l">
+              <a:buClr>
+                <a:schemeClr val="tx1"/>
+              </a:buClr>
+            </a:pPr>
+            <a:r>
+              <a:rPr lang="en-US" sz="800" dirty="0" smtClean="0">
+                <a:latin typeface="Source Sans Pro Light"/>
+              </a:rPr>
+              <a:t>With the following follow-up analyses:</a:t>
+            </a:r>
+          </a:p>
+          <a:p>
+            <a:pPr marL="112713" indent="-53975" algn="l">
+              <a:buClr>
+                <a:schemeClr val="tx1"/>
+              </a:buClr>
+              <a:buFont typeface="Arial" panose="020B0604020202020204" pitchFamily="34" charset="0"/>
+              <a:buChar char="•"/>
+            </a:pPr>
+            <a:r>
+              <a:rPr lang="en-US" sz="800" dirty="0" smtClean="0">
+                <a:latin typeface="Source Sans Pro Light"/>
+              </a:rPr>
+              <a:t>Extract </a:t>
+            </a:r>
+            <a:r>
+              <a:rPr lang="en-US" sz="800" dirty="0">
+                <a:latin typeface="Source Sans Pro Light"/>
+              </a:rPr>
+              <a:t>the expected values.</a:t>
+            </a:r>
+          </a:p>
+          <a:p>
+            <a:pPr marL="112713" indent="-53975" algn="l">
+              <a:buClr>
+                <a:schemeClr val="tx1"/>
+              </a:buClr>
+              <a:buFont typeface="Arial" panose="020B0604020202020204" pitchFamily="34" charset="0"/>
+              <a:buChar char="•"/>
+            </a:pPr>
+            <a:endParaRPr lang="en-US" sz="1600" dirty="0">
+              <a:latin typeface="Source Sans Pro Light"/>
+            </a:endParaRPr>
+          </a:p>
+          <a:p>
+            <a:pPr marL="112713" indent="-53975" algn="l">
+              <a:buClr>
+                <a:schemeClr val="tx1"/>
+              </a:buClr>
+              <a:buFont typeface="Arial" panose="020B0604020202020204" pitchFamily="34" charset="0"/>
+              <a:buChar char="•"/>
+            </a:pPr>
+            <a:r>
+              <a:rPr lang="en-US" sz="800" dirty="0">
+                <a:latin typeface="Source Sans Pro Light"/>
+              </a:rPr>
+              <a:t>Extract the residuals.</a:t>
+            </a:r>
+          </a:p>
+          <a:p>
+            <a:pPr marL="112713" indent="-53975" algn="l">
+              <a:buClr>
+                <a:schemeClr val="tx1"/>
+              </a:buClr>
+              <a:buFont typeface="Arial" panose="020B0604020202020204" pitchFamily="34" charset="0"/>
+              <a:buChar char="•"/>
+            </a:pPr>
+            <a:endParaRPr lang="en-US" sz="1600" dirty="0">
+              <a:latin typeface="Source Sans Pro Light"/>
+              <a:ea typeface="Source Sans Pro Light"/>
+              <a:cs typeface="Source Sans Pro Light"/>
+              <a:sym typeface="Source Sans Pro Light"/>
+            </a:endParaRPr>
+          </a:p>
+          <a:p>
+            <a:pPr marL="112713" indent="-53975" algn="l">
+              <a:buClr>
+                <a:schemeClr val="tx1"/>
+              </a:buClr>
+              <a:buFont typeface="Arial" panose="020B0604020202020204" pitchFamily="34" charset="0"/>
+              <a:buChar char="•"/>
+            </a:pPr>
+            <a:r>
+              <a:rPr lang="en-US" sz="800" dirty="0">
+                <a:latin typeface="Source Sans Pro Light"/>
+              </a:rPr>
+              <a:t>C</a:t>
+            </a:r>
+            <a:r>
+              <a:rPr lang="en-US" sz="800" dirty="0" smtClean="0">
+                <a:latin typeface="Source Sans Pro Light"/>
+              </a:rPr>
+              <a:t>onfidence intervals </a:t>
+            </a:r>
+            <a:r>
+              <a:rPr lang="en-US" sz="800" i="1" dirty="0" smtClean="0">
+                <a:latin typeface="Source Sans Pro Light"/>
+              </a:rPr>
+              <a:t>for goodness-of-fit</a:t>
+            </a:r>
+            <a:r>
+              <a:rPr lang="en-US" sz="800" dirty="0" smtClean="0">
+                <a:latin typeface="Source Sans Pro Light"/>
+              </a:rPr>
+              <a:t>.</a:t>
+            </a:r>
+            <a:endParaRPr lang="en-US" sz="800" dirty="0">
+              <a:latin typeface="Source Sans Pro Light"/>
+            </a:endParaRPr>
           </a:p>
           <a:p>
             <a:pPr algn="l">
@@ -8172,155 +8561,6 @@
             <a:endParaRPr lang="en-US" sz="1600" dirty="0">
               <a:latin typeface="Source Sans Pro Light"/>
             </a:endParaRPr>
-          </a:p>
-          <a:p>
-            <a:pPr algn="l">
-              <a:buClr>
-                <a:schemeClr val="tx1"/>
-              </a:buClr>
-            </a:pPr>
-            <a:r>
-              <a:rPr lang="en-US" sz="800" dirty="0">
-                <a:latin typeface="Source Sans Pro Light"/>
-              </a:rPr>
-              <a:t>Extract the residuals.</a:t>
-            </a:r>
-          </a:p>
-          <a:p>
-            <a:pPr algn="l">
-              <a:buClr>
-                <a:schemeClr val="tx1"/>
-              </a:buClr>
-            </a:pPr>
-            <a:endParaRPr lang="en-US" sz="1600" dirty="0">
-              <a:latin typeface="Source Sans Pro Light"/>
-              <a:ea typeface="Source Sans Pro Light"/>
-              <a:cs typeface="Source Sans Pro Light"/>
-              <a:sym typeface="Source Sans Pro Light"/>
-            </a:endParaRPr>
-          </a:p>
-          <a:p>
-            <a:pPr algn="l">
-              <a:buClr>
-                <a:schemeClr val="tx1"/>
-              </a:buClr>
-            </a:pPr>
-            <a:r>
-              <a:rPr lang="en-US" sz="800" dirty="0">
-                <a:latin typeface="Source Sans Pro Light"/>
-              </a:rPr>
-              <a:t>Follow-up confidence intervals.</a:t>
-            </a:r>
-          </a:p>
-          <a:p>
-            <a:pPr algn="l">
-              <a:buClr>
-                <a:schemeClr val="tx1"/>
-              </a:buClr>
-            </a:pPr>
-            <a:endParaRPr lang="en-US" sz="1600" b="1" dirty="0">
-              <a:latin typeface="Source Sans Pro Light"/>
-            </a:endParaRPr>
-          </a:p>
-          <a:p>
-            <a:pPr algn="l">
-              <a:buClr>
-                <a:schemeClr val="tx1"/>
-              </a:buClr>
-            </a:pPr>
-            <a:r>
-              <a:rPr lang="en-US" sz="800" b="1" dirty="0">
-                <a:latin typeface="Source Sans Pro Light"/>
-              </a:rPr>
-              <a:t>TWO SAMPLE:</a:t>
-            </a:r>
-          </a:p>
-          <a:p>
-            <a:pPr algn="l">
-              <a:buClr>
-                <a:schemeClr val="tx1"/>
-              </a:buClr>
-            </a:pPr>
-            <a:r>
-              <a:rPr lang="en-US" sz="800" dirty="0">
-                <a:latin typeface="Source Sans Pro Light"/>
-              </a:rPr>
-              <a:t>Chi-square </a:t>
-            </a:r>
-            <a:r>
-              <a:rPr lang="en-US" sz="800" dirty="0" smtClean="0">
-                <a:latin typeface="Source Sans Pro Light"/>
-              </a:rPr>
-              <a:t>for </a:t>
-            </a:r>
-            <a:r>
-              <a:rPr lang="en-US" sz="800" dirty="0">
-                <a:solidFill>
-                  <a:srgbClr val="FF0000"/>
-                </a:solidFill>
-                <a:latin typeface="Source Sans Pro Semibold"/>
-              </a:rPr>
-              <a:t>freq2</a:t>
-            </a:r>
-            <a:r>
-              <a:rPr lang="en-US" sz="800" dirty="0">
-                <a:latin typeface="Source Sans Pro Light"/>
-              </a:rPr>
-              <a:t> two-way observed frequency table.</a:t>
-            </a:r>
-          </a:p>
-          <a:p>
-            <a:pPr algn="l">
-              <a:buClr>
-                <a:schemeClr val="tx1"/>
-              </a:buClr>
-            </a:pPr>
-            <a:endParaRPr lang="en-US" sz="1600" dirty="0">
-              <a:latin typeface="Source Sans Pro Light"/>
-            </a:endParaRPr>
-          </a:p>
-          <a:p>
-            <a:pPr algn="l">
-              <a:buClr>
-                <a:schemeClr val="tx1"/>
-              </a:buClr>
-            </a:pPr>
-            <a:r>
-              <a:rPr lang="en-US" sz="800" dirty="0">
-                <a:latin typeface="Source Sans Pro Light"/>
-              </a:rPr>
-              <a:t>Extract the expected values and residuals as for one-sample situation (but using </a:t>
-            </a:r>
-            <a:r>
-              <a:rPr lang="en-US" sz="800" dirty="0">
-                <a:solidFill>
-                  <a:srgbClr val="FF0000"/>
-                </a:solidFill>
-                <a:latin typeface="Source Sans Pro Semibold"/>
-              </a:rPr>
-              <a:t>chi </a:t>
-            </a:r>
-            <a:r>
-              <a:rPr lang="en-US" sz="800" dirty="0">
-                <a:latin typeface="Source Sans Pro Light"/>
-              </a:rPr>
-              <a:t>instead of </a:t>
-            </a:r>
-            <a:r>
-              <a:rPr lang="en-US" sz="800" dirty="0" err="1">
-                <a:solidFill>
-                  <a:srgbClr val="FF0000"/>
-                </a:solidFill>
-                <a:latin typeface="Source Sans Pro Semibold"/>
-              </a:rPr>
-              <a:t>gof</a:t>
-            </a:r>
-            <a:r>
-              <a:rPr lang="en-US" sz="800" dirty="0">
-                <a:latin typeface="Source Sans Pro Light"/>
-              </a:rPr>
-              <a:t>).</a:t>
-            </a:r>
           </a:p>
         </p:txBody>
       </p:sp>
@@ -8553,7 +8793,7 @@
         </p:nvSpPr>
         <p:spPr>
           <a:xfrm>
-            <a:off x="6965562" y="6193952"/>
+            <a:off x="6965562" y="5290611"/>
             <a:ext cx="2057400" cy="178510"/>
           </a:xfrm>
           <a:prstGeom prst="rect">
@@ -8631,8 +8871,8 @@
         </p:nvSpPr>
         <p:spPr>
           <a:xfrm>
-            <a:off x="6965562" y="4846534"/>
-            <a:ext cx="2057400" cy="178510"/>
+            <a:off x="7080189" y="5779045"/>
+            <a:ext cx="1942773" cy="177762"/>
           </a:xfrm>
           <a:prstGeom prst="rect">
             <a:avLst/>
@@ -8672,7 +8912,7 @@
           <a:p>
             <a:pPr algn="l" rtl="0" latinLnBrk="1" hangingPunct="0"/>
             <a:r>
-              <a:rPr lang="en-US" sz="800" dirty="0" err="1">
+              <a:rPr lang="en-US" sz="800" dirty="0" err="1" smtClean="0">
                 <a:solidFill>
                   <a:srgbClr val="FF0000"/>
                 </a:solidFill>
@@ -8680,71 +8920,23 @@
               </a:rPr>
               <a:t>gof$expected</a:t>
             </a:r>
-            <a:endParaRPr lang="en-US" sz="800" dirty="0">
-              <a:solidFill>
-                <a:srgbClr val="FF0000"/>
-              </a:solidFill>
-              <a:latin typeface="Source Sans Pro Semibold"/>
-            </a:endParaRPr>
-          </a:p>
-        </p:txBody>
-      </p:sp>
-      <p:sp>
-        <p:nvSpPr>
-          <p:cNvPr id="73" name="Rectangle 72"/>
-          <p:cNvSpPr/>
-          <p:nvPr/>
-        </p:nvSpPr>
-        <p:spPr>
-          <a:xfrm>
-            <a:off x="6965562" y="5214616"/>
-            <a:ext cx="2057400" cy="178510"/>
-          </a:xfrm>
-          <a:prstGeom prst="rect">
-            <a:avLst/>
-          </a:prstGeom>
-          <a:solidFill>
-            <a:schemeClr val="bg1"/>
-          </a:solidFill>
-          <a:ln w="12700" cap="flat">
-            <a:noFill/>
-            <a:miter lim="400000"/>
-          </a:ln>
-          <a:effectLst>
-            <a:outerShdw blurRad="38100" dist="25400" dir="5400000" rotWithShape="0">
-              <a:srgbClr val="000000">
-                <a:alpha val="50000"/>
-              </a:srgbClr>
-            </a:outerShdw>
-          </a:effectLst>
-        </p:spPr>
-        <p:style>
-          <a:lnRef idx="0">
-            <a:scrgbClr r="0" g="0" b="0"/>
-          </a:lnRef>
-          <a:fillRef idx="0">
-            <a:scrgbClr r="0" g="0" b="0"/>
-          </a:fillRef>
-          <a:effectRef idx="0">
-            <a:scrgbClr r="0" g="0" b="0"/>
-          </a:effectRef>
-          <a:fontRef idx="none"/>
-        </p:style>
-        <p:txBody>
-          <a:bodyPr rot="0" spcFirstLastPara="1" vertOverflow="overflow" horzOverflow="overflow" vert="horz" wrap="square" lIns="27432" tIns="27432" rIns="27432" bIns="27432" numCol="1" spcCol="38100" rtlCol="0" anchor="ctr">
-            <a:spAutoFit/>
-          </a:bodyPr>
-          <a:lstStyle/>
-          <a:p>
-            <a:pPr algn="l" rtl="0" latinLnBrk="1" hangingPunct="0"/>
-            <a:r>
-              <a:rPr lang="en-US" sz="800" dirty="0" err="1">
+            <a:r>
+              <a:rPr lang="en-US" sz="800" dirty="0" smtClean="0">
                 <a:solidFill>
                   <a:srgbClr val="FF0000"/>
                 </a:solidFill>
                 <a:latin typeface="Source Sans Pro Semibold"/>
               </a:rPr>
-              <a:t>gof$residuals</a:t>
+              <a:t>   or   </a:t>
+            </a:r>
+            <a:r>
+              <a:rPr lang="en-US" sz="800" dirty="0" err="1" smtClean="0">
+                <a:solidFill>
+                  <a:srgbClr val="FF0000"/>
+                </a:solidFill>
+                <a:latin typeface="Source Sans Pro Semibold"/>
+              </a:rPr>
+              <a:t>chi$expected</a:t>
             </a:r>
             <a:endParaRPr lang="en-US" sz="800" dirty="0">
               <a:solidFill>
@@ -8763,8 +8955,8 @@
         </p:nvSpPr>
         <p:spPr>
           <a:xfrm>
-            <a:off x="6965562" y="5582698"/>
-            <a:ext cx="2057400" cy="178510"/>
+            <a:off x="7080189" y="6528792"/>
+            <a:ext cx="1942773" cy="178510"/>
           </a:xfrm>
           <a:prstGeom prst="rect">
             <a:avLst/>
@@ -9464,8 +9656,8 @@
         </p:nvSpPr>
         <p:spPr>
           <a:xfrm>
-            <a:off x="7394379" y="471082"/>
-            <a:ext cx="1249832" cy="152737"/>
+            <a:off x="7387164" y="471082"/>
+            <a:ext cx="1264260" cy="152737"/>
           </a:xfrm>
           <a:prstGeom prst="rect">
             <a:avLst/>
@@ -9505,10 +9697,10 @@
                 </a:solidFill>
                 <a:latin typeface="Source Sans Pro Light"/>
               </a:rPr>
-              <a:t>by Derek H. Ogle, revised </a:t>
-            </a:r>
-            <a:r>
-              <a:rPr lang="en-US" sz="600" b="1" dirty="0" smtClean="0">
+              <a:t>by Derek H. Ogle, </a:t>
+            </a:r>
+            <a:r>
+              <a:rPr lang="en-US" sz="600" b="1">
                 <a:solidFill>
                   <a:schemeClr val="bg1">
                     <a:lumMod val="75000"/>
@@ -9516,7 +9708,29 @@
                 </a:solidFill>
                 <a:latin typeface="Source Sans Pro Light"/>
               </a:rPr>
-              <a:t>Oct-17</a:t>
+              <a:t>revised </a:t>
+            </a:r>
+            <a:r>
+              <a:rPr lang="en-US" sz="600" b="1" smtClean="0">
+                <a:solidFill>
+                  <a:schemeClr val="bg1">
+                    <a:lumMod val="75000"/>
+                  </a:schemeClr>
+                </a:solidFill>
+                <a:latin typeface="Source Sans Pro Light"/>
+              </a:rPr>
+              <a:t>Dec</a:t>
+            </a:r>
+            <a:r>
+              <a:rPr lang="en-US" sz="600" b="1" smtClean="0">
+                <a:solidFill>
+                  <a:schemeClr val="bg1">
+                    <a:lumMod val="75000"/>
+                  </a:schemeClr>
+                </a:solidFill>
+                <a:latin typeface="Source Sans Pro Light"/>
+              </a:rPr>
+              <a:t>-17</a:t>
             </a:r>
             <a:endParaRPr lang="en-US" sz="600" b="1" dirty="0">
               <a:solidFill>
@@ -9525,6 +9739,90 @@
                 </a:schemeClr>
               </a:solidFill>
               <a:latin typeface="Source Sans Pro Light"/>
+            </a:endParaRPr>
+          </a:p>
+        </p:txBody>
+      </p:sp>
+      <p:sp>
+        <p:nvSpPr>
+          <p:cNvPr id="54" name="Rectangle 53"/>
+          <p:cNvSpPr/>
+          <p:nvPr/>
+        </p:nvSpPr>
+        <p:spPr>
+          <a:xfrm>
+            <a:off x="7080189" y="6138187"/>
+            <a:ext cx="1942773" cy="177762"/>
+          </a:xfrm>
+          <a:prstGeom prst="rect">
+            <a:avLst/>
+          </a:prstGeom>
+          <a:solidFill>
+            <a:schemeClr val="bg1"/>
+          </a:solidFill>
+          <a:ln w="12700" cap="flat">
+            <a:noFill/>
+            <a:miter lim="400000"/>
+          </a:ln>
+          <a:effectLst>
+            <a:outerShdw blurRad="38100" dist="25400" dir="5400000" rotWithShape="0">
+              <a:srgbClr val="000000">
+                <a:alpha val="50000"/>
+              </a:srgbClr>
+            </a:outerShdw>
+          </a:effectLst>
+        </p:spPr>
+        <p:style>
+          <a:lnRef idx="0">
+            <a:scrgbClr r="0" g="0" b="0"/>
+          </a:lnRef>
+          <a:fillRef idx="0">
+            <a:scrgbClr r="0" g="0" b="0"/>
+          </a:fillRef>
+          <a:effectRef idx="0">
+            <a:scrgbClr r="0" g="0" b="0"/>
+          </a:effectRef>
+          <a:fontRef idx="none"/>
+        </p:style>
+        <p:txBody>
+          <a:bodyPr rot="0" spcFirstLastPara="1" vertOverflow="overflow" horzOverflow="overflow" vert="horz" wrap="square" lIns="27432" tIns="27432" rIns="27432" bIns="27432" numCol="1" spcCol="38100" rtlCol="0" anchor="ctr">
+            <a:spAutoFit/>
+          </a:bodyPr>
+          <a:lstStyle/>
+          <a:p>
+            <a:pPr algn="l" rtl="0" latinLnBrk="1" hangingPunct="0"/>
+            <a:r>
+              <a:rPr lang="en-US" sz="800" dirty="0" err="1" smtClean="0">
+                <a:solidFill>
+                  <a:srgbClr val="FF0000"/>
+                </a:solidFill>
+                <a:latin typeface="Source Sans Pro Semibold"/>
+              </a:rPr>
+              <a:t>gof$residuals</a:t>
+            </a:r>
+            <a:r>
+              <a:rPr lang="en-US" sz="800" dirty="0" smtClean="0">
+                <a:solidFill>
+                  <a:srgbClr val="FF0000"/>
+                </a:solidFill>
+                <a:latin typeface="Source Sans Pro Semibold"/>
+              </a:rPr>
+              <a:t>   or   </a:t>
+            </a:r>
+            <a:r>
+              <a:rPr lang="en-US" sz="800" dirty="0" err="1" smtClean="0">
+                <a:solidFill>
+                  <a:srgbClr val="FF0000"/>
+                </a:solidFill>
+                <a:latin typeface="Source Sans Pro Semibold"/>
+              </a:rPr>
+              <a:t>chi$expected</a:t>
+            </a:r>
+            <a:endParaRPr lang="en-US" sz="800" dirty="0">
+              <a:solidFill>
+                <a:srgbClr val="FF0000"/>
+              </a:solidFill>
+              <a:latin typeface="Source Sans Pro Semibold"/>
             </a:endParaRPr>
           </a:p>
         </p:txBody>
@@ -11469,6 +11767,16 @@
               <a:t>&gt; </a:t>
             </a:r>
             <a:r>
+              <a:rPr lang="en-US" sz="600" b="1" dirty="0" err="1" smtClean="0">
+                <a:solidFill>
+                  <a:srgbClr val="FF0000"/>
+                </a:solidFill>
+                <a:latin typeface="Courier New" panose="02070309020205020404" pitchFamily="49" charset="0"/>
+                <a:cs typeface="Courier New" panose="02070309020205020404" pitchFamily="49" charset="0"/>
+              </a:rPr>
+              <a:t>justSporty</a:t>
+            </a:r>
+            <a:r>
               <a:rPr lang="en-US" sz="600" b="1" dirty="0" smtClean="0">
                 <a:solidFill>
                   <a:srgbClr val="FF0000"/>
@@ -11476,7 +11784,7 @@
                 <a:latin typeface="Courier New" panose="02070309020205020404" pitchFamily="49" charset="0"/>
                 <a:cs typeface="Courier New" panose="02070309020205020404" pitchFamily="49" charset="0"/>
               </a:rPr>
-              <a:t>newdf1 </a:t>
+              <a:t> </a:t>
             </a:r>
             <a:r>
               <a:rPr lang="en-US" sz="600" b="1" dirty="0">
@@ -11556,7 +11864,7 @@
                 <a:latin typeface="Courier New" panose="02070309020205020404" pitchFamily="49" charset="0"/>
                 <a:cs typeface="Courier New" panose="02070309020205020404" pitchFamily="49" charset="0"/>
               </a:rPr>
-              <a:t>newdf2 </a:t>
+              <a:t>justHMPGgt30 </a:t>
             </a:r>
             <a:r>
               <a:rPr lang="en-US" sz="600" b="1" dirty="0">
@@ -11629,6 +11937,16 @@
               <a:t>&gt; </a:t>
             </a:r>
             <a:r>
+              <a:rPr lang="en-US" sz="600" b="1" dirty="0" err="1" smtClean="0">
+                <a:solidFill>
+                  <a:srgbClr val="FF0000"/>
+                </a:solidFill>
+                <a:latin typeface="Courier New" panose="02070309020205020404" pitchFamily="49" charset="0"/>
+                <a:cs typeface="Courier New" panose="02070309020205020404" pitchFamily="49" charset="0"/>
+              </a:rPr>
+              <a:t>noDomestics</a:t>
+            </a:r>
+            <a:r>
               <a:rPr lang="en-US" sz="600" b="1" dirty="0" smtClean="0">
                 <a:solidFill>
                   <a:srgbClr val="FF0000"/>
@@ -11636,7 +11954,7 @@
                 <a:latin typeface="Courier New" panose="02070309020205020404" pitchFamily="49" charset="0"/>
                 <a:cs typeface="Courier New" panose="02070309020205020404" pitchFamily="49" charset="0"/>
               </a:rPr>
-              <a:t>newdf3 </a:t>
+              <a:t> </a:t>
             </a:r>
             <a:r>
               <a:rPr lang="en-US" sz="600" b="1" dirty="0">
@@ -11709,6 +12027,16 @@
               <a:t>&gt; </a:t>
             </a:r>
             <a:r>
+              <a:rPr lang="en-US" sz="600" b="1" dirty="0" err="1" smtClean="0">
+                <a:solidFill>
+                  <a:srgbClr val="FF0000"/>
+                </a:solidFill>
+                <a:latin typeface="Courier New" panose="02070309020205020404" pitchFamily="49" charset="0"/>
+                <a:cs typeface="Courier New" panose="02070309020205020404" pitchFamily="49" charset="0"/>
+              </a:rPr>
+              <a:t>Sprty_Small</a:t>
+            </a:r>
+            <a:r>
               <a:rPr lang="en-US" sz="600" b="1" dirty="0" smtClean="0">
                 <a:solidFill>
                   <a:srgbClr val="FF0000"/>
@@ -11716,7 +12044,7 @@
                 <a:latin typeface="Courier New" panose="02070309020205020404" pitchFamily="49" charset="0"/>
                 <a:cs typeface="Courier New" panose="02070309020205020404" pitchFamily="49" charset="0"/>
               </a:rPr>
-              <a:t>newdf4 </a:t>
+              <a:t> </a:t>
             </a:r>
             <a:r>
               <a:rPr lang="en-US" sz="600" b="1" dirty="0">
@@ -11915,17 +12243,7 @@
                 <a:latin typeface="Courier New" panose="02070309020205020404" pitchFamily="49" charset="0"/>
                 <a:cs typeface="Courier New" panose="02070309020205020404" pitchFamily="49" charset="0"/>
               </a:rPr>
-              <a:t>dfobj</a:t>
-            </a:r>
-            <a:r>
-              <a:rPr lang="en-US" sz="600" b="1" smtClean="0">
-                <a:solidFill>
-                  <a:srgbClr val="FF0000"/>
-                </a:solidFill>
-                <a:latin typeface="Courier New" panose="02070309020205020404" pitchFamily="49" charset="0"/>
-                <a:cs typeface="Courier New" panose="02070309020205020404" pitchFamily="49" charset="0"/>
-              </a:rPr>
-              <a:t>,ylab</a:t>
+              <a:t>dfobj,ylab</a:t>
             </a:r>
             <a:r>
               <a:rPr lang="en-US" sz="600" b="1" dirty="0">
@@ -12000,13 +12318,6 @@
               </a:rPr>
               <a:t>)“)</a:t>
             </a:r>
-            <a:endParaRPr lang="en-US" sz="600" b="1" dirty="0" smtClean="0">
-              <a:solidFill>
-                <a:srgbClr val="FF0000"/>
-              </a:solidFill>
-              <a:latin typeface="Courier New" panose="02070309020205020404" pitchFamily="49" charset="0"/>
-              <a:cs typeface="Courier New" panose="02070309020205020404" pitchFamily="49" charset="0"/>
-            </a:endParaRPr>
           </a:p>
           <a:p>
             <a:pPr algn="l" latinLnBrk="1"/>

--- a/resources/MTH107-Rcheatsheet.pptx
+++ b/resources/MTH107-Rcheatsheet.pptx
@@ -1493,7 +1493,7 @@
           </a:ln>
           <a:extLst>
             <a:ext uri="{C572A759-6A51-4108-AA02-DFA0A04FC94B}">
-              <ma14:wrappingTextBoxFlag xmlns="" xmlns:ma14="http://schemas.microsoft.com/office/mac/drawingml/2011/main" val="1"/>
+              <ma14:wrappingTextBoxFlag xmlns:ma14="http://schemas.microsoft.com/office/mac/drawingml/2011/main" xmlns="" val="1"/>
             </a:ext>
           </a:extLst>
         </p:spPr>
@@ -1536,7 +1536,7 @@
           </a:ln>
           <a:extLst>
             <a:ext uri="{C572A759-6A51-4108-AA02-DFA0A04FC94B}">
-              <ma14:wrappingTextBoxFlag xmlns="" xmlns:ma14="http://schemas.microsoft.com/office/mac/drawingml/2011/main" val="1"/>
+              <ma14:wrappingTextBoxFlag xmlns:ma14="http://schemas.microsoft.com/office/mac/drawingml/2011/main" xmlns="" val="1"/>
             </a:ext>
           </a:extLst>
         </p:spPr>
@@ -2332,7 +2332,7 @@
             </a:ln>
             <a:extLst>
               <a:ext uri="{C572A759-6A51-4108-AA02-DFA0A04FC94B}">
-                <ma14:wrappingTextBoxFlag xmlns="" xmlns:ma14="http://schemas.microsoft.com/office/mac/drawingml/2011/main" val="1"/>
+                <ma14:wrappingTextBoxFlag xmlns:ma14="http://schemas.microsoft.com/office/mac/drawingml/2011/main" xmlns="" val="1"/>
               </a:ext>
             </a:extLst>
           </p:spPr>
@@ -3389,7 +3389,7 @@
           </a:ln>
           <a:extLst>
             <a:ext uri="{C572A759-6A51-4108-AA02-DFA0A04FC94B}">
-              <ma14:wrappingTextBoxFlag xmlns="" xmlns:ma14="http://schemas.microsoft.com/office/mac/drawingml/2011/main" val="1"/>
+              <ma14:wrappingTextBoxFlag xmlns:ma14="http://schemas.microsoft.com/office/mac/drawingml/2011/main" xmlns="" val="1"/>
             </a:ext>
           </a:extLst>
         </p:spPr>
@@ -3996,7 +3996,7 @@
             </a:ln>
             <a:extLst>
               <a:ext uri="{C572A759-6A51-4108-AA02-DFA0A04FC94B}">
-                <ma14:wrappingTextBoxFlag xmlns="" xmlns:ma14="http://schemas.microsoft.com/office/mac/drawingml/2011/main" val="1"/>
+                <ma14:wrappingTextBoxFlag xmlns:ma14="http://schemas.microsoft.com/office/mac/drawingml/2011/main" xmlns="" val="1"/>
               </a:ext>
             </a:extLst>
           </p:spPr>
@@ -4950,7 +4950,7 @@
           </a:ln>
           <a:extLst>
             <a:ext uri="{C572A759-6A51-4108-AA02-DFA0A04FC94B}">
-              <ma14:wrappingTextBoxFlag xmlns="" xmlns:ma14="http://schemas.microsoft.com/office/mac/drawingml/2011/main" val="1"/>
+              <ma14:wrappingTextBoxFlag xmlns:ma14="http://schemas.microsoft.com/office/mac/drawingml/2011/main" xmlns="" val="1"/>
             </a:ext>
           </a:extLst>
         </p:spPr>
@@ -5644,7 +5644,7 @@
             </a:ln>
             <a:extLst>
               <a:ext uri="{C572A759-6A51-4108-AA02-DFA0A04FC94B}">
-                <ma14:wrappingTextBoxFlag xmlns="" xmlns:ma14="http://schemas.microsoft.com/office/mac/drawingml/2011/main" val="1"/>
+                <ma14:wrappingTextBoxFlag xmlns:ma14="http://schemas.microsoft.com/office/mac/drawingml/2011/main" xmlns="" val="1"/>
               </a:ext>
             </a:extLst>
           </p:spPr>
@@ -6691,7 +6691,7 @@
           </a:ln>
           <a:extLst>
             <a:ext uri="{C572A759-6A51-4108-AA02-DFA0A04FC94B}">
-              <ma14:wrappingTextBoxFlag xmlns="" xmlns:ma14="http://schemas.microsoft.com/office/mac/drawingml/2011/main" val="1"/>
+              <ma14:wrappingTextBoxFlag xmlns:ma14="http://schemas.microsoft.com/office/mac/drawingml/2011/main" xmlns="" val="1"/>
             </a:ext>
           </a:extLst>
         </p:spPr>
@@ -7756,7 +7756,7 @@
           </a:ln>
           <a:extLst>
             <a:ext uri="{C572A759-6A51-4108-AA02-DFA0A04FC94B}">
-              <ma14:wrappingTextBoxFlag xmlns="" xmlns:ma14="http://schemas.microsoft.com/office/mac/drawingml/2011/main" val="1"/>
+              <ma14:wrappingTextBoxFlag xmlns:ma14="http://schemas.microsoft.com/office/mac/drawingml/2011/main" xmlns="" val="1"/>
             </a:ext>
           </a:extLst>
         </p:spPr>
@@ -8270,7 +8270,7 @@
         </p:nvSpPr>
         <p:spPr>
           <a:xfrm>
-            <a:off x="6919842" y="3760813"/>
+            <a:off x="6919842" y="3732238"/>
             <a:ext cx="2148840" cy="3039877"/>
           </a:xfrm>
           <a:prstGeom prst="roundRect">
@@ -8436,7 +8436,7 @@
                 <a:schemeClr val="tx1"/>
               </a:buClr>
             </a:pPr>
-            <a:endParaRPr lang="en-US" sz="1600" dirty="0" smtClean="0">
+            <a:endParaRPr lang="en-US" sz="1800" dirty="0" smtClean="0">
               <a:latin typeface="Source Sans Pro Light"/>
             </a:endParaRPr>
           </a:p>
@@ -8447,11 +8447,14 @@
               </a:buClr>
             </a:pPr>
             <a:r>
-              <a:rPr lang="en-US" sz="800" dirty="0" smtClean="0">
+              <a:rPr lang="en-US" sz="800" b="1" dirty="0" smtClean="0">
                 <a:latin typeface="Source Sans Pro Light"/>
               </a:rPr>
-              <a:t>With the following follow-up analyses:</a:t>
-            </a:r>
+              <a:t>Follow-up Analyses:</a:t>
+            </a:r>
+            <a:endParaRPr lang="en-US" sz="800" b="1" dirty="0">
+              <a:latin typeface="Source Sans Pro Light"/>
+            </a:endParaRPr>
           </a:p>
           <a:p>
             <a:pPr marL="112713" indent="-53975" algn="l">
@@ -8588,7 +8591,7 @@
           </a:ln>
           <a:extLst>
             <a:ext uri="{C572A759-6A51-4108-AA02-DFA0A04FC94B}">
-              <ma14:wrappingTextBoxFlag xmlns="" xmlns:ma14="http://schemas.microsoft.com/office/mac/drawingml/2011/main" val="1"/>
+              <ma14:wrappingTextBoxFlag xmlns:ma14="http://schemas.microsoft.com/office/mac/drawingml/2011/main" xmlns="" val="1"/>
             </a:ext>
           </a:extLst>
         </p:spPr>
@@ -8631,7 +8634,7 @@
         </p:nvSpPr>
         <p:spPr>
           <a:xfrm>
-            <a:off x="6965562" y="4374908"/>
+            <a:off x="6965562" y="4346333"/>
             <a:ext cx="2057400" cy="301621"/>
           </a:xfrm>
           <a:prstGeom prst="rect">
@@ -8793,7 +8796,7 @@
         </p:nvSpPr>
         <p:spPr>
           <a:xfrm>
-            <a:off x="6965562" y="5290611"/>
+            <a:off x="6965562" y="5244891"/>
             <a:ext cx="2057400" cy="178510"/>
           </a:xfrm>
           <a:prstGeom prst="rect">
@@ -8871,7 +8874,7 @@
         </p:nvSpPr>
         <p:spPr>
           <a:xfrm>
-            <a:off x="7080189" y="5779045"/>
+            <a:off x="7080189" y="5761900"/>
             <a:ext cx="1942773" cy="177762"/>
           </a:xfrm>
           <a:prstGeom prst="rect">
@@ -8955,7 +8958,7 @@
         </p:nvSpPr>
         <p:spPr>
           <a:xfrm>
-            <a:off x="7080189" y="6528792"/>
+            <a:off x="7080189" y="6511647"/>
             <a:ext cx="1942773" cy="178510"/>
           </a:xfrm>
           <a:prstGeom prst="rect">
@@ -9061,7 +9064,7 @@
           </a:ln>
           <a:extLst>
             <a:ext uri="{C572A759-6A51-4108-AA02-DFA0A04FC94B}">
-              <ma14:wrappingTextBoxFlag xmlns="" xmlns:ma14="http://schemas.microsoft.com/office/mac/drawingml/2011/main" val="1"/>
+              <ma14:wrappingTextBoxFlag xmlns:ma14="http://schemas.microsoft.com/office/mac/drawingml/2011/main" xmlns="" val="1"/>
             </a:ext>
           </a:extLst>
         </p:spPr>
@@ -9127,7 +9130,7 @@
           </a:ln>
           <a:extLst>
             <a:ext uri="{C572A759-6A51-4108-AA02-DFA0A04FC94B}">
-              <ma14:wrappingTextBoxFlag xmlns="" xmlns:ma14="http://schemas.microsoft.com/office/mac/drawingml/2011/main" val="1"/>
+              <ma14:wrappingTextBoxFlag xmlns:ma14="http://schemas.microsoft.com/office/mac/drawingml/2011/main" xmlns="" val="1"/>
             </a:ext>
           </a:extLst>
         </p:spPr>
@@ -9193,7 +9196,7 @@
           </a:ln>
           <a:extLst>
             <a:ext uri="{C572A759-6A51-4108-AA02-DFA0A04FC94B}">
-              <ma14:wrappingTextBoxFlag xmlns="" xmlns:ma14="http://schemas.microsoft.com/office/mac/drawingml/2011/main" val="1"/>
+              <ma14:wrappingTextBoxFlag xmlns:ma14="http://schemas.microsoft.com/office/mac/drawingml/2011/main" xmlns="" val="1"/>
             </a:ext>
           </a:extLst>
         </p:spPr>
@@ -9484,7 +9487,7 @@
           </a:ln>
           <a:extLst>
             <a:ext uri="{C572A759-6A51-4108-AA02-DFA0A04FC94B}">
-              <ma14:wrappingTextBoxFlag xmlns="" xmlns:ma14="http://schemas.microsoft.com/office/mac/drawingml/2011/main" val="1"/>
+              <ma14:wrappingTextBoxFlag xmlns:ma14="http://schemas.microsoft.com/office/mac/drawingml/2011/main" xmlns="" val="1"/>
             </a:ext>
           </a:extLst>
         </p:spPr>
@@ -9550,7 +9553,7 @@
           </a:ln>
           <a:extLst>
             <a:ext uri="{C572A759-6A51-4108-AA02-DFA0A04FC94B}">
-              <ma14:wrappingTextBoxFlag xmlns="" xmlns:ma14="http://schemas.microsoft.com/office/mac/drawingml/2011/main" val="1"/>
+              <ma14:wrappingTextBoxFlag xmlns:ma14="http://schemas.microsoft.com/office/mac/drawingml/2011/main" xmlns="" val="1"/>
             </a:ext>
           </a:extLst>
         </p:spPr>
@@ -9719,18 +9722,7 @@
                 </a:solidFill>
                 <a:latin typeface="Source Sans Pro Light"/>
               </a:rPr>
-              <a:t>Dec</a:t>
-            </a:r>
-            <a:r>
-              <a:rPr lang="en-US" sz="600" b="1" smtClean="0">
-                <a:solidFill>
-                  <a:schemeClr val="bg1">
-                    <a:lumMod val="75000"/>
-                  </a:schemeClr>
-                </a:solidFill>
-                <a:latin typeface="Source Sans Pro Light"/>
-              </a:rPr>
-              <a:t>-17</a:t>
+              <a:t>Dec-17</a:t>
             </a:r>
             <a:endParaRPr lang="en-US" sz="600" b="1" dirty="0">
               <a:solidFill>
@@ -9751,7 +9743,7 @@
         </p:nvSpPr>
         <p:spPr>
           <a:xfrm>
-            <a:off x="7080189" y="6138187"/>
+            <a:off x="7080189" y="6121042"/>
             <a:ext cx="1942773" cy="177762"/>
           </a:xfrm>
           <a:prstGeom prst="rect">
@@ -15287,7 +15279,7 @@
           </a:ln>
           <a:extLst>
             <a:ext uri="{C572A759-6A51-4108-AA02-DFA0A04FC94B}">
-              <ma14:wrappingTextBoxFlag xmlns="" xmlns:ma14="http://schemas.microsoft.com/office/mac/drawingml/2011/main" val="1"/>
+              <ma14:wrappingTextBoxFlag xmlns:ma14="http://schemas.microsoft.com/office/mac/drawingml/2011/main" xmlns="" val="1"/>
             </a:ext>
           </a:extLst>
         </p:spPr>
@@ -15353,7 +15345,7 @@
           </a:ln>
           <a:extLst>
             <a:ext uri="{C572A759-6A51-4108-AA02-DFA0A04FC94B}">
-              <ma14:wrappingTextBoxFlag xmlns="" xmlns:ma14="http://schemas.microsoft.com/office/mac/drawingml/2011/main" val="1"/>
+              <ma14:wrappingTextBoxFlag xmlns:ma14="http://schemas.microsoft.com/office/mac/drawingml/2011/main" xmlns="" val="1"/>
             </a:ext>
           </a:extLst>
         </p:spPr>
@@ -15419,7 +15411,7 @@
           </a:ln>
           <a:extLst>
             <a:ext uri="{C572A759-6A51-4108-AA02-DFA0A04FC94B}">
-              <ma14:wrappingTextBoxFlag xmlns="" xmlns:ma14="http://schemas.microsoft.com/office/mac/drawingml/2011/main" val="1"/>
+              <ma14:wrappingTextBoxFlag xmlns:ma14="http://schemas.microsoft.com/office/mac/drawingml/2011/main" xmlns="" val="1"/>
             </a:ext>
           </a:extLst>
         </p:spPr>
@@ -15485,7 +15477,7 @@
           </a:ln>
           <a:extLst>
             <a:ext uri="{C572A759-6A51-4108-AA02-DFA0A04FC94B}">
-              <ma14:wrappingTextBoxFlag xmlns="" xmlns:ma14="http://schemas.microsoft.com/office/mac/drawingml/2011/main" val="1"/>
+              <ma14:wrappingTextBoxFlag xmlns:ma14="http://schemas.microsoft.com/office/mac/drawingml/2011/main" xmlns="" val="1"/>
             </a:ext>
           </a:extLst>
         </p:spPr>
@@ -15575,7 +15567,7 @@
           </a:ln>
           <a:extLst>
             <a:ext uri="{C572A759-6A51-4108-AA02-DFA0A04FC94B}">
-              <ma14:wrappingTextBoxFlag xmlns="" xmlns:ma14="http://schemas.microsoft.com/office/mac/drawingml/2011/main" val="1"/>
+              <ma14:wrappingTextBoxFlag xmlns:ma14="http://schemas.microsoft.com/office/mac/drawingml/2011/main" xmlns="" val="1"/>
             </a:ext>
           </a:extLst>
         </p:spPr>

--- a/resources/MTH107-Rcheatsheet.pptx
+++ b/resources/MTH107-Rcheatsheet.pptx
@@ -1312,7 +1312,7 @@
           </a:ln>
           <a:extLst>
             <a:ext uri="{C572A759-6A51-4108-AA02-DFA0A04FC94B}">
-              <ma14:wrappingTextBoxFlag xmlns:ma14="http://schemas.microsoft.com/office/mac/drawingml/2011/main" xmlns="" val="1"/>
+              <ma14:wrappingTextBoxFlag xmlns="" xmlns:ma14="http://schemas.microsoft.com/office/mac/drawingml/2011/main" val="1"/>
             </a:ext>
           </a:extLst>
         </p:spPr>
@@ -1355,7 +1355,7 @@
           </a:ln>
           <a:extLst>
             <a:ext uri="{C572A759-6A51-4108-AA02-DFA0A04FC94B}">
-              <ma14:wrappingTextBoxFlag xmlns:ma14="http://schemas.microsoft.com/office/mac/drawingml/2011/main" xmlns="" val="1"/>
+              <ma14:wrappingTextBoxFlag xmlns="" xmlns:ma14="http://schemas.microsoft.com/office/mac/drawingml/2011/main" val="1"/>
             </a:ext>
           </a:extLst>
         </p:spPr>
@@ -3094,7 +3094,7 @@
             </a:ln>
             <a:extLst>
               <a:ext uri="{C572A759-6A51-4108-AA02-DFA0A04FC94B}">
-                <ma14:wrappingTextBoxFlag xmlns:ma14="http://schemas.microsoft.com/office/mac/drawingml/2011/main" xmlns="" val="1"/>
+                <ma14:wrappingTextBoxFlag xmlns="" xmlns:ma14="http://schemas.microsoft.com/office/mac/drawingml/2011/main" val="1"/>
               </a:ext>
             </a:extLst>
           </p:spPr>
@@ -4167,16 +4167,16 @@
                 <a:defRPr sz="1800"/>
               </a:pPr>
               <a:r>
-                <a:rPr lang="en-US" sz="800" b="1" dirty="0">
+                <a:rPr lang="en-US" sz="800" b="1" smtClean="0">
                   <a:latin typeface="Source Sans Pro Light"/>
                   <a:ea typeface="Source Sans Pro Light"/>
                   <a:cs typeface="Source Sans Pro Light"/>
                   <a:sym typeface="Source Sans Pro Light"/>
                 </a:rPr>
-                <a:t>DATA PROVIDED BY PROFESSOR:</a:t>
-              </a:r>
-              <a:r>
-                <a:rPr lang="en-US" sz="800" dirty="0">
+                <a:t>LOAD THE EXTERNAL CSV FILE INTO R:</a:t>
+              </a:r>
+              <a:r>
+                <a:rPr lang="en-US" sz="800" smtClean="0">
                   <a:latin typeface="Source Sans Pro Light"/>
                   <a:ea typeface="Source Sans Pro Light"/>
                   <a:cs typeface="Source Sans Pro Light"/>
@@ -4184,6 +4184,12 @@
                 </a:rPr>
                 <a:t> </a:t>
               </a:r>
+              <a:endParaRPr lang="en-US" sz="800" dirty="0">
+                <a:latin typeface="Source Sans Pro Light"/>
+                <a:ea typeface="Source Sans Pro Light"/>
+                <a:cs typeface="Source Sans Pro Light"/>
+                <a:sym typeface="Source Sans Pro Light"/>
+              </a:endParaRPr>
             </a:p>
             <a:p>
               <a:pPr marL="95704" indent="-95704" algn="l">
@@ -4568,7 +4574,7 @@
             </a:ln>
             <a:extLst>
               <a:ext uri="{C572A759-6A51-4108-AA02-DFA0A04FC94B}">
-                <ma14:wrappingTextBoxFlag xmlns:ma14="http://schemas.microsoft.com/office/mac/drawingml/2011/main" xmlns="" val="1"/>
+                <ma14:wrappingTextBoxFlag xmlns="" xmlns:ma14="http://schemas.microsoft.com/office/mac/drawingml/2011/main" val="1"/>
               </a:ext>
             </a:extLst>
           </p:spPr>
@@ -5602,7 +5608,7 @@
             </a:ln>
             <a:extLst>
               <a:ext uri="{C572A759-6A51-4108-AA02-DFA0A04FC94B}">
-                <ma14:wrappingTextBoxFlag xmlns:ma14="http://schemas.microsoft.com/office/mac/drawingml/2011/main" xmlns="" val="1"/>
+                <ma14:wrappingTextBoxFlag xmlns="" xmlns:ma14="http://schemas.microsoft.com/office/mac/drawingml/2011/main" val="1"/>
               </a:ext>
             </a:extLst>
           </p:spPr>
@@ -7080,7 +7086,7 @@
             </a:ln>
             <a:extLst>
               <a:ext uri="{C572A759-6A51-4108-AA02-DFA0A04FC94B}">
-                <ma14:wrappingTextBoxFlag xmlns:ma14="http://schemas.microsoft.com/office/mac/drawingml/2011/main" xmlns="" val="1"/>
+                <ma14:wrappingTextBoxFlag xmlns="" xmlns:ma14="http://schemas.microsoft.com/office/mac/drawingml/2011/main" val="1"/>
               </a:ext>
             </a:extLst>
           </p:spPr>
@@ -9988,7 +9994,7 @@
             </a:ln>
             <a:extLst>
               <a:ext uri="{C572A759-6A51-4108-AA02-DFA0A04FC94B}">
-                <ma14:wrappingTextBoxFlag xmlns:ma14="http://schemas.microsoft.com/office/mac/drawingml/2011/main" xmlns="" val="1"/>
+                <ma14:wrappingTextBoxFlag xmlns="" xmlns:ma14="http://schemas.microsoft.com/office/mac/drawingml/2011/main" val="1"/>
               </a:ext>
             </a:extLst>
           </p:spPr>
@@ -11493,7 +11499,7 @@
             </a:ln>
             <a:extLst>
               <a:ext uri="{C572A759-6A51-4108-AA02-DFA0A04FC94B}">
-                <ma14:wrappingTextBoxFlag xmlns:ma14="http://schemas.microsoft.com/office/mac/drawingml/2011/main" xmlns="" val="1"/>
+                <ma14:wrappingTextBoxFlag xmlns="" xmlns:ma14="http://schemas.microsoft.com/office/mac/drawingml/2011/main" val="1"/>
               </a:ext>
             </a:extLst>
           </p:spPr>
@@ -12533,7 +12539,7 @@
             </a:ln>
             <a:extLst>
               <a:ext uri="{C572A759-6A51-4108-AA02-DFA0A04FC94B}">
-                <ma14:wrappingTextBoxFlag xmlns:ma14="http://schemas.microsoft.com/office/mac/drawingml/2011/main" xmlns="" val="1"/>
+                <ma14:wrappingTextBoxFlag xmlns="" xmlns:ma14="http://schemas.microsoft.com/office/mac/drawingml/2011/main" val="1"/>
               </a:ext>
             </a:extLst>
           </p:spPr>
@@ -13866,7 +13872,7 @@
             </a:ln>
             <a:extLst>
               <a:ext uri="{C572A759-6A51-4108-AA02-DFA0A04FC94B}">
-                <ma14:wrappingTextBoxFlag xmlns:ma14="http://schemas.microsoft.com/office/mac/drawingml/2011/main" xmlns="" val="1"/>
+                <ma14:wrappingTextBoxFlag xmlns="" xmlns:ma14="http://schemas.microsoft.com/office/mac/drawingml/2011/main" val="1"/>
               </a:ext>
             </a:extLst>
           </p:spPr>
@@ -15507,7 +15513,7 @@
             </a:ln>
             <a:extLst>
               <a:ext uri="{C572A759-6A51-4108-AA02-DFA0A04FC94B}">
-                <ma14:wrappingTextBoxFlag xmlns:ma14="http://schemas.microsoft.com/office/mac/drawingml/2011/main" xmlns="" val="1"/>
+                <ma14:wrappingTextBoxFlag xmlns="" xmlns:ma14="http://schemas.microsoft.com/office/mac/drawingml/2011/main" val="1"/>
               </a:ext>
             </a:extLst>
           </p:spPr>
@@ -15784,7 +15790,7 @@
             </a:ln>
             <a:extLst>
               <a:ext uri="{C572A759-6A51-4108-AA02-DFA0A04FC94B}">
-                <ma14:wrappingTextBoxFlag xmlns:ma14="http://schemas.microsoft.com/office/mac/drawingml/2011/main" xmlns="" val="1"/>
+                <ma14:wrappingTextBoxFlag xmlns="" xmlns:ma14="http://schemas.microsoft.com/office/mac/drawingml/2011/main" val="1"/>
               </a:ext>
             </a:extLst>
           </p:spPr>
